--- a/Records/Files/PPT/hoitfs-middle-stage-presentation.pptx
+++ b/Records/Files/PPT/hoitfs-middle-stage-presentation.pptx
@@ -3,30 +3,30 @@
 <p:presentation xmlns:a="http://schemas.openxmlformats.org/drawingml/2006/main" xmlns:r="http://schemas.openxmlformats.org/officeDocument/2006/relationships" xmlns:p="http://schemas.openxmlformats.org/presentationml/2006/main">
   <p:sldMasterIdLst>
     <p:sldMasterId id="2147483648" r:id="rId1"/>
-    <p:sldMasterId id="2147483660" r:id="rId3"/>
-    <p:sldMasterId id="2147483672" r:id="rId4"/>
+    <p:sldMasterId id="2147483660" r:id="rId2"/>
+    <p:sldMasterId id="2147483672" r:id="rId3"/>
   </p:sldMasterIdLst>
   <p:notesMasterIdLst>
-    <p:notesMasterId r:id="rId7"/>
+    <p:notesMasterId r:id="rId21"/>
   </p:notesMasterIdLst>
   <p:sldIdLst>
-    <p:sldId id="256" r:id="rId5"/>
-    <p:sldId id="257" r:id="rId6"/>
-    <p:sldId id="258" r:id="rId8"/>
-    <p:sldId id="275" r:id="rId9"/>
-    <p:sldId id="259" r:id="rId10"/>
-    <p:sldId id="283" r:id="rId11"/>
-    <p:sldId id="276" r:id="rId12"/>
-    <p:sldId id="278" r:id="rId13"/>
-    <p:sldId id="279" r:id="rId14"/>
-    <p:sldId id="280" r:id="rId15"/>
-    <p:sldId id="281" r:id="rId16"/>
-    <p:sldId id="282" r:id="rId17"/>
-    <p:sldId id="284" r:id="rId18"/>
-    <p:sldId id="261" r:id="rId19"/>
-    <p:sldId id="262" r:id="rId20"/>
-    <p:sldId id="263" r:id="rId21"/>
-    <p:sldId id="264" r:id="rId22"/>
+    <p:sldId id="256" r:id="rId4"/>
+    <p:sldId id="257" r:id="rId5"/>
+    <p:sldId id="258" r:id="rId6"/>
+    <p:sldId id="275" r:id="rId7"/>
+    <p:sldId id="259" r:id="rId8"/>
+    <p:sldId id="283" r:id="rId9"/>
+    <p:sldId id="276" r:id="rId10"/>
+    <p:sldId id="278" r:id="rId11"/>
+    <p:sldId id="279" r:id="rId12"/>
+    <p:sldId id="280" r:id="rId13"/>
+    <p:sldId id="281" r:id="rId14"/>
+    <p:sldId id="282" r:id="rId15"/>
+    <p:sldId id="284" r:id="rId16"/>
+    <p:sldId id="261" r:id="rId17"/>
+    <p:sldId id="262" r:id="rId18"/>
+    <p:sldId id="263" r:id="rId19"/>
+    <p:sldId id="264" r:id="rId20"/>
   </p:sldIdLst>
   <p:sldSz cx="12192000" cy="6858000"/>
   <p:notesSz cx="6858000" cy="9144000"/>
@@ -136,8 +136,8 @@
         <p14:section name="背景 - 2.00" id="{A69A37F7-C79B-46B3-8575-6249E2D5F1AF}">
           <p14:sldIdLst>
             <p14:sldId id="257"/>
+            <p14:sldId id="258"/>
             <p14:sldId id="275"/>
-            <p14:sldId id="258"/>
           </p14:sldIdLst>
         </p14:section>
         <p14:section name="架构 - 1.00 ~ 1.30" id="{F2976A61-7ED4-42A8-9204-18EDE88BA80A}">
@@ -175,6 +175,9 @@
         </p14:section>
       </p14:sectionLst>
     </p:ext>
+    <p:ext uri="{EFAFB233-063F-42B5-8137-9DF3F51BA10A}">
+      <p15:sldGuideLst xmlns:p15="http://schemas.microsoft.com/office/powerpoint/2012/main"/>
+    </p:ext>
   </p:extLst>
 </p:presentation>
 </file>
@@ -261,6 +264,7 @@
           <a:p>
             <a:fld id="{D2A48B96-639E-45A3-A0BA-2464DFDB1FAA}" type="datetimeFigureOut">
               <a:rPr lang="zh-CN" altLang="en-US" smtClean="0"/>
+              <a:t>2021-05-13</a:t>
             </a:fld>
             <a:endParaRPr lang="zh-CN" altLang="en-US"/>
           </a:p>
@@ -324,42 +328,37 @@
           <a:p>
             <a:pPr lvl="0"/>
             <a:r>
-              <a:rPr lang="zh-CN" altLang="en-US" smtClean="0"/>
+              <a:rPr lang="zh-CN" altLang="en-US"/>
               <a:t>单击此处编辑母版文本样式</a:t>
             </a:r>
-            <a:endParaRPr lang="zh-CN" altLang="en-US" smtClean="0"/>
           </a:p>
           <a:p>
             <a:pPr lvl="1"/>
             <a:r>
-              <a:rPr lang="zh-CN" altLang="en-US" smtClean="0"/>
+              <a:rPr lang="zh-CN" altLang="en-US"/>
               <a:t>第二级</a:t>
             </a:r>
-            <a:endParaRPr lang="zh-CN" altLang="en-US" smtClean="0"/>
           </a:p>
           <a:p>
             <a:pPr lvl="2"/>
             <a:r>
-              <a:rPr lang="zh-CN" altLang="en-US" smtClean="0"/>
+              <a:rPr lang="zh-CN" altLang="en-US"/>
               <a:t>第三级</a:t>
             </a:r>
-            <a:endParaRPr lang="zh-CN" altLang="en-US" smtClean="0"/>
           </a:p>
           <a:p>
             <a:pPr lvl="3"/>
             <a:r>
-              <a:rPr lang="zh-CN" altLang="en-US" smtClean="0"/>
+              <a:rPr lang="zh-CN" altLang="en-US"/>
               <a:t>第四级</a:t>
             </a:r>
-            <a:endParaRPr lang="zh-CN" altLang="en-US" smtClean="0"/>
           </a:p>
           <a:p>
             <a:pPr lvl="4"/>
             <a:r>
-              <a:rPr lang="zh-CN" altLang="en-US" smtClean="0"/>
+              <a:rPr lang="zh-CN" altLang="en-US"/>
               <a:t>第五级</a:t>
             </a:r>
-            <a:endParaRPr lang="zh-CN" altLang="en-US"/>
           </a:p>
         </p:txBody>
       </p:sp>
@@ -423,6 +422,7 @@
           <a:p>
             <a:fld id="{A6837353-30EB-4A48-80EB-173D804AEFBD}" type="slidenum">
               <a:rPr lang="zh-CN" altLang="en-US" smtClean="0"/>
+              <a:t>‹#›</a:t>
             </a:fld>
             <a:endParaRPr lang="zh-CN" altLang="en-US"/>
           </a:p>
@@ -535,11 +535,20 @@
         <p:cNvGrpSpPr/>
         <p:nvPr/>
       </p:nvGrpSpPr>
-      <p:grpSpPr/>
+      <p:grpSpPr>
+        <a:xfrm>
+          <a:off x="0" y="0"/>
+          <a:ext cx="0" cy="0"/>
+          <a:chOff x="0" y="0"/>
+          <a:chExt cx="0" cy="0"/>
+        </a:xfrm>
+      </p:grpSpPr>
       <p:sp>
         <p:nvSpPr>
           <p:cNvPr id="2" name="幻灯片图像占位符 1"/>
-          <p:cNvSpPr/>
+          <p:cNvSpPr>
+            <a:spLocks noGrp="1" noRot="1" noChangeAspect="1"/>
+          </p:cNvSpPr>
           <p:nvPr>
             <p:ph type="sldImg" idx="2"/>
           </p:nvPr>
@@ -549,7 +558,9 @@
       <p:sp>
         <p:nvSpPr>
           <p:cNvPr id="3" name="文本占位符 2"/>
-          <p:cNvSpPr/>
+          <p:cNvSpPr>
+            <a:spLocks noGrp="1"/>
+          </p:cNvSpPr>
           <p:nvPr>
             <p:ph type="body" idx="3"/>
           </p:nvPr>
@@ -557,6 +568,7 @@
         <p:spPr/>
         <p:txBody>
           <a:bodyPr/>
+          <a:lstStyle/>
           <a:p>
             <a:r>
               <a:rPr lang="en-US" altLang="zh-CN"/>
@@ -564,13 +576,8 @@
             </a:r>
             <a:r>
               <a:rPr lang="zh-CN" altLang="en-US"/>
-              <a:t>文件操作包括open、close、read、write、seek等操作，目录操作</a:t>
-            </a:r>
-            <a:r>
-              <a:rPr lang="zh-CN" altLang="en-US"/>
-              <a:t>包括opendir、readdir、rename等操作。</a:t>
-            </a:r>
-            <a:endParaRPr lang="zh-CN" altLang="en-US"/>
+              <a:t>文件操作包括open、close、read、write、seek等操作，目录操作包括opendir、readdir、rename等操作。</a:t>
+            </a:r>
           </a:p>
           <a:p>
             <a:endParaRPr lang="zh-CN" altLang="en-US"/>
@@ -594,11 +601,20 @@
         <p:cNvGrpSpPr/>
         <p:nvPr/>
       </p:nvGrpSpPr>
-      <p:grpSpPr/>
+      <p:grpSpPr>
+        <a:xfrm>
+          <a:off x="0" y="0"/>
+          <a:ext cx="0" cy="0"/>
+          <a:chOff x="0" y="0"/>
+          <a:chExt cx="0" cy="0"/>
+        </a:xfrm>
+      </p:grpSpPr>
       <p:sp>
         <p:nvSpPr>
           <p:cNvPr id="2" name="幻灯片图像占位符 1"/>
-          <p:cNvSpPr/>
+          <p:cNvSpPr>
+            <a:spLocks noGrp="1" noRot="1" noChangeAspect="1"/>
+          </p:cNvSpPr>
           <p:nvPr>
             <p:ph type="sldImg" idx="2"/>
           </p:nvPr>
@@ -608,7 +624,9 @@
       <p:sp>
         <p:nvSpPr>
           <p:cNvPr id="3" name="文本占位符 2"/>
-          <p:cNvSpPr/>
+          <p:cNvSpPr>
+            <a:spLocks noGrp="1"/>
+          </p:cNvSpPr>
           <p:nvPr>
             <p:ph type="body" idx="3"/>
           </p:nvPr>
@@ -616,6 +634,7 @@
         <p:spPr/>
         <p:txBody>
           <a:bodyPr/>
+          <a:lstStyle/>
           <a:p>
             <a:r>
               <a:rPr lang="zh-CN" altLang="en-US"/>
@@ -627,24 +646,14 @@
             </a:r>
             <a:r>
               <a:rPr lang="zh-CN" altLang="en-US"/>
-              <a:t>的过程中建立物理层结构，在打开目录文件时再建立逻辑层记录和</a:t>
-            </a:r>
+              <a:t>的过程中建立物理层结构，在打开目录文件时再建立逻辑层记录和哈希表。</a:t>
+            </a:r>
+          </a:p>
+          <a:p>
             <a:r>
               <a:rPr lang="zh-CN" altLang="en-US"/>
-              <a:t>哈希表。</a:t>
-            </a:r>
-            <a:endParaRPr lang="zh-CN" altLang="en-US"/>
-          </a:p>
-          <a:p>
-            <a:r>
-              <a:rPr lang="zh-CN" altLang="en-US"/>
-              <a:t>而区别在于，目录文件只有一个逻辑层记录和一个数据块，用于保存目录属性。而其他的数据均为目录项</a:t>
-            </a:r>
-            <a:r>
-              <a:rPr lang="zh-CN" altLang="en-US"/>
-              <a:t>数据。</a:t>
-            </a:r>
-            <a:endParaRPr lang="zh-CN" altLang="en-US"/>
+              <a:t>而区别在于，目录文件只有一个逻辑层记录和一个数据块，用于保存目录属性。而其他的数据均为目录项数据。</a:t>
+            </a:r>
           </a:p>
         </p:txBody>
       </p:sp>
@@ -665,11 +674,20 @@
         <p:cNvGrpSpPr/>
         <p:nvPr/>
       </p:nvGrpSpPr>
-      <p:grpSpPr/>
+      <p:grpSpPr>
+        <a:xfrm>
+          <a:off x="0" y="0"/>
+          <a:ext cx="0" cy="0"/>
+          <a:chOff x="0" y="0"/>
+          <a:chExt cx="0" cy="0"/>
+        </a:xfrm>
+      </p:grpSpPr>
       <p:sp>
         <p:nvSpPr>
           <p:cNvPr id="2" name="幻灯片图像占位符 1"/>
-          <p:cNvSpPr/>
+          <p:cNvSpPr>
+            <a:spLocks noGrp="1" noRot="1" noChangeAspect="1"/>
+          </p:cNvSpPr>
           <p:nvPr>
             <p:ph type="sldImg" idx="2"/>
           </p:nvPr>
@@ -679,7 +697,9 @@
       <p:sp>
         <p:nvSpPr>
           <p:cNvPr id="3" name="文本占位符 2"/>
-          <p:cNvSpPr/>
+          <p:cNvSpPr>
+            <a:spLocks noGrp="1"/>
+          </p:cNvSpPr>
           <p:nvPr>
             <p:ph type="body" idx="3"/>
           </p:nvPr>
@@ -687,12 +707,12 @@
         <p:spPr/>
         <p:txBody>
           <a:bodyPr/>
+          <a:lstStyle/>
           <a:p>
             <a:r>
               <a:rPr lang="zh-CN" altLang="en-US"/>
               <a:t>优</a:t>
             </a:r>
-            <a:endParaRPr lang="zh-CN" altLang="en-US"/>
           </a:p>
           <a:p>
             <a:r>
@@ -725,17 +745,8 @@
             </a:r>
             <a:r>
               <a:rPr lang="zh-CN" altLang="en-US"/>
-              <a:t>获得数据实体，比较数据的版本号，即可重新建立</a:t>
-            </a:r>
-            <a:r>
-              <a:rPr lang="zh-CN" altLang="en-US"/>
-              <a:t>整个文件</a:t>
-            </a:r>
-            <a:r>
-              <a:rPr lang="zh-CN" altLang="en-US"/>
-              <a:t>系统。</a:t>
-            </a:r>
-            <a:endParaRPr lang="zh-CN" altLang="en-US"/>
+              <a:t>获得数据实体，比较数据的版本号，即可重新建立整个文件系统。</a:t>
+            </a:r>
           </a:p>
           <a:p>
             <a:r>
@@ -744,13 +755,8 @@
             </a:r>
             <a:r>
               <a:rPr lang="zh-CN" altLang="en-US"/>
-              <a:t>每个有效的数据实体在内存都有与之对应的结构体，能方便索引和快速访问数据</a:t>
-            </a:r>
-            <a:r>
-              <a:rPr lang="zh-CN" altLang="en-US"/>
-              <a:t>内容。</a:t>
-            </a:r>
-            <a:endParaRPr lang="zh-CN" altLang="en-US"/>
+              <a:t>每个有效的数据实体在内存都有与之对应的结构体，能方便索引和快速访问数据内容。</a:t>
+            </a:r>
           </a:p>
           <a:p>
             <a:r>
@@ -775,13 +781,8 @@
             </a:r>
             <a:r>
               <a:rPr lang="zh-CN" altLang="en-US"/>
-              <a:t>的各个块</a:t>
-            </a:r>
-            <a:r>
-              <a:rPr lang="zh-CN" altLang="en-US"/>
-              <a:t>中。</a:t>
-            </a:r>
-            <a:endParaRPr lang="zh-CN" altLang="en-US"/>
+              <a:t>的各个块中。</a:t>
+            </a:r>
           </a:p>
         </p:txBody>
       </p:sp>
@@ -802,11 +803,20 @@
         <p:cNvGrpSpPr/>
         <p:nvPr/>
       </p:nvGrpSpPr>
-      <p:grpSpPr/>
+      <p:grpSpPr>
+        <a:xfrm>
+          <a:off x="0" y="0"/>
+          <a:ext cx="0" cy="0"/>
+          <a:chOff x="0" y="0"/>
+          <a:chExt cx="0" cy="0"/>
+        </a:xfrm>
+      </p:grpSpPr>
       <p:sp>
         <p:nvSpPr>
           <p:cNvPr id="2" name="幻灯片图像占位符 1"/>
-          <p:cNvSpPr/>
+          <p:cNvSpPr>
+            <a:spLocks noGrp="1" noRot="1" noChangeAspect="1"/>
+          </p:cNvSpPr>
           <p:nvPr>
             <p:ph type="sldImg" idx="2"/>
           </p:nvPr>
@@ -816,7 +826,9 @@
       <p:sp>
         <p:nvSpPr>
           <p:cNvPr id="3" name="文本占位符 2"/>
-          <p:cNvSpPr/>
+          <p:cNvSpPr>
+            <a:spLocks noGrp="1"/>
+          </p:cNvSpPr>
           <p:nvPr>
             <p:ph type="body" idx="3"/>
           </p:nvPr>
@@ -824,6 +836,7 @@
         <p:spPr/>
         <p:txBody>
           <a:bodyPr/>
+          <a:lstStyle/>
           <a:p>
             <a:r>
               <a:rPr lang="en-US" altLang="zh-CN"/>
@@ -847,13 +860,8 @@
             </a:r>
             <a:r>
               <a:rPr lang="zh-CN" altLang="en-US"/>
-              <a:t>和目录读写等</a:t>
-            </a:r>
-            <a:r>
-              <a:rPr lang="zh-CN" altLang="en-US"/>
-              <a:t>操作。</a:t>
-            </a:r>
-            <a:endParaRPr lang="zh-CN" altLang="en-US"/>
+              <a:t>和目录读写等操作。</a:t>
+            </a:r>
           </a:p>
         </p:txBody>
       </p:sp>
@@ -874,11 +882,20 @@
         <p:cNvGrpSpPr/>
         <p:nvPr/>
       </p:nvGrpSpPr>
-      <p:grpSpPr/>
+      <p:grpSpPr>
+        <a:xfrm>
+          <a:off x="0" y="0"/>
+          <a:ext cx="0" cy="0"/>
+          <a:chOff x="0" y="0"/>
+          <a:chExt cx="0" cy="0"/>
+        </a:xfrm>
+      </p:grpSpPr>
       <p:sp>
         <p:nvSpPr>
           <p:cNvPr id="2" name="幻灯片图像占位符 1"/>
-          <p:cNvSpPr/>
+          <p:cNvSpPr>
+            <a:spLocks noGrp="1" noRot="1" noChangeAspect="1"/>
+          </p:cNvSpPr>
           <p:nvPr>
             <p:ph type="sldImg" idx="2"/>
           </p:nvPr>
@@ -888,7 +905,9 @@
       <p:sp>
         <p:nvSpPr>
           <p:cNvPr id="3" name="文本占位符 2"/>
-          <p:cNvSpPr/>
+          <p:cNvSpPr>
+            <a:spLocks noGrp="1"/>
+          </p:cNvSpPr>
           <p:nvPr>
             <p:ph type="body" idx="3"/>
           </p:nvPr>
@@ -896,6 +915,7 @@
         <p:spPr/>
         <p:txBody>
           <a:bodyPr/>
+          <a:lstStyle/>
           <a:p>
             <a:r>
               <a:rPr lang="en-US" altLang="zh-CN"/>
@@ -909,21 +929,18 @@
               <a:rPr lang="en-US" altLang="zh-CN"/>
               <a:t>这样应用程序可以直接在flash闪存内运行，不必再把代码读到系统RAM中</a:t>
             </a:r>
-            <a:endParaRPr lang="en-US" altLang="zh-CN"/>
           </a:p>
           <a:p>
             <a:r>
               <a:rPr lang="en-US" altLang="zh-CN"/>
               <a:t>2.</a:t>
             </a:r>
-            <a:endParaRPr lang="en-US" altLang="zh-CN"/>
           </a:p>
           <a:p>
             <a:r>
               <a:rPr lang="en-US" altLang="zh-CN"/>
               <a:t>3.</a:t>
             </a:r>
-            <a:endParaRPr lang="en-US" altLang="zh-CN"/>
           </a:p>
         </p:txBody>
       </p:sp>
@@ -944,11 +961,20 @@
         <p:cNvGrpSpPr/>
         <p:nvPr/>
       </p:nvGrpSpPr>
-      <p:grpSpPr/>
+      <p:grpSpPr>
+        <a:xfrm>
+          <a:off x="0" y="0"/>
+          <a:ext cx="0" cy="0"/>
+          <a:chOff x="0" y="0"/>
+          <a:chExt cx="0" cy="0"/>
+        </a:xfrm>
+      </p:grpSpPr>
       <p:sp>
         <p:nvSpPr>
           <p:cNvPr id="2" name="幻灯片图像占位符 1"/>
-          <p:cNvSpPr/>
+          <p:cNvSpPr>
+            <a:spLocks noGrp="1" noRot="1" noChangeAspect="1"/>
+          </p:cNvSpPr>
           <p:nvPr>
             <p:ph type="sldImg" idx="2"/>
           </p:nvPr>
@@ -958,7 +984,9 @@
       <p:sp>
         <p:nvSpPr>
           <p:cNvPr id="3" name="文本占位符 2"/>
-          <p:cNvSpPr/>
+          <p:cNvSpPr>
+            <a:spLocks noGrp="1"/>
+          </p:cNvSpPr>
           <p:nvPr>
             <p:ph type="body" idx="3"/>
           </p:nvPr>
@@ -966,6 +994,7 @@
         <p:spPr/>
         <p:txBody>
           <a:bodyPr/>
+          <a:lstStyle/>
           <a:p>
             <a:pPr marL="0" indent="0">
               <a:buNone/>
@@ -992,41 +1021,32 @@
               <a:rPr lang="zh-CN" altLang="en-US" dirty="0">
                 <a:sym typeface="+mn-ea"/>
               </a:rPr>
-              <a:t>末端添加新数据，不在数据原来的</a:t>
+              <a:t>末端添加新数据，不在数据原来的位置修改。采用这种处理方式的文件系统称为日志文件系统，比如</a:t>
+            </a:r>
+            <a:r>
+              <a:rPr lang="en-US" altLang="zh-CN" dirty="0">
+                <a:sym typeface="+mn-ea"/>
+              </a:rPr>
+              <a:t>JFFS2</a:t>
             </a:r>
             <a:r>
               <a:rPr lang="zh-CN" altLang="en-US" dirty="0">
                 <a:sym typeface="+mn-ea"/>
               </a:rPr>
-              <a:t>位置修改。采用这种处理方式的文件系统称为日志文件系统，比如</a:t>
+              <a:t>、</a:t>
             </a:r>
             <a:r>
               <a:rPr lang="en-US" altLang="zh-CN" dirty="0">
                 <a:sym typeface="+mn-ea"/>
               </a:rPr>
-              <a:t>JFFS2</a:t>
+              <a:t>LFS</a:t>
             </a:r>
             <a:r>
               <a:rPr lang="zh-CN" altLang="en-US" dirty="0">
                 <a:sym typeface="+mn-ea"/>
               </a:rPr>
-              <a:t>、</a:t>
-            </a:r>
-            <a:r>
-              <a:rPr lang="en-US" altLang="zh-CN" dirty="0">
-                <a:sym typeface="+mn-ea"/>
-              </a:rPr>
-              <a:t>LFS</a:t>
-            </a:r>
-            <a:r>
-              <a:rPr lang="zh-CN" altLang="en-US" dirty="0">
-                <a:sym typeface="+mn-ea"/>
-              </a:rPr>
               <a:t>文件系统。</a:t>
             </a:r>
-            <a:endParaRPr lang="zh-CN" altLang="en-US" dirty="0">
-              <a:sym typeface="+mn-ea"/>
-            </a:endParaRPr>
           </a:p>
           <a:p>
             <a:pPr marL="0" indent="0">
@@ -1046,21 +1066,8 @@
                 <a:cs typeface="Times New Roman" panose="02020603050405020304" pitchFamily="18" charset="0"/>
                 <a:sym typeface="+mn-ea"/>
               </a:rPr>
-              <a:t>位图信息也保存在介质上，导致保存位图信息的区域擦写频繁，仍不能有效做到</a:t>
-            </a:r>
-            <a:r>
-              <a:rPr lang="zh-CN" altLang="en-US" dirty="0">
-                <a:latin typeface="Times New Roman" panose="02020603050405020304" pitchFamily="18" charset="0"/>
-                <a:cs typeface="Times New Roman" panose="02020603050405020304" pitchFamily="18" charset="0"/>
-                <a:sym typeface="+mn-ea"/>
-              </a:rPr>
-              <a:t>写平衡</a:t>
-            </a:r>
-            <a:endParaRPr lang="zh-CN" altLang="en-US" dirty="0">
-              <a:latin typeface="Times New Roman" panose="02020603050405020304" pitchFamily="18" charset="0"/>
-              <a:cs typeface="Times New Roman" panose="02020603050405020304" pitchFamily="18" charset="0"/>
-              <a:sym typeface="+mn-ea"/>
-            </a:endParaRPr>
+              <a:t>位图信息也保存在介质上，导致保存位图信息的区域擦写频繁，仍不能有效做到写平衡</a:t>
+            </a:r>
           </a:p>
           <a:p>
             <a:pPr marL="0" indent="0">
@@ -1096,21 +1103,8 @@
                 <a:cs typeface="Times New Roman" panose="02020603050405020304" pitchFamily="18" charset="0"/>
                 <a:sym typeface="+mn-ea"/>
               </a:rPr>
-              <a:t>用于</a:t>
-            </a:r>
-            <a:r>
-              <a:rPr lang="zh-CN" altLang="en-US" dirty="0">
-                <a:latin typeface="Times New Roman" panose="02020603050405020304" pitchFamily="18" charset="0"/>
-                <a:cs typeface="Times New Roman" panose="02020603050405020304" pitchFamily="18" charset="0"/>
-                <a:sym typeface="+mn-ea"/>
-              </a:rPr>
-              <a:t>识别。</a:t>
-            </a:r>
-            <a:endParaRPr lang="zh-CN" altLang="en-US" dirty="0">
-              <a:latin typeface="Times New Roman" panose="02020603050405020304" pitchFamily="18" charset="0"/>
-              <a:cs typeface="Times New Roman" panose="02020603050405020304" pitchFamily="18" charset="0"/>
-              <a:sym typeface="+mn-ea"/>
-            </a:endParaRPr>
+              <a:t>用于识别。</a:t>
+            </a:r>
           </a:p>
           <a:p>
             <a:pPr marL="0" indent="0">
@@ -1124,11 +1118,6 @@
               </a:rPr>
               <a:t>3.</a:t>
             </a:r>
-            <a:endParaRPr lang="en-US" altLang="zh-CN" dirty="0">
-              <a:latin typeface="Times New Roman" panose="02020603050405020304" pitchFamily="18" charset="0"/>
-              <a:cs typeface="Times New Roman" panose="02020603050405020304" pitchFamily="18" charset="0"/>
-              <a:sym typeface="+mn-ea"/>
-            </a:endParaRPr>
           </a:p>
         </p:txBody>
       </p:sp>
@@ -1149,11 +1138,20 @@
         <p:cNvGrpSpPr/>
         <p:nvPr/>
       </p:nvGrpSpPr>
-      <p:grpSpPr/>
+      <p:grpSpPr>
+        <a:xfrm>
+          <a:off x="0" y="0"/>
+          <a:ext cx="0" cy="0"/>
+          <a:chOff x="0" y="0"/>
+          <a:chExt cx="0" cy="0"/>
+        </a:xfrm>
+      </p:grpSpPr>
       <p:sp>
         <p:nvSpPr>
           <p:cNvPr id="2" name="幻灯片图像占位符 1"/>
-          <p:cNvSpPr/>
+          <p:cNvSpPr>
+            <a:spLocks noGrp="1" noRot="1" noChangeAspect="1"/>
+          </p:cNvSpPr>
           <p:nvPr>
             <p:ph type="sldImg" idx="2"/>
           </p:nvPr>
@@ -1163,7 +1161,9 @@
       <p:sp>
         <p:nvSpPr>
           <p:cNvPr id="3" name="文本占位符 2"/>
-          <p:cNvSpPr/>
+          <p:cNvSpPr>
+            <a:spLocks noGrp="1"/>
+          </p:cNvSpPr>
           <p:nvPr>
             <p:ph type="body" idx="3"/>
           </p:nvPr>
@@ -1171,16 +1171,12 @@
         <p:spPr/>
         <p:txBody>
           <a:bodyPr/>
+          <a:lstStyle/>
           <a:p>
             <a:r>
               <a:rPr lang="zh-CN" altLang="en-US"/>
-              <a:t>我们的项目架构是一种分层</a:t>
-            </a:r>
-            <a:r>
-              <a:rPr lang="zh-CN" altLang="en-US"/>
-              <a:t>的体系结构模式。</a:t>
-            </a:r>
-            <a:endParaRPr lang="zh-CN" altLang="en-US"/>
+              <a:t>我们的项目架构是一种分层的体系结构模式。</a:t>
+            </a:r>
           </a:p>
           <a:p>
             <a:r>
@@ -1213,13 +1209,8 @@
             </a:r>
             <a:r>
               <a:rPr lang="zh-CN" altLang="en-US"/>
-              <a:t>，以及文件系统挂载和卸载等函数</a:t>
-            </a:r>
-            <a:r>
-              <a:rPr lang="zh-CN" altLang="en-US"/>
-              <a:t>接口。</a:t>
-            </a:r>
-            <a:endParaRPr lang="zh-CN" altLang="en-US"/>
+              <a:t>，以及文件系统挂载和卸载等函数接口。</a:t>
+            </a:r>
           </a:p>
           <a:p>
             <a:r>
@@ -1244,100 +1235,80 @@
             </a:r>
             <a:r>
               <a:rPr lang="zh-CN" altLang="en-US"/>
-              <a:t>操作，还有建立软硬链接等其他</a:t>
+              <a:t>操作，还有建立软硬链接等其他操作。</a:t>
+            </a:r>
+          </a:p>
+          <a:p>
+            <a:r>
+              <a:rPr lang="zh-CN" altLang="en-US"/>
+              <a:t>接下来是</a:t>
+            </a:r>
+            <a:r>
+              <a:rPr lang="en-US" altLang="zh-CN"/>
+              <a:t> full dnode</a:t>
+            </a:r>
+            <a:r>
+              <a:rPr lang="zh-CN" altLang="en-US"/>
+              <a:t>管理层和</a:t>
+            </a:r>
+            <a:r>
+              <a:rPr lang="en-US" altLang="zh-CN"/>
+              <a:t>fragtree</a:t>
+            </a:r>
+            <a:r>
+              <a:rPr lang="zh-CN" altLang="en-US"/>
+              <a:t>管理层</a:t>
+            </a:r>
+          </a:p>
+          <a:p>
+            <a:r>
+              <a:rPr lang="en-US" altLang="zh-CN"/>
+              <a:t>    3.Full Dnode </a:t>
+            </a:r>
+            <a:r>
+              <a:rPr lang="zh-CN" altLang="en-US">
+                <a:sym typeface="+mn-ea"/>
+              </a:rPr>
+              <a:t>管理</a:t>
+            </a:r>
+            <a:r>
+              <a:rPr lang="zh-CN" altLang="en-US"/>
+              <a:t>层主要负责管理</a:t>
+            </a:r>
+            <a:r>
+              <a:rPr lang="en-US" altLang="zh-CN"/>
+              <a:t>HoitFS</a:t>
+            </a:r>
+            <a:r>
+              <a:rPr lang="zh-CN" altLang="en-US"/>
+              <a:t>的目录信息。这一模块我们采用了哈希结构，以便能快速索引到目录项等信息。</a:t>
+            </a:r>
+          </a:p>
+          <a:p>
+            <a:r>
+              <a:rPr lang="en-US" altLang="zh-CN"/>
+              <a:t>    4.FragTree </a:t>
+            </a:r>
+            <a:r>
+              <a:rPr lang="zh-CN" altLang="en-US"/>
+              <a:t>管理成负责管理</a:t>
+            </a:r>
+            <a:r>
+              <a:rPr lang="en-US" altLang="zh-CN"/>
+              <a:t>HoitFs</a:t>
+            </a:r>
+            <a:r>
+              <a:rPr lang="zh-CN" altLang="en-US"/>
+              <a:t>的文件数据。我们利用红黑树组织文件的数据实体，实现更高效的文件</a:t>
+            </a:r>
+            <a:r>
+              <a:rPr lang="en-US" altLang="zh-CN"/>
+              <a:t>IO</a:t>
             </a:r>
             <a:r>
               <a:rPr lang="zh-CN" altLang="en-US"/>
               <a:t>操作。</a:t>
             </a:r>
-            <a:endParaRPr lang="zh-CN" altLang="en-US"/>
-          </a:p>
-          <a:p>
-            <a:r>
-              <a:rPr lang="zh-CN" altLang="en-US"/>
-              <a:t>接下来是</a:t>
-            </a:r>
-            <a:r>
-              <a:rPr lang="en-US" altLang="zh-CN"/>
-              <a:t> full dnode</a:t>
-            </a:r>
-            <a:r>
-              <a:rPr lang="zh-CN" altLang="en-US"/>
-              <a:t>管理层和</a:t>
-            </a:r>
-            <a:r>
-              <a:rPr lang="en-US" altLang="zh-CN"/>
-              <a:t>fragtree</a:t>
-            </a:r>
-            <a:r>
-              <a:rPr lang="zh-CN" altLang="en-US"/>
-              <a:t>管理</a:t>
-            </a:r>
-            <a:r>
-              <a:rPr lang="zh-CN" altLang="en-US"/>
-              <a:t>层</a:t>
-            </a:r>
-            <a:endParaRPr lang="zh-CN" altLang="en-US"/>
-          </a:p>
-          <a:p>
-            <a:r>
-              <a:rPr lang="en-US" altLang="zh-CN"/>
-              <a:t>    3.Full Dnode </a:t>
-            </a:r>
-            <a:r>
-              <a:rPr lang="zh-CN" altLang="en-US">
-                <a:sym typeface="+mn-ea"/>
-              </a:rPr>
-              <a:t>管理</a:t>
-            </a:r>
-            <a:r>
-              <a:rPr lang="zh-CN" altLang="en-US"/>
-              <a:t>层</a:t>
-            </a:r>
-            <a:r>
-              <a:rPr lang="zh-CN" altLang="en-US"/>
-              <a:t>主要负责管理</a:t>
-            </a:r>
-            <a:r>
-              <a:rPr lang="en-US" altLang="zh-CN"/>
-              <a:t>HoitFS</a:t>
-            </a:r>
-            <a:r>
-              <a:rPr lang="zh-CN" altLang="en-US"/>
-              <a:t>的目录信息。这一模块我们采用了哈希结构，以便能快速索引到目录项等</a:t>
-            </a:r>
-            <a:r>
-              <a:rPr lang="zh-CN" altLang="en-US"/>
-              <a:t>信息。</a:t>
-            </a:r>
-            <a:endParaRPr lang="zh-CN" altLang="en-US"/>
-          </a:p>
-          <a:p>
-            <a:r>
-              <a:rPr lang="en-US" altLang="zh-CN"/>
-              <a:t>    4.FragTree </a:t>
-            </a:r>
-            <a:r>
-              <a:rPr lang="zh-CN" altLang="en-US"/>
-              <a:t>管理成负责管理</a:t>
-            </a:r>
-            <a:r>
-              <a:rPr lang="en-US" altLang="zh-CN"/>
-              <a:t>HoitFs</a:t>
-            </a:r>
-            <a:r>
-              <a:rPr lang="zh-CN" altLang="en-US"/>
-              <a:t>的文件数据。我们利用红黑树组织文件的数据实体，实现更高效的文件</a:t>
-            </a:r>
-            <a:r>
-              <a:rPr lang="en-US" altLang="zh-CN"/>
-              <a:t>IO</a:t>
-            </a:r>
-            <a:r>
-              <a:rPr lang="zh-CN" altLang="en-US"/>
-              <a:t>操作。</a:t>
-            </a:r>
-            <a:endParaRPr lang="zh-CN" altLang="en-US"/>
           </a:p>
           <a:p>
             <a:r>
@@ -1354,13 +1325,8 @@
             </a:r>
             <a:r>
               <a:rPr lang="zh-CN" altLang="en-US"/>
-              <a:t>日志层，或掉电保护层。主要实现文件系统访问掉电安全功能。目前我们小组还没有明确的掉电安全实现手段，所以这一块暂时是</a:t>
-            </a:r>
-            <a:r>
-              <a:rPr lang="zh-CN" altLang="en-US"/>
-              <a:t>虚的。</a:t>
-            </a:r>
-            <a:endParaRPr lang="zh-CN" altLang="en-US"/>
+              <a:t>日志层，或掉电保护层。主要实现文件系统访问掉电安全功能。目前我们小组还没有明确的掉电安全实现手段，所以这一块暂时是虚的。</a:t>
+            </a:r>
           </a:p>
           <a:p>
             <a:r>
@@ -1377,13 +1343,8 @@
             </a:r>
             <a:r>
               <a:rPr lang="zh-CN" altLang="en-US"/>
-              <a:t>的驱动层，主要提供操作下层硬件的</a:t>
-            </a:r>
-            <a:r>
-              <a:rPr lang="zh-CN" altLang="en-US"/>
-              <a:t>接口。</a:t>
-            </a:r>
-            <a:endParaRPr lang="zh-CN" altLang="en-US"/>
+              <a:t>的驱动层，主要提供操作下层硬件的接口。</a:t>
+            </a:r>
           </a:p>
         </p:txBody>
       </p:sp>
@@ -1404,11 +1365,20 @@
         <p:cNvGrpSpPr/>
         <p:nvPr/>
       </p:nvGrpSpPr>
-      <p:grpSpPr/>
+      <p:grpSpPr>
+        <a:xfrm>
+          <a:off x="0" y="0"/>
+          <a:ext cx="0" cy="0"/>
+          <a:chOff x="0" y="0"/>
+          <a:chExt cx="0" cy="0"/>
+        </a:xfrm>
+      </p:grpSpPr>
       <p:sp>
         <p:nvSpPr>
           <p:cNvPr id="2" name="幻灯片图像占位符 1"/>
-          <p:cNvSpPr/>
+          <p:cNvSpPr>
+            <a:spLocks noGrp="1" noRot="1" noChangeAspect="1"/>
+          </p:cNvSpPr>
           <p:nvPr>
             <p:ph type="sldImg" idx="2"/>
           </p:nvPr>
@@ -1418,7 +1388,9 @@
       <p:sp>
         <p:nvSpPr>
           <p:cNvPr id="3" name="文本占位符 2"/>
-          <p:cNvSpPr/>
+          <p:cNvSpPr>
+            <a:spLocks noGrp="1"/>
+          </p:cNvSpPr>
           <p:nvPr>
             <p:ph type="body" idx="3"/>
           </p:nvPr>
@@ -1426,6 +1398,7 @@
         <p:spPr/>
         <p:txBody>
           <a:bodyPr/>
+          <a:lstStyle/>
           <a:p>
             <a:endParaRPr lang="zh-CN" altLang="en-US"/>
           </a:p>
@@ -1448,11 +1421,20 @@
         <p:cNvGrpSpPr/>
         <p:nvPr/>
       </p:nvGrpSpPr>
-      <p:grpSpPr/>
+      <p:grpSpPr>
+        <a:xfrm>
+          <a:off x="0" y="0"/>
+          <a:ext cx="0" cy="0"/>
+          <a:chOff x="0" y="0"/>
+          <a:chExt cx="0" cy="0"/>
+        </a:xfrm>
+      </p:grpSpPr>
       <p:sp>
         <p:nvSpPr>
           <p:cNvPr id="2" name="幻灯片图像占位符 1"/>
-          <p:cNvSpPr/>
+          <p:cNvSpPr>
+            <a:spLocks noGrp="1" noRot="1" noChangeAspect="1"/>
+          </p:cNvSpPr>
           <p:nvPr>
             <p:ph type="sldImg" idx="2"/>
           </p:nvPr>
@@ -1462,7 +1444,9 @@
       <p:sp>
         <p:nvSpPr>
           <p:cNvPr id="3" name="文本占位符 2"/>
-          <p:cNvSpPr/>
+          <p:cNvSpPr>
+            <a:spLocks noGrp="1"/>
+          </p:cNvSpPr>
           <p:nvPr>
             <p:ph type="body" idx="3"/>
           </p:nvPr>
@@ -1470,6 +1454,7 @@
         <p:spPr/>
         <p:txBody>
           <a:bodyPr/>
+          <a:lstStyle/>
           <a:p>
             <a:r>
               <a:rPr lang="zh-CN" altLang="en-US"/>
@@ -1481,13 +1466,8 @@
             </a:r>
             <a:r>
               <a:rPr lang="zh-CN" altLang="en-US"/>
-              <a:t>介质上，也就是一个个</a:t>
-            </a:r>
-            <a:r>
-              <a:rPr lang="zh-CN" altLang="en-US"/>
-              <a:t>数据块。</a:t>
-            </a:r>
-            <a:endParaRPr lang="zh-CN" altLang="en-US"/>
+              <a:t>介质上，也就是一个个数据块。</a:t>
+            </a:r>
           </a:p>
         </p:txBody>
       </p:sp>
@@ -1508,11 +1488,20 @@
         <p:cNvGrpSpPr/>
         <p:nvPr/>
       </p:nvGrpSpPr>
-      <p:grpSpPr/>
+      <p:grpSpPr>
+        <a:xfrm>
+          <a:off x="0" y="0"/>
+          <a:ext cx="0" cy="0"/>
+          <a:chOff x="0" y="0"/>
+          <a:chExt cx="0" cy="0"/>
+        </a:xfrm>
+      </p:grpSpPr>
       <p:sp>
         <p:nvSpPr>
           <p:cNvPr id="2" name="幻灯片图像占位符 1"/>
-          <p:cNvSpPr/>
+          <p:cNvSpPr>
+            <a:spLocks noGrp="1" noRot="1" noChangeAspect="1"/>
+          </p:cNvSpPr>
           <p:nvPr>
             <p:ph type="sldImg" idx="2"/>
           </p:nvPr>
@@ -1522,7 +1511,9 @@
       <p:sp>
         <p:nvSpPr>
           <p:cNvPr id="3" name="文本占位符 2"/>
-          <p:cNvSpPr/>
+          <p:cNvSpPr>
+            <a:spLocks noGrp="1"/>
+          </p:cNvSpPr>
           <p:nvPr>
             <p:ph type="body" idx="3"/>
           </p:nvPr>
@@ -1530,6 +1521,7 @@
         <p:spPr/>
         <p:txBody>
           <a:bodyPr/>
+          <a:lstStyle/>
           <a:p>
             <a:r>
               <a:rPr lang="zh-CN" altLang="en-US"/>
@@ -1559,7 +1551,6 @@
               <a:rPr lang="zh-CN" altLang="en-US"/>
               <a:t>维护。</a:t>
             </a:r>
-            <a:endParaRPr lang="zh-CN" altLang="en-US"/>
           </a:p>
         </p:txBody>
       </p:sp>
@@ -1580,11 +1571,20 @@
         <p:cNvGrpSpPr/>
         <p:nvPr/>
       </p:nvGrpSpPr>
-      <p:grpSpPr/>
+      <p:grpSpPr>
+        <a:xfrm>
+          <a:off x="0" y="0"/>
+          <a:ext cx="0" cy="0"/>
+          <a:chOff x="0" y="0"/>
+          <a:chExt cx="0" cy="0"/>
+        </a:xfrm>
+      </p:grpSpPr>
       <p:sp>
         <p:nvSpPr>
           <p:cNvPr id="2" name="幻灯片图像占位符 1"/>
-          <p:cNvSpPr/>
+          <p:cNvSpPr>
+            <a:spLocks noGrp="1" noRot="1" noChangeAspect="1"/>
+          </p:cNvSpPr>
           <p:nvPr>
             <p:ph type="sldImg" idx="2"/>
           </p:nvPr>
@@ -1594,7 +1594,9 @@
       <p:sp>
         <p:nvSpPr>
           <p:cNvPr id="3" name="文本占位符 2"/>
-          <p:cNvSpPr/>
+          <p:cNvSpPr>
+            <a:spLocks noGrp="1"/>
+          </p:cNvSpPr>
           <p:nvPr>
             <p:ph type="body" idx="3"/>
           </p:nvPr>
@@ -1602,6 +1604,7 @@
         <p:spPr/>
         <p:txBody>
           <a:bodyPr/>
+          <a:lstStyle/>
           <a:p>
             <a:r>
               <a:rPr lang="zh-CN" altLang="en-US"/>
@@ -1613,13 +1616,8 @@
             </a:r>
             <a:r>
               <a:rPr lang="zh-CN" altLang="en-US"/>
-              <a:t>根据该文件的物理层记录创建相应的逻辑层</a:t>
-            </a:r>
-            <a:r>
-              <a:rPr lang="zh-CN" altLang="en-US"/>
-              <a:t>记录</a:t>
-            </a:r>
-            <a:endParaRPr lang="zh-CN" altLang="en-US"/>
+              <a:t>根据该文件的物理层记录创建相应的逻辑层记录</a:t>
+            </a:r>
           </a:p>
         </p:txBody>
       </p:sp>
@@ -1640,11 +1638,20 @@
         <p:cNvGrpSpPr/>
         <p:nvPr/>
       </p:nvGrpSpPr>
-      <p:grpSpPr/>
+      <p:grpSpPr>
+        <a:xfrm>
+          <a:off x="0" y="0"/>
+          <a:ext cx="0" cy="0"/>
+          <a:chOff x="0" y="0"/>
+          <a:chExt cx="0" cy="0"/>
+        </a:xfrm>
+      </p:grpSpPr>
       <p:sp>
         <p:nvSpPr>
           <p:cNvPr id="2" name="幻灯片图像占位符 1"/>
-          <p:cNvSpPr/>
+          <p:cNvSpPr>
+            <a:spLocks noGrp="1" noRot="1" noChangeAspect="1"/>
+          </p:cNvSpPr>
           <p:nvPr>
             <p:ph type="sldImg" idx="2"/>
           </p:nvPr>
@@ -1654,7 +1661,9 @@
       <p:sp>
         <p:nvSpPr>
           <p:cNvPr id="3" name="文本占位符 2"/>
-          <p:cNvSpPr/>
+          <p:cNvSpPr>
+            <a:spLocks noGrp="1"/>
+          </p:cNvSpPr>
           <p:nvPr>
             <p:ph type="body" idx="3"/>
           </p:nvPr>
@@ -1662,16 +1671,12 @@
         <p:spPr/>
         <p:txBody>
           <a:bodyPr/>
+          <a:lstStyle/>
           <a:p>
             <a:r>
               <a:rPr lang="zh-CN" altLang="en-US"/>
-              <a:t>然后构建红黑树来保存保存新建的逻辑层</a:t>
-            </a:r>
-            <a:r>
-              <a:rPr lang="zh-CN" altLang="en-US"/>
-              <a:t>记录。</a:t>
-            </a:r>
-            <a:endParaRPr lang="zh-CN" altLang="en-US"/>
+              <a:t>然后构建红黑树来保存保存新建的逻辑层记录。</a:t>
+            </a:r>
           </a:p>
         </p:txBody>
       </p:sp>
@@ -1728,7 +1733,6 @@
               <a:rPr lang="zh-CN" altLang="en-US"/>
               <a:t>单击此处编辑母版标题样式</a:t>
             </a:r>
-            <a:endParaRPr lang="zh-CN" altLang="en-US"/>
           </a:p>
         </p:txBody>
       </p:sp>
@@ -1793,7 +1797,6 @@
               <a:rPr lang="zh-CN" altLang="en-US"/>
               <a:t>单击此处编辑母版副标题样式</a:t>
             </a:r>
-            <a:endParaRPr lang="zh-CN" altLang="en-US"/>
           </a:p>
         </p:txBody>
       </p:sp>
@@ -1814,6 +1817,7 @@
           <a:p>
             <a:fld id="{BC47F3D9-3D51-421B-8060-161D8C50E651}" type="datetimeFigureOut">
               <a:rPr lang="zh-CN" altLang="en-US" smtClean="0"/>
+              <a:t>2021-05-13</a:t>
             </a:fld>
             <a:endParaRPr lang="zh-CN" altLang="en-US"/>
           </a:p>
@@ -1855,6 +1859,7 @@
           <a:p>
             <a:fld id="{3807B03F-79FB-4EA1-B222-89394AA08F37}" type="slidenum">
               <a:rPr lang="zh-CN" altLang="en-US" smtClean="0"/>
+              <a:t>‹#›</a:t>
             </a:fld>
             <a:endParaRPr lang="zh-CN" altLang="en-US"/>
           </a:p>
@@ -1904,7 +1909,6 @@
               <a:rPr lang="zh-CN" altLang="en-US"/>
               <a:t>单击此处编辑母版标题样式</a:t>
             </a:r>
-            <a:endParaRPr lang="zh-CN" altLang="en-US"/>
           </a:p>
         </p:txBody>
       </p:sp>
@@ -1928,7 +1932,6 @@
               <a:rPr lang="zh-CN" altLang="en-US"/>
               <a:t>单击此处编辑母版文本样式</a:t>
             </a:r>
-            <a:endParaRPr lang="zh-CN" altLang="en-US"/>
           </a:p>
           <a:p>
             <a:pPr lvl="1"/>
@@ -1936,7 +1939,6 @@
               <a:rPr lang="zh-CN" altLang="en-US"/>
               <a:t>二级</a:t>
             </a:r>
-            <a:endParaRPr lang="zh-CN" altLang="en-US"/>
           </a:p>
           <a:p>
             <a:pPr lvl="2"/>
@@ -1944,7 +1946,6 @@
               <a:rPr lang="zh-CN" altLang="en-US"/>
               <a:t>三级</a:t>
             </a:r>
-            <a:endParaRPr lang="zh-CN" altLang="en-US"/>
           </a:p>
           <a:p>
             <a:pPr lvl="3"/>
@@ -1952,7 +1953,6 @@
               <a:rPr lang="zh-CN" altLang="en-US"/>
               <a:t>四级</a:t>
             </a:r>
-            <a:endParaRPr lang="zh-CN" altLang="en-US"/>
           </a:p>
           <a:p>
             <a:pPr lvl="4"/>
@@ -1960,7 +1960,6 @@
               <a:rPr lang="zh-CN" altLang="en-US"/>
               <a:t>五级</a:t>
             </a:r>
-            <a:endParaRPr lang="zh-CN" altLang="en-US"/>
           </a:p>
         </p:txBody>
       </p:sp>
@@ -1981,6 +1980,7 @@
           <a:p>
             <a:fld id="{BC47F3D9-3D51-421B-8060-161D8C50E651}" type="datetimeFigureOut">
               <a:rPr lang="zh-CN" altLang="en-US" smtClean="0"/>
+              <a:t>2021-05-13</a:t>
             </a:fld>
             <a:endParaRPr lang="zh-CN" altLang="en-US"/>
           </a:p>
@@ -2022,6 +2022,7 @@
           <a:p>
             <a:fld id="{3807B03F-79FB-4EA1-B222-89394AA08F37}" type="slidenum">
               <a:rPr lang="zh-CN" altLang="en-US" smtClean="0"/>
+              <a:t>‹#›</a:t>
             </a:fld>
             <a:endParaRPr lang="zh-CN" altLang="en-US"/>
           </a:p>
@@ -2076,7 +2077,6 @@
               <a:rPr lang="zh-CN" altLang="en-US"/>
               <a:t>单击此处编辑母版标题样式</a:t>
             </a:r>
-            <a:endParaRPr lang="zh-CN" altLang="en-US"/>
           </a:p>
         </p:txBody>
       </p:sp>
@@ -2105,7 +2105,6 @@
               <a:rPr lang="zh-CN" altLang="en-US"/>
               <a:t>单击此处编辑母版文本样式</a:t>
             </a:r>
-            <a:endParaRPr lang="zh-CN" altLang="en-US"/>
           </a:p>
           <a:p>
             <a:pPr lvl="1"/>
@@ -2113,7 +2112,6 @@
               <a:rPr lang="zh-CN" altLang="en-US"/>
               <a:t>二级</a:t>
             </a:r>
-            <a:endParaRPr lang="zh-CN" altLang="en-US"/>
           </a:p>
           <a:p>
             <a:pPr lvl="2"/>
@@ -2121,7 +2119,6 @@
               <a:rPr lang="zh-CN" altLang="en-US"/>
               <a:t>三级</a:t>
             </a:r>
-            <a:endParaRPr lang="zh-CN" altLang="en-US"/>
           </a:p>
           <a:p>
             <a:pPr lvl="3"/>
@@ -2129,7 +2126,6 @@
               <a:rPr lang="zh-CN" altLang="en-US"/>
               <a:t>四级</a:t>
             </a:r>
-            <a:endParaRPr lang="zh-CN" altLang="en-US"/>
           </a:p>
           <a:p>
             <a:pPr lvl="4"/>
@@ -2137,7 +2133,6 @@
               <a:rPr lang="zh-CN" altLang="en-US"/>
               <a:t>五级</a:t>
             </a:r>
-            <a:endParaRPr lang="zh-CN" altLang="en-US"/>
           </a:p>
         </p:txBody>
       </p:sp>
@@ -2158,6 +2153,7 @@
           <a:p>
             <a:fld id="{BC47F3D9-3D51-421B-8060-161D8C50E651}" type="datetimeFigureOut">
               <a:rPr lang="zh-CN" altLang="en-US" smtClean="0"/>
+              <a:t>2021-05-13</a:t>
             </a:fld>
             <a:endParaRPr lang="zh-CN" altLang="en-US"/>
           </a:p>
@@ -2199,6 +2195,7 @@
           <a:p>
             <a:fld id="{3807B03F-79FB-4EA1-B222-89394AA08F37}" type="slidenum">
               <a:rPr lang="zh-CN" altLang="en-US" smtClean="0"/>
+              <a:t>‹#›</a:t>
             </a:fld>
             <a:endParaRPr lang="zh-CN" altLang="en-US"/>
           </a:p>
@@ -2238,7 +2235,7 @@
           <p:nvPr>
             <p:ph type="ctrTitle" hasCustomPrompt="1"/>
             <p:custDataLst>
-              <p:tags r:id="rId2"/>
+              <p:tags r:id="rId1"/>
             </p:custDataLst>
           </p:nvPr>
         </p:nvSpPr>
@@ -2262,7 +2259,6 @@
               <a:rPr lang="zh-CN" altLang="en-US" dirty="0"/>
               <a:t>单击此处编辑标题</a:t>
             </a:r>
-            <a:endParaRPr lang="zh-CN" altLang="en-US" dirty="0"/>
           </a:p>
         </p:txBody>
       </p:sp>
@@ -2275,7 +2271,7 @@
           <p:nvPr>
             <p:ph type="subTitle" idx="1" hasCustomPrompt="1"/>
             <p:custDataLst>
-              <p:tags r:id="rId3"/>
+              <p:tags r:id="rId2"/>
             </p:custDataLst>
           </p:nvPr>
         </p:nvSpPr>
@@ -2335,7 +2331,6 @@
               <a:rPr lang="zh-CN" altLang="en-US" dirty="0"/>
               <a:t>单击此处编辑副标题</a:t>
             </a:r>
-            <a:endParaRPr lang="zh-CN" altLang="en-US" dirty="0"/>
           </a:p>
         </p:txBody>
       </p:sp>
@@ -2347,6 +2342,32 @@
           </p:cNvSpPr>
           <p:nvPr>
             <p:ph type="dt" sz="half" idx="10"/>
+            <p:custDataLst>
+              <p:tags r:id="rId3"/>
+            </p:custDataLst>
+          </p:nvPr>
+        </p:nvSpPr>
+        <p:spPr/>
+        <p:txBody>
+          <a:bodyPr/>
+          <a:lstStyle/>
+          <a:p>
+            <a:fld id="{760FBDFE-C587-4B4C-A407-44438C67B59E}" type="datetimeFigureOut">
+              <a:rPr lang="zh-CN" altLang="en-US" smtClean="0"/>
+              <a:t>2021-05-13</a:t>
+            </a:fld>
+            <a:endParaRPr lang="zh-CN" altLang="en-US"/>
+          </a:p>
+        </p:txBody>
+      </p:sp>
+      <p:sp>
+        <p:nvSpPr>
+          <p:cNvPr id="17" name="页脚占位符 16"/>
+          <p:cNvSpPr>
+            <a:spLocks noGrp="1"/>
+          </p:cNvSpPr>
+          <p:nvPr>
+            <p:ph type="ftr" sz="quarter" idx="11"/>
             <p:custDataLst>
               <p:tags r:id="rId4"/>
             </p:custDataLst>
@@ -2357,21 +2378,18 @@
           <a:bodyPr/>
           <a:lstStyle/>
           <a:p>
-            <a:fld id="{760FBDFE-C587-4B4C-A407-44438C67B59E}" type="datetimeFigureOut">
-              <a:rPr lang="zh-CN" altLang="en-US" smtClean="0"/>
-            </a:fld>
-            <a:endParaRPr lang="zh-CN" altLang="en-US"/>
-          </a:p>
-        </p:txBody>
-      </p:sp>
-      <p:sp>
-        <p:nvSpPr>
-          <p:cNvPr id="17" name="页脚占位符 16"/>
-          <p:cNvSpPr>
-            <a:spLocks noGrp="1"/>
-          </p:cNvSpPr>
-          <p:nvPr>
-            <p:ph type="ftr" sz="quarter" idx="11"/>
+            <a:endParaRPr lang="zh-CN" altLang="en-US" dirty="0"/>
+          </a:p>
+        </p:txBody>
+      </p:sp>
+      <p:sp>
+        <p:nvSpPr>
+          <p:cNvPr id="18" name="灯片编号占位符 17"/>
+          <p:cNvSpPr>
+            <a:spLocks noGrp="1"/>
+          </p:cNvSpPr>
+          <p:nvPr>
+            <p:ph type="sldNum" sz="quarter" idx="12"/>
             <p:custDataLst>
               <p:tags r:id="rId5"/>
             </p:custDataLst>
@@ -2382,30 +2400,9 @@
           <a:bodyPr/>
           <a:lstStyle/>
           <a:p>
-            <a:endParaRPr lang="zh-CN" altLang="en-US" dirty="0"/>
-          </a:p>
-        </p:txBody>
-      </p:sp>
-      <p:sp>
-        <p:nvSpPr>
-          <p:cNvPr id="18" name="灯片编号占位符 17"/>
-          <p:cNvSpPr>
-            <a:spLocks noGrp="1"/>
-          </p:cNvSpPr>
-          <p:nvPr>
-            <p:ph type="sldNum" sz="quarter" idx="12"/>
-            <p:custDataLst>
-              <p:tags r:id="rId6"/>
-            </p:custDataLst>
-          </p:nvPr>
-        </p:nvSpPr>
-        <p:spPr/>
-        <p:txBody>
-          <a:bodyPr/>
-          <a:lstStyle/>
-          <a:p>
             <a:fld id="{49AE70B2-8BF9-45C0-BB95-33D1B9D3A854}" type="slidenum">
               <a:rPr lang="zh-CN" altLang="en-US" smtClean="0"/>
+              <a:t>‹#›</a:t>
             </a:fld>
             <a:endParaRPr lang="zh-CN" altLang="en-US" dirty="0"/>
           </a:p>
@@ -2445,7 +2442,7 @@
           <p:nvPr>
             <p:ph type="title"/>
             <p:custDataLst>
-              <p:tags r:id="rId2"/>
+              <p:tags r:id="rId1"/>
             </p:custDataLst>
           </p:nvPr>
         </p:nvSpPr>
@@ -2468,9 +2465,6 @@
               </a:rPr>
               <a:t>单击此处编辑母版标题样式</a:t>
             </a:r>
-            <a:endParaRPr dirty="0">
-              <a:sym typeface="+mn-ea"/>
-            </a:endParaRPr>
           </a:p>
         </p:txBody>
       </p:sp>
@@ -2483,7 +2477,7 @@
           <p:nvPr>
             <p:ph idx="1"/>
             <p:custDataLst>
-              <p:tags r:id="rId3"/>
+              <p:tags r:id="rId2"/>
             </p:custDataLst>
           </p:nvPr>
         </p:nvSpPr>
@@ -2506,9 +2500,6 @@
               </a:rPr>
               <a:t>单击此处编辑母版文本样式</a:t>
             </a:r>
-            <a:endParaRPr dirty="0">
-              <a:sym typeface="+mn-ea"/>
-            </a:endParaRPr>
           </a:p>
           <a:p>
             <a:pPr lvl="1"/>
@@ -2518,9 +2509,6 @@
               </a:rPr>
               <a:t>第二级</a:t>
             </a:r>
-            <a:endParaRPr dirty="0">
-              <a:sym typeface="+mn-ea"/>
-            </a:endParaRPr>
           </a:p>
           <a:p>
             <a:pPr lvl="2"/>
@@ -2530,9 +2518,6 @@
               </a:rPr>
               <a:t>第三级</a:t>
             </a:r>
-            <a:endParaRPr dirty="0">
-              <a:sym typeface="+mn-ea"/>
-            </a:endParaRPr>
           </a:p>
           <a:p>
             <a:pPr lvl="3"/>
@@ -2542,9 +2527,6 @@
               </a:rPr>
               <a:t>第四级</a:t>
             </a:r>
-            <a:endParaRPr dirty="0">
-              <a:sym typeface="+mn-ea"/>
-            </a:endParaRPr>
           </a:p>
           <a:p>
             <a:pPr lvl="4"/>
@@ -2554,9 +2536,6 @@
               </a:rPr>
               <a:t>第五级</a:t>
             </a:r>
-            <a:endParaRPr dirty="0">
-              <a:sym typeface="+mn-ea"/>
-            </a:endParaRPr>
           </a:p>
         </p:txBody>
       </p:sp>
@@ -2568,6 +2547,32 @@
           </p:cNvSpPr>
           <p:nvPr>
             <p:ph type="dt" sz="half" idx="10"/>
+            <p:custDataLst>
+              <p:tags r:id="rId3"/>
+            </p:custDataLst>
+          </p:nvPr>
+        </p:nvSpPr>
+        <p:spPr/>
+        <p:txBody>
+          <a:bodyPr/>
+          <a:lstStyle/>
+          <a:p>
+            <a:fld id="{760FBDFE-C587-4B4C-A407-44438C67B59E}" type="datetimeFigureOut">
+              <a:rPr lang="zh-CN" altLang="en-US" smtClean="0"/>
+              <a:t>2021-05-13</a:t>
+            </a:fld>
+            <a:endParaRPr lang="zh-CN" altLang="en-US"/>
+          </a:p>
+        </p:txBody>
+      </p:sp>
+      <p:sp>
+        <p:nvSpPr>
+          <p:cNvPr id="5" name="页脚占位符 4"/>
+          <p:cNvSpPr>
+            <a:spLocks noGrp="1"/>
+          </p:cNvSpPr>
+          <p:nvPr>
+            <p:ph type="ftr" sz="quarter" idx="11"/>
             <p:custDataLst>
               <p:tags r:id="rId4"/>
             </p:custDataLst>
@@ -2578,21 +2583,18 @@
           <a:bodyPr/>
           <a:lstStyle/>
           <a:p>
-            <a:fld id="{760FBDFE-C587-4B4C-A407-44438C67B59E}" type="datetimeFigureOut">
-              <a:rPr lang="zh-CN" altLang="en-US" smtClean="0"/>
-            </a:fld>
             <a:endParaRPr lang="zh-CN" altLang="en-US"/>
           </a:p>
         </p:txBody>
       </p:sp>
       <p:sp>
         <p:nvSpPr>
-          <p:cNvPr id="5" name="页脚占位符 4"/>
-          <p:cNvSpPr>
-            <a:spLocks noGrp="1"/>
-          </p:cNvSpPr>
-          <p:nvPr>
-            <p:ph type="ftr" sz="quarter" idx="11"/>
+          <p:cNvPr id="6" name="灯片编号占位符 5"/>
+          <p:cNvSpPr>
+            <a:spLocks noGrp="1"/>
+          </p:cNvSpPr>
+          <p:nvPr>
+            <p:ph type="sldNum" sz="quarter" idx="12"/>
             <p:custDataLst>
               <p:tags r:id="rId5"/>
             </p:custDataLst>
@@ -2603,30 +2605,9 @@
           <a:bodyPr/>
           <a:lstStyle/>
           <a:p>
-            <a:endParaRPr lang="zh-CN" altLang="en-US"/>
-          </a:p>
-        </p:txBody>
-      </p:sp>
-      <p:sp>
-        <p:nvSpPr>
-          <p:cNvPr id="6" name="灯片编号占位符 5"/>
-          <p:cNvSpPr>
-            <a:spLocks noGrp="1"/>
-          </p:cNvSpPr>
-          <p:nvPr>
-            <p:ph type="sldNum" sz="quarter" idx="12"/>
-            <p:custDataLst>
-              <p:tags r:id="rId6"/>
-            </p:custDataLst>
-          </p:nvPr>
-        </p:nvSpPr>
-        <p:spPr/>
-        <p:txBody>
-          <a:bodyPr/>
-          <a:lstStyle/>
-          <a:p>
             <a:fld id="{49AE70B2-8BF9-45C0-BB95-33D1B9D3A854}" type="slidenum">
               <a:rPr lang="zh-CN" altLang="en-US" smtClean="0"/>
+              <a:t>‹#›</a:t>
             </a:fld>
             <a:endParaRPr lang="zh-CN" altLang="en-US"/>
           </a:p>
@@ -2666,7 +2647,7 @@
           <p:nvPr>
             <p:ph type="title" hasCustomPrompt="1"/>
             <p:custDataLst>
-              <p:tags r:id="rId2"/>
+              <p:tags r:id="rId1"/>
             </p:custDataLst>
           </p:nvPr>
         </p:nvSpPr>
@@ -2690,7 +2671,6 @@
               <a:rPr lang="zh-CN" altLang="en-US" dirty="0"/>
               <a:t>单击此处编辑标题</a:t>
             </a:r>
-            <a:endParaRPr lang="zh-CN" altLang="en-US" dirty="0"/>
           </a:p>
         </p:txBody>
       </p:sp>
@@ -2703,7 +2683,7 @@
           <p:nvPr>
             <p:ph type="body" idx="1" hasCustomPrompt="1"/>
             <p:custDataLst>
-              <p:tags r:id="rId3"/>
+              <p:tags r:id="rId2"/>
             </p:custDataLst>
           </p:nvPr>
         </p:nvSpPr>
@@ -2816,7 +2796,6 @@
               <a:rPr lang="zh-CN" altLang="en-US" dirty="0"/>
               <a:t>单击此处编辑文本</a:t>
             </a:r>
-            <a:endParaRPr lang="zh-CN" altLang="en-US" dirty="0"/>
           </a:p>
         </p:txBody>
       </p:sp>
@@ -2828,6 +2807,32 @@
           </p:cNvSpPr>
           <p:nvPr>
             <p:ph type="dt" sz="half" idx="10"/>
+            <p:custDataLst>
+              <p:tags r:id="rId3"/>
+            </p:custDataLst>
+          </p:nvPr>
+        </p:nvSpPr>
+        <p:spPr/>
+        <p:txBody>
+          <a:bodyPr/>
+          <a:lstStyle/>
+          <a:p>
+            <a:fld id="{760FBDFE-C587-4B4C-A407-44438C67B59E}" type="datetimeFigureOut">
+              <a:rPr lang="zh-CN" altLang="en-US" smtClean="0"/>
+              <a:t>2021-05-13</a:t>
+            </a:fld>
+            <a:endParaRPr lang="zh-CN" altLang="en-US"/>
+          </a:p>
+        </p:txBody>
+      </p:sp>
+      <p:sp>
+        <p:nvSpPr>
+          <p:cNvPr id="5" name="页脚占位符 4"/>
+          <p:cNvSpPr>
+            <a:spLocks noGrp="1"/>
+          </p:cNvSpPr>
+          <p:nvPr>
+            <p:ph type="ftr" sz="quarter" idx="11"/>
             <p:custDataLst>
               <p:tags r:id="rId4"/>
             </p:custDataLst>
@@ -2838,21 +2843,18 @@
           <a:bodyPr/>
           <a:lstStyle/>
           <a:p>
-            <a:fld id="{760FBDFE-C587-4B4C-A407-44438C67B59E}" type="datetimeFigureOut">
-              <a:rPr lang="zh-CN" altLang="en-US" smtClean="0"/>
-            </a:fld>
             <a:endParaRPr lang="zh-CN" altLang="en-US"/>
           </a:p>
         </p:txBody>
       </p:sp>
       <p:sp>
         <p:nvSpPr>
-          <p:cNvPr id="5" name="页脚占位符 4"/>
-          <p:cNvSpPr>
-            <a:spLocks noGrp="1"/>
-          </p:cNvSpPr>
-          <p:nvPr>
-            <p:ph type="ftr" sz="quarter" idx="11"/>
+          <p:cNvPr id="6" name="灯片编号占位符 5"/>
+          <p:cNvSpPr>
+            <a:spLocks noGrp="1"/>
+          </p:cNvSpPr>
+          <p:nvPr>
+            <p:ph type="sldNum" sz="quarter" idx="12"/>
             <p:custDataLst>
               <p:tags r:id="rId5"/>
             </p:custDataLst>
@@ -2863,30 +2865,9 @@
           <a:bodyPr/>
           <a:lstStyle/>
           <a:p>
-            <a:endParaRPr lang="zh-CN" altLang="en-US"/>
-          </a:p>
-        </p:txBody>
-      </p:sp>
-      <p:sp>
-        <p:nvSpPr>
-          <p:cNvPr id="6" name="灯片编号占位符 5"/>
-          <p:cNvSpPr>
-            <a:spLocks noGrp="1"/>
-          </p:cNvSpPr>
-          <p:nvPr>
-            <p:ph type="sldNum" sz="quarter" idx="12"/>
-            <p:custDataLst>
-              <p:tags r:id="rId6"/>
-            </p:custDataLst>
-          </p:nvPr>
-        </p:nvSpPr>
-        <p:spPr/>
-        <p:txBody>
-          <a:bodyPr/>
-          <a:lstStyle/>
-          <a:p>
             <a:fld id="{49AE70B2-8BF9-45C0-BB95-33D1B9D3A854}" type="slidenum">
               <a:rPr lang="zh-CN" altLang="en-US" smtClean="0"/>
+              <a:t>‹#›</a:t>
             </a:fld>
             <a:endParaRPr lang="zh-CN" altLang="en-US"/>
           </a:p>
@@ -2926,7 +2907,7 @@
           <p:nvPr>
             <p:ph type="title"/>
             <p:custDataLst>
-              <p:tags r:id="rId2"/>
+              <p:tags r:id="rId1"/>
             </p:custDataLst>
           </p:nvPr>
         </p:nvSpPr>
@@ -2949,9 +2930,6 @@
               </a:rPr>
               <a:t>单击此处编辑母版标题样式</a:t>
             </a:r>
-            <a:endParaRPr dirty="0">
-              <a:sym typeface="+mn-ea"/>
-            </a:endParaRPr>
           </a:p>
         </p:txBody>
       </p:sp>
@@ -2964,7 +2942,7 @@
           <p:nvPr>
             <p:ph sz="half" idx="1"/>
             <p:custDataLst>
-              <p:tags r:id="rId3"/>
+              <p:tags r:id="rId2"/>
             </p:custDataLst>
           </p:nvPr>
         </p:nvSpPr>
@@ -2987,9 +2965,6 @@
               </a:rPr>
               <a:t>单击此处编辑母版文本样式</a:t>
             </a:r>
-            <a:endParaRPr dirty="0">
-              <a:sym typeface="+mn-ea"/>
-            </a:endParaRPr>
           </a:p>
           <a:p>
             <a:pPr lvl="1"/>
@@ -2999,9 +2974,6 @@
               </a:rPr>
               <a:t>第二级</a:t>
             </a:r>
-            <a:endParaRPr dirty="0">
-              <a:sym typeface="+mn-ea"/>
-            </a:endParaRPr>
           </a:p>
           <a:p>
             <a:pPr lvl="2"/>
@@ -3011,9 +2983,6 @@
               </a:rPr>
               <a:t>第三级</a:t>
             </a:r>
-            <a:endParaRPr dirty="0">
-              <a:sym typeface="+mn-ea"/>
-            </a:endParaRPr>
           </a:p>
           <a:p>
             <a:pPr lvl="3"/>
@@ -3023,9 +2992,6 @@
               </a:rPr>
               <a:t>第四级</a:t>
             </a:r>
-            <a:endParaRPr dirty="0">
-              <a:sym typeface="+mn-ea"/>
-            </a:endParaRPr>
           </a:p>
           <a:p>
             <a:pPr lvl="4"/>
@@ -3035,9 +3001,6 @@
               </a:rPr>
               <a:t>第五级</a:t>
             </a:r>
-            <a:endParaRPr dirty="0">
-              <a:sym typeface="+mn-ea"/>
-            </a:endParaRPr>
           </a:p>
         </p:txBody>
       </p:sp>
@@ -3050,7 +3013,7 @@
           <p:nvPr>
             <p:ph sz="half" idx="2"/>
             <p:custDataLst>
-              <p:tags r:id="rId4"/>
+              <p:tags r:id="rId3"/>
             </p:custDataLst>
           </p:nvPr>
         </p:nvSpPr>
@@ -3071,7 +3034,6 @@
               <a:rPr lang="zh-CN" altLang="en-US" dirty="0"/>
               <a:t>单击此处编辑母版文本样式</a:t>
             </a:r>
-            <a:endParaRPr lang="zh-CN" altLang="en-US" dirty="0"/>
           </a:p>
           <a:p>
             <a:pPr lvl="1"/>
@@ -3079,7 +3041,6 @@
               <a:rPr lang="zh-CN" altLang="en-US" dirty="0"/>
               <a:t>第二级</a:t>
             </a:r>
-            <a:endParaRPr lang="zh-CN" altLang="en-US" dirty="0"/>
           </a:p>
           <a:p>
             <a:pPr lvl="2"/>
@@ -3087,7 +3048,6 @@
               <a:rPr lang="zh-CN" altLang="en-US" dirty="0"/>
               <a:t>第三级</a:t>
             </a:r>
-            <a:endParaRPr lang="zh-CN" altLang="en-US" dirty="0"/>
           </a:p>
           <a:p>
             <a:pPr lvl="3"/>
@@ -3095,7 +3055,6 @@
               <a:rPr lang="zh-CN" altLang="en-US" dirty="0"/>
               <a:t>第四级</a:t>
             </a:r>
-            <a:endParaRPr lang="zh-CN" altLang="en-US" dirty="0"/>
           </a:p>
           <a:p>
             <a:pPr lvl="4"/>
@@ -3103,7 +3062,6 @@
               <a:rPr lang="zh-CN" altLang="en-US" dirty="0"/>
               <a:t>第五级</a:t>
             </a:r>
-            <a:endParaRPr lang="zh-CN" altLang="en-US" dirty="0"/>
           </a:p>
         </p:txBody>
       </p:sp>
@@ -3115,6 +3073,32 @@
           </p:cNvSpPr>
           <p:nvPr>
             <p:ph type="dt" sz="half" idx="10"/>
+            <p:custDataLst>
+              <p:tags r:id="rId4"/>
+            </p:custDataLst>
+          </p:nvPr>
+        </p:nvSpPr>
+        <p:spPr/>
+        <p:txBody>
+          <a:bodyPr/>
+          <a:lstStyle/>
+          <a:p>
+            <a:fld id="{760FBDFE-C587-4B4C-A407-44438C67B59E}" type="datetimeFigureOut">
+              <a:rPr lang="zh-CN" altLang="en-US" smtClean="0"/>
+              <a:t>2021-05-13</a:t>
+            </a:fld>
+            <a:endParaRPr lang="zh-CN" altLang="en-US"/>
+          </a:p>
+        </p:txBody>
+      </p:sp>
+      <p:sp>
+        <p:nvSpPr>
+          <p:cNvPr id="6" name="页脚占位符 5"/>
+          <p:cNvSpPr>
+            <a:spLocks noGrp="1"/>
+          </p:cNvSpPr>
+          <p:nvPr>
+            <p:ph type="ftr" sz="quarter" idx="11"/>
             <p:custDataLst>
               <p:tags r:id="rId5"/>
             </p:custDataLst>
@@ -3125,21 +3109,18 @@
           <a:bodyPr/>
           <a:lstStyle/>
           <a:p>
-            <a:fld id="{760FBDFE-C587-4B4C-A407-44438C67B59E}" type="datetimeFigureOut">
-              <a:rPr lang="zh-CN" altLang="en-US" smtClean="0"/>
-            </a:fld>
             <a:endParaRPr lang="zh-CN" altLang="en-US"/>
           </a:p>
         </p:txBody>
       </p:sp>
       <p:sp>
         <p:nvSpPr>
-          <p:cNvPr id="6" name="页脚占位符 5"/>
-          <p:cNvSpPr>
-            <a:spLocks noGrp="1"/>
-          </p:cNvSpPr>
-          <p:nvPr>
-            <p:ph type="ftr" sz="quarter" idx="11"/>
+          <p:cNvPr id="7" name="灯片编号占位符 6"/>
+          <p:cNvSpPr>
+            <a:spLocks noGrp="1"/>
+          </p:cNvSpPr>
+          <p:nvPr>
+            <p:ph type="sldNum" sz="quarter" idx="12"/>
             <p:custDataLst>
               <p:tags r:id="rId6"/>
             </p:custDataLst>
@@ -3150,30 +3131,9 @@
           <a:bodyPr/>
           <a:lstStyle/>
           <a:p>
-            <a:endParaRPr lang="zh-CN" altLang="en-US"/>
-          </a:p>
-        </p:txBody>
-      </p:sp>
-      <p:sp>
-        <p:nvSpPr>
-          <p:cNvPr id="7" name="灯片编号占位符 6"/>
-          <p:cNvSpPr>
-            <a:spLocks noGrp="1"/>
-          </p:cNvSpPr>
-          <p:nvPr>
-            <p:ph type="sldNum" sz="quarter" idx="12"/>
-            <p:custDataLst>
-              <p:tags r:id="rId7"/>
-            </p:custDataLst>
-          </p:nvPr>
-        </p:nvSpPr>
-        <p:spPr/>
-        <p:txBody>
-          <a:bodyPr/>
-          <a:lstStyle/>
-          <a:p>
             <a:fld id="{49AE70B2-8BF9-45C0-BB95-33D1B9D3A854}" type="slidenum">
               <a:rPr lang="zh-CN" altLang="en-US" smtClean="0"/>
+              <a:t>‹#›</a:t>
             </a:fld>
             <a:endParaRPr lang="zh-CN" altLang="en-US"/>
           </a:p>
@@ -3213,7 +3173,7 @@
           <p:nvPr>
             <p:ph type="title"/>
             <p:custDataLst>
-              <p:tags r:id="rId2"/>
+              <p:tags r:id="rId1"/>
             </p:custDataLst>
           </p:nvPr>
         </p:nvSpPr>
@@ -3236,9 +3196,6 @@
               </a:rPr>
               <a:t>单击此处编辑母版标题样式</a:t>
             </a:r>
-            <a:endParaRPr dirty="0">
-              <a:sym typeface="+mn-ea"/>
-            </a:endParaRPr>
           </a:p>
         </p:txBody>
       </p:sp>
@@ -3251,7 +3208,7 @@
           <p:nvPr>
             <p:ph type="body" idx="1" hasCustomPrompt="1"/>
             <p:custDataLst>
-              <p:tags r:id="rId3"/>
+              <p:tags r:id="rId2"/>
             </p:custDataLst>
           </p:nvPr>
         </p:nvSpPr>
@@ -3319,7 +3276,6 @@
               <a:rPr lang="zh-CN" altLang="en-US" dirty="0"/>
               <a:t>单击此处编辑文本</a:t>
             </a:r>
-            <a:endParaRPr lang="zh-CN" altLang="en-US" dirty="0"/>
           </a:p>
         </p:txBody>
       </p:sp>
@@ -3332,7 +3288,7 @@
           <p:nvPr>
             <p:ph sz="half" idx="2"/>
             <p:custDataLst>
-              <p:tags r:id="rId4"/>
+              <p:tags r:id="rId3"/>
             </p:custDataLst>
           </p:nvPr>
         </p:nvSpPr>
@@ -3355,9 +3311,6 @@
               </a:rPr>
               <a:t>单击此处编辑母版文本样式</a:t>
             </a:r>
-            <a:endParaRPr dirty="0">
-              <a:sym typeface="+mn-ea"/>
-            </a:endParaRPr>
           </a:p>
           <a:p>
             <a:pPr lvl="1"/>
@@ -3367,9 +3320,6 @@
               </a:rPr>
               <a:t>第二级</a:t>
             </a:r>
-            <a:endParaRPr dirty="0">
-              <a:sym typeface="+mn-ea"/>
-            </a:endParaRPr>
           </a:p>
           <a:p>
             <a:pPr lvl="2"/>
@@ -3379,9 +3329,6 @@
               </a:rPr>
               <a:t>第三级</a:t>
             </a:r>
-            <a:endParaRPr dirty="0">
-              <a:sym typeface="+mn-ea"/>
-            </a:endParaRPr>
           </a:p>
           <a:p>
             <a:pPr lvl="3"/>
@@ -3391,9 +3338,6 @@
               </a:rPr>
               <a:t>第四级</a:t>
             </a:r>
-            <a:endParaRPr dirty="0">
-              <a:sym typeface="+mn-ea"/>
-            </a:endParaRPr>
           </a:p>
           <a:p>
             <a:pPr lvl="4"/>
@@ -3403,9 +3347,6 @@
               </a:rPr>
               <a:t>第五级</a:t>
             </a:r>
-            <a:endParaRPr dirty="0">
-              <a:sym typeface="+mn-ea"/>
-            </a:endParaRPr>
           </a:p>
         </p:txBody>
       </p:sp>
@@ -3418,7 +3359,7 @@
           <p:nvPr>
             <p:ph type="body" sz="quarter" idx="3" hasCustomPrompt="1"/>
             <p:custDataLst>
-              <p:tags r:id="rId5"/>
+              <p:tags r:id="rId4"/>
             </p:custDataLst>
           </p:nvPr>
         </p:nvSpPr>
@@ -3488,9 +3429,6 @@
               </a:rPr>
               <a:t>单击此处编辑文本</a:t>
             </a:r>
-            <a:endParaRPr>
-              <a:sym typeface="+mn-ea"/>
-            </a:endParaRPr>
           </a:p>
         </p:txBody>
       </p:sp>
@@ -3503,7 +3441,7 @@
           <p:nvPr>
             <p:ph sz="quarter" idx="4"/>
             <p:custDataLst>
-              <p:tags r:id="rId6"/>
+              <p:tags r:id="rId5"/>
             </p:custDataLst>
           </p:nvPr>
         </p:nvSpPr>
@@ -3526,9 +3464,6 @@
               </a:rPr>
               <a:t>单击此处编辑母版文本样式</a:t>
             </a:r>
-            <a:endParaRPr dirty="0">
-              <a:sym typeface="+mn-ea"/>
-            </a:endParaRPr>
           </a:p>
           <a:p>
             <a:pPr lvl="1"/>
@@ -3538,9 +3473,6 @@
               </a:rPr>
               <a:t>第二级</a:t>
             </a:r>
-            <a:endParaRPr dirty="0">
-              <a:sym typeface="+mn-ea"/>
-            </a:endParaRPr>
           </a:p>
           <a:p>
             <a:pPr lvl="2"/>
@@ -3550,9 +3482,6 @@
               </a:rPr>
               <a:t>第三级</a:t>
             </a:r>
-            <a:endParaRPr dirty="0">
-              <a:sym typeface="+mn-ea"/>
-            </a:endParaRPr>
           </a:p>
           <a:p>
             <a:pPr lvl="3"/>
@@ -3562,9 +3491,6 @@
               </a:rPr>
               <a:t>第四级</a:t>
             </a:r>
-            <a:endParaRPr dirty="0">
-              <a:sym typeface="+mn-ea"/>
-            </a:endParaRPr>
           </a:p>
           <a:p>
             <a:pPr lvl="4"/>
@@ -3574,9 +3500,6 @@
               </a:rPr>
               <a:t>第五级</a:t>
             </a:r>
-            <a:endParaRPr dirty="0">
-              <a:sym typeface="+mn-ea"/>
-            </a:endParaRPr>
           </a:p>
         </p:txBody>
       </p:sp>
@@ -3588,6 +3511,32 @@
           </p:cNvSpPr>
           <p:nvPr>
             <p:ph type="dt" sz="half" idx="10"/>
+            <p:custDataLst>
+              <p:tags r:id="rId6"/>
+            </p:custDataLst>
+          </p:nvPr>
+        </p:nvSpPr>
+        <p:spPr/>
+        <p:txBody>
+          <a:bodyPr/>
+          <a:lstStyle/>
+          <a:p>
+            <a:fld id="{760FBDFE-C587-4B4C-A407-44438C67B59E}" type="datetimeFigureOut">
+              <a:rPr lang="zh-CN" altLang="en-US" smtClean="0"/>
+              <a:t>2021-05-13</a:t>
+            </a:fld>
+            <a:endParaRPr lang="zh-CN" altLang="en-US"/>
+          </a:p>
+        </p:txBody>
+      </p:sp>
+      <p:sp>
+        <p:nvSpPr>
+          <p:cNvPr id="8" name="页脚占位符 7"/>
+          <p:cNvSpPr>
+            <a:spLocks noGrp="1"/>
+          </p:cNvSpPr>
+          <p:nvPr>
+            <p:ph type="ftr" sz="quarter" idx="11"/>
             <p:custDataLst>
               <p:tags r:id="rId7"/>
             </p:custDataLst>
@@ -3598,21 +3547,18 @@
           <a:bodyPr/>
           <a:lstStyle/>
           <a:p>
-            <a:fld id="{760FBDFE-C587-4B4C-A407-44438C67B59E}" type="datetimeFigureOut">
-              <a:rPr lang="zh-CN" altLang="en-US" smtClean="0"/>
-            </a:fld>
             <a:endParaRPr lang="zh-CN" altLang="en-US"/>
           </a:p>
         </p:txBody>
       </p:sp>
       <p:sp>
         <p:nvSpPr>
-          <p:cNvPr id="8" name="页脚占位符 7"/>
-          <p:cNvSpPr>
-            <a:spLocks noGrp="1"/>
-          </p:cNvSpPr>
-          <p:nvPr>
-            <p:ph type="ftr" sz="quarter" idx="11"/>
+          <p:cNvPr id="9" name="灯片编号占位符 8"/>
+          <p:cNvSpPr>
+            <a:spLocks noGrp="1"/>
+          </p:cNvSpPr>
+          <p:nvPr>
+            <p:ph type="sldNum" sz="quarter" idx="12"/>
             <p:custDataLst>
               <p:tags r:id="rId8"/>
             </p:custDataLst>
@@ -3623,30 +3569,9 @@
           <a:bodyPr/>
           <a:lstStyle/>
           <a:p>
-            <a:endParaRPr lang="zh-CN" altLang="en-US"/>
-          </a:p>
-        </p:txBody>
-      </p:sp>
-      <p:sp>
-        <p:nvSpPr>
-          <p:cNvPr id="9" name="灯片编号占位符 8"/>
-          <p:cNvSpPr>
-            <a:spLocks noGrp="1"/>
-          </p:cNvSpPr>
-          <p:nvPr>
-            <p:ph type="sldNum" sz="quarter" idx="12"/>
-            <p:custDataLst>
-              <p:tags r:id="rId9"/>
-            </p:custDataLst>
-          </p:nvPr>
-        </p:nvSpPr>
-        <p:spPr/>
-        <p:txBody>
-          <a:bodyPr/>
-          <a:lstStyle/>
-          <a:p>
             <a:fld id="{49AE70B2-8BF9-45C0-BB95-33D1B9D3A854}" type="slidenum">
               <a:rPr lang="zh-CN" altLang="en-US" smtClean="0"/>
+              <a:t>‹#›</a:t>
             </a:fld>
             <a:endParaRPr lang="zh-CN" altLang="en-US"/>
           </a:p>
@@ -3686,7 +3611,7 @@
           <p:nvPr>
             <p:ph type="title"/>
             <p:custDataLst>
-              <p:tags r:id="rId2"/>
+              <p:tags r:id="rId1"/>
             </p:custDataLst>
           </p:nvPr>
         </p:nvSpPr>
@@ -3709,9 +3634,6 @@
               </a:rPr>
               <a:t>单击此处编辑母版标题样式</a:t>
             </a:r>
-            <a:endParaRPr>
-              <a:sym typeface="+mn-ea"/>
-            </a:endParaRPr>
           </a:p>
         </p:txBody>
       </p:sp>
@@ -3723,6 +3645,32 @@
           </p:cNvSpPr>
           <p:nvPr>
             <p:ph type="dt" sz="half" idx="10"/>
+            <p:custDataLst>
+              <p:tags r:id="rId2"/>
+            </p:custDataLst>
+          </p:nvPr>
+        </p:nvSpPr>
+        <p:spPr/>
+        <p:txBody>
+          <a:bodyPr/>
+          <a:lstStyle/>
+          <a:p>
+            <a:fld id="{760FBDFE-C587-4B4C-A407-44438C67B59E}" type="datetimeFigureOut">
+              <a:rPr lang="zh-CN" altLang="en-US" smtClean="0"/>
+              <a:t>2021-05-13</a:t>
+            </a:fld>
+            <a:endParaRPr lang="zh-CN" altLang="en-US"/>
+          </a:p>
+        </p:txBody>
+      </p:sp>
+      <p:sp>
+        <p:nvSpPr>
+          <p:cNvPr id="4" name="页脚占位符 3"/>
+          <p:cNvSpPr>
+            <a:spLocks noGrp="1"/>
+          </p:cNvSpPr>
+          <p:nvPr>
+            <p:ph type="ftr" sz="quarter" idx="11"/>
             <p:custDataLst>
               <p:tags r:id="rId3"/>
             </p:custDataLst>
@@ -3733,21 +3681,18 @@
           <a:bodyPr/>
           <a:lstStyle/>
           <a:p>
-            <a:fld id="{760FBDFE-C587-4B4C-A407-44438C67B59E}" type="datetimeFigureOut">
-              <a:rPr lang="zh-CN" altLang="en-US" smtClean="0"/>
-            </a:fld>
             <a:endParaRPr lang="zh-CN" altLang="en-US"/>
           </a:p>
         </p:txBody>
       </p:sp>
       <p:sp>
         <p:nvSpPr>
-          <p:cNvPr id="4" name="页脚占位符 3"/>
-          <p:cNvSpPr>
-            <a:spLocks noGrp="1"/>
-          </p:cNvSpPr>
-          <p:nvPr>
-            <p:ph type="ftr" sz="quarter" idx="11"/>
+          <p:cNvPr id="5" name="灯片编号占位符 4"/>
+          <p:cNvSpPr>
+            <a:spLocks noGrp="1"/>
+          </p:cNvSpPr>
+          <p:nvPr>
+            <p:ph type="sldNum" sz="quarter" idx="12"/>
             <p:custDataLst>
               <p:tags r:id="rId4"/>
             </p:custDataLst>
@@ -3758,30 +3703,9 @@
           <a:bodyPr/>
           <a:lstStyle/>
           <a:p>
-            <a:endParaRPr lang="zh-CN" altLang="en-US"/>
-          </a:p>
-        </p:txBody>
-      </p:sp>
-      <p:sp>
-        <p:nvSpPr>
-          <p:cNvPr id="5" name="灯片编号占位符 4"/>
-          <p:cNvSpPr>
-            <a:spLocks noGrp="1"/>
-          </p:cNvSpPr>
-          <p:nvPr>
-            <p:ph type="sldNum" sz="quarter" idx="12"/>
-            <p:custDataLst>
-              <p:tags r:id="rId5"/>
-            </p:custDataLst>
-          </p:nvPr>
-        </p:nvSpPr>
-        <p:spPr/>
-        <p:txBody>
-          <a:bodyPr/>
-          <a:lstStyle/>
-          <a:p>
             <a:fld id="{49AE70B2-8BF9-45C0-BB95-33D1B9D3A854}" type="slidenum">
               <a:rPr lang="zh-CN" altLang="en-US" smtClean="0"/>
+              <a:t>‹#›</a:t>
             </a:fld>
             <a:endParaRPr lang="zh-CN" altLang="en-US"/>
           </a:p>
@@ -3821,6 +3745,32 @@
           <p:nvPr>
             <p:ph type="dt" sz="half" idx="10"/>
             <p:custDataLst>
+              <p:tags r:id="rId1"/>
+            </p:custDataLst>
+          </p:nvPr>
+        </p:nvSpPr>
+        <p:spPr/>
+        <p:txBody>
+          <a:bodyPr/>
+          <a:lstStyle/>
+          <a:p>
+            <a:fld id="{760FBDFE-C587-4B4C-A407-44438C67B59E}" type="datetimeFigureOut">
+              <a:rPr lang="zh-CN" altLang="en-US" smtClean="0"/>
+              <a:t>2021-05-13</a:t>
+            </a:fld>
+            <a:endParaRPr lang="zh-CN" altLang="en-US"/>
+          </a:p>
+        </p:txBody>
+      </p:sp>
+      <p:sp>
+        <p:nvSpPr>
+          <p:cNvPr id="3" name="页脚占位符 2"/>
+          <p:cNvSpPr>
+            <a:spLocks noGrp="1"/>
+          </p:cNvSpPr>
+          <p:nvPr>
+            <p:ph type="ftr" sz="quarter" idx="11"/>
+            <p:custDataLst>
               <p:tags r:id="rId2"/>
             </p:custDataLst>
           </p:nvPr>
@@ -3830,21 +3780,18 @@
           <a:bodyPr/>
           <a:lstStyle/>
           <a:p>
-            <a:fld id="{760FBDFE-C587-4B4C-A407-44438C67B59E}" type="datetimeFigureOut">
-              <a:rPr lang="zh-CN" altLang="en-US" smtClean="0"/>
-            </a:fld>
             <a:endParaRPr lang="zh-CN" altLang="en-US"/>
           </a:p>
         </p:txBody>
       </p:sp>
       <p:sp>
         <p:nvSpPr>
-          <p:cNvPr id="3" name="页脚占位符 2"/>
-          <p:cNvSpPr>
-            <a:spLocks noGrp="1"/>
-          </p:cNvSpPr>
-          <p:nvPr>
-            <p:ph type="ftr" sz="quarter" idx="11"/>
+          <p:cNvPr id="4" name="灯片编号占位符 3"/>
+          <p:cNvSpPr>
+            <a:spLocks noGrp="1"/>
+          </p:cNvSpPr>
+          <p:nvPr>
+            <p:ph type="sldNum" sz="quarter" idx="12"/>
             <p:custDataLst>
               <p:tags r:id="rId3"/>
             </p:custDataLst>
@@ -3855,30 +3802,9 @@
           <a:bodyPr/>
           <a:lstStyle/>
           <a:p>
-            <a:endParaRPr lang="zh-CN" altLang="en-US"/>
-          </a:p>
-        </p:txBody>
-      </p:sp>
-      <p:sp>
-        <p:nvSpPr>
-          <p:cNvPr id="4" name="灯片编号占位符 3"/>
-          <p:cNvSpPr>
-            <a:spLocks noGrp="1"/>
-          </p:cNvSpPr>
-          <p:nvPr>
-            <p:ph type="sldNum" sz="quarter" idx="12"/>
-            <p:custDataLst>
-              <p:tags r:id="rId4"/>
-            </p:custDataLst>
-          </p:nvPr>
-        </p:nvSpPr>
-        <p:spPr/>
-        <p:txBody>
-          <a:bodyPr/>
-          <a:lstStyle/>
-          <a:p>
             <a:fld id="{49AE70B2-8BF9-45C0-BB95-33D1B9D3A854}" type="slidenum">
               <a:rPr lang="zh-CN" altLang="en-US" smtClean="0"/>
+              <a:t>‹#›</a:t>
             </a:fld>
             <a:endParaRPr lang="zh-CN" altLang="en-US"/>
           </a:p>
@@ -3918,7 +3844,7 @@
           <p:nvPr>
             <p:ph type="pic" idx="1"/>
             <p:custDataLst>
-              <p:tags r:id="rId2"/>
+              <p:tags r:id="rId1"/>
             </p:custDataLst>
           </p:nvPr>
         </p:nvSpPr>
@@ -3955,7 +3881,7 @@
           <p:nvPr>
             <p:ph type="body" sz="half" idx="2"/>
             <p:custDataLst>
-              <p:tags r:id="rId3"/>
+              <p:tags r:id="rId2"/>
             </p:custDataLst>
           </p:nvPr>
         </p:nvSpPr>
@@ -3983,9 +3909,6 @@
               </a:rPr>
               <a:t>单击此处编辑母版文本样式</a:t>
             </a:r>
-            <a:endParaRPr dirty="0">
-              <a:sym typeface="+mn-ea"/>
-            </a:endParaRPr>
           </a:p>
         </p:txBody>
       </p:sp>
@@ -3997,6 +3920,32 @@
           </p:cNvSpPr>
           <p:nvPr>
             <p:ph type="dt" sz="half" idx="10"/>
+            <p:custDataLst>
+              <p:tags r:id="rId3"/>
+            </p:custDataLst>
+          </p:nvPr>
+        </p:nvSpPr>
+        <p:spPr/>
+        <p:txBody>
+          <a:bodyPr/>
+          <a:lstStyle/>
+          <a:p>
+            <a:fld id="{9EFD9D74-47D9-4702-A33C-335B63B48DBF}" type="datetimeFigureOut">
+              <a:rPr lang="zh-CN" altLang="en-US" smtClean="0"/>
+              <a:t>2021-05-13</a:t>
+            </a:fld>
+            <a:endParaRPr lang="zh-CN" altLang="en-US" dirty="0"/>
+          </a:p>
+        </p:txBody>
+      </p:sp>
+      <p:sp>
+        <p:nvSpPr>
+          <p:cNvPr id="6" name="页脚占位符 5"/>
+          <p:cNvSpPr>
+            <a:spLocks noGrp="1"/>
+          </p:cNvSpPr>
+          <p:nvPr>
+            <p:ph type="ftr" sz="quarter" idx="11"/>
             <p:custDataLst>
               <p:tags r:id="rId4"/>
             </p:custDataLst>
@@ -4007,21 +3956,18 @@
           <a:bodyPr/>
           <a:lstStyle/>
           <a:p>
-            <a:fld id="{9EFD9D74-47D9-4702-A33C-335B63B48DBF}" type="datetimeFigureOut">
-              <a:rPr lang="zh-CN" altLang="en-US" smtClean="0"/>
-            </a:fld>
             <a:endParaRPr lang="zh-CN" altLang="en-US" dirty="0"/>
           </a:p>
         </p:txBody>
       </p:sp>
       <p:sp>
         <p:nvSpPr>
-          <p:cNvPr id="6" name="页脚占位符 5"/>
-          <p:cNvSpPr>
-            <a:spLocks noGrp="1"/>
-          </p:cNvSpPr>
-          <p:nvPr>
-            <p:ph type="ftr" sz="quarter" idx="11"/>
+          <p:cNvPr id="7" name="灯片编号占位符 6"/>
+          <p:cNvSpPr>
+            <a:spLocks noGrp="1"/>
+          </p:cNvSpPr>
+          <p:nvPr>
+            <p:ph type="sldNum" sz="quarter" idx="12"/>
             <p:custDataLst>
               <p:tags r:id="rId5"/>
             </p:custDataLst>
@@ -4032,18 +3978,22 @@
           <a:bodyPr/>
           <a:lstStyle/>
           <a:p>
-            <a:endParaRPr lang="zh-CN" altLang="en-US" dirty="0"/>
-          </a:p>
-        </p:txBody>
-      </p:sp>
-      <p:sp>
-        <p:nvSpPr>
-          <p:cNvPr id="7" name="灯片编号占位符 6"/>
-          <p:cNvSpPr>
-            <a:spLocks noGrp="1"/>
-          </p:cNvSpPr>
-          <p:nvPr>
-            <p:ph type="sldNum" sz="quarter" idx="12"/>
+            <a:fld id="{FABC47A4-756D-490B-A52F-7D9E2C9FC05F}" type="slidenum">
+              <a:rPr lang="zh-CN" altLang="en-US" smtClean="0"/>
+              <a:t>‹#›</a:t>
+            </a:fld>
+            <a:endParaRPr lang="zh-CN" altLang="en-US"/>
+          </a:p>
+        </p:txBody>
+      </p:sp>
+      <p:sp>
+        <p:nvSpPr>
+          <p:cNvPr id="9" name="标题 8"/>
+          <p:cNvSpPr>
+            <a:spLocks noGrp="1"/>
+          </p:cNvSpPr>
+          <p:nvPr>
+            <p:ph type="title"/>
             <p:custDataLst>
               <p:tags r:id="rId6"/>
             </p:custDataLst>
@@ -4054,35 +4004,10 @@
           <a:bodyPr/>
           <a:lstStyle/>
           <a:p>
-            <a:fld id="{FABC47A4-756D-490B-A52F-7D9E2C9FC05F}" type="slidenum">
-              <a:rPr lang="zh-CN" altLang="en-US" smtClean="0"/>
-            </a:fld>
-            <a:endParaRPr lang="zh-CN" altLang="en-US"/>
-          </a:p>
-        </p:txBody>
-      </p:sp>
-      <p:sp>
-        <p:nvSpPr>
-          <p:cNvPr id="9" name="标题 8"/>
-          <p:cNvSpPr>
-            <a:spLocks noGrp="1"/>
-          </p:cNvSpPr>
-          <p:nvPr>
-            <p:ph type="title"/>
-            <p:custDataLst>
-              <p:tags r:id="rId7"/>
-            </p:custDataLst>
-          </p:nvPr>
-        </p:nvSpPr>
-        <p:spPr/>
-        <p:txBody>
-          <a:bodyPr/>
-          <a:p>
             <a:r>
               <a:rPr lang="zh-CN" altLang="en-US"/>
               <a:t>单击此处编辑母版标题样式</a:t>
             </a:r>
-            <a:endParaRPr lang="zh-CN" altLang="en-US"/>
           </a:p>
         </p:txBody>
       </p:sp>
@@ -4130,7 +4055,6 @@
               <a:rPr lang="zh-CN" altLang="en-US"/>
               <a:t>单击此处编辑母版标题样式</a:t>
             </a:r>
-            <a:endParaRPr lang="zh-CN" altLang="en-US"/>
           </a:p>
         </p:txBody>
       </p:sp>
@@ -4154,7 +4078,6 @@
               <a:rPr lang="zh-CN" altLang="en-US"/>
               <a:t>单击此处编辑母版文本样式</a:t>
             </a:r>
-            <a:endParaRPr lang="zh-CN" altLang="en-US"/>
           </a:p>
           <a:p>
             <a:pPr lvl="1"/>
@@ -4162,7 +4085,6 @@
               <a:rPr lang="zh-CN" altLang="en-US"/>
               <a:t>二级</a:t>
             </a:r>
-            <a:endParaRPr lang="zh-CN" altLang="en-US"/>
           </a:p>
           <a:p>
             <a:pPr lvl="2"/>
@@ -4170,7 +4092,6 @@
               <a:rPr lang="zh-CN" altLang="en-US"/>
               <a:t>三级</a:t>
             </a:r>
-            <a:endParaRPr lang="zh-CN" altLang="en-US"/>
           </a:p>
           <a:p>
             <a:pPr lvl="3"/>
@@ -4178,7 +4099,6 @@
               <a:rPr lang="zh-CN" altLang="en-US"/>
               <a:t>四级</a:t>
             </a:r>
-            <a:endParaRPr lang="zh-CN" altLang="en-US"/>
           </a:p>
           <a:p>
             <a:pPr lvl="4"/>
@@ -4186,7 +4106,6 @@
               <a:rPr lang="zh-CN" altLang="en-US"/>
               <a:t>五级</a:t>
             </a:r>
-            <a:endParaRPr lang="zh-CN" altLang="en-US"/>
           </a:p>
         </p:txBody>
       </p:sp>
@@ -4207,6 +4126,7 @@
           <a:p>
             <a:fld id="{BC47F3D9-3D51-421B-8060-161D8C50E651}" type="datetimeFigureOut">
               <a:rPr lang="zh-CN" altLang="en-US" smtClean="0"/>
+              <a:t>2021-05-13</a:t>
             </a:fld>
             <a:endParaRPr lang="zh-CN" altLang="en-US"/>
           </a:p>
@@ -4248,6 +4168,7 @@
           <a:p>
             <a:fld id="{3807B03F-79FB-4EA1-B222-89394AA08F37}" type="slidenum">
               <a:rPr lang="zh-CN" altLang="en-US" smtClean="0"/>
+              <a:t>‹#›</a:t>
             </a:fld>
             <a:endParaRPr lang="zh-CN" altLang="en-US"/>
           </a:p>
@@ -4287,7 +4208,7 @@
           <p:nvPr>
             <p:ph type="title" orient="vert" hasCustomPrompt="1"/>
             <p:custDataLst>
-              <p:tags r:id="rId2"/>
+              <p:tags r:id="rId1"/>
             </p:custDataLst>
           </p:nvPr>
         </p:nvSpPr>
@@ -4315,9 +4236,6 @@
               </a:rPr>
               <a:t>单击此处编辑标题</a:t>
             </a:r>
-            <a:endParaRPr dirty="0">
-              <a:sym typeface="+mn-ea"/>
-            </a:endParaRPr>
           </a:p>
         </p:txBody>
       </p:sp>
@@ -4330,7 +4248,7 @@
           <p:nvPr>
             <p:ph type="body" orient="vert" idx="1"/>
             <p:custDataLst>
-              <p:tags r:id="rId3"/>
+              <p:tags r:id="rId2"/>
             </p:custDataLst>
           </p:nvPr>
         </p:nvSpPr>
@@ -4368,7 +4286,6 @@
               <a:rPr lang="zh-CN" altLang="en-US" dirty="0"/>
               <a:t>单击此处编辑母版文本样式</a:t>
             </a:r>
-            <a:endParaRPr lang="zh-CN" altLang="en-US" dirty="0"/>
           </a:p>
           <a:p>
             <a:pPr lvl="1"/>
@@ -4376,7 +4293,6 @@
               <a:rPr lang="zh-CN" altLang="en-US" dirty="0"/>
               <a:t>第二级</a:t>
             </a:r>
-            <a:endParaRPr lang="zh-CN" altLang="en-US" dirty="0"/>
           </a:p>
           <a:p>
             <a:pPr lvl="2"/>
@@ -4384,7 +4300,6 @@
               <a:rPr lang="zh-CN" altLang="en-US" dirty="0"/>
               <a:t>第三级</a:t>
             </a:r>
-            <a:endParaRPr lang="zh-CN" altLang="en-US" dirty="0"/>
           </a:p>
           <a:p>
             <a:pPr lvl="3"/>
@@ -4392,7 +4307,6 @@
               <a:rPr lang="zh-CN" altLang="en-US" dirty="0"/>
               <a:t>第四级</a:t>
             </a:r>
-            <a:endParaRPr lang="zh-CN" altLang="en-US" dirty="0"/>
           </a:p>
           <a:p>
             <a:pPr lvl="4"/>
@@ -4400,7 +4314,6 @@
               <a:rPr lang="zh-CN" altLang="en-US" dirty="0"/>
               <a:t>第五级</a:t>
             </a:r>
-            <a:endParaRPr lang="zh-CN" altLang="en-US" dirty="0"/>
           </a:p>
         </p:txBody>
       </p:sp>
@@ -4412,6 +4325,32 @@
           </p:cNvSpPr>
           <p:nvPr>
             <p:ph type="dt" sz="half" idx="10"/>
+            <p:custDataLst>
+              <p:tags r:id="rId3"/>
+            </p:custDataLst>
+          </p:nvPr>
+        </p:nvSpPr>
+        <p:spPr/>
+        <p:txBody>
+          <a:bodyPr/>
+          <a:lstStyle/>
+          <a:p>
+            <a:fld id="{760FBDFE-C587-4B4C-A407-44438C67B59E}" type="datetimeFigureOut">
+              <a:rPr lang="zh-CN" altLang="en-US" smtClean="0"/>
+              <a:t>2021-05-13</a:t>
+            </a:fld>
+            <a:endParaRPr lang="zh-CN" altLang="en-US"/>
+          </a:p>
+        </p:txBody>
+      </p:sp>
+      <p:sp>
+        <p:nvSpPr>
+          <p:cNvPr id="5" name="页脚占位符 4"/>
+          <p:cNvSpPr>
+            <a:spLocks noGrp="1"/>
+          </p:cNvSpPr>
+          <p:nvPr>
+            <p:ph type="ftr" sz="quarter" idx="11"/>
             <p:custDataLst>
               <p:tags r:id="rId4"/>
             </p:custDataLst>
@@ -4422,21 +4361,18 @@
           <a:bodyPr/>
           <a:lstStyle/>
           <a:p>
-            <a:fld id="{760FBDFE-C587-4B4C-A407-44438C67B59E}" type="datetimeFigureOut">
-              <a:rPr lang="zh-CN" altLang="en-US" smtClean="0"/>
-            </a:fld>
             <a:endParaRPr lang="zh-CN" altLang="en-US"/>
           </a:p>
         </p:txBody>
       </p:sp>
       <p:sp>
         <p:nvSpPr>
-          <p:cNvPr id="5" name="页脚占位符 4"/>
-          <p:cNvSpPr>
-            <a:spLocks noGrp="1"/>
-          </p:cNvSpPr>
-          <p:nvPr>
-            <p:ph type="ftr" sz="quarter" idx="11"/>
+          <p:cNvPr id="6" name="灯片编号占位符 5"/>
+          <p:cNvSpPr>
+            <a:spLocks noGrp="1"/>
+          </p:cNvSpPr>
+          <p:nvPr>
+            <p:ph type="sldNum" sz="quarter" idx="12"/>
             <p:custDataLst>
               <p:tags r:id="rId5"/>
             </p:custDataLst>
@@ -4447,30 +4383,9 @@
           <a:bodyPr/>
           <a:lstStyle/>
           <a:p>
-            <a:endParaRPr lang="zh-CN" altLang="en-US"/>
-          </a:p>
-        </p:txBody>
-      </p:sp>
-      <p:sp>
-        <p:nvSpPr>
-          <p:cNvPr id="6" name="灯片编号占位符 5"/>
-          <p:cNvSpPr>
-            <a:spLocks noGrp="1"/>
-          </p:cNvSpPr>
-          <p:nvPr>
-            <p:ph type="sldNum" sz="quarter" idx="12"/>
-            <p:custDataLst>
-              <p:tags r:id="rId6"/>
-            </p:custDataLst>
-          </p:nvPr>
-        </p:nvSpPr>
-        <p:spPr/>
-        <p:txBody>
-          <a:bodyPr/>
-          <a:lstStyle/>
-          <a:p>
             <a:fld id="{49AE70B2-8BF9-45C0-BB95-33D1B9D3A854}" type="slidenum">
               <a:rPr lang="zh-CN" altLang="en-US" smtClean="0"/>
+              <a:t>‹#›</a:t>
             </a:fld>
             <a:endParaRPr lang="zh-CN" altLang="en-US"/>
           </a:p>
@@ -4510,6 +4425,32 @@
           <p:nvPr>
             <p:ph type="dt" sz="half" idx="10"/>
             <p:custDataLst>
+              <p:tags r:id="rId1"/>
+            </p:custDataLst>
+          </p:nvPr>
+        </p:nvSpPr>
+        <p:spPr/>
+        <p:txBody>
+          <a:bodyPr/>
+          <a:lstStyle/>
+          <a:p>
+            <a:fld id="{760FBDFE-C587-4B4C-A407-44438C67B59E}" type="datetimeFigureOut">
+              <a:rPr lang="zh-CN" altLang="en-US" smtClean="0"/>
+              <a:t>2021-05-13</a:t>
+            </a:fld>
+            <a:endParaRPr lang="zh-CN" altLang="en-US"/>
+          </a:p>
+        </p:txBody>
+      </p:sp>
+      <p:sp>
+        <p:nvSpPr>
+          <p:cNvPr id="4" name="页脚占位符 3"/>
+          <p:cNvSpPr>
+            <a:spLocks noGrp="1"/>
+          </p:cNvSpPr>
+          <p:nvPr>
+            <p:ph type="ftr" sz="quarter" idx="11"/>
+            <p:custDataLst>
               <p:tags r:id="rId2"/>
             </p:custDataLst>
           </p:nvPr>
@@ -4519,21 +4460,18 @@
           <a:bodyPr/>
           <a:lstStyle/>
           <a:p>
-            <a:fld id="{760FBDFE-C587-4B4C-A407-44438C67B59E}" type="datetimeFigureOut">
-              <a:rPr lang="zh-CN" altLang="en-US" smtClean="0"/>
-            </a:fld>
             <a:endParaRPr lang="zh-CN" altLang="en-US"/>
           </a:p>
         </p:txBody>
       </p:sp>
       <p:sp>
         <p:nvSpPr>
-          <p:cNvPr id="4" name="页脚占位符 3"/>
-          <p:cNvSpPr>
-            <a:spLocks noGrp="1"/>
-          </p:cNvSpPr>
-          <p:nvPr>
-            <p:ph type="ftr" sz="quarter" idx="11"/>
+          <p:cNvPr id="5" name="灯片编号占位符 4"/>
+          <p:cNvSpPr>
+            <a:spLocks noGrp="1"/>
+          </p:cNvSpPr>
+          <p:nvPr>
+            <p:ph type="sldNum" sz="quarter" idx="12"/>
             <p:custDataLst>
               <p:tags r:id="rId3"/>
             </p:custDataLst>
@@ -4544,45 +4482,24 @@
           <a:bodyPr/>
           <a:lstStyle/>
           <a:p>
+            <a:fld id="{49AE70B2-8BF9-45C0-BB95-33D1B9D3A854}" type="slidenum">
+              <a:rPr lang="zh-CN" altLang="en-US" smtClean="0"/>
+              <a:t>‹#›</a:t>
+            </a:fld>
             <a:endParaRPr lang="zh-CN" altLang="en-US"/>
           </a:p>
         </p:txBody>
       </p:sp>
       <p:sp>
         <p:nvSpPr>
-          <p:cNvPr id="5" name="灯片编号占位符 4"/>
-          <p:cNvSpPr>
-            <a:spLocks noGrp="1"/>
-          </p:cNvSpPr>
-          <p:nvPr>
-            <p:ph type="sldNum" sz="quarter" idx="12"/>
+          <p:cNvPr id="7" name="内容占位符 6"/>
+          <p:cNvSpPr>
+            <a:spLocks noGrp="1"/>
+          </p:cNvSpPr>
+          <p:nvPr>
+            <p:ph sz="quarter" idx="13"/>
             <p:custDataLst>
               <p:tags r:id="rId4"/>
-            </p:custDataLst>
-          </p:nvPr>
-        </p:nvSpPr>
-        <p:spPr/>
-        <p:txBody>
-          <a:bodyPr/>
-          <a:lstStyle/>
-          <a:p>
-            <a:fld id="{49AE70B2-8BF9-45C0-BB95-33D1B9D3A854}" type="slidenum">
-              <a:rPr lang="zh-CN" altLang="en-US" smtClean="0"/>
-            </a:fld>
-            <a:endParaRPr lang="zh-CN" altLang="en-US"/>
-          </a:p>
-        </p:txBody>
-      </p:sp>
-      <p:sp>
-        <p:nvSpPr>
-          <p:cNvPr id="7" name="内容占位符 6"/>
-          <p:cNvSpPr>
-            <a:spLocks noGrp="1"/>
-          </p:cNvSpPr>
-          <p:nvPr>
-            <p:ph sz="quarter" idx="13"/>
-            <p:custDataLst>
-              <p:tags r:id="rId5"/>
             </p:custDataLst>
           </p:nvPr>
         </p:nvSpPr>
@@ -4601,7 +4518,6 @@
               <a:rPr lang="zh-CN" altLang="en-US" dirty="0"/>
               <a:t>单击此处编辑母版文本样式</a:t>
             </a:r>
-            <a:endParaRPr lang="zh-CN" altLang="en-US" dirty="0"/>
           </a:p>
           <a:p>
             <a:pPr lvl="1"/>
@@ -4609,7 +4525,6 @@
               <a:rPr lang="zh-CN" altLang="en-US" dirty="0"/>
               <a:t>第二级</a:t>
             </a:r>
-            <a:endParaRPr lang="zh-CN" altLang="en-US" dirty="0"/>
           </a:p>
           <a:p>
             <a:pPr lvl="2"/>
@@ -4617,7 +4532,6 @@
               <a:rPr lang="zh-CN" altLang="en-US" dirty="0"/>
               <a:t>第三级</a:t>
             </a:r>
-            <a:endParaRPr lang="zh-CN" altLang="en-US" dirty="0"/>
           </a:p>
           <a:p>
             <a:pPr lvl="3"/>
@@ -4625,7 +4539,6 @@
               <a:rPr lang="zh-CN" altLang="en-US" dirty="0"/>
               <a:t>第四级</a:t>
             </a:r>
-            <a:endParaRPr lang="zh-CN" altLang="en-US" dirty="0"/>
           </a:p>
           <a:p>
             <a:pPr lvl="4"/>
@@ -4633,7 +4546,6 @@
               <a:rPr lang="zh-CN" altLang="en-US" dirty="0"/>
               <a:t>第五级</a:t>
             </a:r>
-            <a:endParaRPr lang="zh-CN" altLang="en-US" dirty="0"/>
           </a:p>
         </p:txBody>
       </p:sp>
@@ -4671,6 +4583,32 @@
           <p:nvPr>
             <p:ph type="dt" sz="half" idx="10"/>
             <p:custDataLst>
+              <p:tags r:id="rId1"/>
+            </p:custDataLst>
+          </p:nvPr>
+        </p:nvSpPr>
+        <p:spPr/>
+        <p:txBody>
+          <a:bodyPr/>
+          <a:lstStyle/>
+          <a:p>
+            <a:fld id="{760FBDFE-C587-4B4C-A407-44438C67B59E}" type="datetimeFigureOut">
+              <a:rPr lang="zh-CN" altLang="en-US" smtClean="0"/>
+              <a:t>2021-05-13</a:t>
+            </a:fld>
+            <a:endParaRPr lang="zh-CN" altLang="en-US"/>
+          </a:p>
+        </p:txBody>
+      </p:sp>
+      <p:sp>
+        <p:nvSpPr>
+          <p:cNvPr id="4" name="页脚占位符 3"/>
+          <p:cNvSpPr>
+            <a:spLocks noGrp="1"/>
+          </p:cNvSpPr>
+          <p:nvPr>
+            <p:ph type="ftr" sz="quarter" idx="11"/>
+            <p:custDataLst>
               <p:tags r:id="rId2"/>
             </p:custDataLst>
           </p:nvPr>
@@ -4680,21 +4618,18 @@
           <a:bodyPr/>
           <a:lstStyle/>
           <a:p>
-            <a:fld id="{760FBDFE-C587-4B4C-A407-44438C67B59E}" type="datetimeFigureOut">
-              <a:rPr lang="zh-CN" altLang="en-US" smtClean="0"/>
-            </a:fld>
             <a:endParaRPr lang="zh-CN" altLang="en-US"/>
           </a:p>
         </p:txBody>
       </p:sp>
       <p:sp>
         <p:nvSpPr>
-          <p:cNvPr id="4" name="页脚占位符 3"/>
-          <p:cNvSpPr>
-            <a:spLocks noGrp="1"/>
-          </p:cNvSpPr>
-          <p:nvPr>
-            <p:ph type="ftr" sz="quarter" idx="11"/>
+          <p:cNvPr id="5" name="灯片编号占位符 4"/>
+          <p:cNvSpPr>
+            <a:spLocks noGrp="1"/>
+          </p:cNvSpPr>
+          <p:nvPr>
+            <p:ph type="sldNum" sz="quarter" idx="12"/>
             <p:custDataLst>
               <p:tags r:id="rId3"/>
             </p:custDataLst>
@@ -4705,45 +4640,24 @@
           <a:bodyPr/>
           <a:lstStyle/>
           <a:p>
+            <a:fld id="{49AE70B2-8BF9-45C0-BB95-33D1B9D3A854}" type="slidenum">
+              <a:rPr lang="zh-CN" altLang="en-US" smtClean="0"/>
+              <a:t>‹#›</a:t>
+            </a:fld>
             <a:endParaRPr lang="zh-CN" altLang="en-US"/>
           </a:p>
         </p:txBody>
       </p:sp>
       <p:sp>
         <p:nvSpPr>
-          <p:cNvPr id="5" name="灯片编号占位符 4"/>
-          <p:cNvSpPr>
-            <a:spLocks noGrp="1"/>
-          </p:cNvSpPr>
-          <p:nvPr>
-            <p:ph type="sldNum" sz="quarter" idx="12"/>
+          <p:cNvPr id="2" name="标题 1"/>
+          <p:cNvSpPr>
+            <a:spLocks noGrp="1"/>
+          </p:cNvSpPr>
+          <p:nvPr>
+            <p:ph type="title" hasCustomPrompt="1"/>
             <p:custDataLst>
               <p:tags r:id="rId4"/>
-            </p:custDataLst>
-          </p:nvPr>
-        </p:nvSpPr>
-        <p:spPr/>
-        <p:txBody>
-          <a:bodyPr/>
-          <a:lstStyle/>
-          <a:p>
-            <a:fld id="{49AE70B2-8BF9-45C0-BB95-33D1B9D3A854}" type="slidenum">
-              <a:rPr lang="zh-CN" altLang="en-US" smtClean="0"/>
-            </a:fld>
-            <a:endParaRPr lang="zh-CN" altLang="en-US"/>
-          </a:p>
-        </p:txBody>
-      </p:sp>
-      <p:sp>
-        <p:nvSpPr>
-          <p:cNvPr id="2" name="标题 1"/>
-          <p:cNvSpPr>
-            <a:spLocks noGrp="1"/>
-          </p:cNvSpPr>
-          <p:nvPr>
-            <p:ph type="title" hasCustomPrompt="1"/>
-            <p:custDataLst>
-              <p:tags r:id="rId5"/>
             </p:custDataLst>
           </p:nvPr>
         </p:nvSpPr>
@@ -4770,9 +4684,6 @@
               </a:rPr>
               <a:t>单击此处编辑标题</a:t>
             </a:r>
-            <a:endParaRPr>
-              <a:sym typeface="+mn-ea"/>
-            </a:endParaRPr>
           </a:p>
         </p:txBody>
       </p:sp>
@@ -4785,7 +4696,7 @@
           <p:nvPr>
             <p:ph type="body" sz="quarter" idx="13"/>
             <p:custDataLst>
-              <p:tags r:id="rId6"/>
+              <p:tags r:id="rId5"/>
             </p:custDataLst>
           </p:nvPr>
         </p:nvSpPr>
@@ -4814,7 +4725,6 @@
               <a:rPr lang="zh-CN" altLang="en-US" dirty="0"/>
               <a:t>单击此处编辑母版文本样式</a:t>
             </a:r>
-            <a:endParaRPr lang="zh-CN" altLang="en-US" dirty="0"/>
           </a:p>
         </p:txBody>
       </p:sp>
@@ -4871,7 +4781,6 @@
               <a:rPr lang="zh-CN" altLang="en-US"/>
               <a:t>单击此处编辑母版标题样式</a:t>
             </a:r>
-            <a:endParaRPr lang="zh-CN" altLang="en-US"/>
           </a:p>
         </p:txBody>
       </p:sp>
@@ -4936,7 +4845,6 @@
               <a:rPr lang="zh-CN" altLang="en-US"/>
               <a:t>单击此处编辑母版副标题样式</a:t>
             </a:r>
-            <a:endParaRPr lang="zh-CN" altLang="en-US"/>
           </a:p>
         </p:txBody>
       </p:sp>
@@ -4957,6 +4865,7 @@
           <a:p>
             <a:fld id="{BC47F3D9-3D51-421B-8060-161D8C50E651}" type="datetimeFigureOut">
               <a:rPr lang="zh-CN" altLang="en-US" smtClean="0"/>
+              <a:t>2021-05-13</a:t>
             </a:fld>
             <a:endParaRPr lang="zh-CN" altLang="en-US"/>
           </a:p>
@@ -4998,6 +4907,7 @@
           <a:p>
             <a:fld id="{3807B03F-79FB-4EA1-B222-89394AA08F37}" type="slidenum">
               <a:rPr lang="zh-CN" altLang="en-US" smtClean="0"/>
+              <a:t>‹#›</a:t>
             </a:fld>
             <a:endParaRPr lang="zh-CN" altLang="en-US"/>
           </a:p>
@@ -5047,7 +4957,6 @@
               <a:rPr lang="zh-CN" altLang="en-US"/>
               <a:t>单击此处编辑母版标题样式</a:t>
             </a:r>
-            <a:endParaRPr lang="zh-CN" altLang="en-US"/>
           </a:p>
         </p:txBody>
       </p:sp>
@@ -5071,7 +4980,6 @@
               <a:rPr lang="zh-CN" altLang="en-US"/>
               <a:t>单击此处编辑母版文本样式</a:t>
             </a:r>
-            <a:endParaRPr lang="zh-CN" altLang="en-US"/>
           </a:p>
           <a:p>
             <a:pPr lvl="1"/>
@@ -5079,7 +4987,6 @@
               <a:rPr lang="zh-CN" altLang="en-US"/>
               <a:t>二级</a:t>
             </a:r>
-            <a:endParaRPr lang="zh-CN" altLang="en-US"/>
           </a:p>
           <a:p>
             <a:pPr lvl="2"/>
@@ -5087,7 +4994,6 @@
               <a:rPr lang="zh-CN" altLang="en-US"/>
               <a:t>三级</a:t>
             </a:r>
-            <a:endParaRPr lang="zh-CN" altLang="en-US"/>
           </a:p>
           <a:p>
             <a:pPr lvl="3"/>
@@ -5095,7 +5001,6 @@
               <a:rPr lang="zh-CN" altLang="en-US"/>
               <a:t>四级</a:t>
             </a:r>
-            <a:endParaRPr lang="zh-CN" altLang="en-US"/>
           </a:p>
           <a:p>
             <a:pPr lvl="4"/>
@@ -5103,7 +5008,6 @@
               <a:rPr lang="zh-CN" altLang="en-US"/>
               <a:t>五级</a:t>
             </a:r>
-            <a:endParaRPr lang="zh-CN" altLang="en-US"/>
           </a:p>
         </p:txBody>
       </p:sp>
@@ -5124,6 +5028,7 @@
           <a:p>
             <a:fld id="{BC47F3D9-3D51-421B-8060-161D8C50E651}" type="datetimeFigureOut">
               <a:rPr lang="zh-CN" altLang="en-US" smtClean="0"/>
+              <a:t>2021-05-13</a:t>
             </a:fld>
             <a:endParaRPr lang="zh-CN" altLang="en-US"/>
           </a:p>
@@ -5165,6 +5070,7 @@
           <a:p>
             <a:fld id="{3807B03F-79FB-4EA1-B222-89394AA08F37}" type="slidenum">
               <a:rPr lang="zh-CN" altLang="en-US" smtClean="0"/>
+              <a:t>‹#›</a:t>
             </a:fld>
             <a:endParaRPr lang="zh-CN" altLang="en-US"/>
           </a:p>
@@ -5223,7 +5129,6 @@
               <a:rPr lang="zh-CN" altLang="en-US"/>
               <a:t>单击此处编辑母版标题样式</a:t>
             </a:r>
-            <a:endParaRPr lang="zh-CN" altLang="en-US"/>
           </a:p>
         </p:txBody>
       </p:sp>
@@ -5343,7 +5248,6 @@
               <a:rPr lang="zh-CN" altLang="en-US"/>
               <a:t>单击此处编辑母版文本样式</a:t>
             </a:r>
-            <a:endParaRPr lang="zh-CN" altLang="en-US"/>
           </a:p>
         </p:txBody>
       </p:sp>
@@ -5364,6 +5268,7 @@
           <a:p>
             <a:fld id="{BC47F3D9-3D51-421B-8060-161D8C50E651}" type="datetimeFigureOut">
               <a:rPr lang="zh-CN" altLang="en-US" smtClean="0"/>
+              <a:t>2021-05-13</a:t>
             </a:fld>
             <a:endParaRPr lang="zh-CN" altLang="en-US"/>
           </a:p>
@@ -5405,6 +5310,7 @@
           <a:p>
             <a:fld id="{3807B03F-79FB-4EA1-B222-89394AA08F37}" type="slidenum">
               <a:rPr lang="zh-CN" altLang="en-US" smtClean="0"/>
+              <a:t>‹#›</a:t>
             </a:fld>
             <a:endParaRPr lang="zh-CN" altLang="en-US"/>
           </a:p>
@@ -5454,7 +5360,6 @@
               <a:rPr lang="zh-CN" altLang="en-US"/>
               <a:t>单击此处编辑母版标题样式</a:t>
             </a:r>
-            <a:endParaRPr lang="zh-CN" altLang="en-US"/>
           </a:p>
         </p:txBody>
       </p:sp>
@@ -5483,7 +5388,6 @@
               <a:rPr lang="zh-CN" altLang="en-US"/>
               <a:t>单击此处编辑母版文本样式</a:t>
             </a:r>
-            <a:endParaRPr lang="zh-CN" altLang="en-US"/>
           </a:p>
           <a:p>
             <a:pPr lvl="1"/>
@@ -5491,7 +5395,6 @@
               <a:rPr lang="zh-CN" altLang="en-US"/>
               <a:t>二级</a:t>
             </a:r>
-            <a:endParaRPr lang="zh-CN" altLang="en-US"/>
           </a:p>
           <a:p>
             <a:pPr lvl="2"/>
@@ -5499,7 +5402,6 @@
               <a:rPr lang="zh-CN" altLang="en-US"/>
               <a:t>三级</a:t>
             </a:r>
-            <a:endParaRPr lang="zh-CN" altLang="en-US"/>
           </a:p>
           <a:p>
             <a:pPr lvl="3"/>
@@ -5507,7 +5409,6 @@
               <a:rPr lang="zh-CN" altLang="en-US"/>
               <a:t>四级</a:t>
             </a:r>
-            <a:endParaRPr lang="zh-CN" altLang="en-US"/>
           </a:p>
           <a:p>
             <a:pPr lvl="4"/>
@@ -5515,7 +5416,6 @@
               <a:rPr lang="zh-CN" altLang="en-US"/>
               <a:t>五级</a:t>
             </a:r>
-            <a:endParaRPr lang="zh-CN" altLang="en-US"/>
           </a:p>
         </p:txBody>
       </p:sp>
@@ -5544,7 +5444,6 @@
               <a:rPr lang="zh-CN" altLang="en-US"/>
               <a:t>单击此处编辑母版文本样式</a:t>
             </a:r>
-            <a:endParaRPr lang="zh-CN" altLang="en-US"/>
           </a:p>
           <a:p>
             <a:pPr lvl="1"/>
@@ -5552,7 +5451,6 @@
               <a:rPr lang="zh-CN" altLang="en-US"/>
               <a:t>二级</a:t>
             </a:r>
-            <a:endParaRPr lang="zh-CN" altLang="en-US"/>
           </a:p>
           <a:p>
             <a:pPr lvl="2"/>
@@ -5560,7 +5458,6 @@
               <a:rPr lang="zh-CN" altLang="en-US"/>
               <a:t>三级</a:t>
             </a:r>
-            <a:endParaRPr lang="zh-CN" altLang="en-US"/>
           </a:p>
           <a:p>
             <a:pPr lvl="3"/>
@@ -5568,7 +5465,6 @@
               <a:rPr lang="zh-CN" altLang="en-US"/>
               <a:t>四级</a:t>
             </a:r>
-            <a:endParaRPr lang="zh-CN" altLang="en-US"/>
           </a:p>
           <a:p>
             <a:pPr lvl="4"/>
@@ -5576,7 +5472,6 @@
               <a:rPr lang="zh-CN" altLang="en-US"/>
               <a:t>五级</a:t>
             </a:r>
-            <a:endParaRPr lang="zh-CN" altLang="en-US"/>
           </a:p>
         </p:txBody>
       </p:sp>
@@ -5597,6 +5492,7 @@
           <a:p>
             <a:fld id="{BC47F3D9-3D51-421B-8060-161D8C50E651}" type="datetimeFigureOut">
               <a:rPr lang="zh-CN" altLang="en-US" smtClean="0"/>
+              <a:t>2021-05-13</a:t>
             </a:fld>
             <a:endParaRPr lang="zh-CN" altLang="en-US"/>
           </a:p>
@@ -5638,6 +5534,7 @@
           <a:p>
             <a:fld id="{3807B03F-79FB-4EA1-B222-89394AA08F37}" type="slidenum">
               <a:rPr lang="zh-CN" altLang="en-US" smtClean="0"/>
+              <a:t>‹#›</a:t>
             </a:fld>
             <a:endParaRPr lang="zh-CN" altLang="en-US"/>
           </a:p>
@@ -5692,7 +5589,6 @@
               <a:rPr lang="zh-CN" altLang="en-US"/>
               <a:t>单击此处编辑母版标题样式</a:t>
             </a:r>
-            <a:endParaRPr lang="zh-CN" altLang="en-US"/>
           </a:p>
         </p:txBody>
       </p:sp>
@@ -5758,7 +5654,6 @@
               <a:rPr lang="zh-CN" altLang="en-US"/>
               <a:t>单击此处编辑母版文本样式</a:t>
             </a:r>
-            <a:endParaRPr lang="zh-CN" altLang="en-US"/>
           </a:p>
         </p:txBody>
       </p:sp>
@@ -5787,7 +5682,6 @@
               <a:rPr lang="zh-CN" altLang="en-US"/>
               <a:t>单击此处编辑母版文本样式</a:t>
             </a:r>
-            <a:endParaRPr lang="zh-CN" altLang="en-US"/>
           </a:p>
           <a:p>
             <a:pPr lvl="1"/>
@@ -5795,7 +5689,6 @@
               <a:rPr lang="zh-CN" altLang="en-US"/>
               <a:t>二级</a:t>
             </a:r>
-            <a:endParaRPr lang="zh-CN" altLang="en-US"/>
           </a:p>
           <a:p>
             <a:pPr lvl="2"/>
@@ -5803,7 +5696,6 @@
               <a:rPr lang="zh-CN" altLang="en-US"/>
               <a:t>三级</a:t>
             </a:r>
-            <a:endParaRPr lang="zh-CN" altLang="en-US"/>
           </a:p>
           <a:p>
             <a:pPr lvl="3"/>
@@ -5811,7 +5703,6 @@
               <a:rPr lang="zh-CN" altLang="en-US"/>
               <a:t>四级</a:t>
             </a:r>
-            <a:endParaRPr lang="zh-CN" altLang="en-US"/>
           </a:p>
           <a:p>
             <a:pPr lvl="4"/>
@@ -5819,7 +5710,6 @@
               <a:rPr lang="zh-CN" altLang="en-US"/>
               <a:t>五级</a:t>
             </a:r>
-            <a:endParaRPr lang="zh-CN" altLang="en-US"/>
           </a:p>
         </p:txBody>
       </p:sp>
@@ -5885,7 +5775,6 @@
               <a:rPr lang="zh-CN" altLang="en-US"/>
               <a:t>单击此处编辑母版文本样式</a:t>
             </a:r>
-            <a:endParaRPr lang="zh-CN" altLang="en-US"/>
           </a:p>
         </p:txBody>
       </p:sp>
@@ -5914,7 +5803,6 @@
               <a:rPr lang="zh-CN" altLang="en-US"/>
               <a:t>单击此处编辑母版文本样式</a:t>
             </a:r>
-            <a:endParaRPr lang="zh-CN" altLang="en-US"/>
           </a:p>
           <a:p>
             <a:pPr lvl="1"/>
@@ -5922,7 +5810,6 @@
               <a:rPr lang="zh-CN" altLang="en-US"/>
               <a:t>二级</a:t>
             </a:r>
-            <a:endParaRPr lang="zh-CN" altLang="en-US"/>
           </a:p>
           <a:p>
             <a:pPr lvl="2"/>
@@ -5930,7 +5817,6 @@
               <a:rPr lang="zh-CN" altLang="en-US"/>
               <a:t>三级</a:t>
             </a:r>
-            <a:endParaRPr lang="zh-CN" altLang="en-US"/>
           </a:p>
           <a:p>
             <a:pPr lvl="3"/>
@@ -5938,7 +5824,6 @@
               <a:rPr lang="zh-CN" altLang="en-US"/>
               <a:t>四级</a:t>
             </a:r>
-            <a:endParaRPr lang="zh-CN" altLang="en-US"/>
           </a:p>
           <a:p>
             <a:pPr lvl="4"/>
@@ -5946,7 +5831,6 @@
               <a:rPr lang="zh-CN" altLang="en-US"/>
               <a:t>五级</a:t>
             </a:r>
-            <a:endParaRPr lang="zh-CN" altLang="en-US"/>
           </a:p>
         </p:txBody>
       </p:sp>
@@ -5967,6 +5851,7 @@
           <a:p>
             <a:fld id="{BC47F3D9-3D51-421B-8060-161D8C50E651}" type="datetimeFigureOut">
               <a:rPr lang="zh-CN" altLang="en-US" smtClean="0"/>
+              <a:t>2021-05-13</a:t>
             </a:fld>
             <a:endParaRPr lang="zh-CN" altLang="en-US"/>
           </a:p>
@@ -6008,6 +5893,7 @@
           <a:p>
             <a:fld id="{3807B03F-79FB-4EA1-B222-89394AA08F37}" type="slidenum">
               <a:rPr lang="zh-CN" altLang="en-US" smtClean="0"/>
+              <a:t>‹#›</a:t>
             </a:fld>
             <a:endParaRPr lang="zh-CN" altLang="en-US"/>
           </a:p>
@@ -6057,7 +5943,6 @@
               <a:rPr lang="zh-CN" altLang="en-US"/>
               <a:t>单击此处编辑母版标题样式</a:t>
             </a:r>
-            <a:endParaRPr lang="zh-CN" altLang="en-US"/>
           </a:p>
         </p:txBody>
       </p:sp>
@@ -6078,6 +5963,7 @@
           <a:p>
             <a:fld id="{BC47F3D9-3D51-421B-8060-161D8C50E651}" type="datetimeFigureOut">
               <a:rPr lang="zh-CN" altLang="en-US" smtClean="0"/>
+              <a:t>2021-05-13</a:t>
             </a:fld>
             <a:endParaRPr lang="zh-CN" altLang="en-US"/>
           </a:p>
@@ -6119,6 +6005,7 @@
           <a:p>
             <a:fld id="{3807B03F-79FB-4EA1-B222-89394AA08F37}" type="slidenum">
               <a:rPr lang="zh-CN" altLang="en-US" smtClean="0"/>
+              <a:t>‹#›</a:t>
             </a:fld>
             <a:endParaRPr lang="zh-CN" altLang="en-US"/>
           </a:p>
@@ -6166,6 +6053,7 @@
           <a:p>
             <a:fld id="{BC47F3D9-3D51-421B-8060-161D8C50E651}" type="datetimeFigureOut">
               <a:rPr lang="zh-CN" altLang="en-US" smtClean="0"/>
+              <a:t>2021-05-13</a:t>
             </a:fld>
             <a:endParaRPr lang="zh-CN" altLang="en-US"/>
           </a:p>
@@ -6207,6 +6095,7 @@
           <a:p>
             <a:fld id="{3807B03F-79FB-4EA1-B222-89394AA08F37}" type="slidenum">
               <a:rPr lang="zh-CN" altLang="en-US" smtClean="0"/>
+              <a:t>‹#›</a:t>
             </a:fld>
             <a:endParaRPr lang="zh-CN" altLang="en-US"/>
           </a:p>
@@ -6265,7 +6154,6 @@
               <a:rPr lang="zh-CN" altLang="en-US"/>
               <a:t>单击此处编辑母版标题样式</a:t>
             </a:r>
-            <a:endParaRPr lang="zh-CN" altLang="en-US"/>
           </a:p>
         </p:txBody>
       </p:sp>
@@ -6385,7 +6273,6 @@
               <a:rPr lang="zh-CN" altLang="en-US"/>
               <a:t>单击此处编辑母版文本样式</a:t>
             </a:r>
-            <a:endParaRPr lang="zh-CN" altLang="en-US"/>
           </a:p>
         </p:txBody>
       </p:sp>
@@ -6406,6 +6293,7 @@
           <a:p>
             <a:fld id="{BC47F3D9-3D51-421B-8060-161D8C50E651}" type="datetimeFigureOut">
               <a:rPr lang="zh-CN" altLang="en-US" smtClean="0"/>
+              <a:t>2021-05-13</a:t>
             </a:fld>
             <a:endParaRPr lang="zh-CN" altLang="en-US"/>
           </a:p>
@@ -6447,6 +6335,7 @@
           <a:p>
             <a:fld id="{3807B03F-79FB-4EA1-B222-89394AA08F37}" type="slidenum">
               <a:rPr lang="zh-CN" altLang="en-US" smtClean="0"/>
+              <a:t>‹#›</a:t>
             </a:fld>
             <a:endParaRPr lang="zh-CN" altLang="en-US"/>
           </a:p>
@@ -6505,7 +6394,6 @@
               <a:rPr lang="zh-CN" altLang="en-US"/>
               <a:t>单击此处编辑母版标题样式</a:t>
             </a:r>
-            <a:endParaRPr lang="zh-CN" altLang="en-US"/>
           </a:p>
         </p:txBody>
       </p:sp>
@@ -6562,7 +6450,6 @@
               <a:rPr lang="zh-CN" altLang="en-US"/>
               <a:t>单击此处编辑母版文本样式</a:t>
             </a:r>
-            <a:endParaRPr lang="zh-CN" altLang="en-US"/>
           </a:p>
           <a:p>
             <a:pPr lvl="1"/>
@@ -6570,7 +6457,6 @@
               <a:rPr lang="zh-CN" altLang="en-US"/>
               <a:t>二级</a:t>
             </a:r>
-            <a:endParaRPr lang="zh-CN" altLang="en-US"/>
           </a:p>
           <a:p>
             <a:pPr lvl="2"/>
@@ -6578,7 +6464,6 @@
               <a:rPr lang="zh-CN" altLang="en-US"/>
               <a:t>三级</a:t>
             </a:r>
-            <a:endParaRPr lang="zh-CN" altLang="en-US"/>
           </a:p>
           <a:p>
             <a:pPr lvl="3"/>
@@ -6586,7 +6471,6 @@
               <a:rPr lang="zh-CN" altLang="en-US"/>
               <a:t>四级</a:t>
             </a:r>
-            <a:endParaRPr lang="zh-CN" altLang="en-US"/>
           </a:p>
           <a:p>
             <a:pPr lvl="4"/>
@@ -6594,7 +6478,6 @@
               <a:rPr lang="zh-CN" altLang="en-US"/>
               <a:t>五级</a:t>
             </a:r>
-            <a:endParaRPr lang="zh-CN" altLang="en-US"/>
           </a:p>
         </p:txBody>
       </p:sp>
@@ -6660,7 +6543,6 @@
               <a:rPr lang="zh-CN" altLang="en-US"/>
               <a:t>单击此处编辑母版文本样式</a:t>
             </a:r>
-            <a:endParaRPr lang="zh-CN" altLang="en-US"/>
           </a:p>
         </p:txBody>
       </p:sp>
@@ -6681,6 +6563,7 @@
           <a:p>
             <a:fld id="{BC47F3D9-3D51-421B-8060-161D8C50E651}" type="datetimeFigureOut">
               <a:rPr lang="zh-CN" altLang="en-US" smtClean="0"/>
+              <a:t>2021-05-13</a:t>
             </a:fld>
             <a:endParaRPr lang="zh-CN" altLang="en-US"/>
           </a:p>
@@ -6722,6 +6605,7 @@
           <a:p>
             <a:fld id="{3807B03F-79FB-4EA1-B222-89394AA08F37}" type="slidenum">
               <a:rPr lang="zh-CN" altLang="en-US" smtClean="0"/>
+              <a:t>‹#›</a:t>
             </a:fld>
             <a:endParaRPr lang="zh-CN" altLang="en-US"/>
           </a:p>
@@ -6780,7 +6664,6 @@
               <a:rPr lang="zh-CN" altLang="en-US"/>
               <a:t>单击此处编辑母版标题样式</a:t>
             </a:r>
-            <a:endParaRPr lang="zh-CN" altLang="en-US"/>
           </a:p>
         </p:txBody>
       </p:sp>
@@ -6907,7 +6790,6 @@
               <a:rPr lang="zh-CN" altLang="en-US"/>
               <a:t>单击此处编辑母版文本样式</a:t>
             </a:r>
-            <a:endParaRPr lang="zh-CN" altLang="en-US"/>
           </a:p>
         </p:txBody>
       </p:sp>
@@ -6928,6 +6810,7 @@
           <a:p>
             <a:fld id="{BC47F3D9-3D51-421B-8060-161D8C50E651}" type="datetimeFigureOut">
               <a:rPr lang="zh-CN" altLang="en-US" smtClean="0"/>
+              <a:t>2021-05-13</a:t>
             </a:fld>
             <a:endParaRPr lang="zh-CN" altLang="en-US"/>
           </a:p>
@@ -6969,6 +6852,7 @@
           <a:p>
             <a:fld id="{3807B03F-79FB-4EA1-B222-89394AA08F37}" type="slidenum">
               <a:rPr lang="zh-CN" altLang="en-US" smtClean="0"/>
+              <a:t>‹#›</a:t>
             </a:fld>
             <a:endParaRPr lang="zh-CN" altLang="en-US"/>
           </a:p>
@@ -7018,7 +6902,6 @@
               <a:rPr lang="zh-CN" altLang="en-US"/>
               <a:t>单击此处编辑母版标题样式</a:t>
             </a:r>
-            <a:endParaRPr lang="zh-CN" altLang="en-US"/>
           </a:p>
         </p:txBody>
       </p:sp>
@@ -7042,7 +6925,6 @@
               <a:rPr lang="zh-CN" altLang="en-US"/>
               <a:t>单击此处编辑母版文本样式</a:t>
             </a:r>
-            <a:endParaRPr lang="zh-CN" altLang="en-US"/>
           </a:p>
           <a:p>
             <a:pPr lvl="1"/>
@@ -7050,7 +6932,6 @@
               <a:rPr lang="zh-CN" altLang="en-US"/>
               <a:t>二级</a:t>
             </a:r>
-            <a:endParaRPr lang="zh-CN" altLang="en-US"/>
           </a:p>
           <a:p>
             <a:pPr lvl="2"/>
@@ -7058,7 +6939,6 @@
               <a:rPr lang="zh-CN" altLang="en-US"/>
               <a:t>三级</a:t>
             </a:r>
-            <a:endParaRPr lang="zh-CN" altLang="en-US"/>
           </a:p>
           <a:p>
             <a:pPr lvl="3"/>
@@ -7066,7 +6946,6 @@
               <a:rPr lang="zh-CN" altLang="en-US"/>
               <a:t>四级</a:t>
             </a:r>
-            <a:endParaRPr lang="zh-CN" altLang="en-US"/>
           </a:p>
           <a:p>
             <a:pPr lvl="4"/>
@@ -7074,7 +6953,6 @@
               <a:rPr lang="zh-CN" altLang="en-US"/>
               <a:t>五级</a:t>
             </a:r>
-            <a:endParaRPr lang="zh-CN" altLang="en-US"/>
           </a:p>
         </p:txBody>
       </p:sp>
@@ -7095,6 +6973,7 @@
           <a:p>
             <a:fld id="{BC47F3D9-3D51-421B-8060-161D8C50E651}" type="datetimeFigureOut">
               <a:rPr lang="zh-CN" altLang="en-US" smtClean="0"/>
+              <a:t>2021-05-13</a:t>
             </a:fld>
             <a:endParaRPr lang="zh-CN" altLang="en-US"/>
           </a:p>
@@ -7136,6 +7015,7 @@
           <a:p>
             <a:fld id="{3807B03F-79FB-4EA1-B222-89394AA08F37}" type="slidenum">
               <a:rPr lang="zh-CN" altLang="en-US" smtClean="0"/>
+              <a:t>‹#›</a:t>
             </a:fld>
             <a:endParaRPr lang="zh-CN" altLang="en-US"/>
           </a:p>
@@ -7190,7 +7070,6 @@
               <a:rPr lang="zh-CN" altLang="en-US"/>
               <a:t>单击此处编辑母版标题样式</a:t>
             </a:r>
-            <a:endParaRPr lang="zh-CN" altLang="en-US"/>
           </a:p>
         </p:txBody>
       </p:sp>
@@ -7219,7 +7098,6 @@
               <a:rPr lang="zh-CN" altLang="en-US"/>
               <a:t>单击此处编辑母版文本样式</a:t>
             </a:r>
-            <a:endParaRPr lang="zh-CN" altLang="en-US"/>
           </a:p>
           <a:p>
             <a:pPr lvl="1"/>
@@ -7227,7 +7105,6 @@
               <a:rPr lang="zh-CN" altLang="en-US"/>
               <a:t>二级</a:t>
             </a:r>
-            <a:endParaRPr lang="zh-CN" altLang="en-US"/>
           </a:p>
           <a:p>
             <a:pPr lvl="2"/>
@@ -7235,7 +7112,6 @@
               <a:rPr lang="zh-CN" altLang="en-US"/>
               <a:t>三级</a:t>
             </a:r>
-            <a:endParaRPr lang="zh-CN" altLang="en-US"/>
           </a:p>
           <a:p>
             <a:pPr lvl="3"/>
@@ -7243,7 +7119,6 @@
               <a:rPr lang="zh-CN" altLang="en-US"/>
               <a:t>四级</a:t>
             </a:r>
-            <a:endParaRPr lang="zh-CN" altLang="en-US"/>
           </a:p>
           <a:p>
             <a:pPr lvl="4"/>
@@ -7251,7 +7126,6 @@
               <a:rPr lang="zh-CN" altLang="en-US"/>
               <a:t>五级</a:t>
             </a:r>
-            <a:endParaRPr lang="zh-CN" altLang="en-US"/>
           </a:p>
         </p:txBody>
       </p:sp>
@@ -7272,6 +7146,7 @@
           <a:p>
             <a:fld id="{BC47F3D9-3D51-421B-8060-161D8C50E651}" type="datetimeFigureOut">
               <a:rPr lang="zh-CN" altLang="en-US" smtClean="0"/>
+              <a:t>2021-05-13</a:t>
             </a:fld>
             <a:endParaRPr lang="zh-CN" altLang="en-US"/>
           </a:p>
@@ -7313,6 +7188,7 @@
           <a:p>
             <a:fld id="{3807B03F-79FB-4EA1-B222-89394AA08F37}" type="slidenum">
               <a:rPr lang="zh-CN" altLang="en-US" smtClean="0"/>
+              <a:t>‹#›</a:t>
             </a:fld>
             <a:endParaRPr lang="zh-CN" altLang="en-US"/>
           </a:p>
@@ -7362,7 +7238,6 @@
               <a:rPr lang="zh-CN" altLang="en-US"/>
               <a:t>单击此处编辑母版标题样式</a:t>
             </a:r>
-            <a:endParaRPr lang="zh-CN" altLang="en-US"/>
           </a:p>
         </p:txBody>
       </p:sp>
@@ -7391,7 +7266,6 @@
               <a:rPr lang="zh-CN" altLang="en-US"/>
               <a:t>单击此处编辑母版文本样式</a:t>
             </a:r>
-            <a:endParaRPr lang="zh-CN" altLang="en-US"/>
           </a:p>
           <a:p>
             <a:pPr lvl="1"/>
@@ -7399,7 +7273,6 @@
               <a:rPr lang="zh-CN" altLang="en-US"/>
               <a:t>二级</a:t>
             </a:r>
-            <a:endParaRPr lang="zh-CN" altLang="en-US"/>
           </a:p>
           <a:p>
             <a:pPr lvl="2"/>
@@ -7407,7 +7280,6 @@
               <a:rPr lang="zh-CN" altLang="en-US"/>
               <a:t>三级</a:t>
             </a:r>
-            <a:endParaRPr lang="zh-CN" altLang="en-US"/>
           </a:p>
           <a:p>
             <a:pPr lvl="3"/>
@@ -7415,7 +7287,6 @@
               <a:rPr lang="zh-CN" altLang="en-US"/>
               <a:t>四级</a:t>
             </a:r>
-            <a:endParaRPr lang="zh-CN" altLang="en-US"/>
           </a:p>
           <a:p>
             <a:pPr lvl="4"/>
@@ -7423,7 +7294,6 @@
               <a:rPr lang="zh-CN" altLang="en-US"/>
               <a:t>五级</a:t>
             </a:r>
-            <a:endParaRPr lang="zh-CN" altLang="en-US"/>
           </a:p>
         </p:txBody>
       </p:sp>
@@ -7452,7 +7322,6 @@
               <a:rPr lang="zh-CN" altLang="en-US"/>
               <a:t>单击此处编辑母版文本样式</a:t>
             </a:r>
-            <a:endParaRPr lang="zh-CN" altLang="en-US"/>
           </a:p>
           <a:p>
             <a:pPr lvl="1"/>
@@ -7460,7 +7329,6 @@
               <a:rPr lang="zh-CN" altLang="en-US"/>
               <a:t>二级</a:t>
             </a:r>
-            <a:endParaRPr lang="zh-CN" altLang="en-US"/>
           </a:p>
           <a:p>
             <a:pPr lvl="2"/>
@@ -7468,7 +7336,6 @@
               <a:rPr lang="zh-CN" altLang="en-US"/>
               <a:t>三级</a:t>
             </a:r>
-            <a:endParaRPr lang="zh-CN" altLang="en-US"/>
           </a:p>
           <a:p>
             <a:pPr lvl="3"/>
@@ -7476,7 +7343,6 @@
               <a:rPr lang="zh-CN" altLang="en-US"/>
               <a:t>四级</a:t>
             </a:r>
-            <a:endParaRPr lang="zh-CN" altLang="en-US"/>
           </a:p>
           <a:p>
             <a:pPr lvl="4"/>
@@ -7484,7 +7350,6 @@
               <a:rPr lang="zh-CN" altLang="en-US"/>
               <a:t>五级</a:t>
             </a:r>
-            <a:endParaRPr lang="zh-CN" altLang="en-US"/>
           </a:p>
         </p:txBody>
       </p:sp>
@@ -7505,6 +7370,7 @@
           <a:p>
             <a:fld id="{BC47F3D9-3D51-421B-8060-161D8C50E651}" type="datetimeFigureOut">
               <a:rPr lang="zh-CN" altLang="en-US" smtClean="0"/>
+              <a:t>2021-05-13</a:t>
             </a:fld>
             <a:endParaRPr lang="zh-CN" altLang="en-US"/>
           </a:p>
@@ -7546,6 +7412,7 @@
           <a:p>
             <a:fld id="{3807B03F-79FB-4EA1-B222-89394AA08F37}" type="slidenum">
               <a:rPr lang="zh-CN" altLang="en-US" smtClean="0"/>
+              <a:t>‹#›</a:t>
             </a:fld>
             <a:endParaRPr lang="zh-CN" altLang="en-US"/>
           </a:p>
@@ -7600,7 +7467,6 @@
               <a:rPr lang="zh-CN" altLang="en-US"/>
               <a:t>单击此处编辑母版标题样式</a:t>
             </a:r>
-            <a:endParaRPr lang="zh-CN" altLang="en-US"/>
           </a:p>
         </p:txBody>
       </p:sp>
@@ -7666,7 +7532,6 @@
               <a:rPr lang="zh-CN" altLang="en-US"/>
               <a:t>单击此处编辑母版文本样式</a:t>
             </a:r>
-            <a:endParaRPr lang="zh-CN" altLang="en-US"/>
           </a:p>
         </p:txBody>
       </p:sp>
@@ -7695,7 +7560,6 @@
               <a:rPr lang="zh-CN" altLang="en-US"/>
               <a:t>单击此处编辑母版文本样式</a:t>
             </a:r>
-            <a:endParaRPr lang="zh-CN" altLang="en-US"/>
           </a:p>
           <a:p>
             <a:pPr lvl="1"/>
@@ -7703,7 +7567,6 @@
               <a:rPr lang="zh-CN" altLang="en-US"/>
               <a:t>二级</a:t>
             </a:r>
-            <a:endParaRPr lang="zh-CN" altLang="en-US"/>
           </a:p>
           <a:p>
             <a:pPr lvl="2"/>
@@ -7711,7 +7574,6 @@
               <a:rPr lang="zh-CN" altLang="en-US"/>
               <a:t>三级</a:t>
             </a:r>
-            <a:endParaRPr lang="zh-CN" altLang="en-US"/>
           </a:p>
           <a:p>
             <a:pPr lvl="3"/>
@@ -7719,7 +7581,6 @@
               <a:rPr lang="zh-CN" altLang="en-US"/>
               <a:t>四级</a:t>
             </a:r>
-            <a:endParaRPr lang="zh-CN" altLang="en-US"/>
           </a:p>
           <a:p>
             <a:pPr lvl="4"/>
@@ -7727,7 +7588,6 @@
               <a:rPr lang="zh-CN" altLang="en-US"/>
               <a:t>五级</a:t>
             </a:r>
-            <a:endParaRPr lang="zh-CN" altLang="en-US"/>
           </a:p>
         </p:txBody>
       </p:sp>
@@ -7793,7 +7653,6 @@
               <a:rPr lang="zh-CN" altLang="en-US"/>
               <a:t>单击此处编辑母版文本样式</a:t>
             </a:r>
-            <a:endParaRPr lang="zh-CN" altLang="en-US"/>
           </a:p>
         </p:txBody>
       </p:sp>
@@ -7822,7 +7681,6 @@
               <a:rPr lang="zh-CN" altLang="en-US"/>
               <a:t>单击此处编辑母版文本样式</a:t>
             </a:r>
-            <a:endParaRPr lang="zh-CN" altLang="en-US"/>
           </a:p>
           <a:p>
             <a:pPr lvl="1"/>
@@ -7830,7 +7688,6 @@
               <a:rPr lang="zh-CN" altLang="en-US"/>
               <a:t>二级</a:t>
             </a:r>
-            <a:endParaRPr lang="zh-CN" altLang="en-US"/>
           </a:p>
           <a:p>
             <a:pPr lvl="2"/>
@@ -7838,7 +7695,6 @@
               <a:rPr lang="zh-CN" altLang="en-US"/>
               <a:t>三级</a:t>
             </a:r>
-            <a:endParaRPr lang="zh-CN" altLang="en-US"/>
           </a:p>
           <a:p>
             <a:pPr lvl="3"/>
@@ -7846,7 +7702,6 @@
               <a:rPr lang="zh-CN" altLang="en-US"/>
               <a:t>四级</a:t>
             </a:r>
-            <a:endParaRPr lang="zh-CN" altLang="en-US"/>
           </a:p>
           <a:p>
             <a:pPr lvl="4"/>
@@ -7854,7 +7709,6 @@
               <a:rPr lang="zh-CN" altLang="en-US"/>
               <a:t>五级</a:t>
             </a:r>
-            <a:endParaRPr lang="zh-CN" altLang="en-US"/>
           </a:p>
         </p:txBody>
       </p:sp>
@@ -7875,6 +7729,7 @@
           <a:p>
             <a:fld id="{BC47F3D9-3D51-421B-8060-161D8C50E651}" type="datetimeFigureOut">
               <a:rPr lang="zh-CN" altLang="en-US" smtClean="0"/>
+              <a:t>2021-05-13</a:t>
             </a:fld>
             <a:endParaRPr lang="zh-CN" altLang="en-US"/>
           </a:p>
@@ -7916,6 +7771,7 @@
           <a:p>
             <a:fld id="{3807B03F-79FB-4EA1-B222-89394AA08F37}" type="slidenum">
               <a:rPr lang="zh-CN" altLang="en-US" smtClean="0"/>
+              <a:t>‹#›</a:t>
             </a:fld>
             <a:endParaRPr lang="zh-CN" altLang="en-US"/>
           </a:p>
@@ -7965,7 +7821,6 @@
               <a:rPr lang="zh-CN" altLang="en-US"/>
               <a:t>单击此处编辑母版标题样式</a:t>
             </a:r>
-            <a:endParaRPr lang="zh-CN" altLang="en-US"/>
           </a:p>
         </p:txBody>
       </p:sp>
@@ -7986,6 +7841,7 @@
           <a:p>
             <a:fld id="{BC47F3D9-3D51-421B-8060-161D8C50E651}" type="datetimeFigureOut">
               <a:rPr lang="zh-CN" altLang="en-US" smtClean="0"/>
+              <a:t>2021-05-13</a:t>
             </a:fld>
             <a:endParaRPr lang="zh-CN" altLang="en-US"/>
           </a:p>
@@ -8027,6 +7883,7 @@
           <a:p>
             <a:fld id="{3807B03F-79FB-4EA1-B222-89394AA08F37}" type="slidenum">
               <a:rPr lang="zh-CN" altLang="en-US" smtClean="0"/>
+              <a:t>‹#›</a:t>
             </a:fld>
             <a:endParaRPr lang="zh-CN" altLang="en-US"/>
           </a:p>
@@ -8074,6 +7931,7 @@
           <a:p>
             <a:fld id="{BC47F3D9-3D51-421B-8060-161D8C50E651}" type="datetimeFigureOut">
               <a:rPr lang="zh-CN" altLang="en-US" smtClean="0"/>
+              <a:t>2021-05-13</a:t>
             </a:fld>
             <a:endParaRPr lang="zh-CN" altLang="en-US"/>
           </a:p>
@@ -8115,6 +7973,7 @@
           <a:p>
             <a:fld id="{3807B03F-79FB-4EA1-B222-89394AA08F37}" type="slidenum">
               <a:rPr lang="zh-CN" altLang="en-US" smtClean="0"/>
+              <a:t>‹#›</a:t>
             </a:fld>
             <a:endParaRPr lang="zh-CN" altLang="en-US"/>
           </a:p>
@@ -8173,7 +8032,6 @@
               <a:rPr lang="zh-CN" altLang="en-US"/>
               <a:t>单击此处编辑母版标题样式</a:t>
             </a:r>
-            <a:endParaRPr lang="zh-CN" altLang="en-US"/>
           </a:p>
         </p:txBody>
       </p:sp>
@@ -8230,7 +8088,6 @@
               <a:rPr lang="zh-CN" altLang="en-US"/>
               <a:t>单击此处编辑母版文本样式</a:t>
             </a:r>
-            <a:endParaRPr lang="zh-CN" altLang="en-US"/>
           </a:p>
           <a:p>
             <a:pPr lvl="1"/>
@@ -8238,7 +8095,6 @@
               <a:rPr lang="zh-CN" altLang="en-US"/>
               <a:t>二级</a:t>
             </a:r>
-            <a:endParaRPr lang="zh-CN" altLang="en-US"/>
           </a:p>
           <a:p>
             <a:pPr lvl="2"/>
@@ -8246,7 +8102,6 @@
               <a:rPr lang="zh-CN" altLang="en-US"/>
               <a:t>三级</a:t>
             </a:r>
-            <a:endParaRPr lang="zh-CN" altLang="en-US"/>
           </a:p>
           <a:p>
             <a:pPr lvl="3"/>
@@ -8254,7 +8109,6 @@
               <a:rPr lang="zh-CN" altLang="en-US"/>
               <a:t>四级</a:t>
             </a:r>
-            <a:endParaRPr lang="zh-CN" altLang="en-US"/>
           </a:p>
           <a:p>
             <a:pPr lvl="4"/>
@@ -8262,7 +8116,6 @@
               <a:rPr lang="zh-CN" altLang="en-US"/>
               <a:t>五级</a:t>
             </a:r>
-            <a:endParaRPr lang="zh-CN" altLang="en-US"/>
           </a:p>
         </p:txBody>
       </p:sp>
@@ -8328,7 +8181,6 @@
               <a:rPr lang="zh-CN" altLang="en-US"/>
               <a:t>单击此处编辑母版文本样式</a:t>
             </a:r>
-            <a:endParaRPr lang="zh-CN" altLang="en-US"/>
           </a:p>
         </p:txBody>
       </p:sp>
@@ -8349,6 +8201,7 @@
           <a:p>
             <a:fld id="{BC47F3D9-3D51-421B-8060-161D8C50E651}" type="datetimeFigureOut">
               <a:rPr lang="zh-CN" altLang="en-US" smtClean="0"/>
+              <a:t>2021-05-13</a:t>
             </a:fld>
             <a:endParaRPr lang="zh-CN" altLang="en-US"/>
           </a:p>
@@ -8390,6 +8243,7 @@
           <a:p>
             <a:fld id="{3807B03F-79FB-4EA1-B222-89394AA08F37}" type="slidenum">
               <a:rPr lang="zh-CN" altLang="en-US" smtClean="0"/>
+              <a:t>‹#›</a:t>
             </a:fld>
             <a:endParaRPr lang="zh-CN" altLang="en-US"/>
           </a:p>
@@ -8448,7 +8302,6 @@
               <a:rPr lang="zh-CN" altLang="en-US"/>
               <a:t>单击此处编辑母版标题样式</a:t>
             </a:r>
-            <a:endParaRPr lang="zh-CN" altLang="en-US"/>
           </a:p>
         </p:txBody>
       </p:sp>
@@ -8575,7 +8428,6 @@
               <a:rPr lang="zh-CN" altLang="en-US"/>
               <a:t>单击此处编辑母版文本样式</a:t>
             </a:r>
-            <a:endParaRPr lang="zh-CN" altLang="en-US"/>
           </a:p>
         </p:txBody>
       </p:sp>
@@ -8596,6 +8448,7 @@
           <a:p>
             <a:fld id="{BC47F3D9-3D51-421B-8060-161D8C50E651}" type="datetimeFigureOut">
               <a:rPr lang="zh-CN" altLang="en-US" smtClean="0"/>
+              <a:t>2021-05-13</a:t>
             </a:fld>
             <a:endParaRPr lang="zh-CN" altLang="en-US"/>
           </a:p>
@@ -8637,6 +8490,7 @@
           <a:p>
             <a:fld id="{3807B03F-79FB-4EA1-B222-89394AA08F37}" type="slidenum">
               <a:rPr lang="zh-CN" altLang="en-US" smtClean="0"/>
+              <a:t>‹#›</a:t>
             </a:fld>
             <a:endParaRPr lang="zh-CN" altLang="en-US"/>
           </a:p>
@@ -8701,7 +8555,6 @@
               <a:rPr lang="zh-CN" altLang="en-US"/>
               <a:t>单击此处编辑母版标题样式</a:t>
             </a:r>
-            <a:endParaRPr lang="zh-CN" altLang="en-US"/>
           </a:p>
         </p:txBody>
       </p:sp>
@@ -8735,7 +8588,6 @@
               <a:rPr lang="zh-CN" altLang="en-US"/>
               <a:t>单击此处编辑母版文本样式</a:t>
             </a:r>
-            <a:endParaRPr lang="zh-CN" altLang="en-US"/>
           </a:p>
           <a:p>
             <a:pPr lvl="1"/>
@@ -8743,7 +8595,6 @@
               <a:rPr lang="zh-CN" altLang="en-US"/>
               <a:t>二级</a:t>
             </a:r>
-            <a:endParaRPr lang="zh-CN" altLang="en-US"/>
           </a:p>
           <a:p>
             <a:pPr lvl="2"/>
@@ -8751,7 +8602,6 @@
               <a:rPr lang="zh-CN" altLang="en-US"/>
               <a:t>三级</a:t>
             </a:r>
-            <a:endParaRPr lang="zh-CN" altLang="en-US"/>
           </a:p>
           <a:p>
             <a:pPr lvl="3"/>
@@ -8759,7 +8609,6 @@
               <a:rPr lang="zh-CN" altLang="en-US"/>
               <a:t>四级</a:t>
             </a:r>
-            <a:endParaRPr lang="zh-CN" altLang="en-US"/>
           </a:p>
           <a:p>
             <a:pPr lvl="4"/>
@@ -8767,7 +8616,6 @@
               <a:rPr lang="zh-CN" altLang="en-US"/>
               <a:t>五级</a:t>
             </a:r>
-            <a:endParaRPr lang="zh-CN" altLang="en-US"/>
           </a:p>
         </p:txBody>
       </p:sp>
@@ -8806,6 +8654,7 @@
           <a:p>
             <a:fld id="{BC47F3D9-3D51-421B-8060-161D8C50E651}" type="datetimeFigureOut">
               <a:rPr lang="zh-CN" altLang="en-US" smtClean="0"/>
+              <a:t>2021-05-13</a:t>
             </a:fld>
             <a:endParaRPr lang="zh-CN" altLang="en-US"/>
           </a:p>
@@ -8883,6 +8732,7 @@
           <a:p>
             <a:fld id="{3807B03F-79FB-4EA1-B222-89394AA08F37}" type="slidenum">
               <a:rPr lang="zh-CN" altLang="en-US" smtClean="0"/>
+              <a:t>‹#›</a:t>
             </a:fld>
             <a:endParaRPr lang="zh-CN" altLang="en-US"/>
           </a:p>
@@ -9221,7 +9071,7 @@
           <p:nvPr>
             <p:ph type="title"/>
             <p:custDataLst>
-              <p:tags r:id="rId12"/>
+              <p:tags r:id="rId14"/>
             </p:custDataLst>
           </p:nvPr>
         </p:nvSpPr>
@@ -9244,7 +9094,6 @@
               <a:rPr lang="zh-CN" altLang="en-US" dirty="0"/>
               <a:t>单击此处编辑母版标题样式</a:t>
             </a:r>
-            <a:endParaRPr lang="zh-CN" altLang="en-US" dirty="0"/>
           </a:p>
         </p:txBody>
       </p:sp>
@@ -9257,7 +9106,7 @@
           <p:nvPr>
             <p:ph type="body" idx="1"/>
             <p:custDataLst>
-              <p:tags r:id="rId13"/>
+              <p:tags r:id="rId15"/>
             </p:custDataLst>
           </p:nvPr>
         </p:nvSpPr>
@@ -9281,7 +9130,6 @@
               <a:rPr lang="zh-CN" altLang="en-US" dirty="0"/>
               <a:t>单击此处编辑母版文本样式</a:t>
             </a:r>
-            <a:endParaRPr lang="zh-CN" altLang="en-US" dirty="0"/>
           </a:p>
           <a:p>
             <a:pPr lvl="1"/>
@@ -9289,7 +9137,6 @@
               <a:rPr lang="zh-CN" altLang="en-US" dirty="0"/>
               <a:t>第二级</a:t>
             </a:r>
-            <a:endParaRPr lang="zh-CN" altLang="en-US" dirty="0"/>
           </a:p>
           <a:p>
             <a:pPr lvl="2"/>
@@ -9297,7 +9144,6 @@
               <a:rPr lang="zh-CN" altLang="en-US" dirty="0"/>
               <a:t>第三级</a:t>
             </a:r>
-            <a:endParaRPr lang="zh-CN" altLang="en-US" dirty="0"/>
           </a:p>
           <a:p>
             <a:pPr lvl="3"/>
@@ -9305,7 +9151,6 @@
               <a:rPr lang="zh-CN" altLang="en-US" dirty="0"/>
               <a:t>第四级</a:t>
             </a:r>
-            <a:endParaRPr lang="zh-CN" altLang="en-US" dirty="0"/>
           </a:p>
           <a:p>
             <a:pPr lvl="4"/>
@@ -9313,7 +9158,6 @@
               <a:rPr lang="zh-CN" altLang="en-US" dirty="0"/>
               <a:t>第五级</a:t>
             </a:r>
-            <a:endParaRPr lang="zh-CN" altLang="en-US" dirty="0"/>
           </a:p>
         </p:txBody>
       </p:sp>
@@ -9326,7 +9170,7 @@
           <p:nvPr>
             <p:ph type="dt" sz="half" idx="2"/>
             <p:custDataLst>
-              <p:tags r:id="rId14"/>
+              <p:tags r:id="rId16"/>
             </p:custDataLst>
           </p:nvPr>
         </p:nvSpPr>
@@ -9359,6 +9203,7 @@
           <a:p>
             <a:fld id="{760FBDFE-C587-4B4C-A407-44438C67B59E}" type="datetimeFigureOut">
               <a:rPr lang="zh-CN" altLang="en-US" smtClean="0"/>
+              <a:t>2021-05-13</a:t>
             </a:fld>
             <a:endParaRPr lang="zh-CN" altLang="en-US"/>
           </a:p>
@@ -9373,7 +9218,7 @@
           <p:nvPr>
             <p:ph type="ftr" sz="quarter" idx="3"/>
             <p:custDataLst>
-              <p:tags r:id="rId15"/>
+              <p:tags r:id="rId17"/>
             </p:custDataLst>
           </p:nvPr>
         </p:nvSpPr>
@@ -9417,7 +9262,7 @@
           <p:nvPr>
             <p:ph type="sldNum" sz="quarter" idx="4"/>
             <p:custDataLst>
-              <p:tags r:id="rId16"/>
+              <p:tags r:id="rId18"/>
             </p:custDataLst>
           </p:nvPr>
         </p:nvSpPr>
@@ -9450,6 +9295,7 @@
           <a:p>
             <a:fld id="{49AE70B2-8BF9-45C0-BB95-33D1B9D3A854}" type="slidenum">
               <a:rPr lang="zh-CN" altLang="en-US" smtClean="0"/>
+              <a:t>‹#›</a:t>
             </a:fld>
             <a:endParaRPr lang="zh-CN" altLang="en-US" dirty="0"/>
           </a:p>
@@ -9457,7 +9303,7 @@
       </p:sp>
     </p:spTree>
     <p:custDataLst>
-      <p:tags r:id="rId17"/>
+      <p:tags r:id="rId13"/>
     </p:custDataLst>
   </p:cSld>
   <p:clrMap bg1="lt1" tx1="dk1" bg2="lt2" tx2="dk2" accent1="accent1" accent2="accent2" accent3="accent3" accent4="accent4" accent5="accent5" accent6="accent6" hlink="hlink" folHlink="folHlink"/>
@@ -9853,7 +9699,6 @@
               <a:rPr lang="zh-CN" altLang="en-US"/>
               <a:t>单击此处编辑母版标题样式</a:t>
             </a:r>
-            <a:endParaRPr lang="zh-CN" altLang="en-US"/>
           </a:p>
         </p:txBody>
       </p:sp>
@@ -9887,7 +9732,6 @@
               <a:rPr lang="zh-CN" altLang="en-US"/>
               <a:t>单击此处编辑母版文本样式</a:t>
             </a:r>
-            <a:endParaRPr lang="zh-CN" altLang="en-US"/>
           </a:p>
           <a:p>
             <a:pPr lvl="1"/>
@@ -9895,7 +9739,6 @@
               <a:rPr lang="zh-CN" altLang="en-US"/>
               <a:t>二级</a:t>
             </a:r>
-            <a:endParaRPr lang="zh-CN" altLang="en-US"/>
           </a:p>
           <a:p>
             <a:pPr lvl="2"/>
@@ -9903,7 +9746,6 @@
               <a:rPr lang="zh-CN" altLang="en-US"/>
               <a:t>三级</a:t>
             </a:r>
-            <a:endParaRPr lang="zh-CN" altLang="en-US"/>
           </a:p>
           <a:p>
             <a:pPr lvl="3"/>
@@ -9911,7 +9753,6 @@
               <a:rPr lang="zh-CN" altLang="en-US"/>
               <a:t>四级</a:t>
             </a:r>
-            <a:endParaRPr lang="zh-CN" altLang="en-US"/>
           </a:p>
           <a:p>
             <a:pPr lvl="4"/>
@@ -9919,7 +9760,6 @@
               <a:rPr lang="zh-CN" altLang="en-US"/>
               <a:t>五级</a:t>
             </a:r>
-            <a:endParaRPr lang="zh-CN" altLang="en-US"/>
           </a:p>
         </p:txBody>
       </p:sp>
@@ -9958,6 +9798,7 @@
           <a:p>
             <a:fld id="{BC47F3D9-3D51-421B-8060-161D8C50E651}" type="datetimeFigureOut">
               <a:rPr lang="zh-CN" altLang="en-US" smtClean="0"/>
+              <a:t>2021-05-13</a:t>
             </a:fld>
             <a:endParaRPr lang="zh-CN" altLang="en-US"/>
           </a:p>
@@ -10035,6 +9876,7 @@
           <a:p>
             <a:fld id="{3807B03F-79FB-4EA1-B222-89394AA08F37}" type="slidenum">
               <a:rPr lang="zh-CN" altLang="en-US" smtClean="0"/>
+              <a:t>‹#›</a:t>
             </a:fld>
             <a:endParaRPr lang="zh-CN" altLang="en-US"/>
           </a:p>
@@ -10385,10 +10227,6 @@
               </a:rPr>
               <a:t>中期答辩</a:t>
             </a:r>
-            <a:endParaRPr lang="zh-CN" altLang="en-US" dirty="0">
-              <a:latin typeface="Times New Roman" panose="02020603050405020304" pitchFamily="18" charset="0"/>
-              <a:cs typeface="Times New Roman" panose="02020603050405020304" pitchFamily="18" charset="0"/>
-            </a:endParaRPr>
           </a:p>
         </p:txBody>
       </p:sp>
@@ -10412,6 +10250,7 @@
           <a:bodyPr wrap="square" rtlCol="0">
             <a:spAutoFit/>
           </a:bodyPr>
+          <a:lstStyle/>
           <a:p>
             <a:pPr algn="ctr"/>
             <a:r>
@@ -10434,7 +10273,6 @@
               <a:rPr lang="zh-CN" altLang="en-US" sz="2400"/>
               <a:t>张楠</a:t>
             </a:r>
-            <a:endParaRPr lang="zh-CN" altLang="en-US" sz="2400"/>
           </a:p>
         </p:txBody>
       </p:sp>
@@ -10513,13 +10351,6 @@
               </a:rPr>
               <a:t>数据块</a:t>
             </a:r>
-            <a:endParaRPr lang="zh-CN" altLang="en-US" dirty="0">
-              <a:solidFill>
-                <a:schemeClr val="tx1"/>
-              </a:solidFill>
-              <a:latin typeface="Times New Roman" panose="02020603050405020304" pitchFamily="18" charset="0"/>
-              <a:cs typeface="Times New Roman" panose="02020603050405020304" pitchFamily="18" charset="0"/>
-            </a:endParaRPr>
           </a:p>
         </p:txBody>
       </p:sp>
@@ -10643,13 +10474,6 @@
               </a:rPr>
               <a:t>数据块</a:t>
             </a:r>
-            <a:endParaRPr lang="zh-CN" altLang="en-US" dirty="0">
-              <a:solidFill>
-                <a:schemeClr val="tx1"/>
-              </a:solidFill>
-              <a:latin typeface="Times New Roman" panose="02020603050405020304" pitchFamily="18" charset="0"/>
-              <a:cs typeface="Times New Roman" panose="02020603050405020304" pitchFamily="18" charset="0"/>
-            </a:endParaRPr>
           </a:p>
         </p:txBody>
       </p:sp>
@@ -10703,13 +10527,6 @@
               </a:rPr>
               <a:t>数据块</a:t>
             </a:r>
-            <a:endParaRPr lang="zh-CN" altLang="en-US" dirty="0">
-              <a:solidFill>
-                <a:schemeClr val="tx1"/>
-              </a:solidFill>
-              <a:latin typeface="Times New Roman" panose="02020603050405020304" pitchFamily="18" charset="0"/>
-              <a:cs typeface="Times New Roman" panose="02020603050405020304" pitchFamily="18" charset="0"/>
-            </a:endParaRPr>
           </a:p>
         </p:txBody>
       </p:sp>
@@ -10931,13 +10748,6 @@
               </a:rPr>
               <a:t>物理层记录</a:t>
             </a:r>
-            <a:endParaRPr lang="zh-CN" altLang="en-US" sz="1200" dirty="0">
-              <a:solidFill>
-                <a:schemeClr val="tx1"/>
-              </a:solidFill>
-              <a:latin typeface="Times New Roman" panose="02020603050405020304" pitchFamily="18" charset="0"/>
-              <a:cs typeface="Times New Roman" panose="02020603050405020304" pitchFamily="18" charset="0"/>
-            </a:endParaRPr>
           </a:p>
         </p:txBody>
       </p:sp>
@@ -10991,13 +10801,6 @@
               </a:rPr>
               <a:t>物理层记录</a:t>
             </a:r>
-            <a:endParaRPr lang="zh-CN" altLang="en-US" sz="1200" dirty="0">
-              <a:solidFill>
-                <a:schemeClr val="tx1"/>
-              </a:solidFill>
-              <a:latin typeface="Times New Roman" panose="02020603050405020304" pitchFamily="18" charset="0"/>
-              <a:cs typeface="Times New Roman" panose="02020603050405020304" pitchFamily="18" charset="0"/>
-            </a:endParaRPr>
           </a:p>
         </p:txBody>
       </p:sp>
@@ -11051,13 +10854,6 @@
               </a:rPr>
               <a:t>物理层记录</a:t>
             </a:r>
-            <a:endParaRPr lang="zh-CN" altLang="en-US" sz="1200" dirty="0">
-              <a:solidFill>
-                <a:schemeClr val="tx1"/>
-              </a:solidFill>
-              <a:latin typeface="Times New Roman" panose="02020603050405020304" pitchFamily="18" charset="0"/>
-              <a:cs typeface="Times New Roman" panose="02020603050405020304" pitchFamily="18" charset="0"/>
-            </a:endParaRPr>
           </a:p>
         </p:txBody>
       </p:sp>
@@ -11284,13 +11080,6 @@
               </a:rPr>
               <a:t>逻辑层记录</a:t>
             </a:r>
-            <a:endParaRPr lang="zh-CN" altLang="en-US" sz="1200" dirty="0">
-              <a:solidFill>
-                <a:schemeClr val="tx1"/>
-              </a:solidFill>
-              <a:latin typeface="Times New Roman" panose="02020603050405020304" pitchFamily="18" charset="0"/>
-              <a:cs typeface="Times New Roman" panose="02020603050405020304" pitchFamily="18" charset="0"/>
-            </a:endParaRPr>
           </a:p>
         </p:txBody>
       </p:sp>
@@ -11344,13 +11133,6 @@
               </a:rPr>
               <a:t>逻辑层记录</a:t>
             </a:r>
-            <a:endParaRPr lang="zh-CN" altLang="en-US" sz="1200" dirty="0">
-              <a:solidFill>
-                <a:schemeClr val="tx1"/>
-              </a:solidFill>
-              <a:latin typeface="Times New Roman" panose="02020603050405020304" pitchFamily="18" charset="0"/>
-              <a:cs typeface="Times New Roman" panose="02020603050405020304" pitchFamily="18" charset="0"/>
-            </a:endParaRPr>
           </a:p>
         </p:txBody>
       </p:sp>
@@ -11404,13 +11186,6 @@
               </a:rPr>
               <a:t>逻辑层记录</a:t>
             </a:r>
-            <a:endParaRPr lang="zh-CN" altLang="en-US" sz="1200" dirty="0">
-              <a:solidFill>
-                <a:schemeClr val="tx1"/>
-              </a:solidFill>
-              <a:latin typeface="Times New Roman" panose="02020603050405020304" pitchFamily="18" charset="0"/>
-              <a:cs typeface="Times New Roman" panose="02020603050405020304" pitchFamily="18" charset="0"/>
-            </a:endParaRPr>
           </a:p>
         </p:txBody>
       </p:sp>
@@ -11565,10 +11340,6 @@
               </a:rPr>
               <a:t>设备</a:t>
             </a:r>
-            <a:endParaRPr lang="zh-CN" altLang="en-US" dirty="0">
-              <a:latin typeface="Times New Roman" panose="02020603050405020304" pitchFamily="18" charset="0"/>
-              <a:cs typeface="Times New Roman" panose="02020603050405020304" pitchFamily="18" charset="0"/>
-            </a:endParaRPr>
           </a:p>
         </p:txBody>
       </p:sp>
@@ -11613,10 +11384,6 @@
               </a:rPr>
               <a:t>技术方案</a:t>
             </a:r>
-            <a:endParaRPr lang="zh-CN" altLang="en-US" dirty="0">
-              <a:latin typeface="Times New Roman" panose="02020603050405020304" pitchFamily="18" charset="0"/>
-              <a:cs typeface="Times New Roman" panose="02020603050405020304" pitchFamily="18" charset="0"/>
-            </a:endParaRPr>
           </a:p>
         </p:txBody>
       </p:sp>
@@ -11640,6 +11407,7 @@
           <a:bodyPr wrap="none" rtlCol="0">
             <a:spAutoFit/>
           </a:bodyPr>
+          <a:lstStyle/>
           <a:p>
             <a:pPr algn="l"/>
             <a:r>
@@ -11661,9 +11429,6 @@
               </a:rPr>
               <a:t>内存映射过程</a:t>
             </a:r>
-            <a:endParaRPr lang="zh-CN" altLang="en-US" sz="2400">
-              <a:latin typeface="Times New Roman" panose="02020603050405020304" pitchFamily="18" charset="0"/>
-            </a:endParaRPr>
           </a:p>
         </p:txBody>
       </p:sp>
@@ -11678,7 +11443,7 @@
         <p159:morph option="byObject"/>
       </p:transition>
     </mc:Choice>
-    <mc:Fallback>
+    <mc:Fallback xmlns="">
       <p:transition spd="slow">
         <p:fade/>
       </p:transition>
@@ -11754,13 +11519,6 @@
               </a:rPr>
               <a:t>数据块</a:t>
             </a:r>
-            <a:endParaRPr lang="zh-CN" altLang="en-US" dirty="0">
-              <a:solidFill>
-                <a:schemeClr val="tx1"/>
-              </a:solidFill>
-              <a:latin typeface="Times New Roman" panose="02020603050405020304" pitchFamily="18" charset="0"/>
-              <a:cs typeface="Times New Roman" panose="02020603050405020304" pitchFamily="18" charset="0"/>
-            </a:endParaRPr>
           </a:p>
         </p:txBody>
       </p:sp>
@@ -11884,13 +11642,6 @@
               </a:rPr>
               <a:t>数据块</a:t>
             </a:r>
-            <a:endParaRPr lang="zh-CN" altLang="en-US" dirty="0">
-              <a:solidFill>
-                <a:schemeClr val="tx1"/>
-              </a:solidFill>
-              <a:latin typeface="Times New Roman" panose="02020603050405020304" pitchFamily="18" charset="0"/>
-              <a:cs typeface="Times New Roman" panose="02020603050405020304" pitchFamily="18" charset="0"/>
-            </a:endParaRPr>
           </a:p>
         </p:txBody>
       </p:sp>
@@ -11944,13 +11695,6 @@
               </a:rPr>
               <a:t>数据块</a:t>
             </a:r>
-            <a:endParaRPr lang="zh-CN" altLang="en-US" dirty="0">
-              <a:solidFill>
-                <a:schemeClr val="tx1"/>
-              </a:solidFill>
-              <a:latin typeface="Times New Roman" panose="02020603050405020304" pitchFamily="18" charset="0"/>
-              <a:cs typeface="Times New Roman" panose="02020603050405020304" pitchFamily="18" charset="0"/>
-            </a:endParaRPr>
           </a:p>
         </p:txBody>
       </p:sp>
@@ -12172,13 +11916,6 @@
               </a:rPr>
               <a:t>物理层记录</a:t>
             </a:r>
-            <a:endParaRPr lang="zh-CN" altLang="en-US" sz="1200" dirty="0">
-              <a:solidFill>
-                <a:schemeClr val="tx1"/>
-              </a:solidFill>
-              <a:latin typeface="Times New Roman" panose="02020603050405020304" pitchFamily="18" charset="0"/>
-              <a:cs typeface="Times New Roman" panose="02020603050405020304" pitchFamily="18" charset="0"/>
-            </a:endParaRPr>
           </a:p>
         </p:txBody>
       </p:sp>
@@ -12232,13 +11969,6 @@
               </a:rPr>
               <a:t>物理层记录</a:t>
             </a:r>
-            <a:endParaRPr lang="zh-CN" altLang="en-US" sz="1200" dirty="0">
-              <a:solidFill>
-                <a:schemeClr val="tx1"/>
-              </a:solidFill>
-              <a:latin typeface="Times New Roman" panose="02020603050405020304" pitchFamily="18" charset="0"/>
-              <a:cs typeface="Times New Roman" panose="02020603050405020304" pitchFamily="18" charset="0"/>
-            </a:endParaRPr>
           </a:p>
         </p:txBody>
       </p:sp>
@@ -12292,13 +12022,6 @@
               </a:rPr>
               <a:t>物理层记录</a:t>
             </a:r>
-            <a:endParaRPr lang="zh-CN" altLang="en-US" sz="1200" dirty="0">
-              <a:solidFill>
-                <a:schemeClr val="tx1"/>
-              </a:solidFill>
-              <a:latin typeface="Times New Roman" panose="02020603050405020304" pitchFamily="18" charset="0"/>
-              <a:cs typeface="Times New Roman" panose="02020603050405020304" pitchFamily="18" charset="0"/>
-            </a:endParaRPr>
           </a:p>
         </p:txBody>
       </p:sp>
@@ -12527,13 +12250,6 @@
               </a:rPr>
               <a:t>逻辑层记录</a:t>
             </a:r>
-            <a:endParaRPr lang="zh-CN" altLang="en-US" sz="1200" dirty="0">
-              <a:solidFill>
-                <a:schemeClr val="tx1"/>
-              </a:solidFill>
-              <a:latin typeface="Times New Roman" panose="02020603050405020304" pitchFamily="18" charset="0"/>
-              <a:cs typeface="Times New Roman" panose="02020603050405020304" pitchFamily="18" charset="0"/>
-            </a:endParaRPr>
           </a:p>
         </p:txBody>
       </p:sp>
@@ -12587,13 +12303,6 @@
               </a:rPr>
               <a:t>逻辑层记录</a:t>
             </a:r>
-            <a:endParaRPr lang="zh-CN" altLang="en-US" sz="1200" dirty="0">
-              <a:solidFill>
-                <a:schemeClr val="tx1"/>
-              </a:solidFill>
-              <a:latin typeface="Times New Roman" panose="02020603050405020304" pitchFamily="18" charset="0"/>
-              <a:cs typeface="Times New Roman" panose="02020603050405020304" pitchFamily="18" charset="0"/>
-            </a:endParaRPr>
           </a:p>
         </p:txBody>
       </p:sp>
@@ -12647,13 +12356,6 @@
               </a:rPr>
               <a:t>逻辑层记录</a:t>
             </a:r>
-            <a:endParaRPr lang="zh-CN" altLang="en-US" sz="1200" dirty="0">
-              <a:solidFill>
-                <a:schemeClr val="tx1"/>
-              </a:solidFill>
-              <a:latin typeface="Times New Roman" panose="02020603050405020304" pitchFamily="18" charset="0"/>
-              <a:cs typeface="Times New Roman" panose="02020603050405020304" pitchFamily="18" charset="0"/>
-            </a:endParaRPr>
           </a:p>
         </p:txBody>
       </p:sp>
@@ -12966,10 +12668,6 @@
               </a:rPr>
               <a:t>红黑树</a:t>
             </a:r>
-            <a:endParaRPr lang="zh-CN" altLang="en-US" dirty="0">
-              <a:latin typeface="Times New Roman" panose="02020603050405020304" pitchFamily="18" charset="0"/>
-              <a:cs typeface="Times New Roman" panose="02020603050405020304" pitchFamily="18" charset="0"/>
-            </a:endParaRPr>
           </a:p>
         </p:txBody>
       </p:sp>
@@ -13009,10 +12707,6 @@
               </a:rPr>
               <a:t>设备</a:t>
             </a:r>
-            <a:endParaRPr lang="zh-CN" altLang="en-US" dirty="0">
-              <a:latin typeface="Times New Roman" panose="02020603050405020304" pitchFamily="18" charset="0"/>
-              <a:cs typeface="Times New Roman" panose="02020603050405020304" pitchFamily="18" charset="0"/>
-            </a:endParaRPr>
           </a:p>
         </p:txBody>
       </p:sp>
@@ -13057,10 +12751,6 @@
               </a:rPr>
               <a:t>技术方案</a:t>
             </a:r>
-            <a:endParaRPr lang="zh-CN" altLang="en-US" dirty="0">
-              <a:latin typeface="Times New Roman" panose="02020603050405020304" pitchFamily="18" charset="0"/>
-              <a:cs typeface="Times New Roman" panose="02020603050405020304" pitchFamily="18" charset="0"/>
-            </a:endParaRPr>
           </a:p>
         </p:txBody>
       </p:sp>
@@ -13084,6 +12774,7 @@
           <a:bodyPr wrap="none" rtlCol="0">
             <a:spAutoFit/>
           </a:bodyPr>
+          <a:lstStyle/>
           <a:p>
             <a:pPr algn="l"/>
             <a:r>
@@ -13105,9 +12796,6 @@
               </a:rPr>
               <a:t>内存映射过程</a:t>
             </a:r>
-            <a:endParaRPr lang="zh-CN" altLang="en-US" sz="2400">
-              <a:latin typeface="Times New Roman" panose="02020603050405020304" pitchFamily="18" charset="0"/>
-            </a:endParaRPr>
           </a:p>
         </p:txBody>
       </p:sp>
@@ -13122,7 +12810,7 @@
         <p159:morph option="byObject"/>
       </p:transition>
     </mc:Choice>
-    <mc:Fallback>
+    <mc:Fallback xmlns="">
       <p:transition spd="slow">
         <p:fade/>
       </p:transition>
@@ -13198,13 +12886,6 @@
               </a:rPr>
               <a:t>数据块</a:t>
             </a:r>
-            <a:endParaRPr lang="zh-CN" altLang="en-US" dirty="0">
-              <a:solidFill>
-                <a:schemeClr val="tx1"/>
-              </a:solidFill>
-              <a:latin typeface="Times New Roman" panose="02020603050405020304" pitchFamily="18" charset="0"/>
-              <a:cs typeface="Times New Roman" panose="02020603050405020304" pitchFamily="18" charset="0"/>
-            </a:endParaRPr>
           </a:p>
         </p:txBody>
       </p:sp>
@@ -13330,13 +13011,6 @@
               </a:rPr>
               <a:t>目录项数据</a:t>
             </a:r>
-            <a:endParaRPr lang="zh-CN" altLang="en-US" dirty="0">
-              <a:solidFill>
-                <a:schemeClr val="tx1"/>
-              </a:solidFill>
-              <a:latin typeface="Times New Roman" panose="02020603050405020304" pitchFamily="18" charset="0"/>
-              <a:cs typeface="Times New Roman" panose="02020603050405020304" pitchFamily="18" charset="0"/>
-            </a:endParaRPr>
           </a:p>
         </p:txBody>
       </p:sp>
@@ -13376,10 +13050,6 @@
               </a:rPr>
               <a:t>设备</a:t>
             </a:r>
-            <a:endParaRPr lang="zh-CN" altLang="en-US" dirty="0">
-              <a:latin typeface="Times New Roman" panose="02020603050405020304" pitchFamily="18" charset="0"/>
-              <a:cs typeface="Times New Roman" panose="02020603050405020304" pitchFamily="18" charset="0"/>
-            </a:endParaRPr>
           </a:p>
         </p:txBody>
       </p:sp>
@@ -13435,13 +13105,6 @@
               </a:rPr>
               <a:t>目录项数据</a:t>
             </a:r>
-            <a:endParaRPr lang="zh-CN" altLang="en-US" dirty="0">
-              <a:solidFill>
-                <a:schemeClr val="tx1"/>
-              </a:solidFill>
-              <a:latin typeface="Times New Roman" panose="02020603050405020304" pitchFamily="18" charset="0"/>
-              <a:cs typeface="Times New Roman" panose="02020603050405020304" pitchFamily="18" charset="0"/>
-            </a:endParaRPr>
           </a:p>
         </p:txBody>
       </p:sp>
@@ -13495,13 +13158,6 @@
               </a:rPr>
               <a:t>物理层记录</a:t>
             </a:r>
-            <a:endParaRPr lang="zh-CN" altLang="en-US" sz="1200" dirty="0">
-              <a:solidFill>
-                <a:schemeClr val="tx1"/>
-              </a:solidFill>
-              <a:latin typeface="Times New Roman" panose="02020603050405020304" pitchFamily="18" charset="0"/>
-              <a:cs typeface="Times New Roman" panose="02020603050405020304" pitchFamily="18" charset="0"/>
-            </a:endParaRPr>
           </a:p>
         </p:txBody>
       </p:sp>
@@ -13555,13 +13211,6 @@
               </a:rPr>
               <a:t>物理层记录</a:t>
             </a:r>
-            <a:endParaRPr lang="zh-CN" altLang="en-US" sz="1200" dirty="0">
-              <a:solidFill>
-                <a:schemeClr val="tx1"/>
-              </a:solidFill>
-              <a:latin typeface="Times New Roman" panose="02020603050405020304" pitchFamily="18" charset="0"/>
-              <a:cs typeface="Times New Roman" panose="02020603050405020304" pitchFamily="18" charset="0"/>
-            </a:endParaRPr>
           </a:p>
         </p:txBody>
       </p:sp>
@@ -13615,13 +13264,6 @@
               </a:rPr>
               <a:t>物理层记录</a:t>
             </a:r>
-            <a:endParaRPr lang="zh-CN" altLang="en-US" sz="1200" dirty="0">
-              <a:solidFill>
-                <a:schemeClr val="tx1"/>
-              </a:solidFill>
-              <a:latin typeface="Times New Roman" panose="02020603050405020304" pitchFamily="18" charset="0"/>
-              <a:cs typeface="Times New Roman" panose="02020603050405020304" pitchFamily="18" charset="0"/>
-            </a:endParaRPr>
           </a:p>
         </p:txBody>
       </p:sp>
@@ -13887,13 +13529,6 @@
               </a:rPr>
               <a:t>逻辑层记录</a:t>
             </a:r>
-            <a:endParaRPr lang="zh-CN" altLang="en-US" sz="1200" dirty="0">
-              <a:solidFill>
-                <a:schemeClr val="tx1"/>
-              </a:solidFill>
-              <a:latin typeface="Times New Roman" panose="02020603050405020304" pitchFamily="18" charset="0"/>
-              <a:cs typeface="Times New Roman" panose="02020603050405020304" pitchFamily="18" charset="0"/>
-            </a:endParaRPr>
           </a:p>
         </p:txBody>
       </p:sp>
@@ -13947,13 +13582,6 @@
               </a:rPr>
               <a:t>DIRENT1</a:t>
             </a:r>
-            <a:endParaRPr lang="en-US" altLang="zh-CN" sz="1200" dirty="0">
-              <a:solidFill>
-                <a:schemeClr val="tx1"/>
-              </a:solidFill>
-              <a:latin typeface="Times New Roman" panose="02020603050405020304" pitchFamily="18" charset="0"/>
-              <a:cs typeface="Times New Roman" panose="02020603050405020304" pitchFamily="18" charset="0"/>
-            </a:endParaRPr>
           </a:p>
         </p:txBody>
       </p:sp>
@@ -14007,13 +13635,6 @@
               </a:rPr>
               <a:t>DIRENT2</a:t>
             </a:r>
-            <a:endParaRPr lang="en-US" altLang="zh-CN" sz="1200" dirty="0">
-              <a:solidFill>
-                <a:schemeClr val="tx1"/>
-              </a:solidFill>
-              <a:latin typeface="Times New Roman" panose="02020603050405020304" pitchFamily="18" charset="0"/>
-              <a:cs typeface="Times New Roman" panose="02020603050405020304" pitchFamily="18" charset="0"/>
-            </a:endParaRPr>
           </a:p>
         </p:txBody>
       </p:sp>
@@ -14196,13 +13817,6 @@
               </a:rPr>
               <a:t>Z”</a:t>
             </a:r>
-            <a:endParaRPr lang="en-US" altLang="zh-CN" sz="1200" dirty="0">
-              <a:solidFill>
-                <a:schemeClr val="tx1"/>
-              </a:solidFill>
-              <a:latin typeface="Times New Roman" panose="02020603050405020304" pitchFamily="18" charset="0"/>
-              <a:cs typeface="Times New Roman" panose="02020603050405020304" pitchFamily="18" charset="0"/>
-            </a:endParaRPr>
           </a:p>
           <a:p>
             <a:pPr algn="ctr"/>
@@ -14226,13 +13840,6 @@
               </a:rPr>
               <a:t>26</a:t>
             </a:r>
-            <a:endParaRPr lang="en-US" altLang="zh-CN" sz="1200" dirty="0">
-              <a:solidFill>
-                <a:schemeClr val="tx1"/>
-              </a:solidFill>
-              <a:latin typeface="Times New Roman" panose="02020603050405020304" pitchFamily="18" charset="0"/>
-              <a:cs typeface="Times New Roman" panose="02020603050405020304" pitchFamily="18" charset="0"/>
-            </a:endParaRPr>
           </a:p>
         </p:txBody>
       </p:sp>
@@ -14298,13 +13905,6 @@
               </a:rPr>
               <a:t>Y”</a:t>
             </a:r>
-            <a:endParaRPr lang="en-US" altLang="zh-CN" sz="1200" dirty="0">
-              <a:solidFill>
-                <a:schemeClr val="tx1"/>
-              </a:solidFill>
-              <a:latin typeface="Times New Roman" panose="02020603050405020304" pitchFamily="18" charset="0"/>
-              <a:cs typeface="Times New Roman" panose="02020603050405020304" pitchFamily="18" charset="0"/>
-            </a:endParaRPr>
           </a:p>
           <a:p>
             <a:pPr algn="ctr"/>
@@ -14328,13 +13928,6 @@
               </a:rPr>
               <a:t>25</a:t>
             </a:r>
-            <a:endParaRPr lang="en-US" altLang="zh-CN" sz="1200" dirty="0">
-              <a:solidFill>
-                <a:schemeClr val="tx1"/>
-              </a:solidFill>
-              <a:latin typeface="Times New Roman" panose="02020603050405020304" pitchFamily="18" charset="0"/>
-              <a:cs typeface="Times New Roman" panose="02020603050405020304" pitchFamily="18" charset="0"/>
-            </a:endParaRPr>
           </a:p>
         </p:txBody>
       </p:sp>
@@ -14653,6 +14246,7 @@
         </p:style>
         <p:txBody>
           <a:bodyPr rtlCol="0" anchor="ctr"/>
+          <a:lstStyle/>
           <a:p>
             <a:pPr algn="ctr"/>
             <a:r>
@@ -14728,6 +14322,7 @@
           <a:bodyPr wrap="none" rtlCol="0">
             <a:spAutoFit/>
           </a:bodyPr>
+          <a:lstStyle/>
           <a:p>
             <a:pPr algn="l"/>
             <a:r>
@@ -14743,9 +14338,6 @@
               </a:rPr>
               <a:t>内存映射过程</a:t>
             </a:r>
-            <a:endParaRPr lang="zh-CN" altLang="en-US" sz="2400">
-              <a:latin typeface="Times New Roman" panose="02020603050405020304" pitchFamily="18" charset="0"/>
-            </a:endParaRPr>
           </a:p>
         </p:txBody>
       </p:sp>
@@ -14769,6 +14361,7 @@
           <a:bodyPr wrap="square" rtlCol="0">
             <a:spAutoFit/>
           </a:bodyPr>
+          <a:lstStyle/>
           <a:p>
             <a:pPr algn="ctr"/>
             <a:r>
@@ -14776,19 +14369,8 @@
                 <a:latin typeface="Times New Roman" panose="02020603050405020304" pitchFamily="18" charset="0"/>
                 <a:cs typeface="Times New Roman" panose="02020603050405020304" pitchFamily="18" charset="0"/>
               </a:rPr>
-              <a:t>哈希</a:t>
-            </a:r>
-            <a:r>
-              <a:rPr lang="zh-CN" altLang="en-US" dirty="0">
-                <a:latin typeface="Times New Roman" panose="02020603050405020304" pitchFamily="18" charset="0"/>
-                <a:cs typeface="Times New Roman" panose="02020603050405020304" pitchFamily="18" charset="0"/>
-              </a:rPr>
-              <a:t>表</a:t>
-            </a:r>
-            <a:endParaRPr lang="zh-CN" altLang="en-US" dirty="0">
-              <a:latin typeface="Times New Roman" panose="02020603050405020304" pitchFamily="18" charset="0"/>
-              <a:cs typeface="Times New Roman" panose="02020603050405020304" pitchFamily="18" charset="0"/>
-            </a:endParaRPr>
+              <a:t>哈希表</a:t>
+            </a:r>
           </a:p>
         </p:txBody>
       </p:sp>
@@ -14810,6 +14392,7 @@
         </p:spPr>
         <p:txBody>
           <a:bodyPr/>
+          <a:lstStyle/>
           <a:p>
             <a:r>
               <a:rPr lang="zh-CN" altLang="en-US" dirty="0">
@@ -14832,10 +14415,6 @@
               </a:rPr>
               <a:t>技术方案</a:t>
             </a:r>
-            <a:endParaRPr lang="zh-CN" altLang="en-US" dirty="0">
-              <a:latin typeface="Times New Roman" panose="02020603050405020304" pitchFamily="18" charset="0"/>
-              <a:cs typeface="Times New Roman" panose="02020603050405020304" pitchFamily="18" charset="0"/>
-            </a:endParaRPr>
           </a:p>
         </p:txBody>
       </p:sp>
@@ -14844,14 +14423,6 @@
   <p:clrMapOvr>
     <a:masterClrMapping/>
   </p:clrMapOvr>
-  <mc:AlternateContent xmlns:mc="http://schemas.openxmlformats.org/markup-compatibility/2006">
-    <mc:Choice xmlns:p14="http://schemas.microsoft.com/office/powerpoint/2010/main" Requires="p14">
-      <p:transition spd="slow" p14:dur="2000"/>
-    </mc:Choice>
-    <mc:Fallback>
-      <p:transition spd="slow"/>
-    </mc:Fallback>
-  </mc:AlternateContent>
 </p:sld>
 </file>
 
@@ -14901,10 +14472,6 @@
               </a:rPr>
               <a:t>优劣分析</a:t>
             </a:r>
-            <a:endParaRPr lang="zh-CN" altLang="en-US" dirty="0">
-              <a:latin typeface="Times New Roman" panose="02020603050405020304" pitchFamily="18" charset="0"/>
-              <a:cs typeface="Times New Roman" panose="02020603050405020304" pitchFamily="18" charset="0"/>
-            </a:endParaRPr>
           </a:p>
         </p:txBody>
       </p:sp>
@@ -15038,10 +14605,6 @@
               </a:rPr>
               <a:t>…</a:t>
             </a:r>
-            <a:endParaRPr lang="en-US" altLang="zh-CN" dirty="0">
-              <a:latin typeface="Times New Roman" panose="02020603050405020304" pitchFamily="18" charset="0"/>
-              <a:cs typeface="Times New Roman" panose="02020603050405020304" pitchFamily="18" charset="0"/>
-            </a:endParaRPr>
           </a:p>
           <a:p>
             <a:pPr marL="457200" lvl="1" indent="0">
@@ -15128,10 +14691,6 @@
               </a:rPr>
               <a:t>…</a:t>
             </a:r>
-            <a:endParaRPr lang="en-US" altLang="zh-CN" dirty="0">
-              <a:latin typeface="Times New Roman" panose="02020603050405020304" pitchFamily="18" charset="0"/>
-              <a:cs typeface="Times New Roman" panose="02020603050405020304" pitchFamily="18" charset="0"/>
-            </a:endParaRPr>
           </a:p>
         </p:txBody>
       </p:sp>
@@ -15196,10 +14755,6 @@
               </a:rPr>
               <a:t>完成情况</a:t>
             </a:r>
-            <a:endParaRPr lang="zh-CN" altLang="en-US" dirty="0">
-              <a:latin typeface="Times New Roman" panose="02020603050405020304" pitchFamily="18" charset="0"/>
-              <a:cs typeface="Times New Roman" panose="02020603050405020304" pitchFamily="18" charset="0"/>
-            </a:endParaRPr>
           </a:p>
         </p:txBody>
       </p:sp>
@@ -15216,7 +14771,7 @@
         <p:spPr/>
         <p:txBody>
           <a:bodyPr>
-            <a:normAutofit lnSpcReduction="20000"/>
+            <a:normAutofit/>
           </a:bodyPr>
           <a:lstStyle/>
           <a:p>
@@ -15418,10 +14973,6 @@
               </a:rPr>
               <a:t>树管理模块；</a:t>
             </a:r>
-            <a:endParaRPr lang="zh-CN" altLang="en-US" dirty="0">
-              <a:latin typeface="Times New Roman" panose="02020603050405020304" pitchFamily="18" charset="0"/>
-              <a:cs typeface="Times New Roman" panose="02020603050405020304" pitchFamily="18" charset="0"/>
-            </a:endParaRPr>
           </a:p>
           <a:p>
             <a:pPr marL="514350" indent="-514350">
@@ -15458,10 +15009,6 @@
               </a:rPr>
               <a:t>操作；</a:t>
             </a:r>
-            <a:endParaRPr lang="zh-CN" altLang="en-US" dirty="0">
-              <a:latin typeface="Times New Roman" panose="02020603050405020304" pitchFamily="18" charset="0"/>
-              <a:cs typeface="Times New Roman" panose="02020603050405020304" pitchFamily="18" charset="0"/>
-            </a:endParaRPr>
           </a:p>
         </p:txBody>
       </p:sp>
@@ -15526,10 +15073,6 @@
               </a:rPr>
               <a:t>现有问题及解决方案</a:t>
             </a:r>
-            <a:endParaRPr lang="zh-CN" altLang="en-US" dirty="0">
-              <a:latin typeface="Times New Roman" panose="02020603050405020304" pitchFamily="18" charset="0"/>
-              <a:cs typeface="Times New Roman" panose="02020603050405020304" pitchFamily="18" charset="0"/>
-            </a:endParaRPr>
           </a:p>
         </p:txBody>
       </p:sp>
@@ -15607,10 +15150,6 @@
               </a:rPr>
               <a:t>上单独开辟一个区域作为记录文件系统操作的日志区。</a:t>
             </a:r>
-            <a:endParaRPr lang="zh-CN" altLang="en-US" dirty="0">
-              <a:latin typeface="Times New Roman" panose="02020603050405020304" pitchFamily="18" charset="0"/>
-              <a:cs typeface="Times New Roman" panose="02020603050405020304" pitchFamily="18" charset="0"/>
-            </a:endParaRPr>
           </a:p>
           <a:p>
             <a:pPr lvl="1"/>
@@ -15621,10 +15160,6 @@
               </a:rPr>
               <a:t>每进行一次写操作，便添加一条记录。</a:t>
             </a:r>
-            <a:endParaRPr lang="zh-CN" altLang="en-US" dirty="0">
-              <a:latin typeface="Times New Roman" panose="02020603050405020304" pitchFamily="18" charset="0"/>
-              <a:cs typeface="Times New Roman" panose="02020603050405020304" pitchFamily="18" charset="0"/>
-            </a:endParaRPr>
           </a:p>
           <a:p>
             <a:pPr lvl="1"/>
@@ -15649,10 +15184,6 @@
               </a:rPr>
               <a:t>空间。</a:t>
             </a:r>
-            <a:endParaRPr lang="zh-CN" altLang="en-US" dirty="0">
-              <a:latin typeface="Times New Roman" panose="02020603050405020304" pitchFamily="18" charset="0"/>
-              <a:cs typeface="Times New Roman" panose="02020603050405020304" pitchFamily="18" charset="0"/>
-            </a:endParaRPr>
           </a:p>
           <a:p>
             <a:pPr lvl="1"/>
@@ -15663,10 +15194,6 @@
               </a:rPr>
               <a:t>同样使用追加写形式更新记录，减少日志区擦除次数。</a:t>
             </a:r>
-            <a:endParaRPr lang="zh-CN" altLang="en-US" dirty="0">
-              <a:latin typeface="Times New Roman" panose="02020603050405020304" pitchFamily="18" charset="0"/>
-              <a:cs typeface="Times New Roman" panose="02020603050405020304" pitchFamily="18" charset="0"/>
-            </a:endParaRPr>
           </a:p>
         </p:txBody>
       </p:sp>
@@ -15709,6 +15236,7 @@
         </p:style>
         <p:txBody>
           <a:bodyPr rtlCol="0" anchor="ctr"/>
+          <a:lstStyle/>
           <a:p>
             <a:pPr algn="ctr"/>
             <a:endParaRPr lang="en-US" altLang="zh-CN" dirty="0">
@@ -15751,13 +15279,6 @@
               </a:rPr>
               <a:t>log block</a:t>
             </a:r>
-            <a:endParaRPr lang="en-US" altLang="zh-CN" dirty="0">
-              <a:solidFill>
-                <a:schemeClr val="tx1"/>
-              </a:solidFill>
-              <a:latin typeface="Times New Roman" panose="02020603050405020304" pitchFamily="18" charset="0"/>
-              <a:cs typeface="Times New Roman" panose="02020603050405020304" pitchFamily="18" charset="0"/>
-            </a:endParaRPr>
           </a:p>
         </p:txBody>
       </p:sp>
@@ -15800,6 +15321,7 @@
         </p:style>
         <p:txBody>
           <a:bodyPr rtlCol="0" anchor="ctr"/>
+          <a:lstStyle/>
           <a:p>
             <a:pPr algn="ctr"/>
             <a:r>
@@ -15812,13 +15334,6 @@
               </a:rPr>
               <a:t>record 1</a:t>
             </a:r>
-            <a:endParaRPr lang="en-US" altLang="zh-CN" sz="1600" dirty="0">
-              <a:solidFill>
-                <a:schemeClr val="tx1"/>
-              </a:solidFill>
-              <a:latin typeface="Times New Roman" panose="02020603050405020304" pitchFamily="18" charset="0"/>
-              <a:cs typeface="Times New Roman" panose="02020603050405020304" pitchFamily="18" charset="0"/>
-            </a:endParaRPr>
           </a:p>
         </p:txBody>
       </p:sp>
@@ -15861,6 +15376,7 @@
         </p:style>
         <p:txBody>
           <a:bodyPr rtlCol="0" anchor="ctr"/>
+          <a:lstStyle/>
           <a:p>
             <a:pPr algn="ctr"/>
             <a:r>
@@ -15873,13 +15389,6 @@
               </a:rPr>
               <a:t>record 2</a:t>
             </a:r>
-            <a:endParaRPr lang="en-US" altLang="zh-CN" sz="1600" dirty="0">
-              <a:solidFill>
-                <a:schemeClr val="tx1"/>
-              </a:solidFill>
-              <a:latin typeface="Times New Roman" panose="02020603050405020304" pitchFamily="18" charset="0"/>
-              <a:cs typeface="Times New Roman" panose="02020603050405020304" pitchFamily="18" charset="0"/>
-            </a:endParaRPr>
           </a:p>
         </p:txBody>
       </p:sp>
@@ -15983,10 +15492,6 @@
               </a:rPr>
               <a:t>下一步计划与时间节点</a:t>
             </a:r>
-            <a:endParaRPr lang="zh-CN" altLang="en-US" dirty="0">
-              <a:latin typeface="Times New Roman" panose="02020603050405020304" pitchFamily="18" charset="0"/>
-              <a:cs typeface="Times New Roman" panose="02020603050405020304" pitchFamily="18" charset="0"/>
-            </a:endParaRPr>
           </a:p>
         </p:txBody>
       </p:sp>
@@ -16043,10 +15548,6 @@
               </a:rPr>
               <a:t>、写平衡优化；</a:t>
             </a:r>
-            <a:endParaRPr lang="zh-CN" altLang="en-US" dirty="0">
-              <a:latin typeface="Times New Roman" panose="02020603050405020304" pitchFamily="18" charset="0"/>
-              <a:cs typeface="Times New Roman" panose="02020603050405020304" pitchFamily="18" charset="0"/>
-            </a:endParaRPr>
           </a:p>
           <a:p>
             <a:pPr marL="0" indent="0">
@@ -16103,10 +15604,6 @@
               </a:rPr>
               <a:t>设计； （**里程碑**）</a:t>
             </a:r>
-            <a:endParaRPr lang="zh-CN" altLang="en-US" dirty="0">
-              <a:latin typeface="Times New Roman" panose="02020603050405020304" pitchFamily="18" charset="0"/>
-              <a:cs typeface="Times New Roman" panose="02020603050405020304" pitchFamily="18" charset="0"/>
-            </a:endParaRPr>
           </a:p>
           <a:p>
             <a:pPr marL="0" indent="0">
@@ -16170,10 +15667,6 @@
               </a:rPr>
               <a:t>设计，获取创新设计灵感；</a:t>
             </a:r>
-            <a:endParaRPr lang="zh-CN" altLang="en-US" dirty="0">
-              <a:latin typeface="Times New Roman" panose="02020603050405020304" pitchFamily="18" charset="0"/>
-              <a:cs typeface="Times New Roman" panose="02020603050405020304" pitchFamily="18" charset="0"/>
-            </a:endParaRPr>
           </a:p>
           <a:p>
             <a:pPr marL="0" indent="0">
@@ -16230,10 +15723,6 @@
               </a:rPr>
               <a:t>；</a:t>
             </a:r>
-            <a:endParaRPr lang="zh-CN" altLang="en-US" dirty="0">
-              <a:latin typeface="Times New Roman" panose="02020603050405020304" pitchFamily="18" charset="0"/>
-              <a:cs typeface="Times New Roman" panose="02020603050405020304" pitchFamily="18" charset="0"/>
-            </a:endParaRPr>
           </a:p>
           <a:p>
             <a:pPr marL="0" indent="0">
@@ -16352,9 +15841,6 @@
               </a:rPr>
               <a:t>谢谢观看</a:t>
             </a:r>
-            <a:endParaRPr lang="zh-CN" altLang="en-US" dirty="0">
-              <a:latin typeface="Times New Roman" panose="02020603050405020304" pitchFamily="18" charset="0"/>
-            </a:endParaRPr>
           </a:p>
         </p:txBody>
       </p:sp>
@@ -16419,10 +15905,6 @@
               </a:rPr>
               <a:t>项目背景</a:t>
             </a:r>
-            <a:endParaRPr lang="zh-CN" altLang="en-US" dirty="0">
-              <a:latin typeface="Times New Roman" panose="02020603050405020304" pitchFamily="18" charset="0"/>
-              <a:cs typeface="Times New Roman" panose="02020603050405020304" pitchFamily="18" charset="0"/>
-            </a:endParaRPr>
           </a:p>
         </p:txBody>
       </p:sp>
@@ -16481,10 +15963,6 @@
               </a:rPr>
               <a:t>在SylixOS系统上实现一个能够运行在NorFlash上的文件系统，实现文件系统基本功能，更进一步需考虑各方面细节优化。</a:t>
             </a:r>
-            <a:endParaRPr lang="zh-CN" altLang="en-US" sz="2400" dirty="0">
-              <a:latin typeface="Times New Roman" panose="02020603050405020304" pitchFamily="18" charset="0"/>
-              <a:cs typeface="Times New Roman" panose="02020603050405020304" pitchFamily="18" charset="0"/>
-            </a:endParaRPr>
           </a:p>
           <a:p>
             <a:pPr marL="0" indent="0">
@@ -16740,7 +16218,7 @@
         </p:spPr>
         <p:txBody>
           <a:bodyPr vert="horz" lIns="91440" tIns="45720" rIns="91440" bIns="45720" rtlCol="0">
-            <a:normAutofit lnSpcReduction="20000"/>
+            <a:normAutofit lnSpcReduction="10000"/>
           </a:bodyPr>
           <a:lstStyle>
             <a:lvl1pPr marL="228600" indent="-228600" algn="l" defTabSz="914400" rtl="0" eaLnBrk="1" latinLnBrk="0" hangingPunct="1">
@@ -16964,13 +16442,6 @@
               </a:rPr>
               <a:t>操作。</a:t>
             </a:r>
-            <a:endParaRPr lang="zh-CN" altLang="en-US" sz="2800" dirty="0">
-              <a:solidFill>
-                <a:schemeClr val="tx1"/>
-              </a:solidFill>
-              <a:latin typeface="Times New Roman" panose="02020603050405020304" pitchFamily="18" charset="0"/>
-              <a:cs typeface="Times New Roman" panose="02020603050405020304" pitchFamily="18" charset="0"/>
-            </a:endParaRPr>
           </a:p>
           <a:p>
             <a:pPr marL="514350" lvl="0" indent="-514350">
@@ -17010,13 +16481,6 @@
               </a:rPr>
               <a:t>功能。</a:t>
             </a:r>
-            <a:endParaRPr lang="zh-CN" altLang="en-US" sz="2800" dirty="0">
-              <a:solidFill>
-                <a:schemeClr val="tx1"/>
-              </a:solidFill>
-              <a:latin typeface="Times New Roman" panose="02020603050405020304" pitchFamily="18" charset="0"/>
-              <a:cs typeface="Times New Roman" panose="02020603050405020304" pitchFamily="18" charset="0"/>
-            </a:endParaRPr>
           </a:p>
           <a:p>
             <a:pPr marL="514350" lvl="0" indent="-514350">
@@ -17112,13 +16576,6 @@
               </a:rPr>
               <a:t>功能</a:t>
             </a:r>
-            <a:endParaRPr lang="zh-CN" altLang="en-US" sz="2800" dirty="0">
-              <a:solidFill>
-                <a:schemeClr val="tx1"/>
-              </a:solidFill>
-              <a:latin typeface="Times New Roman" panose="02020603050405020304" pitchFamily="18" charset="0"/>
-              <a:cs typeface="Times New Roman" panose="02020603050405020304" pitchFamily="18" charset="0"/>
-            </a:endParaRPr>
           </a:p>
           <a:p>
             <a:pPr marL="0" indent="0">
@@ -17585,11 +17042,6 @@
               </a:rPr>
               <a:t>。</a:t>
             </a:r>
-            <a:endParaRPr lang="zh-CN" altLang="en-US" sz="2400" dirty="0">
-              <a:latin typeface="Times New Roman" panose="02020603050405020304" pitchFamily="18" charset="0"/>
-              <a:cs typeface="Times New Roman" panose="02020603050405020304" pitchFamily="18" charset="0"/>
-              <a:sym typeface="+mn-ea"/>
-            </a:endParaRPr>
           </a:p>
           <a:p>
             <a:pPr lvl="2">
@@ -17912,7 +17364,7 @@
           <p:nvPr/>
         </p:nvPicPr>
         <p:blipFill>
-          <a:blip r:embed="rId1"/>
+          <a:blip r:embed="rId3"/>
           <a:stretch>
             <a:fillRect/>
           </a:stretch>
@@ -17936,7 +17388,7 @@
           <p:nvPr/>
         </p:nvPicPr>
         <p:blipFill>
-          <a:blip r:embed="rId2"/>
+          <a:blip r:embed="rId4"/>
           <a:stretch>
             <a:fillRect/>
           </a:stretch>
@@ -18056,549 +17508,6 @@
           <a:xfrm>
             <a:off x="873760" y="1463675"/>
             <a:ext cx="10515600" cy="4916170"/>
-          </a:xfrm>
-          <a:prstGeom prst="rect">
-            <a:avLst/>
-          </a:prstGeom>
-        </p:spPr>
-        <p:txBody>
-          <a:bodyPr vert="horz" lIns="91440" tIns="45720" rIns="91440" bIns="45720" rtlCol="0">
-            <a:normAutofit lnSpcReduction="20000"/>
-          </a:bodyPr>
-          <a:lstStyle>
-            <a:lvl1pPr marL="228600" indent="-228600" algn="l" defTabSz="914400" rtl="0" eaLnBrk="1" latinLnBrk="0" hangingPunct="1">
-              <a:lnSpc>
-                <a:spcPct val="90000"/>
-              </a:lnSpc>
-              <a:spcBef>
-                <a:spcPts val="1000"/>
-              </a:spcBef>
-              <a:buFont typeface="Arial" panose="020B0604020202020204" pitchFamily="34" charset="0"/>
-              <a:buChar char="•"/>
-              <a:defRPr sz="2800" kern="1200">
-                <a:solidFill>
-                  <a:schemeClr val="tx1"/>
-                </a:solidFill>
-                <a:latin typeface="+mn-lt"/>
-                <a:ea typeface="+mn-ea"/>
-                <a:cs typeface="+mn-cs"/>
-              </a:defRPr>
-            </a:lvl1pPr>
-            <a:lvl2pPr marL="685800" indent="-228600" algn="l" defTabSz="914400" rtl="0" eaLnBrk="1" latinLnBrk="0" hangingPunct="1">
-              <a:lnSpc>
-                <a:spcPct val="90000"/>
-              </a:lnSpc>
-              <a:spcBef>
-                <a:spcPts val="500"/>
-              </a:spcBef>
-              <a:buFont typeface="Arial" panose="020B0604020202020204" pitchFamily="34" charset="0"/>
-              <a:buChar char="•"/>
-              <a:defRPr sz="2400" kern="1200">
-                <a:solidFill>
-                  <a:schemeClr val="tx1"/>
-                </a:solidFill>
-                <a:latin typeface="+mn-lt"/>
-                <a:ea typeface="+mn-ea"/>
-                <a:cs typeface="+mn-cs"/>
-              </a:defRPr>
-            </a:lvl2pPr>
-            <a:lvl3pPr marL="1143000" indent="-228600" algn="l" defTabSz="914400" rtl="0" eaLnBrk="1" latinLnBrk="0" hangingPunct="1">
-              <a:lnSpc>
-                <a:spcPct val="90000"/>
-              </a:lnSpc>
-              <a:spcBef>
-                <a:spcPts val="500"/>
-              </a:spcBef>
-              <a:buFont typeface="Arial" panose="020B0604020202020204" pitchFamily="34" charset="0"/>
-              <a:buChar char="•"/>
-              <a:defRPr sz="2000" kern="1200">
-                <a:solidFill>
-                  <a:schemeClr val="tx1"/>
-                </a:solidFill>
-                <a:latin typeface="+mn-lt"/>
-                <a:ea typeface="+mn-ea"/>
-                <a:cs typeface="+mn-cs"/>
-              </a:defRPr>
-            </a:lvl3pPr>
-            <a:lvl4pPr marL="1600200" indent="-228600" algn="l" defTabSz="914400" rtl="0" eaLnBrk="1" latinLnBrk="0" hangingPunct="1">
-              <a:lnSpc>
-                <a:spcPct val="90000"/>
-              </a:lnSpc>
-              <a:spcBef>
-                <a:spcPts val="500"/>
-              </a:spcBef>
-              <a:buFont typeface="Arial" panose="020B0604020202020204" pitchFamily="34" charset="0"/>
-              <a:buChar char="•"/>
-              <a:defRPr sz="1800" kern="1200">
-                <a:solidFill>
-                  <a:schemeClr val="tx1"/>
-                </a:solidFill>
-                <a:latin typeface="+mn-lt"/>
-                <a:ea typeface="+mn-ea"/>
-                <a:cs typeface="+mn-cs"/>
-              </a:defRPr>
-            </a:lvl4pPr>
-            <a:lvl5pPr marL="2057400" indent="-228600" algn="l" defTabSz="914400" rtl="0" eaLnBrk="1" latinLnBrk="0" hangingPunct="1">
-              <a:lnSpc>
-                <a:spcPct val="90000"/>
-              </a:lnSpc>
-              <a:spcBef>
-                <a:spcPts val="500"/>
-              </a:spcBef>
-              <a:buFont typeface="Arial" panose="020B0604020202020204" pitchFamily="34" charset="0"/>
-              <a:buChar char="•"/>
-              <a:defRPr sz="1800" kern="1200">
-                <a:solidFill>
-                  <a:schemeClr val="tx1"/>
-                </a:solidFill>
-                <a:latin typeface="+mn-lt"/>
-                <a:ea typeface="+mn-ea"/>
-                <a:cs typeface="+mn-cs"/>
-              </a:defRPr>
-            </a:lvl5pPr>
-            <a:lvl6pPr marL="2514600" indent="-228600" algn="l" defTabSz="914400" rtl="0" eaLnBrk="1" latinLnBrk="0" hangingPunct="1">
-              <a:lnSpc>
-                <a:spcPct val="90000"/>
-              </a:lnSpc>
-              <a:spcBef>
-                <a:spcPts val="500"/>
-              </a:spcBef>
-              <a:buFont typeface="Arial" panose="020B0604020202020204" pitchFamily="34" charset="0"/>
-              <a:buChar char="•"/>
-              <a:defRPr sz="1800" kern="1200">
-                <a:solidFill>
-                  <a:schemeClr val="tx1"/>
-                </a:solidFill>
-                <a:latin typeface="+mn-lt"/>
-                <a:ea typeface="+mn-ea"/>
-                <a:cs typeface="+mn-cs"/>
-              </a:defRPr>
-            </a:lvl6pPr>
-            <a:lvl7pPr marL="2971800" indent="-228600" algn="l" defTabSz="914400" rtl="0" eaLnBrk="1" latinLnBrk="0" hangingPunct="1">
-              <a:lnSpc>
-                <a:spcPct val="90000"/>
-              </a:lnSpc>
-              <a:spcBef>
-                <a:spcPts val="500"/>
-              </a:spcBef>
-              <a:buFont typeface="Arial" panose="020B0604020202020204" pitchFamily="34" charset="0"/>
-              <a:buChar char="•"/>
-              <a:defRPr sz="1800" kern="1200">
-                <a:solidFill>
-                  <a:schemeClr val="tx1"/>
-                </a:solidFill>
-                <a:latin typeface="+mn-lt"/>
-                <a:ea typeface="+mn-ea"/>
-                <a:cs typeface="+mn-cs"/>
-              </a:defRPr>
-            </a:lvl7pPr>
-            <a:lvl8pPr marL="3429000" indent="-228600" algn="l" defTabSz="914400" rtl="0" eaLnBrk="1" latinLnBrk="0" hangingPunct="1">
-              <a:lnSpc>
-                <a:spcPct val="90000"/>
-              </a:lnSpc>
-              <a:spcBef>
-                <a:spcPts val="500"/>
-              </a:spcBef>
-              <a:buFont typeface="Arial" panose="020B0604020202020204" pitchFamily="34" charset="0"/>
-              <a:buChar char="•"/>
-              <a:defRPr sz="1800" kern="1200">
-                <a:solidFill>
-                  <a:schemeClr val="tx1"/>
-                </a:solidFill>
-                <a:latin typeface="+mn-lt"/>
-                <a:ea typeface="+mn-ea"/>
-                <a:cs typeface="+mn-cs"/>
-              </a:defRPr>
-            </a:lvl8pPr>
-            <a:lvl9pPr marL="3886200" indent="-228600" algn="l" defTabSz="914400" rtl="0" eaLnBrk="1" latinLnBrk="0" hangingPunct="1">
-              <a:lnSpc>
-                <a:spcPct val="90000"/>
-              </a:lnSpc>
-              <a:spcBef>
-                <a:spcPts val="500"/>
-              </a:spcBef>
-              <a:buFont typeface="Arial" panose="020B0604020202020204" pitchFamily="34" charset="0"/>
-              <a:buChar char="•"/>
-              <a:defRPr sz="1800" kern="1200">
-                <a:solidFill>
-                  <a:schemeClr val="tx1"/>
-                </a:solidFill>
-                <a:latin typeface="+mn-lt"/>
-                <a:ea typeface="+mn-ea"/>
-                <a:cs typeface="+mn-cs"/>
-              </a:defRPr>
-            </a:lvl9pPr>
-          </a:lstStyle>
-          <a:p>
-            <a:pPr marL="457200" lvl="1" indent="0">
-              <a:lnSpc>
-                <a:spcPct val="150000"/>
-              </a:lnSpc>
-              <a:buNone/>
-            </a:pPr>
-            <a:r>
-              <a:rPr lang="en-US" altLang="zh-CN" dirty="0">
-                <a:latin typeface="Times New Roman" panose="02020603050405020304" pitchFamily="18" charset="0"/>
-                <a:cs typeface="Times New Roman" panose="02020603050405020304" pitchFamily="18" charset="0"/>
-                <a:sym typeface="+mn-ea"/>
-              </a:rPr>
-              <a:t>Nor Flash </a:t>
-            </a:r>
-            <a:r>
-              <a:rPr lang="zh-CN" altLang="en-US" dirty="0">
-                <a:latin typeface="Times New Roman" panose="02020603050405020304" pitchFamily="18" charset="0"/>
-                <a:cs typeface="Times New Roman" panose="02020603050405020304" pitchFamily="18" charset="0"/>
-                <a:sym typeface="+mn-ea"/>
-              </a:rPr>
-              <a:t>常用文件系统在更新</a:t>
-            </a:r>
-            <a:r>
-              <a:rPr lang="en-US" altLang="zh-CN" dirty="0">
-                <a:latin typeface="Times New Roman" panose="02020603050405020304" pitchFamily="18" charset="0"/>
-                <a:cs typeface="Times New Roman" panose="02020603050405020304" pitchFamily="18" charset="0"/>
-                <a:sym typeface="+mn-ea"/>
-              </a:rPr>
-              <a:t>flash</a:t>
-            </a:r>
-            <a:r>
-              <a:rPr lang="zh-CN" altLang="en-US" dirty="0">
-                <a:latin typeface="Times New Roman" panose="02020603050405020304" pitchFamily="18" charset="0"/>
-                <a:cs typeface="Times New Roman" panose="02020603050405020304" pitchFamily="18" charset="0"/>
-                <a:sym typeface="+mn-ea"/>
-              </a:rPr>
-              <a:t>上的数据时，</a:t>
-            </a:r>
-            <a:r>
-              <a:rPr lang="zh-CN" altLang="en-US" dirty="0">
-                <a:latin typeface="Times New Roman" panose="02020603050405020304" pitchFamily="18" charset="0"/>
-                <a:cs typeface="Times New Roman" panose="02020603050405020304" pitchFamily="18" charset="0"/>
-                <a:sym typeface="+mn-ea"/>
-              </a:rPr>
-              <a:t>大多采用异地更新方法。</a:t>
-            </a:r>
-            <a:endParaRPr lang="zh-CN" altLang="en-US" dirty="0">
-              <a:latin typeface="Times New Roman" panose="02020603050405020304" pitchFamily="18" charset="0"/>
-              <a:cs typeface="Times New Roman" panose="02020603050405020304" pitchFamily="18" charset="0"/>
-            </a:endParaRPr>
-          </a:p>
-          <a:p>
-            <a:pPr marL="971550" lvl="1" indent="-514350">
-              <a:lnSpc>
-                <a:spcPct val="150000"/>
-              </a:lnSpc>
-              <a:buAutoNum type="arabicPeriod"/>
-            </a:pPr>
-            <a:r>
-              <a:rPr lang="en-US" altLang="zh-CN" sz="2800" dirty="0">
-                <a:latin typeface="Times New Roman" panose="02020603050405020304" pitchFamily="18" charset="0"/>
-                <a:cs typeface="Times New Roman" panose="02020603050405020304" pitchFamily="18" charset="0"/>
-              </a:rPr>
-              <a:t>LFS</a:t>
-            </a:r>
-            <a:endParaRPr lang="zh-CN" altLang="en-US" sz="2330" dirty="0">
-              <a:latin typeface="Times New Roman" panose="02020603050405020304" pitchFamily="18" charset="0"/>
-              <a:cs typeface="Times New Roman" panose="02020603050405020304" pitchFamily="18" charset="0"/>
-            </a:endParaRPr>
-          </a:p>
-          <a:p>
-            <a:pPr marL="1371600" lvl="2" indent="-457200">
-              <a:lnSpc>
-                <a:spcPct val="160000"/>
-              </a:lnSpc>
-              <a:buFont typeface="+mj-ea"/>
-              <a:buAutoNum type="circleNumDbPlain"/>
-            </a:pPr>
-            <a:r>
-              <a:rPr lang="zh-CN" altLang="en-US" dirty="0">
-                <a:latin typeface="Times New Roman" panose="02020603050405020304" pitchFamily="18" charset="0"/>
-                <a:cs typeface="Times New Roman" panose="02020603050405020304" pitchFamily="18" charset="0"/>
-              </a:rPr>
-              <a:t>利用位图保存</a:t>
-            </a:r>
-            <a:r>
-              <a:rPr lang="en-US" altLang="zh-CN" dirty="0">
-                <a:latin typeface="Times New Roman" panose="02020603050405020304" pitchFamily="18" charset="0"/>
-                <a:cs typeface="Times New Roman" panose="02020603050405020304" pitchFamily="18" charset="0"/>
-              </a:rPr>
-              <a:t>flash</a:t>
-            </a:r>
-            <a:r>
-              <a:rPr lang="zh-CN" altLang="en-US" dirty="0">
-                <a:latin typeface="Times New Roman" panose="02020603050405020304" pitchFamily="18" charset="0"/>
-                <a:cs typeface="Times New Roman" panose="02020603050405020304" pitchFamily="18" charset="0"/>
-              </a:rPr>
-              <a:t>介质上的数据分布信息，</a:t>
-            </a:r>
-            <a:r>
-              <a:rPr lang="zh-CN" altLang="en-US" dirty="0">
-                <a:latin typeface="Times New Roman" panose="02020603050405020304" pitchFamily="18" charset="0"/>
-                <a:cs typeface="Times New Roman" panose="02020603050405020304" pitchFamily="18" charset="0"/>
-                <a:sym typeface="+mn-ea"/>
-              </a:rPr>
-              <a:t>位图信息也保存在介质上</a:t>
-            </a:r>
-            <a:r>
-              <a:rPr lang="zh-CN" altLang="en-US" dirty="0">
-                <a:latin typeface="Times New Roman" panose="02020603050405020304" pitchFamily="18" charset="0"/>
-                <a:cs typeface="Times New Roman" panose="02020603050405020304" pitchFamily="18" charset="0"/>
-              </a:rPr>
-              <a:t>。</a:t>
-            </a:r>
-            <a:endParaRPr lang="en-US" altLang="zh-CN" dirty="0">
-              <a:latin typeface="Times New Roman" panose="02020603050405020304" pitchFamily="18" charset="0"/>
-              <a:cs typeface="Times New Roman" panose="02020603050405020304" pitchFamily="18" charset="0"/>
-            </a:endParaRPr>
-          </a:p>
-          <a:p>
-            <a:pPr marL="971550" lvl="1" indent="-514350">
-              <a:lnSpc>
-                <a:spcPct val="150000"/>
-              </a:lnSpc>
-              <a:buAutoNum type="arabicPeriod"/>
-            </a:pPr>
-            <a:r>
-              <a:rPr lang="en-US" altLang="zh-CN" sz="2800" dirty="0">
-                <a:latin typeface="Times New Roman" panose="02020603050405020304" pitchFamily="18" charset="0"/>
-                <a:cs typeface="Times New Roman" panose="02020603050405020304" pitchFamily="18" charset="0"/>
-              </a:rPr>
-              <a:t>JFFS2</a:t>
-            </a:r>
-            <a:endParaRPr lang="zh-CN" altLang="en-US" sz="2800" dirty="0">
-              <a:latin typeface="Times New Roman" panose="02020603050405020304" pitchFamily="18" charset="0"/>
-              <a:cs typeface="Times New Roman" panose="02020603050405020304" pitchFamily="18" charset="0"/>
-            </a:endParaRPr>
-          </a:p>
-          <a:p>
-            <a:pPr marL="1371600" lvl="2" indent="-457200">
-              <a:lnSpc>
-                <a:spcPct val="160000"/>
-              </a:lnSpc>
-              <a:buFont typeface="+mj-ea"/>
-              <a:buAutoNum type="circleNumDbPlain"/>
-            </a:pPr>
-            <a:r>
-              <a:rPr lang="zh-CN" altLang="en-US" dirty="0">
-                <a:latin typeface="Times New Roman" panose="02020603050405020304" pitchFamily="18" charset="0"/>
-                <a:cs typeface="Times New Roman" panose="02020603050405020304" pitchFamily="18" charset="0"/>
-              </a:rPr>
-              <a:t>在开机时</a:t>
-            </a:r>
-            <a:r>
-              <a:rPr lang="zh-CN" altLang="en-US" dirty="0">
-                <a:solidFill>
-                  <a:srgbClr val="FF0000"/>
-                </a:solidFill>
-                <a:latin typeface="Times New Roman" panose="02020603050405020304" pitchFamily="18" charset="0"/>
-                <a:cs typeface="Times New Roman" panose="02020603050405020304" pitchFamily="18" charset="0"/>
-              </a:rPr>
-              <a:t>扫描</a:t>
-            </a:r>
-            <a:r>
-              <a:rPr lang="zh-CN" altLang="en-US" dirty="0">
-                <a:latin typeface="Times New Roman" panose="02020603050405020304" pitchFamily="18" charset="0"/>
-                <a:cs typeface="Times New Roman" panose="02020603050405020304" pitchFamily="18" charset="0"/>
-              </a:rPr>
-              <a:t>整个</a:t>
-            </a:r>
-            <a:r>
-              <a:rPr lang="en-US" altLang="zh-CN" dirty="0">
-                <a:latin typeface="Times New Roman" panose="02020603050405020304" pitchFamily="18" charset="0"/>
-                <a:cs typeface="Times New Roman" panose="02020603050405020304" pitchFamily="18" charset="0"/>
-              </a:rPr>
-              <a:t>flash</a:t>
-            </a:r>
-            <a:r>
-              <a:rPr lang="zh-CN" altLang="en-US" dirty="0">
-                <a:latin typeface="Times New Roman" panose="02020603050405020304" pitchFamily="18" charset="0"/>
-                <a:cs typeface="Times New Roman" panose="02020603050405020304" pitchFamily="18" charset="0"/>
-              </a:rPr>
-              <a:t>介质，找到所有数据</a:t>
-            </a:r>
-            <a:r>
-              <a:rPr lang="zh-CN" altLang="en-US" dirty="0">
-                <a:latin typeface="Times New Roman" panose="02020603050405020304" pitchFamily="18" charset="0"/>
-                <a:cs typeface="Times New Roman" panose="02020603050405020304" pitchFamily="18" charset="0"/>
-              </a:rPr>
-              <a:t>实体。</a:t>
-            </a:r>
-            <a:endParaRPr lang="zh-CN" altLang="en-US" dirty="0">
-              <a:latin typeface="Times New Roman" panose="02020603050405020304" pitchFamily="18" charset="0"/>
-              <a:cs typeface="Times New Roman" panose="02020603050405020304" pitchFamily="18" charset="0"/>
-            </a:endParaRPr>
-          </a:p>
-          <a:p>
-            <a:pPr marL="1371600" lvl="2" indent="-457200">
-              <a:lnSpc>
-                <a:spcPct val="160000"/>
-              </a:lnSpc>
-              <a:buAutoNum type="circleNumDbPlain"/>
-            </a:pPr>
-            <a:r>
-              <a:rPr lang="zh-CN" altLang="en-US" dirty="0">
-                <a:latin typeface="Times New Roman" panose="02020603050405020304" pitchFamily="18" charset="0"/>
-                <a:cs typeface="Times New Roman" panose="02020603050405020304" pitchFamily="18" charset="0"/>
-              </a:rPr>
-              <a:t>在内存中通过</a:t>
-            </a:r>
-            <a:r>
-              <a:rPr lang="zh-CN" altLang="en-US" dirty="0">
-                <a:solidFill>
-                  <a:srgbClr val="FF0000"/>
-                </a:solidFill>
-                <a:latin typeface="Times New Roman" panose="02020603050405020304" pitchFamily="18" charset="0"/>
-                <a:cs typeface="Times New Roman" panose="02020603050405020304" pitchFamily="18" charset="0"/>
-              </a:rPr>
-              <a:t>建立结构体</a:t>
-            </a:r>
-            <a:r>
-              <a:rPr lang="zh-CN" altLang="en-US" dirty="0">
-                <a:latin typeface="Times New Roman" panose="02020603050405020304" pitchFamily="18" charset="0"/>
-                <a:cs typeface="Times New Roman" panose="02020603050405020304" pitchFamily="18" charset="0"/>
-              </a:rPr>
-              <a:t>来建立</a:t>
-            </a:r>
-            <a:r>
-              <a:rPr lang="zh-CN" altLang="en-US" dirty="0">
-                <a:latin typeface="Times New Roman" panose="02020603050405020304" pitchFamily="18" charset="0"/>
-                <a:cs typeface="Times New Roman" panose="02020603050405020304" pitchFamily="18" charset="0"/>
-                <a:sym typeface="+mn-ea"/>
-              </a:rPr>
-              <a:t>介质</a:t>
-            </a:r>
-            <a:r>
-              <a:rPr lang="zh-CN" altLang="en-US" dirty="0">
-                <a:latin typeface="Times New Roman" panose="02020603050405020304" pitchFamily="18" charset="0"/>
-                <a:cs typeface="Times New Roman" panose="02020603050405020304" pitchFamily="18" charset="0"/>
-                <a:sym typeface="+mn-ea"/>
-              </a:rPr>
-              <a:t>上数据实体到内存的映射。</a:t>
-            </a:r>
-            <a:endParaRPr lang="zh-CN" altLang="en-US" dirty="0">
-              <a:latin typeface="Times New Roman" panose="02020603050405020304" pitchFamily="18" charset="0"/>
-              <a:cs typeface="Times New Roman" panose="02020603050405020304" pitchFamily="18" charset="0"/>
-              <a:sym typeface="+mn-ea"/>
-            </a:endParaRPr>
-          </a:p>
-          <a:p>
-            <a:pPr marL="1371600" lvl="2" indent="-457200">
-              <a:lnSpc>
-                <a:spcPct val="160000"/>
-              </a:lnSpc>
-              <a:buAutoNum type="circleNumDbPlain"/>
-            </a:pPr>
-            <a:r>
-              <a:rPr lang="zh-CN" altLang="en-US" dirty="0">
-                <a:latin typeface="Times New Roman" panose="02020603050405020304" pitchFamily="18" charset="0"/>
-                <a:cs typeface="Times New Roman" panose="02020603050405020304" pitchFamily="18" charset="0"/>
-              </a:rPr>
-              <a:t>在内存中通过</a:t>
-            </a:r>
-            <a:r>
-              <a:rPr lang="en-US" altLang="zh-CN" dirty="0">
-                <a:solidFill>
-                  <a:srgbClr val="FF0000"/>
-                </a:solidFill>
-                <a:latin typeface="Times New Roman" panose="02020603050405020304" pitchFamily="18" charset="0"/>
-                <a:cs typeface="Times New Roman" panose="02020603050405020304" pitchFamily="18" charset="0"/>
-              </a:rPr>
-              <a:t>FragTree</a:t>
-            </a:r>
-            <a:r>
-              <a:rPr lang="zh-CN" altLang="en-US" dirty="0">
-                <a:solidFill>
-                  <a:srgbClr val="FF0000"/>
-                </a:solidFill>
-                <a:latin typeface="Times New Roman" panose="02020603050405020304" pitchFamily="18" charset="0"/>
-                <a:cs typeface="Times New Roman" panose="02020603050405020304" pitchFamily="18" charset="0"/>
-              </a:rPr>
-              <a:t>树</a:t>
-            </a:r>
-            <a:r>
-              <a:rPr lang="zh-CN" altLang="en-US" dirty="0">
-                <a:latin typeface="Times New Roman" panose="02020603050405020304" pitchFamily="18" charset="0"/>
-                <a:cs typeface="Times New Roman" panose="02020603050405020304" pitchFamily="18" charset="0"/>
-              </a:rPr>
-              <a:t>或</a:t>
-            </a:r>
-            <a:r>
-              <a:rPr lang="zh-CN" altLang="en-US" dirty="0">
-                <a:solidFill>
-                  <a:srgbClr val="FF0000"/>
-                </a:solidFill>
-                <a:latin typeface="Times New Roman" panose="02020603050405020304" pitchFamily="18" charset="0"/>
-                <a:cs typeface="Times New Roman" panose="02020603050405020304" pitchFamily="18" charset="0"/>
-              </a:rPr>
-              <a:t>哈希表</a:t>
-            </a:r>
-            <a:r>
-              <a:rPr lang="zh-CN" altLang="en-US" dirty="0">
-                <a:latin typeface="Times New Roman" panose="02020603050405020304" pitchFamily="18" charset="0"/>
-                <a:cs typeface="Times New Roman" panose="02020603050405020304" pitchFamily="18" charset="0"/>
-              </a:rPr>
-              <a:t>来管理映射在内存的结构</a:t>
-            </a:r>
-            <a:r>
-              <a:rPr lang="zh-CN" altLang="en-US" dirty="0">
-                <a:latin typeface="Times New Roman" panose="02020603050405020304" pitchFamily="18" charset="0"/>
-                <a:cs typeface="Times New Roman" panose="02020603050405020304" pitchFamily="18" charset="0"/>
-              </a:rPr>
-              <a:t>体。</a:t>
-            </a:r>
-            <a:endParaRPr lang="zh-CN" altLang="en-US" dirty="0">
-              <a:latin typeface="Times New Roman" panose="02020603050405020304" pitchFamily="18" charset="0"/>
-              <a:cs typeface="Times New Roman" panose="02020603050405020304" pitchFamily="18" charset="0"/>
-            </a:endParaRPr>
-          </a:p>
-          <a:p>
-            <a:pPr marL="1371600" lvl="2" indent="-457200">
-              <a:lnSpc>
-                <a:spcPct val="150000"/>
-              </a:lnSpc>
-              <a:buAutoNum type="circleNumDbPlain"/>
-            </a:pPr>
-            <a:endParaRPr lang="zh-CN" altLang="en-US" dirty="0">
-              <a:latin typeface="Times New Roman" panose="02020603050405020304" pitchFamily="18" charset="0"/>
-              <a:cs typeface="Times New Roman" panose="02020603050405020304" pitchFamily="18" charset="0"/>
-            </a:endParaRPr>
-          </a:p>
-          <a:p>
-            <a:pPr marL="0" indent="0">
-              <a:lnSpc>
-                <a:spcPct val="150000"/>
-              </a:lnSpc>
-              <a:buNone/>
-            </a:pPr>
-            <a:endParaRPr lang="zh-CN" altLang="en-US" sz="2400" dirty="0">
-              <a:latin typeface="Times New Roman" panose="02020603050405020304" pitchFamily="18" charset="0"/>
-              <a:cs typeface="Times New Roman" panose="02020603050405020304" pitchFamily="18" charset="0"/>
-            </a:endParaRPr>
-          </a:p>
-          <a:p>
-            <a:pPr marL="0" indent="0">
-              <a:lnSpc>
-                <a:spcPct val="150000"/>
-              </a:lnSpc>
-              <a:buNone/>
-            </a:pPr>
-            <a:endParaRPr lang="zh-CN" altLang="en-US" sz="2400" dirty="0">
-              <a:latin typeface="Times New Roman" panose="02020603050405020304" pitchFamily="18" charset="0"/>
-              <a:cs typeface="Times New Roman" panose="02020603050405020304" pitchFamily="18" charset="0"/>
-            </a:endParaRPr>
-          </a:p>
-        </p:txBody>
-      </p:sp>
-      <p:sp>
-        <p:nvSpPr>
-          <p:cNvPr id="5" name="内容占位符 2"/>
-          <p:cNvSpPr>
-            <a:spLocks noGrp="1"/>
-          </p:cNvSpPr>
-          <p:nvPr/>
-        </p:nvSpPr>
-        <p:spPr>
-          <a:xfrm>
-            <a:off x="838200" y="3637280"/>
-            <a:ext cx="10515600" cy="2969895"/>
           </a:xfrm>
           <a:prstGeom prst="rect">
             <a:avLst/>
@@ -18773,22 +17682,288 @@
             </a:lvl9pPr>
           </a:lstStyle>
           <a:p>
-            <a:pPr lvl="1"/>
+            <a:pPr marL="457200" lvl="1" indent="0">
+              <a:lnSpc>
+                <a:spcPct val="150000"/>
+              </a:lnSpc>
+              <a:buNone/>
+            </a:pPr>
+            <a:r>
+              <a:rPr lang="en-US" altLang="zh-CN" dirty="0">
+                <a:latin typeface="Times New Roman" panose="02020603050405020304" pitchFamily="18" charset="0"/>
+                <a:cs typeface="Times New Roman" panose="02020603050405020304" pitchFamily="18" charset="0"/>
+                <a:sym typeface="+mn-ea"/>
+              </a:rPr>
+              <a:t>Nor Flash </a:t>
+            </a:r>
+            <a:r>
+              <a:rPr lang="zh-CN" altLang="en-US" dirty="0">
+                <a:latin typeface="Times New Roman" panose="02020603050405020304" pitchFamily="18" charset="0"/>
+                <a:cs typeface="Times New Roman" panose="02020603050405020304" pitchFamily="18" charset="0"/>
+                <a:sym typeface="+mn-ea"/>
+              </a:rPr>
+              <a:t>常用文件系统在更新</a:t>
+            </a:r>
+            <a:r>
+              <a:rPr lang="en-US" altLang="zh-CN" dirty="0">
+                <a:latin typeface="Times New Roman" panose="02020603050405020304" pitchFamily="18" charset="0"/>
+                <a:cs typeface="Times New Roman" panose="02020603050405020304" pitchFamily="18" charset="0"/>
+                <a:sym typeface="+mn-ea"/>
+              </a:rPr>
+              <a:t>flash</a:t>
+            </a:r>
+            <a:r>
+              <a:rPr lang="zh-CN" altLang="en-US" dirty="0">
+                <a:latin typeface="Times New Roman" panose="02020603050405020304" pitchFamily="18" charset="0"/>
+                <a:cs typeface="Times New Roman" panose="02020603050405020304" pitchFamily="18" charset="0"/>
+                <a:sym typeface="+mn-ea"/>
+              </a:rPr>
+              <a:t>上的数据时，大多采用异地更新方法。</a:t>
+            </a:r>
             <a:endParaRPr lang="zh-CN" altLang="en-US" dirty="0">
               <a:latin typeface="Times New Roman" panose="02020603050405020304" pitchFamily="18" charset="0"/>
               <a:cs typeface="Times New Roman" panose="02020603050405020304" pitchFamily="18" charset="0"/>
             </a:endParaRPr>
           </a:p>
           <a:p>
-            <a:pPr lvl="1"/>
-            <a:endParaRPr lang="zh-CN" altLang="en-US" dirty="0">
+            <a:pPr marL="971550" lvl="1" indent="-514350">
+              <a:lnSpc>
+                <a:spcPct val="150000"/>
+              </a:lnSpc>
+              <a:buAutoNum type="arabicPeriod"/>
+            </a:pPr>
+            <a:r>
+              <a:rPr lang="en-US" altLang="zh-CN" sz="2800" dirty="0">
+                <a:latin typeface="Times New Roman" panose="02020603050405020304" pitchFamily="18" charset="0"/>
+                <a:cs typeface="Times New Roman" panose="02020603050405020304" pitchFamily="18" charset="0"/>
+              </a:rPr>
+              <a:t>LFS</a:t>
+            </a:r>
+            <a:endParaRPr lang="zh-CN" altLang="en-US" sz="2330" dirty="0">
               <a:latin typeface="Times New Roman" panose="02020603050405020304" pitchFamily="18" charset="0"/>
               <a:cs typeface="Times New Roman" panose="02020603050405020304" pitchFamily="18" charset="0"/>
             </a:endParaRPr>
           </a:p>
           <a:p>
-            <a:pPr marL="0" lvl="0" indent="0">
-              <a:buNone/>
+            <a:pPr marL="1371600" lvl="2" indent="-457200">
+              <a:lnSpc>
+                <a:spcPct val="160000"/>
+              </a:lnSpc>
+              <a:buFont typeface="+mj-ea"/>
+              <a:buAutoNum type="circleNumDbPlain"/>
+            </a:pPr>
+            <a:r>
+              <a:rPr lang="zh-CN" altLang="en-US" dirty="0">
+                <a:latin typeface="Times New Roman" panose="02020603050405020304" pitchFamily="18" charset="0"/>
+                <a:cs typeface="Times New Roman" panose="02020603050405020304" pitchFamily="18" charset="0"/>
+              </a:rPr>
+              <a:t>利用位图保存</a:t>
+            </a:r>
+            <a:r>
+              <a:rPr lang="en-US" altLang="zh-CN" dirty="0">
+                <a:latin typeface="Times New Roman" panose="02020603050405020304" pitchFamily="18" charset="0"/>
+                <a:cs typeface="Times New Roman" panose="02020603050405020304" pitchFamily="18" charset="0"/>
+              </a:rPr>
+              <a:t>flash</a:t>
+            </a:r>
+            <a:r>
+              <a:rPr lang="zh-CN" altLang="en-US" dirty="0">
+                <a:latin typeface="Times New Roman" panose="02020603050405020304" pitchFamily="18" charset="0"/>
+                <a:cs typeface="Times New Roman" panose="02020603050405020304" pitchFamily="18" charset="0"/>
+              </a:rPr>
+              <a:t>介质上的数据分布信息，</a:t>
+            </a:r>
+            <a:r>
+              <a:rPr lang="zh-CN" altLang="en-US" dirty="0">
+                <a:latin typeface="Times New Roman" panose="02020603050405020304" pitchFamily="18" charset="0"/>
+                <a:cs typeface="Times New Roman" panose="02020603050405020304" pitchFamily="18" charset="0"/>
+                <a:sym typeface="+mn-ea"/>
+              </a:rPr>
+              <a:t>位图信息也保存在介质上</a:t>
+            </a:r>
+            <a:r>
+              <a:rPr lang="zh-CN" altLang="en-US" dirty="0">
+                <a:latin typeface="Times New Roman" panose="02020603050405020304" pitchFamily="18" charset="0"/>
+                <a:cs typeface="Times New Roman" panose="02020603050405020304" pitchFamily="18" charset="0"/>
+              </a:rPr>
+              <a:t>。</a:t>
+            </a:r>
+            <a:endParaRPr lang="en-US" altLang="zh-CN" dirty="0">
+              <a:latin typeface="Times New Roman" panose="02020603050405020304" pitchFamily="18" charset="0"/>
+              <a:cs typeface="Times New Roman" panose="02020603050405020304" pitchFamily="18" charset="0"/>
+            </a:endParaRPr>
+          </a:p>
+          <a:p>
+            <a:pPr marL="971550" lvl="1" indent="-514350">
+              <a:lnSpc>
+                <a:spcPct val="150000"/>
+              </a:lnSpc>
+              <a:buAutoNum type="arabicPeriod"/>
+            </a:pPr>
+            <a:r>
+              <a:rPr lang="en-US" altLang="zh-CN" sz="2800" dirty="0">
+                <a:latin typeface="Times New Roman" panose="02020603050405020304" pitchFamily="18" charset="0"/>
+                <a:cs typeface="Times New Roman" panose="02020603050405020304" pitchFamily="18" charset="0"/>
+              </a:rPr>
+              <a:t>JFFS2</a:t>
+            </a:r>
+            <a:endParaRPr lang="zh-CN" altLang="en-US" sz="2800" dirty="0">
+              <a:latin typeface="Times New Roman" panose="02020603050405020304" pitchFamily="18" charset="0"/>
+              <a:cs typeface="Times New Roman" panose="02020603050405020304" pitchFamily="18" charset="0"/>
+            </a:endParaRPr>
+          </a:p>
+          <a:p>
+            <a:pPr marL="1371600" lvl="2" indent="-457200">
+              <a:lnSpc>
+                <a:spcPct val="160000"/>
+              </a:lnSpc>
+              <a:buFont typeface="+mj-ea"/>
+              <a:buAutoNum type="circleNumDbPlain"/>
+            </a:pPr>
+            <a:r>
+              <a:rPr lang="zh-CN" altLang="en-US" dirty="0">
+                <a:latin typeface="Times New Roman" panose="02020603050405020304" pitchFamily="18" charset="0"/>
+                <a:cs typeface="Times New Roman" panose="02020603050405020304" pitchFamily="18" charset="0"/>
+              </a:rPr>
+              <a:t>在开机时</a:t>
+            </a:r>
+            <a:r>
+              <a:rPr lang="zh-CN" altLang="en-US" dirty="0">
+                <a:solidFill>
+                  <a:srgbClr val="FF0000"/>
+                </a:solidFill>
+                <a:latin typeface="Times New Roman" panose="02020603050405020304" pitchFamily="18" charset="0"/>
+                <a:cs typeface="Times New Roman" panose="02020603050405020304" pitchFamily="18" charset="0"/>
+              </a:rPr>
+              <a:t>扫描</a:t>
+            </a:r>
+            <a:r>
+              <a:rPr lang="zh-CN" altLang="en-US" dirty="0">
+                <a:latin typeface="Times New Roman" panose="02020603050405020304" pitchFamily="18" charset="0"/>
+                <a:cs typeface="Times New Roman" panose="02020603050405020304" pitchFamily="18" charset="0"/>
+              </a:rPr>
+              <a:t>整个</a:t>
+            </a:r>
+            <a:r>
+              <a:rPr lang="en-US" altLang="zh-CN" dirty="0">
+                <a:latin typeface="Times New Roman" panose="02020603050405020304" pitchFamily="18" charset="0"/>
+                <a:cs typeface="Times New Roman" panose="02020603050405020304" pitchFamily="18" charset="0"/>
+              </a:rPr>
+              <a:t>flash</a:t>
+            </a:r>
+            <a:r>
+              <a:rPr lang="zh-CN" altLang="en-US" dirty="0">
+                <a:latin typeface="Times New Roman" panose="02020603050405020304" pitchFamily="18" charset="0"/>
+                <a:cs typeface="Times New Roman" panose="02020603050405020304" pitchFamily="18" charset="0"/>
+              </a:rPr>
+              <a:t>介质，找到所有数据实体。</a:t>
+            </a:r>
+          </a:p>
+          <a:p>
+            <a:pPr marL="1371600" lvl="2" indent="-457200">
+              <a:lnSpc>
+                <a:spcPct val="160000"/>
+              </a:lnSpc>
+              <a:buAutoNum type="circleNumDbPlain"/>
+            </a:pPr>
+            <a:r>
+              <a:rPr lang="zh-CN" altLang="en-US" dirty="0">
+                <a:latin typeface="Times New Roman" panose="02020603050405020304" pitchFamily="18" charset="0"/>
+                <a:cs typeface="Times New Roman" panose="02020603050405020304" pitchFamily="18" charset="0"/>
+              </a:rPr>
+              <a:t>在内存中通过</a:t>
+            </a:r>
+            <a:r>
+              <a:rPr lang="zh-CN" altLang="en-US" dirty="0">
+                <a:solidFill>
+                  <a:srgbClr val="FF0000"/>
+                </a:solidFill>
+                <a:latin typeface="Times New Roman" panose="02020603050405020304" pitchFamily="18" charset="0"/>
+                <a:cs typeface="Times New Roman" panose="02020603050405020304" pitchFamily="18" charset="0"/>
+              </a:rPr>
+              <a:t>建立结构体</a:t>
+            </a:r>
+            <a:r>
+              <a:rPr lang="zh-CN" altLang="en-US" dirty="0">
+                <a:latin typeface="Times New Roman" panose="02020603050405020304" pitchFamily="18" charset="0"/>
+                <a:cs typeface="Times New Roman" panose="02020603050405020304" pitchFamily="18" charset="0"/>
+              </a:rPr>
+              <a:t>来建立</a:t>
+            </a:r>
+            <a:r>
+              <a:rPr lang="zh-CN" altLang="en-US" dirty="0">
+                <a:latin typeface="Times New Roman" panose="02020603050405020304" pitchFamily="18" charset="0"/>
+                <a:cs typeface="Times New Roman" panose="02020603050405020304" pitchFamily="18" charset="0"/>
+                <a:sym typeface="+mn-ea"/>
+              </a:rPr>
+              <a:t>介质上数据实体到内存的映射。</a:t>
+            </a:r>
+          </a:p>
+          <a:p>
+            <a:pPr marL="1371600" lvl="2" indent="-457200">
+              <a:lnSpc>
+                <a:spcPct val="160000"/>
+              </a:lnSpc>
+              <a:buAutoNum type="circleNumDbPlain"/>
+            </a:pPr>
+            <a:r>
+              <a:rPr lang="zh-CN" altLang="en-US" dirty="0">
+                <a:latin typeface="Times New Roman" panose="02020603050405020304" pitchFamily="18" charset="0"/>
+                <a:cs typeface="Times New Roman" panose="02020603050405020304" pitchFamily="18" charset="0"/>
+              </a:rPr>
+              <a:t>在内存中通过</a:t>
+            </a:r>
+            <a:r>
+              <a:rPr lang="en-US" altLang="zh-CN" dirty="0">
+                <a:solidFill>
+                  <a:srgbClr val="FF0000"/>
+                </a:solidFill>
+                <a:latin typeface="Times New Roman" panose="02020603050405020304" pitchFamily="18" charset="0"/>
+                <a:cs typeface="Times New Roman" panose="02020603050405020304" pitchFamily="18" charset="0"/>
+              </a:rPr>
+              <a:t>FragTree</a:t>
+            </a:r>
+            <a:r>
+              <a:rPr lang="zh-CN" altLang="en-US" dirty="0">
+                <a:solidFill>
+                  <a:srgbClr val="FF0000"/>
+                </a:solidFill>
+                <a:latin typeface="Times New Roman" panose="02020603050405020304" pitchFamily="18" charset="0"/>
+                <a:cs typeface="Times New Roman" panose="02020603050405020304" pitchFamily="18" charset="0"/>
+              </a:rPr>
+              <a:t>树</a:t>
+            </a:r>
+            <a:r>
+              <a:rPr lang="zh-CN" altLang="en-US" dirty="0">
+                <a:latin typeface="Times New Roman" panose="02020603050405020304" pitchFamily="18" charset="0"/>
+                <a:cs typeface="Times New Roman" panose="02020603050405020304" pitchFamily="18" charset="0"/>
+              </a:rPr>
+              <a:t>或</a:t>
+            </a:r>
+            <a:r>
+              <a:rPr lang="zh-CN" altLang="en-US" dirty="0">
+                <a:solidFill>
+                  <a:srgbClr val="FF0000"/>
+                </a:solidFill>
+                <a:latin typeface="Times New Roman" panose="02020603050405020304" pitchFamily="18" charset="0"/>
+                <a:cs typeface="Times New Roman" panose="02020603050405020304" pitchFamily="18" charset="0"/>
+              </a:rPr>
+              <a:t>哈希表</a:t>
+            </a:r>
+            <a:r>
+              <a:rPr lang="zh-CN" altLang="en-US" dirty="0">
+                <a:latin typeface="Times New Roman" panose="02020603050405020304" pitchFamily="18" charset="0"/>
+                <a:cs typeface="Times New Roman" panose="02020603050405020304" pitchFamily="18" charset="0"/>
+              </a:rPr>
+              <a:t>来管理映射在内存的结构体。</a:t>
+            </a:r>
+          </a:p>
+          <a:p>
+            <a:pPr marL="1371600" lvl="2" indent="-457200">
+              <a:lnSpc>
+                <a:spcPct val="150000"/>
+              </a:lnSpc>
+              <a:buAutoNum type="circleNumDbPlain"/>
             </a:pPr>
             <a:endParaRPr lang="zh-CN" altLang="en-US" dirty="0">
               <a:latin typeface="Times New Roman" panose="02020603050405020304" pitchFamily="18" charset="0"/>
@@ -18797,6 +17972,9 @@
           </a:p>
           <a:p>
             <a:pPr marL="0" indent="0">
+              <a:lnSpc>
+                <a:spcPct val="150000"/>
+              </a:lnSpc>
               <a:buNone/>
             </a:pPr>
             <a:endParaRPr lang="zh-CN" altLang="en-US" sz="2400" dirty="0">
@@ -18806,6 +17984,9 @@
           </a:p>
           <a:p>
             <a:pPr marL="0" indent="0">
+              <a:lnSpc>
+                <a:spcPct val="150000"/>
+              </a:lnSpc>
               <a:buNone/>
             </a:pPr>
             <a:endParaRPr lang="zh-CN" altLang="en-US" sz="2400" dirty="0">
@@ -18815,727 +17996,18 @@
           </a:p>
         </p:txBody>
       </p:sp>
-    </p:spTree>
-  </p:cSld>
-  <p:clrMapOvr>
-    <a:masterClrMapping/>
-  </p:clrMapOvr>
-</p:sld>
-</file>
-
-<file path=ppt/slides/slide5.xml><?xml version="1.0" encoding="utf-8"?>
-<p:sld xmlns:a="http://schemas.openxmlformats.org/drawingml/2006/main" xmlns:r="http://schemas.openxmlformats.org/officeDocument/2006/relationships" xmlns:p="http://schemas.openxmlformats.org/presentationml/2006/main">
-  <p:cSld>
-    <p:spTree>
-      <p:nvGrpSpPr>
-        <p:cNvPr id="1" name=""/>
-        <p:cNvGrpSpPr/>
-        <p:nvPr/>
-      </p:nvGrpSpPr>
-      <p:grpSpPr>
-        <a:xfrm>
-          <a:off x="0" y="0"/>
-          <a:ext cx="0" cy="0"/>
-          <a:chOff x="0" y="0"/>
-          <a:chExt cx="0" cy="0"/>
-        </a:xfrm>
-      </p:grpSpPr>
-      <p:sp>
-        <p:nvSpPr>
-          <p:cNvPr id="2" name="标题 1"/>
-          <p:cNvSpPr>
-            <a:spLocks noGrp="1"/>
-          </p:cNvSpPr>
-          <p:nvPr>
-            <p:ph type="title"/>
-          </p:nvPr>
-        </p:nvSpPr>
-        <p:spPr/>
-        <p:txBody>
-          <a:bodyPr/>
-          <a:lstStyle/>
-          <a:p>
-            <a:r>
-              <a:rPr lang="zh-CN" altLang="en-US" dirty="0">
-                <a:latin typeface="Times New Roman" panose="02020603050405020304" pitchFamily="18" charset="0"/>
-                <a:cs typeface="Times New Roman" panose="02020603050405020304" pitchFamily="18" charset="0"/>
-              </a:rPr>
-              <a:t>二</a:t>
-            </a:r>
-            <a:r>
-              <a:rPr lang="en-US" altLang="zh-CN" dirty="0">
-                <a:latin typeface="Times New Roman" panose="02020603050405020304" pitchFamily="18" charset="0"/>
-                <a:cs typeface="Times New Roman" panose="02020603050405020304" pitchFamily="18" charset="0"/>
-              </a:rPr>
-              <a:t>. </a:t>
-            </a:r>
-            <a:r>
-              <a:rPr lang="zh-CN" altLang="en-US" dirty="0">
-                <a:latin typeface="Times New Roman" panose="02020603050405020304" pitchFamily="18" charset="0"/>
-                <a:cs typeface="Times New Roman" panose="02020603050405020304" pitchFamily="18" charset="0"/>
-              </a:rPr>
-              <a:t>系统架构</a:t>
-            </a:r>
-            <a:endParaRPr lang="zh-CN" altLang="en-US" dirty="0">
-              <a:latin typeface="Times New Roman" panose="02020603050405020304" pitchFamily="18" charset="0"/>
-              <a:cs typeface="Times New Roman" panose="02020603050405020304" pitchFamily="18" charset="0"/>
-            </a:endParaRPr>
-          </a:p>
-        </p:txBody>
-      </p:sp>
-      <p:sp>
-        <p:nvSpPr>
-          <p:cNvPr id="3" name="内容占位符 2"/>
-          <p:cNvSpPr>
-            <a:spLocks noGrp="1"/>
-          </p:cNvSpPr>
-          <p:nvPr>
-            <p:ph idx="1"/>
-          </p:nvPr>
-        </p:nvSpPr>
-        <p:spPr/>
-        <p:txBody>
-          <a:bodyPr/>
-          <a:lstStyle/>
-          <a:p>
-            <a:pPr marL="0" indent="0">
-              <a:buNone/>
-            </a:pPr>
-            <a:endParaRPr lang="en-US" altLang="zh-CN" dirty="0"/>
-          </a:p>
-          <a:p>
-            <a:pPr marL="0" indent="0">
-              <a:buNone/>
-            </a:pPr>
-            <a:endParaRPr lang="zh-CN" altLang="en-US" dirty="0"/>
-          </a:p>
-        </p:txBody>
-      </p:sp>
-      <p:pic>
-        <p:nvPicPr>
-          <p:cNvPr id="5" name="图片 4"/>
-          <p:cNvPicPr>
-            <a:picLocks noChangeAspect="1"/>
-          </p:cNvPicPr>
+      <p:sp>
+        <p:nvSpPr>
+          <p:cNvPr id="5" name="内容占位符 2"/>
+          <p:cNvSpPr>
+            <a:spLocks noGrp="1"/>
+          </p:cNvSpPr>
           <p:nvPr/>
-        </p:nvPicPr>
-        <p:blipFill>
-          <a:blip r:embed="rId1">
-            <a:extLst>
-              <a:ext uri="{28A0092B-C50C-407E-A947-70E740481C1C}">
-                <a14:useLocalDpi xmlns:a14="http://schemas.microsoft.com/office/drawing/2010/main" val="0"/>
-              </a:ext>
-            </a:extLst>
-          </a:blip>
-          <a:stretch>
-            <a:fillRect/>
-          </a:stretch>
-        </p:blipFill>
+        </p:nvSpPr>
         <p:spPr>
           <a:xfrm>
-            <a:off x="2643028" y="1534857"/>
-            <a:ext cx="6905943" cy="4933888"/>
-          </a:xfrm>
-          <a:prstGeom prst="rect">
-            <a:avLst/>
-          </a:prstGeom>
-          <a:solidFill>
-            <a:srgbClr val="D00000"/>
-          </a:solidFill>
-        </p:spPr>
-      </p:pic>
-    </p:spTree>
-  </p:cSld>
-  <p:clrMapOvr>
-    <a:masterClrMapping/>
-  </p:clrMapOvr>
-</p:sld>
-</file>
-
-<file path=ppt/slides/slide6.xml><?xml version="1.0" encoding="utf-8"?>
-<p:sld xmlns:a="http://schemas.openxmlformats.org/drawingml/2006/main" xmlns:r="http://schemas.openxmlformats.org/officeDocument/2006/relationships" xmlns:p="http://schemas.openxmlformats.org/presentationml/2006/main">
-  <p:cSld>
-    <p:spTree>
-      <p:nvGrpSpPr>
-        <p:cNvPr id="1" name=""/>
-        <p:cNvGrpSpPr/>
-        <p:nvPr/>
-      </p:nvGrpSpPr>
-      <p:grpSpPr>
-        <a:xfrm>
-          <a:off x="0" y="0"/>
-          <a:ext cx="0" cy="0"/>
-          <a:chOff x="0" y="0"/>
-          <a:chExt cx="0" cy="0"/>
-        </a:xfrm>
-      </p:grpSpPr>
-      <p:sp>
-        <p:nvSpPr>
-          <p:cNvPr id="4" name="标题 1"/>
-          <p:cNvSpPr>
-            <a:spLocks noGrp="1"/>
-          </p:cNvSpPr>
-          <p:nvPr>
-            <p:ph type="title"/>
-          </p:nvPr>
-        </p:nvSpPr>
-        <p:spPr>
-          <a:xfrm>
-            <a:off x="838200" y="365125"/>
-            <a:ext cx="10515600" cy="1325563"/>
-          </a:xfrm>
-        </p:spPr>
-        <p:txBody>
-          <a:bodyPr/>
-          <a:lstStyle/>
-          <a:p>
-            <a:r>
-              <a:rPr lang="zh-CN" altLang="en-US" dirty="0">
-                <a:latin typeface="Times New Roman" panose="02020603050405020304" pitchFamily="18" charset="0"/>
-                <a:cs typeface="Times New Roman" panose="02020603050405020304" pitchFamily="18" charset="0"/>
-              </a:rPr>
-              <a:t>三</a:t>
-            </a:r>
-            <a:r>
-              <a:rPr lang="en-US" altLang="zh-CN" dirty="0">
-                <a:latin typeface="Times New Roman" panose="02020603050405020304" pitchFamily="18" charset="0"/>
-                <a:cs typeface="Times New Roman" panose="02020603050405020304" pitchFamily="18" charset="0"/>
-              </a:rPr>
-              <a:t>. </a:t>
-            </a:r>
-            <a:r>
-              <a:rPr lang="zh-CN" altLang="en-US" dirty="0">
-                <a:latin typeface="Times New Roman" panose="02020603050405020304" pitchFamily="18" charset="0"/>
-                <a:cs typeface="Times New Roman" panose="02020603050405020304" pitchFamily="18" charset="0"/>
-              </a:rPr>
-              <a:t>技术方案</a:t>
-            </a:r>
-            <a:endParaRPr lang="zh-CN" altLang="en-US" dirty="0">
-              <a:latin typeface="Times New Roman" panose="02020603050405020304" pitchFamily="18" charset="0"/>
-              <a:cs typeface="Times New Roman" panose="02020603050405020304" pitchFamily="18" charset="0"/>
-            </a:endParaRPr>
-          </a:p>
-        </p:txBody>
-      </p:sp>
-      <p:sp>
-        <p:nvSpPr>
-          <p:cNvPr id="5" name="内容占位符 2"/>
-          <p:cNvSpPr>
-            <a:spLocks noGrp="1"/>
-          </p:cNvSpPr>
-          <p:nvPr>
-            <p:ph idx="1"/>
-          </p:nvPr>
-        </p:nvSpPr>
-        <p:spPr>
-          <a:xfrm>
-            <a:off x="873760" y="1866265"/>
-            <a:ext cx="10515600" cy="4351338"/>
-          </a:xfrm>
-        </p:spPr>
-        <p:txBody>
-          <a:bodyPr>
-            <a:normAutofit/>
-          </a:bodyPr>
-          <a:lstStyle/>
-          <a:p>
-            <a:pPr marL="914400" lvl="1" indent="-457200">
-              <a:lnSpc>
-                <a:spcPct val="130000"/>
-              </a:lnSpc>
-              <a:buAutoNum type="arabicPeriod"/>
-            </a:pPr>
-            <a:r>
-              <a:rPr lang="en-US" altLang="zh-CN" sz="2400" dirty="0">
-                <a:latin typeface="Times New Roman" panose="02020603050405020304" pitchFamily="18" charset="0"/>
-                <a:cs typeface="Times New Roman" panose="02020603050405020304" pitchFamily="18" charset="0"/>
-                <a:sym typeface="+mn-ea"/>
-              </a:rPr>
-              <a:t>HoitFS</a:t>
-            </a:r>
-            <a:r>
-              <a:rPr lang="zh-CN" altLang="en-US" sz="2400" dirty="0">
-                <a:latin typeface="Times New Roman" panose="02020603050405020304" pitchFamily="18" charset="0"/>
-                <a:cs typeface="Times New Roman" panose="02020603050405020304" pitchFamily="18" charset="0"/>
-                <a:sym typeface="+mn-ea"/>
-              </a:rPr>
-              <a:t>采用</a:t>
-            </a:r>
-            <a:r>
-              <a:rPr lang="en-US" altLang="zh-CN" sz="2400" dirty="0">
-                <a:latin typeface="Times New Roman" panose="02020603050405020304" pitchFamily="18" charset="0"/>
-                <a:cs typeface="Times New Roman" panose="02020603050405020304" pitchFamily="18" charset="0"/>
-                <a:sym typeface="+mn-ea"/>
-              </a:rPr>
-              <a:t>JFFS2</a:t>
-            </a:r>
-            <a:r>
-              <a:rPr lang="zh-CN" altLang="en-US" sz="2400" dirty="0">
-                <a:latin typeface="Times New Roman" panose="02020603050405020304" pitchFamily="18" charset="0"/>
-                <a:cs typeface="Times New Roman" panose="02020603050405020304" pitchFamily="18" charset="0"/>
-                <a:sym typeface="+mn-ea"/>
-              </a:rPr>
-              <a:t>架构</a:t>
-            </a:r>
-            <a:endParaRPr lang="zh-CN" altLang="en-US" sz="2400" dirty="0">
-              <a:latin typeface="Times New Roman" panose="02020603050405020304" pitchFamily="18" charset="0"/>
-              <a:cs typeface="Times New Roman" panose="02020603050405020304" pitchFamily="18" charset="0"/>
-              <a:sym typeface="+mn-ea"/>
-            </a:endParaRPr>
-          </a:p>
-          <a:p>
-            <a:pPr marL="1428750" lvl="2" indent="-514350">
-              <a:lnSpc>
-                <a:spcPct val="130000"/>
-              </a:lnSpc>
-              <a:buFont typeface="+mj-ea"/>
-              <a:buAutoNum type="circleNumDbPlain"/>
-            </a:pPr>
-            <a:r>
-              <a:rPr lang="zh-CN" altLang="en-US" dirty="0">
-                <a:latin typeface="Times New Roman" panose="02020603050405020304" pitchFamily="18" charset="0"/>
-                <a:cs typeface="Times New Roman" panose="02020603050405020304" pitchFamily="18" charset="0"/>
-                <a:sym typeface="+mn-ea"/>
-              </a:rPr>
-              <a:t>开机</a:t>
-            </a:r>
-            <a:r>
-              <a:rPr lang="zh-CN" altLang="en-US" dirty="0">
-                <a:solidFill>
-                  <a:srgbClr val="FF0000"/>
-                </a:solidFill>
-                <a:latin typeface="Times New Roman" panose="02020603050405020304" pitchFamily="18" charset="0"/>
-                <a:cs typeface="Times New Roman" panose="02020603050405020304" pitchFamily="18" charset="0"/>
-                <a:sym typeface="+mn-ea"/>
-              </a:rPr>
-              <a:t>扫描</a:t>
-            </a:r>
-            <a:r>
-              <a:rPr lang="en-US" altLang="zh-CN" dirty="0">
-                <a:latin typeface="Times New Roman" panose="02020603050405020304" pitchFamily="18" charset="0"/>
-                <a:cs typeface="Times New Roman" panose="02020603050405020304" pitchFamily="18" charset="0"/>
-                <a:sym typeface="+mn-ea"/>
-              </a:rPr>
-              <a:t>Flash</a:t>
-            </a:r>
-            <a:r>
-              <a:rPr lang="zh-CN" altLang="en-US" dirty="0">
-                <a:latin typeface="Times New Roman" panose="02020603050405020304" pitchFamily="18" charset="0"/>
-                <a:cs typeface="Times New Roman" panose="02020603050405020304" pitchFamily="18" charset="0"/>
-                <a:sym typeface="+mn-ea"/>
-              </a:rPr>
-              <a:t>介质。</a:t>
-            </a:r>
-            <a:endParaRPr lang="en-US" altLang="zh-CN" dirty="0">
-              <a:latin typeface="Times New Roman" panose="02020603050405020304" pitchFamily="18" charset="0"/>
-              <a:cs typeface="Times New Roman" panose="02020603050405020304" pitchFamily="18" charset="0"/>
-              <a:sym typeface="+mn-ea"/>
-            </a:endParaRPr>
-          </a:p>
-          <a:p>
-            <a:pPr marL="1428750" lvl="2" indent="-514350">
-              <a:lnSpc>
-                <a:spcPct val="130000"/>
-              </a:lnSpc>
-              <a:buAutoNum type="circleNumDbPlain"/>
-            </a:pPr>
-            <a:r>
-              <a:rPr lang="zh-CN" altLang="en-US" dirty="0">
-                <a:latin typeface="Times New Roman" panose="02020603050405020304" pitchFamily="18" charset="0"/>
-                <a:cs typeface="Times New Roman" panose="02020603050405020304" pitchFamily="18" charset="0"/>
-                <a:sym typeface="+mn-ea"/>
-              </a:rPr>
-              <a:t>建立数据实体的内存映射。</a:t>
-            </a:r>
-            <a:endParaRPr lang="zh-CN" altLang="en-US" dirty="0">
-              <a:latin typeface="Times New Roman" panose="02020603050405020304" pitchFamily="18" charset="0"/>
-              <a:cs typeface="Times New Roman" panose="02020603050405020304" pitchFamily="18" charset="0"/>
-              <a:sym typeface="+mn-ea"/>
-            </a:endParaRPr>
-          </a:p>
-          <a:p>
-            <a:pPr marL="1428750" lvl="2" indent="-514350">
-              <a:lnSpc>
-                <a:spcPct val="130000"/>
-              </a:lnSpc>
-              <a:buAutoNum type="circleNumDbPlain"/>
-            </a:pPr>
-            <a:r>
-              <a:rPr lang="zh-CN" altLang="en-US" dirty="0">
-                <a:latin typeface="Times New Roman" panose="02020603050405020304" pitchFamily="18" charset="0"/>
-                <a:cs typeface="Times New Roman" panose="02020603050405020304" pitchFamily="18" charset="0"/>
-                <a:sym typeface="+mn-ea"/>
-              </a:rPr>
-              <a:t>利用</a:t>
-            </a:r>
-            <a:r>
-              <a:rPr lang="zh-CN" altLang="en-US" dirty="0">
-                <a:solidFill>
-                  <a:srgbClr val="FF0000"/>
-                </a:solidFill>
-                <a:latin typeface="Times New Roman" panose="02020603050405020304" pitchFamily="18" charset="0"/>
-                <a:cs typeface="Times New Roman" panose="02020603050405020304" pitchFamily="18" charset="0"/>
-                <a:sym typeface="+mn-ea"/>
-              </a:rPr>
-              <a:t>哈希表</a:t>
-            </a:r>
-            <a:r>
-              <a:rPr lang="zh-CN" altLang="en-US" dirty="0">
-                <a:latin typeface="Times New Roman" panose="02020603050405020304" pitchFamily="18" charset="0"/>
-                <a:cs typeface="Times New Roman" panose="02020603050405020304" pitchFamily="18" charset="0"/>
-                <a:sym typeface="+mn-ea"/>
-              </a:rPr>
-              <a:t>或</a:t>
-            </a:r>
-            <a:r>
-              <a:rPr lang="en-US" altLang="zh-CN" dirty="0">
-                <a:solidFill>
-                  <a:srgbClr val="FF0000"/>
-                </a:solidFill>
-                <a:latin typeface="Times New Roman" panose="02020603050405020304" pitchFamily="18" charset="0"/>
-                <a:cs typeface="Times New Roman" panose="02020603050405020304" pitchFamily="18" charset="0"/>
-                <a:sym typeface="+mn-ea"/>
-              </a:rPr>
-              <a:t>FragTree</a:t>
-            </a:r>
-            <a:r>
-              <a:rPr lang="zh-CN" altLang="en-US" dirty="0">
-                <a:solidFill>
-                  <a:srgbClr val="FF0000"/>
-                </a:solidFill>
-                <a:latin typeface="Times New Roman" panose="02020603050405020304" pitchFamily="18" charset="0"/>
-                <a:cs typeface="Times New Roman" panose="02020603050405020304" pitchFamily="18" charset="0"/>
-                <a:sym typeface="+mn-ea"/>
-              </a:rPr>
-              <a:t>树</a:t>
-            </a:r>
-            <a:r>
-              <a:rPr lang="zh-CN" altLang="en-US" dirty="0">
-                <a:latin typeface="Times New Roman" panose="02020603050405020304" pitchFamily="18" charset="0"/>
-                <a:cs typeface="Times New Roman" panose="02020603050405020304" pitchFamily="18" charset="0"/>
-                <a:sym typeface="+mn-ea"/>
-              </a:rPr>
-              <a:t>管理数据实体。</a:t>
-            </a:r>
-            <a:endParaRPr lang="zh-CN" altLang="en-US" dirty="0">
-              <a:latin typeface="Times New Roman" panose="02020603050405020304" pitchFamily="18" charset="0"/>
-              <a:cs typeface="Times New Roman" panose="02020603050405020304" pitchFamily="18" charset="0"/>
-              <a:sym typeface="+mn-ea"/>
-            </a:endParaRPr>
-          </a:p>
-          <a:p>
-            <a:pPr marL="914400" lvl="1" indent="-457200">
-              <a:lnSpc>
-                <a:spcPct val="130000"/>
-              </a:lnSpc>
-              <a:buAutoNum type="arabicPeriod"/>
-            </a:pPr>
-            <a:r>
-              <a:rPr lang="en-US" altLang="zh-CN" sz="2400" dirty="0">
-                <a:latin typeface="Times New Roman" panose="02020603050405020304" pitchFamily="18" charset="0"/>
-                <a:cs typeface="Times New Roman" panose="02020603050405020304" pitchFamily="18" charset="0"/>
-                <a:sym typeface="+mn-ea"/>
-              </a:rPr>
-              <a:t>Nor Flash</a:t>
-            </a:r>
-            <a:r>
-              <a:rPr lang="zh-CN" altLang="en-US" sz="2400" dirty="0">
-                <a:latin typeface="Times New Roman" panose="02020603050405020304" pitchFamily="18" charset="0"/>
-                <a:cs typeface="Times New Roman" panose="02020603050405020304" pitchFamily="18" charset="0"/>
-                <a:sym typeface="+mn-ea"/>
-              </a:rPr>
-              <a:t>驱动程序</a:t>
-            </a:r>
-            <a:endParaRPr lang="zh-CN" altLang="en-US" sz="2400" dirty="0">
-              <a:latin typeface="Times New Roman" panose="02020603050405020304" pitchFamily="18" charset="0"/>
-              <a:cs typeface="Times New Roman" panose="02020603050405020304" pitchFamily="18" charset="0"/>
-              <a:sym typeface="+mn-ea"/>
-            </a:endParaRPr>
-          </a:p>
-          <a:p>
-            <a:pPr marL="1371600" lvl="2" indent="-457200">
-              <a:lnSpc>
-                <a:spcPct val="130000"/>
-              </a:lnSpc>
-              <a:buFont typeface="+mj-ea"/>
-              <a:buAutoNum type="circleNumDbPlain"/>
-            </a:pPr>
-            <a:r>
-              <a:rPr lang="zh-CN" altLang="en-US" dirty="0">
-                <a:latin typeface="Times New Roman" panose="02020603050405020304" pitchFamily="18" charset="0"/>
-                <a:cs typeface="Times New Roman" panose="02020603050405020304" pitchFamily="18" charset="0"/>
-                <a:sym typeface="+mn-ea"/>
-              </a:rPr>
-              <a:t>实现基于</a:t>
-            </a:r>
-            <a:r>
-              <a:rPr lang="en-US" altLang="zh-CN" dirty="0">
-                <a:latin typeface="Times New Roman" panose="02020603050405020304" pitchFamily="18" charset="0"/>
-                <a:cs typeface="Times New Roman" panose="02020603050405020304" pitchFamily="18" charset="0"/>
-                <a:sym typeface="+mn-ea"/>
-              </a:rPr>
-              <a:t>Mini2440</a:t>
-            </a:r>
-            <a:r>
-              <a:rPr lang="zh-CN" altLang="en-US" dirty="0">
-                <a:latin typeface="Times New Roman" panose="02020603050405020304" pitchFamily="18" charset="0"/>
-                <a:cs typeface="Times New Roman" panose="02020603050405020304" pitchFamily="18" charset="0"/>
-                <a:sym typeface="+mn-ea"/>
-              </a:rPr>
-              <a:t>开发板的</a:t>
-            </a:r>
-            <a:r>
-              <a:rPr lang="en-US" altLang="zh-CN" dirty="0">
-                <a:latin typeface="Times New Roman" panose="02020603050405020304" pitchFamily="18" charset="0"/>
-                <a:cs typeface="Times New Roman" panose="02020603050405020304" pitchFamily="18" charset="0"/>
-                <a:sym typeface="+mn-ea"/>
-              </a:rPr>
-              <a:t>Nor FLash</a:t>
-            </a:r>
-            <a:r>
-              <a:rPr lang="zh-CN" altLang="en-US" dirty="0">
-                <a:latin typeface="Times New Roman" panose="02020603050405020304" pitchFamily="18" charset="0"/>
-                <a:cs typeface="Times New Roman" panose="02020603050405020304" pitchFamily="18" charset="0"/>
-                <a:sym typeface="+mn-ea"/>
-              </a:rPr>
-              <a:t>驱动程序。</a:t>
-            </a:r>
-            <a:endParaRPr lang="zh-CN" altLang="en-US" dirty="0">
-              <a:latin typeface="Times New Roman" panose="02020603050405020304" pitchFamily="18" charset="0"/>
-              <a:cs typeface="Times New Roman" panose="02020603050405020304" pitchFamily="18" charset="0"/>
-              <a:sym typeface="+mn-ea"/>
-            </a:endParaRPr>
-          </a:p>
-          <a:p>
-            <a:pPr marL="1371600" lvl="2" indent="-457200">
-              <a:lnSpc>
-                <a:spcPct val="130000"/>
-              </a:lnSpc>
-              <a:buFont typeface="+mj-ea"/>
-              <a:buAutoNum type="circleNumDbPlain"/>
-            </a:pPr>
-            <a:r>
-              <a:rPr lang="zh-CN" altLang="en-US" dirty="0">
-                <a:latin typeface="Times New Roman" panose="02020603050405020304" pitchFamily="18" charset="0"/>
-                <a:cs typeface="Times New Roman" panose="02020603050405020304" pitchFamily="18" charset="0"/>
-                <a:sym typeface="+mn-ea"/>
-              </a:rPr>
-              <a:t>实现模拟驱动程序，除了能够在虚拟机上模拟</a:t>
-            </a:r>
-            <a:r>
-              <a:rPr lang="en-US" altLang="zh-CN" dirty="0">
-                <a:latin typeface="Times New Roman" panose="02020603050405020304" pitchFamily="18" charset="0"/>
-                <a:cs typeface="Times New Roman" panose="02020603050405020304" pitchFamily="18" charset="0"/>
-                <a:sym typeface="+mn-ea"/>
-              </a:rPr>
-              <a:t>Nor Flash</a:t>
-            </a:r>
-            <a:r>
-              <a:rPr lang="zh-CN" altLang="en-US" dirty="0">
-                <a:latin typeface="Times New Roman" panose="02020603050405020304" pitchFamily="18" charset="0"/>
-                <a:cs typeface="Times New Roman" panose="02020603050405020304" pitchFamily="18" charset="0"/>
-                <a:sym typeface="+mn-ea"/>
-              </a:rPr>
-              <a:t>的</a:t>
-            </a:r>
-            <a:r>
-              <a:rPr lang="zh-CN" altLang="en-US" dirty="0">
-                <a:solidFill>
-                  <a:srgbClr val="FF0000"/>
-                </a:solidFill>
-                <a:latin typeface="Times New Roman" panose="02020603050405020304" pitchFamily="18" charset="0"/>
-                <a:cs typeface="Times New Roman" panose="02020603050405020304" pitchFamily="18" charset="0"/>
-                <a:sym typeface="+mn-ea"/>
-              </a:rPr>
-              <a:t>读写特性</a:t>
-            </a:r>
-            <a:r>
-              <a:rPr lang="zh-CN" altLang="en-US" dirty="0">
-                <a:latin typeface="Times New Roman" panose="02020603050405020304" pitchFamily="18" charset="0"/>
-                <a:cs typeface="Times New Roman" panose="02020603050405020304" pitchFamily="18" charset="0"/>
-                <a:sym typeface="+mn-ea"/>
-              </a:rPr>
-              <a:t>和</a:t>
-            </a:r>
-            <a:r>
-              <a:rPr lang="zh-CN" altLang="en-US" dirty="0">
-                <a:solidFill>
-                  <a:schemeClr val="tx1"/>
-                </a:solidFill>
-                <a:latin typeface="Times New Roman" panose="02020603050405020304" pitchFamily="18" charset="0"/>
-                <a:cs typeface="Times New Roman" panose="02020603050405020304" pitchFamily="18" charset="0"/>
-                <a:sym typeface="+mn-ea"/>
-              </a:rPr>
-              <a:t>记录</a:t>
-            </a:r>
-            <a:r>
-              <a:rPr lang="zh-CN" altLang="en-US" dirty="0">
-                <a:solidFill>
-                  <a:srgbClr val="FF0000"/>
-                </a:solidFill>
-                <a:latin typeface="Times New Roman" panose="02020603050405020304" pitchFamily="18" charset="0"/>
-                <a:cs typeface="Times New Roman" panose="02020603050405020304" pitchFamily="18" charset="0"/>
-                <a:sym typeface="+mn-ea"/>
-              </a:rPr>
-              <a:t>擦写次数</a:t>
-            </a:r>
-            <a:r>
-              <a:rPr lang="zh-CN" altLang="en-US" dirty="0">
-                <a:latin typeface="Times New Roman" panose="02020603050405020304" pitchFamily="18" charset="0"/>
-                <a:cs typeface="Times New Roman" panose="02020603050405020304" pitchFamily="18" charset="0"/>
-                <a:sym typeface="+mn-ea"/>
-              </a:rPr>
-              <a:t>，还可以模拟</a:t>
-            </a:r>
-            <a:r>
-              <a:rPr lang="en-US" altLang="zh-CN" dirty="0">
-                <a:latin typeface="Times New Roman" panose="02020603050405020304" pitchFamily="18" charset="0"/>
-                <a:cs typeface="Times New Roman" panose="02020603050405020304" pitchFamily="18" charset="0"/>
-                <a:sym typeface="+mn-ea"/>
-              </a:rPr>
-              <a:t>Flash</a:t>
-            </a:r>
-            <a:r>
-              <a:rPr lang="zh-CN" altLang="en-US" dirty="0">
-                <a:latin typeface="Times New Roman" panose="02020603050405020304" pitchFamily="18" charset="0"/>
-                <a:cs typeface="Times New Roman" panose="02020603050405020304" pitchFamily="18" charset="0"/>
-                <a:sym typeface="+mn-ea"/>
-              </a:rPr>
-              <a:t>介质上的</a:t>
-            </a:r>
-            <a:r>
-              <a:rPr lang="zh-CN" altLang="en-US" dirty="0">
-                <a:solidFill>
-                  <a:srgbClr val="FF0000"/>
-                </a:solidFill>
-                <a:latin typeface="Times New Roman" panose="02020603050405020304" pitchFamily="18" charset="0"/>
-                <a:cs typeface="Times New Roman" panose="02020603050405020304" pitchFamily="18" charset="0"/>
-                <a:sym typeface="+mn-ea"/>
-              </a:rPr>
-              <a:t>坏块</a:t>
-            </a:r>
-            <a:r>
-              <a:rPr lang="zh-CN" altLang="en-US" dirty="0">
-                <a:latin typeface="Times New Roman" panose="02020603050405020304" pitchFamily="18" charset="0"/>
-                <a:cs typeface="Times New Roman" panose="02020603050405020304" pitchFamily="18" charset="0"/>
-                <a:sym typeface="+mn-ea"/>
-              </a:rPr>
-              <a:t>产生。</a:t>
-            </a:r>
-            <a:endParaRPr lang="zh-CN" altLang="en-US" dirty="0">
-              <a:latin typeface="Times New Roman" panose="02020603050405020304" pitchFamily="18" charset="0"/>
-              <a:cs typeface="Times New Roman" panose="02020603050405020304" pitchFamily="18" charset="0"/>
-              <a:sym typeface="+mn-ea"/>
-            </a:endParaRPr>
-          </a:p>
-        </p:txBody>
-      </p:sp>
-    </p:spTree>
-  </p:cSld>
-  <p:clrMapOvr>
-    <a:masterClrMapping/>
-  </p:clrMapOvr>
-</p:sld>
-</file>
-
-<file path=ppt/slides/slide7.xml><?xml version="1.0" encoding="utf-8"?>
-<p:sld xmlns:a="http://schemas.openxmlformats.org/drawingml/2006/main" xmlns:r="http://schemas.openxmlformats.org/officeDocument/2006/relationships" xmlns:p="http://schemas.openxmlformats.org/presentationml/2006/main">
-  <p:cSld>
-    <p:spTree>
-      <p:nvGrpSpPr>
-        <p:cNvPr id="1" name=""/>
-        <p:cNvGrpSpPr/>
-        <p:nvPr/>
-      </p:nvGrpSpPr>
-      <p:grpSpPr>
-        <a:xfrm>
-          <a:off x="0" y="0"/>
-          <a:ext cx="0" cy="0"/>
-          <a:chOff x="0" y="0"/>
-          <a:chExt cx="0" cy="0"/>
-        </a:xfrm>
-      </p:grpSpPr>
-      <p:sp>
-        <p:nvSpPr>
-          <p:cNvPr id="4" name="标题 1"/>
-          <p:cNvSpPr>
-            <a:spLocks noGrp="1"/>
-          </p:cNvSpPr>
-          <p:nvPr>
-            <p:ph type="title"/>
-          </p:nvPr>
-        </p:nvSpPr>
-        <p:spPr>
-          <a:xfrm>
-            <a:off x="838200" y="365125"/>
-            <a:ext cx="10515600" cy="1325563"/>
-          </a:xfrm>
-        </p:spPr>
-        <p:txBody>
-          <a:bodyPr/>
-          <a:lstStyle/>
-          <a:p>
-            <a:r>
-              <a:rPr lang="zh-CN" altLang="en-US" dirty="0">
-                <a:latin typeface="Times New Roman" panose="02020603050405020304" pitchFamily="18" charset="0"/>
-                <a:cs typeface="Times New Roman" panose="02020603050405020304" pitchFamily="18" charset="0"/>
-              </a:rPr>
-              <a:t>三</a:t>
-            </a:r>
-            <a:r>
-              <a:rPr lang="en-US" altLang="zh-CN" dirty="0">
-                <a:latin typeface="Times New Roman" panose="02020603050405020304" pitchFamily="18" charset="0"/>
-                <a:cs typeface="Times New Roman" panose="02020603050405020304" pitchFamily="18" charset="0"/>
-              </a:rPr>
-              <a:t>. </a:t>
-            </a:r>
-            <a:r>
-              <a:rPr lang="zh-CN" altLang="en-US" dirty="0">
-                <a:latin typeface="Times New Roman" panose="02020603050405020304" pitchFamily="18" charset="0"/>
-                <a:cs typeface="Times New Roman" panose="02020603050405020304" pitchFamily="18" charset="0"/>
-              </a:rPr>
-              <a:t>技术方案</a:t>
-            </a:r>
-            <a:r>
-              <a:rPr lang="en-US" altLang="zh-CN" dirty="0">
-                <a:latin typeface="Times New Roman" panose="02020603050405020304" pitchFamily="18" charset="0"/>
-                <a:cs typeface="Times New Roman" panose="02020603050405020304" pitchFamily="18" charset="0"/>
-              </a:rPr>
-              <a:t> — </a:t>
-            </a:r>
-            <a:r>
-              <a:rPr lang="zh-CN" altLang="en-US" dirty="0">
-                <a:latin typeface="Times New Roman" panose="02020603050405020304" pitchFamily="18" charset="0"/>
-                <a:cs typeface="Times New Roman" panose="02020603050405020304" pitchFamily="18" charset="0"/>
-              </a:rPr>
-              <a:t>大体</a:t>
-            </a:r>
-            <a:r>
-              <a:rPr lang="zh-CN" altLang="en-US" dirty="0">
-                <a:latin typeface="Times New Roman" panose="02020603050405020304" pitchFamily="18" charset="0"/>
-                <a:cs typeface="Times New Roman" panose="02020603050405020304" pitchFamily="18" charset="0"/>
-              </a:rPr>
-              <a:t>架构</a:t>
-            </a:r>
-            <a:endParaRPr lang="zh-CN" altLang="en-US" dirty="0">
-              <a:latin typeface="Times New Roman" panose="02020603050405020304" pitchFamily="18" charset="0"/>
-              <a:cs typeface="Times New Roman" panose="02020603050405020304" pitchFamily="18" charset="0"/>
-            </a:endParaRPr>
-          </a:p>
-        </p:txBody>
-      </p:sp>
-      <p:sp>
-        <p:nvSpPr>
-          <p:cNvPr id="3" name="内容占位符 2"/>
-          <p:cNvSpPr>
-            <a:spLocks noGrp="1"/>
-          </p:cNvSpPr>
-          <p:nvPr/>
-        </p:nvSpPr>
-        <p:spPr>
-          <a:xfrm>
-            <a:off x="873760" y="1473835"/>
-            <a:ext cx="10515600" cy="4906010"/>
+            <a:off x="838200" y="3637280"/>
+            <a:ext cx="10515600" cy="2969895"/>
           </a:xfrm>
           <a:prstGeom prst="rect">
             <a:avLst/>
@@ -19543,7 +18015,7 @@
         </p:spPr>
         <p:txBody>
           <a:bodyPr vert="horz" lIns="91440" tIns="45720" rIns="91440" bIns="45720" rtlCol="0">
-            <a:normAutofit lnSpcReduction="20000"/>
+            <a:normAutofit/>
           </a:bodyPr>
           <a:lstStyle>
             <a:lvl1pPr marL="228600" indent="-228600" algn="l" defTabSz="914400" rtl="0" eaLnBrk="1" latinLnBrk="0" hangingPunct="1">
@@ -19710,6 +18182,894 @@
             </a:lvl9pPr>
           </a:lstStyle>
           <a:p>
+            <a:pPr lvl="1"/>
+            <a:endParaRPr lang="zh-CN" altLang="en-US" dirty="0">
+              <a:latin typeface="Times New Roman" panose="02020603050405020304" pitchFamily="18" charset="0"/>
+              <a:cs typeface="Times New Roman" panose="02020603050405020304" pitchFamily="18" charset="0"/>
+            </a:endParaRPr>
+          </a:p>
+          <a:p>
+            <a:pPr lvl="1"/>
+            <a:endParaRPr lang="zh-CN" altLang="en-US" dirty="0">
+              <a:latin typeface="Times New Roman" panose="02020603050405020304" pitchFamily="18" charset="0"/>
+              <a:cs typeface="Times New Roman" panose="02020603050405020304" pitchFamily="18" charset="0"/>
+            </a:endParaRPr>
+          </a:p>
+          <a:p>
+            <a:pPr marL="0" lvl="0" indent="0">
+              <a:buNone/>
+            </a:pPr>
+            <a:endParaRPr lang="zh-CN" altLang="en-US" dirty="0">
+              <a:latin typeface="Times New Roman" panose="02020603050405020304" pitchFamily="18" charset="0"/>
+              <a:cs typeface="Times New Roman" panose="02020603050405020304" pitchFamily="18" charset="0"/>
+            </a:endParaRPr>
+          </a:p>
+          <a:p>
+            <a:pPr marL="0" indent="0">
+              <a:buNone/>
+            </a:pPr>
+            <a:endParaRPr lang="zh-CN" altLang="en-US" sz="2400" dirty="0">
+              <a:latin typeface="Times New Roman" panose="02020603050405020304" pitchFamily="18" charset="0"/>
+              <a:cs typeface="Times New Roman" panose="02020603050405020304" pitchFamily="18" charset="0"/>
+            </a:endParaRPr>
+          </a:p>
+          <a:p>
+            <a:pPr marL="0" indent="0">
+              <a:buNone/>
+            </a:pPr>
+            <a:endParaRPr lang="zh-CN" altLang="en-US" sz="2400" dirty="0">
+              <a:latin typeface="Times New Roman" panose="02020603050405020304" pitchFamily="18" charset="0"/>
+              <a:cs typeface="Times New Roman" panose="02020603050405020304" pitchFamily="18" charset="0"/>
+            </a:endParaRPr>
+          </a:p>
+        </p:txBody>
+      </p:sp>
+    </p:spTree>
+  </p:cSld>
+  <p:clrMapOvr>
+    <a:masterClrMapping/>
+  </p:clrMapOvr>
+</p:sld>
+</file>
+
+<file path=ppt/slides/slide5.xml><?xml version="1.0" encoding="utf-8"?>
+<p:sld xmlns:a="http://schemas.openxmlformats.org/drawingml/2006/main" xmlns:r="http://schemas.openxmlformats.org/officeDocument/2006/relationships" xmlns:p="http://schemas.openxmlformats.org/presentationml/2006/main">
+  <p:cSld>
+    <p:spTree>
+      <p:nvGrpSpPr>
+        <p:cNvPr id="1" name=""/>
+        <p:cNvGrpSpPr/>
+        <p:nvPr/>
+      </p:nvGrpSpPr>
+      <p:grpSpPr>
+        <a:xfrm>
+          <a:off x="0" y="0"/>
+          <a:ext cx="0" cy="0"/>
+          <a:chOff x="0" y="0"/>
+          <a:chExt cx="0" cy="0"/>
+        </a:xfrm>
+      </p:grpSpPr>
+      <p:sp>
+        <p:nvSpPr>
+          <p:cNvPr id="2" name="标题 1"/>
+          <p:cNvSpPr>
+            <a:spLocks noGrp="1"/>
+          </p:cNvSpPr>
+          <p:nvPr>
+            <p:ph type="title"/>
+          </p:nvPr>
+        </p:nvSpPr>
+        <p:spPr/>
+        <p:txBody>
+          <a:bodyPr/>
+          <a:lstStyle/>
+          <a:p>
+            <a:r>
+              <a:rPr lang="zh-CN" altLang="en-US" dirty="0">
+                <a:latin typeface="Times New Roman" panose="02020603050405020304" pitchFamily="18" charset="0"/>
+                <a:cs typeface="Times New Roman" panose="02020603050405020304" pitchFamily="18" charset="0"/>
+              </a:rPr>
+              <a:t>二</a:t>
+            </a:r>
+            <a:r>
+              <a:rPr lang="en-US" altLang="zh-CN" dirty="0">
+                <a:latin typeface="Times New Roman" panose="02020603050405020304" pitchFamily="18" charset="0"/>
+                <a:cs typeface="Times New Roman" panose="02020603050405020304" pitchFamily="18" charset="0"/>
+              </a:rPr>
+              <a:t>. </a:t>
+            </a:r>
+            <a:r>
+              <a:rPr lang="zh-CN" altLang="en-US" dirty="0">
+                <a:latin typeface="Times New Roman" panose="02020603050405020304" pitchFamily="18" charset="0"/>
+                <a:cs typeface="Times New Roman" panose="02020603050405020304" pitchFamily="18" charset="0"/>
+              </a:rPr>
+              <a:t>系统架构</a:t>
+            </a:r>
+          </a:p>
+        </p:txBody>
+      </p:sp>
+      <p:sp>
+        <p:nvSpPr>
+          <p:cNvPr id="3" name="内容占位符 2"/>
+          <p:cNvSpPr>
+            <a:spLocks noGrp="1"/>
+          </p:cNvSpPr>
+          <p:nvPr>
+            <p:ph idx="1"/>
+          </p:nvPr>
+        </p:nvSpPr>
+        <p:spPr/>
+        <p:txBody>
+          <a:bodyPr/>
+          <a:lstStyle/>
+          <a:p>
+            <a:pPr marL="0" indent="0">
+              <a:buNone/>
+            </a:pPr>
+            <a:endParaRPr lang="en-US" altLang="zh-CN" dirty="0"/>
+          </a:p>
+          <a:p>
+            <a:pPr marL="0" indent="0">
+              <a:buNone/>
+            </a:pPr>
+            <a:endParaRPr lang="zh-CN" altLang="en-US" dirty="0"/>
+          </a:p>
+        </p:txBody>
+      </p:sp>
+      <p:pic>
+        <p:nvPicPr>
+          <p:cNvPr id="5" name="图片 4"/>
+          <p:cNvPicPr>
+            <a:picLocks noChangeAspect="1"/>
+          </p:cNvPicPr>
+          <p:nvPr/>
+        </p:nvPicPr>
+        <p:blipFill>
+          <a:blip r:embed="rId3">
+            <a:extLst>
+              <a:ext uri="{28A0092B-C50C-407E-A947-70E740481C1C}">
+                <a14:useLocalDpi xmlns:a14="http://schemas.microsoft.com/office/drawing/2010/main" val="0"/>
+              </a:ext>
+            </a:extLst>
+          </a:blip>
+          <a:stretch>
+            <a:fillRect/>
+          </a:stretch>
+        </p:blipFill>
+        <p:spPr>
+          <a:xfrm>
+            <a:off x="2643028" y="1534350"/>
+            <a:ext cx="6905943" cy="4933888"/>
+          </a:xfrm>
+          <a:prstGeom prst="rect">
+            <a:avLst/>
+          </a:prstGeom>
+          <a:solidFill>
+            <a:srgbClr val="D00000"/>
+          </a:solidFill>
+        </p:spPr>
+      </p:pic>
+    </p:spTree>
+  </p:cSld>
+  <p:clrMapOvr>
+    <a:masterClrMapping/>
+  </p:clrMapOvr>
+</p:sld>
+</file>
+
+<file path=ppt/slides/slide6.xml><?xml version="1.0" encoding="utf-8"?>
+<p:sld xmlns:a="http://schemas.openxmlformats.org/drawingml/2006/main" xmlns:r="http://schemas.openxmlformats.org/officeDocument/2006/relationships" xmlns:p="http://schemas.openxmlformats.org/presentationml/2006/main">
+  <p:cSld>
+    <p:spTree>
+      <p:nvGrpSpPr>
+        <p:cNvPr id="1" name=""/>
+        <p:cNvGrpSpPr/>
+        <p:nvPr/>
+      </p:nvGrpSpPr>
+      <p:grpSpPr>
+        <a:xfrm>
+          <a:off x="0" y="0"/>
+          <a:ext cx="0" cy="0"/>
+          <a:chOff x="0" y="0"/>
+          <a:chExt cx="0" cy="0"/>
+        </a:xfrm>
+      </p:grpSpPr>
+      <p:sp>
+        <p:nvSpPr>
+          <p:cNvPr id="4" name="标题 1"/>
+          <p:cNvSpPr>
+            <a:spLocks noGrp="1"/>
+          </p:cNvSpPr>
+          <p:nvPr>
+            <p:ph type="title"/>
+          </p:nvPr>
+        </p:nvSpPr>
+        <p:spPr>
+          <a:xfrm>
+            <a:off x="838200" y="365125"/>
+            <a:ext cx="10515600" cy="1325563"/>
+          </a:xfrm>
+        </p:spPr>
+        <p:txBody>
+          <a:bodyPr/>
+          <a:lstStyle/>
+          <a:p>
+            <a:r>
+              <a:rPr lang="zh-CN" altLang="en-US" dirty="0">
+                <a:latin typeface="Times New Roman" panose="02020603050405020304" pitchFamily="18" charset="0"/>
+                <a:cs typeface="Times New Roman" panose="02020603050405020304" pitchFamily="18" charset="0"/>
+              </a:rPr>
+              <a:t>三</a:t>
+            </a:r>
+            <a:r>
+              <a:rPr lang="en-US" altLang="zh-CN" dirty="0">
+                <a:latin typeface="Times New Roman" panose="02020603050405020304" pitchFamily="18" charset="0"/>
+                <a:cs typeface="Times New Roman" panose="02020603050405020304" pitchFamily="18" charset="0"/>
+              </a:rPr>
+              <a:t>. </a:t>
+            </a:r>
+            <a:r>
+              <a:rPr lang="zh-CN" altLang="en-US" dirty="0">
+                <a:latin typeface="Times New Roman" panose="02020603050405020304" pitchFamily="18" charset="0"/>
+                <a:cs typeface="Times New Roman" panose="02020603050405020304" pitchFamily="18" charset="0"/>
+              </a:rPr>
+              <a:t>技术方案</a:t>
+            </a:r>
+          </a:p>
+        </p:txBody>
+      </p:sp>
+      <p:sp>
+        <p:nvSpPr>
+          <p:cNvPr id="5" name="内容占位符 2"/>
+          <p:cNvSpPr>
+            <a:spLocks noGrp="1"/>
+          </p:cNvSpPr>
+          <p:nvPr>
+            <p:ph idx="1"/>
+          </p:nvPr>
+        </p:nvSpPr>
+        <p:spPr>
+          <a:xfrm>
+            <a:off x="873760" y="1866265"/>
+            <a:ext cx="10515600" cy="4351338"/>
+          </a:xfrm>
+        </p:spPr>
+        <p:txBody>
+          <a:bodyPr>
+            <a:normAutofit/>
+          </a:bodyPr>
+          <a:lstStyle/>
+          <a:p>
+            <a:pPr marL="914400" lvl="1" indent="-457200">
+              <a:lnSpc>
+                <a:spcPct val="130000"/>
+              </a:lnSpc>
+              <a:buAutoNum type="arabicPeriod"/>
+            </a:pPr>
+            <a:r>
+              <a:rPr lang="en-US" altLang="zh-CN" sz="2400" dirty="0">
+                <a:latin typeface="Times New Roman" panose="02020603050405020304" pitchFamily="18" charset="0"/>
+                <a:cs typeface="Times New Roman" panose="02020603050405020304" pitchFamily="18" charset="0"/>
+                <a:sym typeface="+mn-ea"/>
+              </a:rPr>
+              <a:t>HoitFS</a:t>
+            </a:r>
+            <a:r>
+              <a:rPr lang="zh-CN" altLang="en-US" sz="2400" dirty="0">
+                <a:latin typeface="Times New Roman" panose="02020603050405020304" pitchFamily="18" charset="0"/>
+                <a:cs typeface="Times New Roman" panose="02020603050405020304" pitchFamily="18" charset="0"/>
+                <a:sym typeface="+mn-ea"/>
+              </a:rPr>
+              <a:t>采用</a:t>
+            </a:r>
+            <a:r>
+              <a:rPr lang="en-US" altLang="zh-CN" sz="2400" dirty="0">
+                <a:latin typeface="Times New Roman" panose="02020603050405020304" pitchFamily="18" charset="0"/>
+                <a:cs typeface="Times New Roman" panose="02020603050405020304" pitchFamily="18" charset="0"/>
+                <a:sym typeface="+mn-ea"/>
+              </a:rPr>
+              <a:t>JFFS2</a:t>
+            </a:r>
+            <a:r>
+              <a:rPr lang="zh-CN" altLang="en-US" sz="2400" dirty="0">
+                <a:latin typeface="Times New Roman" panose="02020603050405020304" pitchFamily="18" charset="0"/>
+                <a:cs typeface="Times New Roman" panose="02020603050405020304" pitchFamily="18" charset="0"/>
+                <a:sym typeface="+mn-ea"/>
+              </a:rPr>
+              <a:t>架构</a:t>
+            </a:r>
+          </a:p>
+          <a:p>
+            <a:pPr marL="1428750" lvl="2" indent="-514350">
+              <a:lnSpc>
+                <a:spcPct val="130000"/>
+              </a:lnSpc>
+              <a:buFont typeface="+mj-ea"/>
+              <a:buAutoNum type="circleNumDbPlain"/>
+            </a:pPr>
+            <a:r>
+              <a:rPr lang="zh-CN" altLang="en-US" dirty="0">
+                <a:latin typeface="Times New Roman" panose="02020603050405020304" pitchFamily="18" charset="0"/>
+                <a:cs typeface="Times New Roman" panose="02020603050405020304" pitchFamily="18" charset="0"/>
+                <a:sym typeface="+mn-ea"/>
+              </a:rPr>
+              <a:t>开机</a:t>
+            </a:r>
+            <a:r>
+              <a:rPr lang="zh-CN" altLang="en-US" dirty="0">
+                <a:solidFill>
+                  <a:srgbClr val="FF0000"/>
+                </a:solidFill>
+                <a:latin typeface="Times New Roman" panose="02020603050405020304" pitchFamily="18" charset="0"/>
+                <a:cs typeface="Times New Roman" panose="02020603050405020304" pitchFamily="18" charset="0"/>
+                <a:sym typeface="+mn-ea"/>
+              </a:rPr>
+              <a:t>扫描</a:t>
+            </a:r>
+            <a:r>
+              <a:rPr lang="en-US" altLang="zh-CN" dirty="0">
+                <a:latin typeface="Times New Roman" panose="02020603050405020304" pitchFamily="18" charset="0"/>
+                <a:cs typeface="Times New Roman" panose="02020603050405020304" pitchFamily="18" charset="0"/>
+                <a:sym typeface="+mn-ea"/>
+              </a:rPr>
+              <a:t>Flash</a:t>
+            </a:r>
+            <a:r>
+              <a:rPr lang="zh-CN" altLang="en-US" dirty="0">
+                <a:latin typeface="Times New Roman" panose="02020603050405020304" pitchFamily="18" charset="0"/>
+                <a:cs typeface="Times New Roman" panose="02020603050405020304" pitchFamily="18" charset="0"/>
+                <a:sym typeface="+mn-ea"/>
+              </a:rPr>
+              <a:t>介质。</a:t>
+            </a:r>
+            <a:endParaRPr lang="en-US" altLang="zh-CN" dirty="0">
+              <a:latin typeface="Times New Roman" panose="02020603050405020304" pitchFamily="18" charset="0"/>
+              <a:cs typeface="Times New Roman" panose="02020603050405020304" pitchFamily="18" charset="0"/>
+              <a:sym typeface="+mn-ea"/>
+            </a:endParaRPr>
+          </a:p>
+          <a:p>
+            <a:pPr marL="1428750" lvl="2" indent="-514350">
+              <a:lnSpc>
+                <a:spcPct val="130000"/>
+              </a:lnSpc>
+              <a:buAutoNum type="circleNumDbPlain"/>
+            </a:pPr>
+            <a:r>
+              <a:rPr lang="zh-CN" altLang="en-US" dirty="0">
+                <a:latin typeface="Times New Roman" panose="02020603050405020304" pitchFamily="18" charset="0"/>
+                <a:cs typeface="Times New Roman" panose="02020603050405020304" pitchFamily="18" charset="0"/>
+                <a:sym typeface="+mn-ea"/>
+              </a:rPr>
+              <a:t>建立数据实体的内存映射。</a:t>
+            </a:r>
+          </a:p>
+          <a:p>
+            <a:pPr marL="1428750" lvl="2" indent="-514350">
+              <a:lnSpc>
+                <a:spcPct val="130000"/>
+              </a:lnSpc>
+              <a:buAutoNum type="circleNumDbPlain"/>
+            </a:pPr>
+            <a:r>
+              <a:rPr lang="zh-CN" altLang="en-US" dirty="0">
+                <a:latin typeface="Times New Roman" panose="02020603050405020304" pitchFamily="18" charset="0"/>
+                <a:cs typeface="Times New Roman" panose="02020603050405020304" pitchFamily="18" charset="0"/>
+                <a:sym typeface="+mn-ea"/>
+              </a:rPr>
+              <a:t>利用</a:t>
+            </a:r>
+            <a:r>
+              <a:rPr lang="zh-CN" altLang="en-US" dirty="0">
+                <a:solidFill>
+                  <a:srgbClr val="FF0000"/>
+                </a:solidFill>
+                <a:latin typeface="Times New Roman" panose="02020603050405020304" pitchFamily="18" charset="0"/>
+                <a:cs typeface="Times New Roman" panose="02020603050405020304" pitchFamily="18" charset="0"/>
+                <a:sym typeface="+mn-ea"/>
+              </a:rPr>
+              <a:t>哈希表</a:t>
+            </a:r>
+            <a:r>
+              <a:rPr lang="zh-CN" altLang="en-US" dirty="0">
+                <a:latin typeface="Times New Roman" panose="02020603050405020304" pitchFamily="18" charset="0"/>
+                <a:cs typeface="Times New Roman" panose="02020603050405020304" pitchFamily="18" charset="0"/>
+                <a:sym typeface="+mn-ea"/>
+              </a:rPr>
+              <a:t>或</a:t>
+            </a:r>
+            <a:r>
+              <a:rPr lang="en-US" altLang="zh-CN" dirty="0">
+                <a:solidFill>
+                  <a:srgbClr val="FF0000"/>
+                </a:solidFill>
+                <a:latin typeface="Times New Roman" panose="02020603050405020304" pitchFamily="18" charset="0"/>
+                <a:cs typeface="Times New Roman" panose="02020603050405020304" pitchFamily="18" charset="0"/>
+                <a:sym typeface="+mn-ea"/>
+              </a:rPr>
+              <a:t>FragTree</a:t>
+            </a:r>
+            <a:r>
+              <a:rPr lang="zh-CN" altLang="en-US" dirty="0">
+                <a:solidFill>
+                  <a:srgbClr val="FF0000"/>
+                </a:solidFill>
+                <a:latin typeface="Times New Roman" panose="02020603050405020304" pitchFamily="18" charset="0"/>
+                <a:cs typeface="Times New Roman" panose="02020603050405020304" pitchFamily="18" charset="0"/>
+                <a:sym typeface="+mn-ea"/>
+              </a:rPr>
+              <a:t>树</a:t>
+            </a:r>
+            <a:r>
+              <a:rPr lang="zh-CN" altLang="en-US" dirty="0">
+                <a:latin typeface="Times New Roman" panose="02020603050405020304" pitchFamily="18" charset="0"/>
+                <a:cs typeface="Times New Roman" panose="02020603050405020304" pitchFamily="18" charset="0"/>
+                <a:sym typeface="+mn-ea"/>
+              </a:rPr>
+              <a:t>管理数据实体。</a:t>
+            </a:r>
+          </a:p>
+          <a:p>
+            <a:pPr marL="914400" lvl="1" indent="-457200">
+              <a:lnSpc>
+                <a:spcPct val="130000"/>
+              </a:lnSpc>
+              <a:buAutoNum type="arabicPeriod"/>
+            </a:pPr>
+            <a:r>
+              <a:rPr lang="en-US" altLang="zh-CN" sz="2400" dirty="0">
+                <a:latin typeface="Times New Roman" panose="02020603050405020304" pitchFamily="18" charset="0"/>
+                <a:cs typeface="Times New Roman" panose="02020603050405020304" pitchFamily="18" charset="0"/>
+                <a:sym typeface="+mn-ea"/>
+              </a:rPr>
+              <a:t>Nor Flash</a:t>
+            </a:r>
+            <a:r>
+              <a:rPr lang="zh-CN" altLang="en-US" sz="2400" dirty="0">
+                <a:latin typeface="Times New Roman" panose="02020603050405020304" pitchFamily="18" charset="0"/>
+                <a:cs typeface="Times New Roman" panose="02020603050405020304" pitchFamily="18" charset="0"/>
+                <a:sym typeface="+mn-ea"/>
+              </a:rPr>
+              <a:t>驱动程序</a:t>
+            </a:r>
+          </a:p>
+          <a:p>
+            <a:pPr marL="1371600" lvl="2" indent="-457200">
+              <a:lnSpc>
+                <a:spcPct val="130000"/>
+              </a:lnSpc>
+              <a:buFont typeface="+mj-ea"/>
+              <a:buAutoNum type="circleNumDbPlain"/>
+            </a:pPr>
+            <a:r>
+              <a:rPr lang="zh-CN" altLang="en-US" dirty="0">
+                <a:latin typeface="Times New Roman" panose="02020603050405020304" pitchFamily="18" charset="0"/>
+                <a:cs typeface="Times New Roman" panose="02020603050405020304" pitchFamily="18" charset="0"/>
+                <a:sym typeface="+mn-ea"/>
+              </a:rPr>
+              <a:t>实现基于</a:t>
+            </a:r>
+            <a:r>
+              <a:rPr lang="en-US" altLang="zh-CN" dirty="0">
+                <a:latin typeface="Times New Roman" panose="02020603050405020304" pitchFamily="18" charset="0"/>
+                <a:cs typeface="Times New Roman" panose="02020603050405020304" pitchFamily="18" charset="0"/>
+                <a:sym typeface="+mn-ea"/>
+              </a:rPr>
+              <a:t>Mini2440</a:t>
+            </a:r>
+            <a:r>
+              <a:rPr lang="zh-CN" altLang="en-US" dirty="0">
+                <a:latin typeface="Times New Roman" panose="02020603050405020304" pitchFamily="18" charset="0"/>
+                <a:cs typeface="Times New Roman" panose="02020603050405020304" pitchFamily="18" charset="0"/>
+                <a:sym typeface="+mn-ea"/>
+              </a:rPr>
+              <a:t>开发板的</a:t>
+            </a:r>
+            <a:r>
+              <a:rPr lang="en-US" altLang="zh-CN" dirty="0">
+                <a:latin typeface="Times New Roman" panose="02020603050405020304" pitchFamily="18" charset="0"/>
+                <a:cs typeface="Times New Roman" panose="02020603050405020304" pitchFamily="18" charset="0"/>
+                <a:sym typeface="+mn-ea"/>
+              </a:rPr>
+              <a:t>Nor FLash</a:t>
+            </a:r>
+            <a:r>
+              <a:rPr lang="zh-CN" altLang="en-US" dirty="0">
+                <a:latin typeface="Times New Roman" panose="02020603050405020304" pitchFamily="18" charset="0"/>
+                <a:cs typeface="Times New Roman" panose="02020603050405020304" pitchFamily="18" charset="0"/>
+                <a:sym typeface="+mn-ea"/>
+              </a:rPr>
+              <a:t>驱动程序。</a:t>
+            </a:r>
+          </a:p>
+          <a:p>
+            <a:pPr marL="1371600" lvl="2" indent="-457200">
+              <a:lnSpc>
+                <a:spcPct val="130000"/>
+              </a:lnSpc>
+              <a:buFont typeface="+mj-ea"/>
+              <a:buAutoNum type="circleNumDbPlain"/>
+            </a:pPr>
+            <a:r>
+              <a:rPr lang="zh-CN" altLang="en-US" dirty="0">
+                <a:latin typeface="Times New Roman" panose="02020603050405020304" pitchFamily="18" charset="0"/>
+                <a:cs typeface="Times New Roman" panose="02020603050405020304" pitchFamily="18" charset="0"/>
+                <a:sym typeface="+mn-ea"/>
+              </a:rPr>
+              <a:t>实现模拟驱动程序，除了能够在虚拟机上模拟</a:t>
+            </a:r>
+            <a:r>
+              <a:rPr lang="en-US" altLang="zh-CN" dirty="0">
+                <a:latin typeface="Times New Roman" panose="02020603050405020304" pitchFamily="18" charset="0"/>
+                <a:cs typeface="Times New Roman" panose="02020603050405020304" pitchFamily="18" charset="0"/>
+                <a:sym typeface="+mn-ea"/>
+              </a:rPr>
+              <a:t>Nor Flash</a:t>
+            </a:r>
+            <a:r>
+              <a:rPr lang="zh-CN" altLang="en-US" dirty="0">
+                <a:latin typeface="Times New Roman" panose="02020603050405020304" pitchFamily="18" charset="0"/>
+                <a:cs typeface="Times New Roman" panose="02020603050405020304" pitchFamily="18" charset="0"/>
+                <a:sym typeface="+mn-ea"/>
+              </a:rPr>
+              <a:t>的</a:t>
+            </a:r>
+            <a:r>
+              <a:rPr lang="zh-CN" altLang="en-US" dirty="0">
+                <a:solidFill>
+                  <a:srgbClr val="FF0000"/>
+                </a:solidFill>
+                <a:latin typeface="Times New Roman" panose="02020603050405020304" pitchFamily="18" charset="0"/>
+                <a:cs typeface="Times New Roman" panose="02020603050405020304" pitchFamily="18" charset="0"/>
+                <a:sym typeface="+mn-ea"/>
+              </a:rPr>
+              <a:t>读写特性</a:t>
+            </a:r>
+            <a:r>
+              <a:rPr lang="zh-CN" altLang="en-US" dirty="0">
+                <a:latin typeface="Times New Roman" panose="02020603050405020304" pitchFamily="18" charset="0"/>
+                <a:cs typeface="Times New Roman" panose="02020603050405020304" pitchFamily="18" charset="0"/>
+                <a:sym typeface="+mn-ea"/>
+              </a:rPr>
+              <a:t>和</a:t>
+            </a:r>
+            <a:r>
+              <a:rPr lang="zh-CN" altLang="en-US" dirty="0">
+                <a:solidFill>
+                  <a:schemeClr val="tx1"/>
+                </a:solidFill>
+                <a:latin typeface="Times New Roman" panose="02020603050405020304" pitchFamily="18" charset="0"/>
+                <a:cs typeface="Times New Roman" panose="02020603050405020304" pitchFamily="18" charset="0"/>
+                <a:sym typeface="+mn-ea"/>
+              </a:rPr>
+              <a:t>记录</a:t>
+            </a:r>
+            <a:r>
+              <a:rPr lang="zh-CN" altLang="en-US" dirty="0">
+                <a:solidFill>
+                  <a:srgbClr val="FF0000"/>
+                </a:solidFill>
+                <a:latin typeface="Times New Roman" panose="02020603050405020304" pitchFamily="18" charset="0"/>
+                <a:cs typeface="Times New Roman" panose="02020603050405020304" pitchFamily="18" charset="0"/>
+                <a:sym typeface="+mn-ea"/>
+              </a:rPr>
+              <a:t>擦写次数</a:t>
+            </a:r>
+            <a:r>
+              <a:rPr lang="zh-CN" altLang="en-US" dirty="0">
+                <a:latin typeface="Times New Roman" panose="02020603050405020304" pitchFamily="18" charset="0"/>
+                <a:cs typeface="Times New Roman" panose="02020603050405020304" pitchFamily="18" charset="0"/>
+                <a:sym typeface="+mn-ea"/>
+              </a:rPr>
+              <a:t>，还可以模拟</a:t>
+            </a:r>
+            <a:r>
+              <a:rPr lang="en-US" altLang="zh-CN" dirty="0">
+                <a:latin typeface="Times New Roman" panose="02020603050405020304" pitchFamily="18" charset="0"/>
+                <a:cs typeface="Times New Roman" panose="02020603050405020304" pitchFamily="18" charset="0"/>
+                <a:sym typeface="+mn-ea"/>
+              </a:rPr>
+              <a:t>Flash</a:t>
+            </a:r>
+            <a:r>
+              <a:rPr lang="zh-CN" altLang="en-US" dirty="0">
+                <a:latin typeface="Times New Roman" panose="02020603050405020304" pitchFamily="18" charset="0"/>
+                <a:cs typeface="Times New Roman" panose="02020603050405020304" pitchFamily="18" charset="0"/>
+                <a:sym typeface="+mn-ea"/>
+              </a:rPr>
+              <a:t>介质上的</a:t>
+            </a:r>
+            <a:r>
+              <a:rPr lang="zh-CN" altLang="en-US" dirty="0">
+                <a:solidFill>
+                  <a:srgbClr val="FF0000"/>
+                </a:solidFill>
+                <a:latin typeface="Times New Roman" panose="02020603050405020304" pitchFamily="18" charset="0"/>
+                <a:cs typeface="Times New Roman" panose="02020603050405020304" pitchFamily="18" charset="0"/>
+                <a:sym typeface="+mn-ea"/>
+              </a:rPr>
+              <a:t>坏块</a:t>
+            </a:r>
+            <a:r>
+              <a:rPr lang="zh-CN" altLang="en-US" dirty="0">
+                <a:latin typeface="Times New Roman" panose="02020603050405020304" pitchFamily="18" charset="0"/>
+                <a:cs typeface="Times New Roman" panose="02020603050405020304" pitchFamily="18" charset="0"/>
+                <a:sym typeface="+mn-ea"/>
+              </a:rPr>
+              <a:t>产生。</a:t>
+            </a:r>
+          </a:p>
+        </p:txBody>
+      </p:sp>
+    </p:spTree>
+  </p:cSld>
+  <p:clrMapOvr>
+    <a:masterClrMapping/>
+  </p:clrMapOvr>
+</p:sld>
+</file>
+
+<file path=ppt/slides/slide7.xml><?xml version="1.0" encoding="utf-8"?>
+<p:sld xmlns:a="http://schemas.openxmlformats.org/drawingml/2006/main" xmlns:r="http://schemas.openxmlformats.org/officeDocument/2006/relationships" xmlns:p="http://schemas.openxmlformats.org/presentationml/2006/main">
+  <p:cSld>
+    <p:spTree>
+      <p:nvGrpSpPr>
+        <p:cNvPr id="1" name=""/>
+        <p:cNvGrpSpPr/>
+        <p:nvPr/>
+      </p:nvGrpSpPr>
+      <p:grpSpPr>
+        <a:xfrm>
+          <a:off x="0" y="0"/>
+          <a:ext cx="0" cy="0"/>
+          <a:chOff x="0" y="0"/>
+          <a:chExt cx="0" cy="0"/>
+        </a:xfrm>
+      </p:grpSpPr>
+      <p:sp>
+        <p:nvSpPr>
+          <p:cNvPr id="4" name="标题 1"/>
+          <p:cNvSpPr>
+            <a:spLocks noGrp="1"/>
+          </p:cNvSpPr>
+          <p:nvPr>
+            <p:ph type="title"/>
+          </p:nvPr>
+        </p:nvSpPr>
+        <p:spPr>
+          <a:xfrm>
+            <a:off x="838200" y="365125"/>
+            <a:ext cx="10515600" cy="1325563"/>
+          </a:xfrm>
+        </p:spPr>
+        <p:txBody>
+          <a:bodyPr/>
+          <a:lstStyle/>
+          <a:p>
+            <a:r>
+              <a:rPr lang="zh-CN" altLang="en-US" dirty="0">
+                <a:latin typeface="Times New Roman" panose="02020603050405020304" pitchFamily="18" charset="0"/>
+                <a:cs typeface="Times New Roman" panose="02020603050405020304" pitchFamily="18" charset="0"/>
+              </a:rPr>
+              <a:t>三</a:t>
+            </a:r>
+            <a:r>
+              <a:rPr lang="en-US" altLang="zh-CN" dirty="0">
+                <a:latin typeface="Times New Roman" panose="02020603050405020304" pitchFamily="18" charset="0"/>
+                <a:cs typeface="Times New Roman" panose="02020603050405020304" pitchFamily="18" charset="0"/>
+              </a:rPr>
+              <a:t>. </a:t>
+            </a:r>
+            <a:r>
+              <a:rPr lang="zh-CN" altLang="en-US" dirty="0">
+                <a:latin typeface="Times New Roman" panose="02020603050405020304" pitchFamily="18" charset="0"/>
+                <a:cs typeface="Times New Roman" panose="02020603050405020304" pitchFamily="18" charset="0"/>
+              </a:rPr>
+              <a:t>技术方案</a:t>
+            </a:r>
+            <a:r>
+              <a:rPr lang="en-US" altLang="zh-CN" dirty="0">
+                <a:latin typeface="Times New Roman" panose="02020603050405020304" pitchFamily="18" charset="0"/>
+                <a:cs typeface="Times New Roman" panose="02020603050405020304" pitchFamily="18" charset="0"/>
+              </a:rPr>
+              <a:t> — </a:t>
+            </a:r>
+            <a:r>
+              <a:rPr lang="zh-CN" altLang="en-US" dirty="0">
+                <a:latin typeface="Times New Roman" panose="02020603050405020304" pitchFamily="18" charset="0"/>
+                <a:cs typeface="Times New Roman" panose="02020603050405020304" pitchFamily="18" charset="0"/>
+              </a:rPr>
+              <a:t>大体架构</a:t>
+            </a:r>
+          </a:p>
+        </p:txBody>
+      </p:sp>
+      <p:sp>
+        <p:nvSpPr>
+          <p:cNvPr id="3" name="内容占位符 2"/>
+          <p:cNvSpPr>
+            <a:spLocks noGrp="1"/>
+          </p:cNvSpPr>
+          <p:nvPr/>
+        </p:nvSpPr>
+        <p:spPr>
+          <a:xfrm>
+            <a:off x="873760" y="1473835"/>
+            <a:ext cx="10515600" cy="4906010"/>
+          </a:xfrm>
+          <a:prstGeom prst="rect">
+            <a:avLst/>
+          </a:prstGeom>
+        </p:spPr>
+        <p:txBody>
+          <a:bodyPr vert="horz" lIns="91440" tIns="45720" rIns="91440" bIns="45720" rtlCol="0">
+            <a:normAutofit/>
+          </a:bodyPr>
+          <a:lstStyle>
+            <a:lvl1pPr marL="228600" indent="-228600" algn="l" defTabSz="914400" rtl="0" eaLnBrk="1" latinLnBrk="0" hangingPunct="1">
+              <a:lnSpc>
+                <a:spcPct val="90000"/>
+              </a:lnSpc>
+              <a:spcBef>
+                <a:spcPts val="1000"/>
+              </a:spcBef>
+              <a:buFont typeface="Arial" panose="020B0604020202020204" pitchFamily="34" charset="0"/>
+              <a:buChar char="•"/>
+              <a:defRPr sz="2800" kern="1200">
+                <a:solidFill>
+                  <a:schemeClr val="tx1"/>
+                </a:solidFill>
+                <a:latin typeface="+mn-lt"/>
+                <a:ea typeface="+mn-ea"/>
+                <a:cs typeface="+mn-cs"/>
+              </a:defRPr>
+            </a:lvl1pPr>
+            <a:lvl2pPr marL="685800" indent="-228600" algn="l" defTabSz="914400" rtl="0" eaLnBrk="1" latinLnBrk="0" hangingPunct="1">
+              <a:lnSpc>
+                <a:spcPct val="90000"/>
+              </a:lnSpc>
+              <a:spcBef>
+                <a:spcPts val="500"/>
+              </a:spcBef>
+              <a:buFont typeface="Arial" panose="020B0604020202020204" pitchFamily="34" charset="0"/>
+              <a:buChar char="•"/>
+              <a:defRPr sz="2400" kern="1200">
+                <a:solidFill>
+                  <a:schemeClr val="tx1"/>
+                </a:solidFill>
+                <a:latin typeface="+mn-lt"/>
+                <a:ea typeface="+mn-ea"/>
+                <a:cs typeface="+mn-cs"/>
+              </a:defRPr>
+            </a:lvl2pPr>
+            <a:lvl3pPr marL="1143000" indent="-228600" algn="l" defTabSz="914400" rtl="0" eaLnBrk="1" latinLnBrk="0" hangingPunct="1">
+              <a:lnSpc>
+                <a:spcPct val="90000"/>
+              </a:lnSpc>
+              <a:spcBef>
+                <a:spcPts val="500"/>
+              </a:spcBef>
+              <a:buFont typeface="Arial" panose="020B0604020202020204" pitchFamily="34" charset="0"/>
+              <a:buChar char="•"/>
+              <a:defRPr sz="2000" kern="1200">
+                <a:solidFill>
+                  <a:schemeClr val="tx1"/>
+                </a:solidFill>
+                <a:latin typeface="+mn-lt"/>
+                <a:ea typeface="+mn-ea"/>
+                <a:cs typeface="+mn-cs"/>
+              </a:defRPr>
+            </a:lvl3pPr>
+            <a:lvl4pPr marL="1600200" indent="-228600" algn="l" defTabSz="914400" rtl="0" eaLnBrk="1" latinLnBrk="0" hangingPunct="1">
+              <a:lnSpc>
+                <a:spcPct val="90000"/>
+              </a:lnSpc>
+              <a:spcBef>
+                <a:spcPts val="500"/>
+              </a:spcBef>
+              <a:buFont typeface="Arial" panose="020B0604020202020204" pitchFamily="34" charset="0"/>
+              <a:buChar char="•"/>
+              <a:defRPr sz="1800" kern="1200">
+                <a:solidFill>
+                  <a:schemeClr val="tx1"/>
+                </a:solidFill>
+                <a:latin typeface="+mn-lt"/>
+                <a:ea typeface="+mn-ea"/>
+                <a:cs typeface="+mn-cs"/>
+              </a:defRPr>
+            </a:lvl4pPr>
+            <a:lvl5pPr marL="2057400" indent="-228600" algn="l" defTabSz="914400" rtl="0" eaLnBrk="1" latinLnBrk="0" hangingPunct="1">
+              <a:lnSpc>
+                <a:spcPct val="90000"/>
+              </a:lnSpc>
+              <a:spcBef>
+                <a:spcPts val="500"/>
+              </a:spcBef>
+              <a:buFont typeface="Arial" panose="020B0604020202020204" pitchFamily="34" charset="0"/>
+              <a:buChar char="•"/>
+              <a:defRPr sz="1800" kern="1200">
+                <a:solidFill>
+                  <a:schemeClr val="tx1"/>
+                </a:solidFill>
+                <a:latin typeface="+mn-lt"/>
+                <a:ea typeface="+mn-ea"/>
+                <a:cs typeface="+mn-cs"/>
+              </a:defRPr>
+            </a:lvl5pPr>
+            <a:lvl6pPr marL="2514600" indent="-228600" algn="l" defTabSz="914400" rtl="0" eaLnBrk="1" latinLnBrk="0" hangingPunct="1">
+              <a:lnSpc>
+                <a:spcPct val="90000"/>
+              </a:lnSpc>
+              <a:spcBef>
+                <a:spcPts val="500"/>
+              </a:spcBef>
+              <a:buFont typeface="Arial" panose="020B0604020202020204" pitchFamily="34" charset="0"/>
+              <a:buChar char="•"/>
+              <a:defRPr sz="1800" kern="1200">
+                <a:solidFill>
+                  <a:schemeClr val="tx1"/>
+                </a:solidFill>
+                <a:latin typeface="+mn-lt"/>
+                <a:ea typeface="+mn-ea"/>
+                <a:cs typeface="+mn-cs"/>
+              </a:defRPr>
+            </a:lvl6pPr>
+            <a:lvl7pPr marL="2971800" indent="-228600" algn="l" defTabSz="914400" rtl="0" eaLnBrk="1" latinLnBrk="0" hangingPunct="1">
+              <a:lnSpc>
+                <a:spcPct val="90000"/>
+              </a:lnSpc>
+              <a:spcBef>
+                <a:spcPts val="500"/>
+              </a:spcBef>
+              <a:buFont typeface="Arial" panose="020B0604020202020204" pitchFamily="34" charset="0"/>
+              <a:buChar char="•"/>
+              <a:defRPr sz="1800" kern="1200">
+                <a:solidFill>
+                  <a:schemeClr val="tx1"/>
+                </a:solidFill>
+                <a:latin typeface="+mn-lt"/>
+                <a:ea typeface="+mn-ea"/>
+                <a:cs typeface="+mn-cs"/>
+              </a:defRPr>
+            </a:lvl7pPr>
+            <a:lvl8pPr marL="3429000" indent="-228600" algn="l" defTabSz="914400" rtl="0" eaLnBrk="1" latinLnBrk="0" hangingPunct="1">
+              <a:lnSpc>
+                <a:spcPct val="90000"/>
+              </a:lnSpc>
+              <a:spcBef>
+                <a:spcPts val="500"/>
+              </a:spcBef>
+              <a:buFont typeface="Arial" panose="020B0604020202020204" pitchFamily="34" charset="0"/>
+              <a:buChar char="•"/>
+              <a:defRPr sz="1800" kern="1200">
+                <a:solidFill>
+                  <a:schemeClr val="tx1"/>
+                </a:solidFill>
+                <a:latin typeface="+mn-lt"/>
+                <a:ea typeface="+mn-ea"/>
+                <a:cs typeface="+mn-cs"/>
+              </a:defRPr>
+            </a:lvl8pPr>
+            <a:lvl9pPr marL="3886200" indent="-228600" algn="l" defTabSz="914400" rtl="0" eaLnBrk="1" latinLnBrk="0" hangingPunct="1">
+              <a:lnSpc>
+                <a:spcPct val="90000"/>
+              </a:lnSpc>
+              <a:spcBef>
+                <a:spcPts val="500"/>
+              </a:spcBef>
+              <a:buFont typeface="Arial" panose="020B0604020202020204" pitchFamily="34" charset="0"/>
+              <a:buChar char="•"/>
+              <a:defRPr sz="1800" kern="1200">
+                <a:solidFill>
+                  <a:schemeClr val="tx1"/>
+                </a:solidFill>
+                <a:latin typeface="+mn-lt"/>
+                <a:ea typeface="+mn-ea"/>
+                <a:cs typeface="+mn-cs"/>
+              </a:defRPr>
+            </a:lvl9pPr>
+          </a:lstStyle>
+          <a:p>
             <a:pPr marL="0" indent="0">
               <a:lnSpc>
                 <a:spcPct val="150000"/>
@@ -19732,7 +19092,7 @@
           <p:nvPr/>
         </p:nvPicPr>
         <p:blipFill>
-          <a:blip r:embed="rId1"/>
+          <a:blip r:embed="rId3"/>
           <a:stretch>
             <a:fillRect/>
           </a:stretch>
@@ -19822,13 +19182,6 @@
               </a:rPr>
               <a:t>数据块</a:t>
             </a:r>
-            <a:endParaRPr lang="zh-CN" altLang="en-US" dirty="0">
-              <a:solidFill>
-                <a:schemeClr val="tx1"/>
-              </a:solidFill>
-              <a:latin typeface="Times New Roman" panose="02020603050405020304" pitchFamily="18" charset="0"/>
-              <a:cs typeface="Times New Roman" panose="02020603050405020304" pitchFamily="18" charset="0"/>
-            </a:endParaRPr>
           </a:p>
         </p:txBody>
       </p:sp>
@@ -19952,13 +19305,6 @@
               </a:rPr>
               <a:t>数据块</a:t>
             </a:r>
-            <a:endParaRPr lang="zh-CN" altLang="en-US" dirty="0">
-              <a:solidFill>
-                <a:schemeClr val="tx1"/>
-              </a:solidFill>
-              <a:latin typeface="Times New Roman" panose="02020603050405020304" pitchFamily="18" charset="0"/>
-              <a:cs typeface="Times New Roman" panose="02020603050405020304" pitchFamily="18" charset="0"/>
-            </a:endParaRPr>
           </a:p>
         </p:txBody>
       </p:sp>
@@ -20012,13 +19358,6 @@
               </a:rPr>
               <a:t>数据块</a:t>
             </a:r>
-            <a:endParaRPr lang="zh-CN" altLang="en-US" dirty="0">
-              <a:solidFill>
-                <a:schemeClr val="tx1"/>
-              </a:solidFill>
-              <a:latin typeface="Times New Roman" panose="02020603050405020304" pitchFamily="18" charset="0"/>
-              <a:cs typeface="Times New Roman" panose="02020603050405020304" pitchFamily="18" charset="0"/>
-            </a:endParaRPr>
           </a:p>
         </p:txBody>
       </p:sp>
@@ -20058,10 +19397,6 @@
               </a:rPr>
               <a:t>设备</a:t>
             </a:r>
-            <a:endParaRPr lang="zh-CN" altLang="en-US" dirty="0">
-              <a:latin typeface="Times New Roman" panose="02020603050405020304" pitchFamily="18" charset="0"/>
-              <a:cs typeface="Times New Roman" panose="02020603050405020304" pitchFamily="18" charset="0"/>
-            </a:endParaRPr>
           </a:p>
         </p:txBody>
       </p:sp>
@@ -20127,10 +19462,6 @@
               </a:rPr>
               <a:t>技术方案</a:t>
             </a:r>
-            <a:endParaRPr lang="zh-CN" altLang="en-US" dirty="0">
-              <a:latin typeface="Times New Roman" panose="02020603050405020304" pitchFamily="18" charset="0"/>
-              <a:cs typeface="Times New Roman" panose="02020603050405020304" pitchFamily="18" charset="0"/>
-            </a:endParaRPr>
           </a:p>
         </p:txBody>
       </p:sp>
@@ -20154,6 +19485,7 @@
           <a:bodyPr wrap="none" rtlCol="0">
             <a:spAutoFit/>
           </a:bodyPr>
+          <a:lstStyle/>
           <a:p>
             <a:pPr algn="l"/>
             <a:r>
@@ -20170,7 +19502,6 @@
               <a:rPr lang="zh-CN" altLang="en-US" sz="2400"/>
               <a:t>内存映射过程</a:t>
             </a:r>
-            <a:endParaRPr lang="zh-CN" altLang="en-US" sz="2400"/>
           </a:p>
         </p:txBody>
       </p:sp>
@@ -20185,7 +19516,7 @@
         <p159:morph option="byObject"/>
       </p:transition>
     </mc:Choice>
-    <mc:Fallback>
+    <mc:Fallback xmlns="">
       <p:transition spd="slow">
         <p:fade/>
       </p:transition>
@@ -20261,13 +19592,6 @@
               </a:rPr>
               <a:t>数据块</a:t>
             </a:r>
-            <a:endParaRPr lang="zh-CN" altLang="en-US" dirty="0">
-              <a:solidFill>
-                <a:schemeClr val="tx1"/>
-              </a:solidFill>
-              <a:latin typeface="Times New Roman" panose="02020603050405020304" pitchFamily="18" charset="0"/>
-              <a:cs typeface="Times New Roman" panose="02020603050405020304" pitchFamily="18" charset="0"/>
-            </a:endParaRPr>
           </a:p>
         </p:txBody>
       </p:sp>
@@ -20391,13 +19715,6 @@
               </a:rPr>
               <a:t>数据块</a:t>
             </a:r>
-            <a:endParaRPr lang="zh-CN" altLang="en-US" dirty="0">
-              <a:solidFill>
-                <a:schemeClr val="tx1"/>
-              </a:solidFill>
-              <a:latin typeface="Times New Roman" panose="02020603050405020304" pitchFamily="18" charset="0"/>
-              <a:cs typeface="Times New Roman" panose="02020603050405020304" pitchFamily="18" charset="0"/>
-            </a:endParaRPr>
           </a:p>
         </p:txBody>
       </p:sp>
@@ -20451,13 +19768,6 @@
               </a:rPr>
               <a:t>数据块</a:t>
             </a:r>
-            <a:endParaRPr lang="zh-CN" altLang="en-US" dirty="0">
-              <a:solidFill>
-                <a:schemeClr val="tx1"/>
-              </a:solidFill>
-              <a:latin typeface="Times New Roman" panose="02020603050405020304" pitchFamily="18" charset="0"/>
-              <a:cs typeface="Times New Roman" panose="02020603050405020304" pitchFamily="18" charset="0"/>
-            </a:endParaRPr>
           </a:p>
         </p:txBody>
       </p:sp>
@@ -20622,13 +19932,6 @@
               </a:rPr>
               <a:t>inode cache</a:t>
             </a:r>
-            <a:endParaRPr lang="en-US" altLang="zh-CN" dirty="0">
-              <a:solidFill>
-                <a:schemeClr val="bg1"/>
-              </a:solidFill>
-              <a:latin typeface="Times New Roman" panose="02020603050405020304" pitchFamily="18" charset="0"/>
-              <a:cs typeface="Times New Roman" panose="02020603050405020304" pitchFamily="18" charset="0"/>
-            </a:endParaRPr>
           </a:p>
         </p:txBody>
       </p:sp>
@@ -20682,13 +19985,6 @@
               </a:rPr>
               <a:t>物理层记录</a:t>
             </a:r>
-            <a:endParaRPr lang="zh-CN" altLang="en-US" sz="1200" dirty="0">
-              <a:solidFill>
-                <a:schemeClr val="tx1"/>
-              </a:solidFill>
-              <a:latin typeface="Times New Roman" panose="02020603050405020304" pitchFamily="18" charset="0"/>
-              <a:cs typeface="Times New Roman" panose="02020603050405020304" pitchFamily="18" charset="0"/>
-            </a:endParaRPr>
           </a:p>
         </p:txBody>
       </p:sp>
@@ -20742,13 +20038,6 @@
               </a:rPr>
               <a:t>物理层记录</a:t>
             </a:r>
-            <a:endParaRPr lang="zh-CN" altLang="en-US" sz="1200" dirty="0">
-              <a:solidFill>
-                <a:schemeClr val="tx1"/>
-              </a:solidFill>
-              <a:latin typeface="Times New Roman" panose="02020603050405020304" pitchFamily="18" charset="0"/>
-              <a:cs typeface="Times New Roman" panose="02020603050405020304" pitchFamily="18" charset="0"/>
-            </a:endParaRPr>
           </a:p>
         </p:txBody>
       </p:sp>
@@ -20802,13 +20091,6 @@
               </a:rPr>
               <a:t>物理层记录</a:t>
             </a:r>
-            <a:endParaRPr lang="zh-CN" altLang="en-US" sz="1200" dirty="0">
-              <a:solidFill>
-                <a:schemeClr val="tx1"/>
-              </a:solidFill>
-              <a:latin typeface="Times New Roman" panose="02020603050405020304" pitchFamily="18" charset="0"/>
-              <a:cs typeface="Times New Roman" panose="02020603050405020304" pitchFamily="18" charset="0"/>
-            </a:endParaRPr>
           </a:p>
         </p:txBody>
       </p:sp>
@@ -20961,10 +20243,6 @@
               </a:rPr>
               <a:t>设备</a:t>
             </a:r>
-            <a:endParaRPr lang="zh-CN" altLang="en-US" dirty="0">
-              <a:latin typeface="Times New Roman" panose="02020603050405020304" pitchFamily="18" charset="0"/>
-              <a:cs typeface="Times New Roman" panose="02020603050405020304" pitchFamily="18" charset="0"/>
-            </a:endParaRPr>
           </a:p>
         </p:txBody>
       </p:sp>
@@ -21030,10 +20308,6 @@
               </a:rPr>
               <a:t>技术方案</a:t>
             </a:r>
-            <a:endParaRPr lang="zh-CN" altLang="en-US" dirty="0">
-              <a:latin typeface="Times New Roman" panose="02020603050405020304" pitchFamily="18" charset="0"/>
-              <a:cs typeface="Times New Roman" panose="02020603050405020304" pitchFamily="18" charset="0"/>
-            </a:endParaRPr>
           </a:p>
         </p:txBody>
       </p:sp>
@@ -21167,6 +20441,7 @@
           <a:bodyPr wrap="none" rtlCol="0">
             <a:spAutoFit/>
           </a:bodyPr>
+          <a:lstStyle/>
           <a:p>
             <a:pPr algn="l"/>
             <a:r>
@@ -21188,9 +20463,6 @@
               </a:rPr>
               <a:t>内存映射过程</a:t>
             </a:r>
-            <a:endParaRPr lang="zh-CN" altLang="en-US" sz="2400">
-              <a:latin typeface="Times New Roman" panose="02020603050405020304" pitchFamily="18" charset="0"/>
-            </a:endParaRPr>
           </a:p>
         </p:txBody>
       </p:sp>
@@ -21205,7 +20477,7 @@
         <p159:morph option="byObject"/>
       </p:transition>
     </mc:Choice>
-    <mc:Fallback>
+    <mc:Fallback xmlns="">
       <p:transition spd="slow">
         <p:fade/>
       </p:transition>
@@ -21215,7 +20487,21 @@
 </file>
 
 <file path=ppt/tags/tag1.xml><?xml version="1.0" encoding="utf-8"?>
-<p:tagLst xmlns:p="http://schemas.openxmlformats.org/presentationml/2006/main">
+<p:tagLst xmlns:a="http://schemas.openxmlformats.org/drawingml/2006/main" xmlns:r="http://schemas.openxmlformats.org/officeDocument/2006/relationships" xmlns:p="http://schemas.openxmlformats.org/presentationml/2006/main">
+  <p:tag name="KSO_WM_TEMPLATE_THUMBS_INDEX" val="1、4、7、12、13、14、15、16、17、18、20、24、25、28、33、36、40、43、44"/>
+  <p:tag name="KSO_WM_TEMPLATE_SUBCATEGORY" val="19"/>
+  <p:tag name="KSO_WM_TAG_VERSION" val="1.0"/>
+  <p:tag name="KSO_WM_BEAUTIFY_FLAG" val="#wm#"/>
+  <p:tag name="KSO_WM_TEMPLATE_CATEGORY" val="custom"/>
+  <p:tag name="KSO_WM_TEMPLATE_INDEX" val="20205081"/>
+  <p:tag name="KSO_WM_TEMPLATE_MASTER_TYPE" val="0"/>
+  <p:tag name="KSO_WM_TEMPLATE_COLOR_TYPE" val="1"/>
+  <p:tag name="KSO_WM_UNIT_SHOW_EDIT_AREA_INDICATION" val="1"/>
+</p:tagLst>
+</file>
+
+<file path=ppt/tags/tag10.xml><?xml version="1.0" encoding="utf-8"?>
+<p:tagLst xmlns:a="http://schemas.openxmlformats.org/drawingml/2006/main" xmlns:r="http://schemas.openxmlformats.org/officeDocument/2006/relationships" xmlns:p="http://schemas.openxmlformats.org/presentationml/2006/main">
   <p:tag name="KSO_WM_UNIT_HIGHLIGHT" val="0"/>
   <p:tag name="KSO_WM_UNIT_COMPATIBLE" val="0"/>
   <p:tag name="KSO_WM_UNIT_DIAGRAM_ISNUMVISUAL" val="0"/>
@@ -21227,8 +20513,21 @@
 </p:tagLst>
 </file>
 
-<file path=ppt/tags/tag10.xml><?xml version="1.0" encoding="utf-8"?>
-<p:tagLst xmlns:p="http://schemas.openxmlformats.org/presentationml/2006/main">
+<file path=ppt/tags/tag11.xml><?xml version="1.0" encoding="utf-8"?>
+<p:tagLst xmlns:a="http://schemas.openxmlformats.org/drawingml/2006/main" xmlns:r="http://schemas.openxmlformats.org/officeDocument/2006/relationships" xmlns:p="http://schemas.openxmlformats.org/presentationml/2006/main">
+  <p:tag name="KSO_WM_UNIT_HIGHLIGHT" val="0"/>
+  <p:tag name="KSO_WM_UNIT_COMPATIBLE" val="0"/>
+  <p:tag name="KSO_WM_UNIT_DIAGRAM_ISNUMVISUAL" val="0"/>
+  <p:tag name="KSO_WM_UNIT_DIAGRAM_ISREFERUNIT" val="0"/>
+  <p:tag name="KSO_WM_UNIT_ID" val="_1**"/>
+  <p:tag name="KSO_WM_UNIT_LAYERLEVEL" val="1"/>
+  <p:tag name="KSO_WM_TAG_VERSION" val="1.0"/>
+  <p:tag name="KSO_WM_BEAUTIFY_FLAG" val="#wm#"/>
+</p:tagLst>
+</file>
+
+<file path=ppt/tags/tag12.xml><?xml version="1.0" encoding="utf-8"?>
+<p:tagLst xmlns:a="http://schemas.openxmlformats.org/drawingml/2006/main" xmlns:r="http://schemas.openxmlformats.org/officeDocument/2006/relationships" xmlns:p="http://schemas.openxmlformats.org/presentationml/2006/main">
   <p:tag name="KSO_WM_UNIT_HIGHLIGHT" val="0"/>
   <p:tag name="KSO_WM_UNIT_COMPATIBLE" val="0"/>
   <p:tag name="KSO_WM_UNIT_DIAGRAM_ISNUMVISUAL" val="0"/>
@@ -21240,8 +20539,60 @@
 </p:tagLst>
 </file>
 
-<file path=ppt/tags/tag11.xml><?xml version="1.0" encoding="utf-8"?>
-<p:tagLst xmlns:p="http://schemas.openxmlformats.org/presentationml/2006/main">
+<file path=ppt/tags/tag13.xml><?xml version="1.0" encoding="utf-8"?>
+<p:tagLst xmlns:a="http://schemas.openxmlformats.org/drawingml/2006/main" xmlns:r="http://schemas.openxmlformats.org/officeDocument/2006/relationships" xmlns:p="http://schemas.openxmlformats.org/presentationml/2006/main">
+  <p:tag name="KSO_WM_UNIT_HIGHLIGHT" val="0"/>
+  <p:tag name="KSO_WM_UNIT_COMPATIBLE" val="0"/>
+  <p:tag name="KSO_WM_UNIT_DIAGRAM_ISNUMVISUAL" val="0"/>
+  <p:tag name="KSO_WM_UNIT_DIAGRAM_ISREFERUNIT" val="0"/>
+  <p:tag name="KSO_WM_UNIT_ID" val="_2**"/>
+  <p:tag name="KSO_WM_UNIT_LAYERLEVEL" val="1"/>
+  <p:tag name="KSO_WM_TAG_VERSION" val="1.0"/>
+  <p:tag name="KSO_WM_BEAUTIFY_FLAG" val="#wm#"/>
+</p:tagLst>
+</file>
+
+<file path=ppt/tags/tag14.xml><?xml version="1.0" encoding="utf-8"?>
+<p:tagLst xmlns:a="http://schemas.openxmlformats.org/drawingml/2006/main" xmlns:r="http://schemas.openxmlformats.org/officeDocument/2006/relationships" xmlns:p="http://schemas.openxmlformats.org/presentationml/2006/main">
+  <p:tag name="KSO_WM_UNIT_HIGHLIGHT" val="0"/>
+  <p:tag name="KSO_WM_UNIT_COMPATIBLE" val="0"/>
+  <p:tag name="KSO_WM_UNIT_DIAGRAM_ISNUMVISUAL" val="0"/>
+  <p:tag name="KSO_WM_UNIT_DIAGRAM_ISREFERUNIT" val="0"/>
+  <p:tag name="KSO_WM_UNIT_ID" val="_2**"/>
+  <p:tag name="KSO_WM_UNIT_LAYERLEVEL" val="1"/>
+  <p:tag name="KSO_WM_TAG_VERSION" val="1.0"/>
+  <p:tag name="KSO_WM_BEAUTIFY_FLAG" val="#wm#"/>
+</p:tagLst>
+</file>
+
+<file path=ppt/tags/tag15.xml><?xml version="1.0" encoding="utf-8"?>
+<p:tagLst xmlns:a="http://schemas.openxmlformats.org/drawingml/2006/main" xmlns:r="http://schemas.openxmlformats.org/officeDocument/2006/relationships" xmlns:p="http://schemas.openxmlformats.org/presentationml/2006/main">
+  <p:tag name="KSO_WM_UNIT_HIGHLIGHT" val="0"/>
+  <p:tag name="KSO_WM_UNIT_COMPATIBLE" val="0"/>
+  <p:tag name="KSO_WM_UNIT_DIAGRAM_ISNUMVISUAL" val="0"/>
+  <p:tag name="KSO_WM_UNIT_DIAGRAM_ISREFERUNIT" val="0"/>
+  <p:tag name="KSO_WM_UNIT_ID" val="_2**"/>
+  <p:tag name="KSO_WM_UNIT_LAYERLEVEL" val="1"/>
+  <p:tag name="KSO_WM_TAG_VERSION" val="1.0"/>
+  <p:tag name="KSO_WM_BEAUTIFY_FLAG" val="#wm#"/>
+</p:tagLst>
+</file>
+
+<file path=ppt/tags/tag16.xml><?xml version="1.0" encoding="utf-8"?>
+<p:tagLst xmlns:a="http://schemas.openxmlformats.org/drawingml/2006/main" xmlns:r="http://schemas.openxmlformats.org/officeDocument/2006/relationships" xmlns:p="http://schemas.openxmlformats.org/presentationml/2006/main">
+  <p:tag name="KSO_WM_UNIT_HIGHLIGHT" val="0"/>
+  <p:tag name="KSO_WM_UNIT_COMPATIBLE" val="0"/>
+  <p:tag name="KSO_WM_UNIT_DIAGRAM_ISNUMVISUAL" val="0"/>
+  <p:tag name="KSO_WM_UNIT_DIAGRAM_ISREFERUNIT" val="0"/>
+  <p:tag name="KSO_WM_UNIT_ID" val="_2**"/>
+  <p:tag name="KSO_WM_UNIT_LAYERLEVEL" val="1"/>
+  <p:tag name="KSO_WM_TAG_VERSION" val="1.0"/>
+  <p:tag name="KSO_WM_BEAUTIFY_FLAG" val="#wm#"/>
+</p:tagLst>
+</file>
+
+<file path=ppt/tags/tag17.xml><?xml version="1.0" encoding="utf-8"?>
+<p:tagLst xmlns:a="http://schemas.openxmlformats.org/drawingml/2006/main" xmlns:r="http://schemas.openxmlformats.org/officeDocument/2006/relationships" xmlns:p="http://schemas.openxmlformats.org/presentationml/2006/main">
   <p:tag name="KSO_WM_UNIT_HIGHLIGHT" val="0"/>
   <p:tag name="KSO_WM_UNIT_COMPATIBLE" val="0"/>
   <p:tag name="KSO_WM_UNIT_DIAGRAM_ISNUMVISUAL" val="0"/>
@@ -21253,8 +20604,8 @@
 </p:tagLst>
 </file>
 
-<file path=ppt/tags/tag12.xml><?xml version="1.0" encoding="utf-8"?>
-<p:tagLst xmlns:p="http://schemas.openxmlformats.org/presentationml/2006/main">
+<file path=ppt/tags/tag18.xml><?xml version="1.0" encoding="utf-8"?>
+<p:tagLst xmlns:a="http://schemas.openxmlformats.org/drawingml/2006/main" xmlns:r="http://schemas.openxmlformats.org/officeDocument/2006/relationships" xmlns:p="http://schemas.openxmlformats.org/presentationml/2006/main">
   <p:tag name="KSO_WM_UNIT_HIGHLIGHT" val="0"/>
   <p:tag name="KSO_WM_UNIT_COMPATIBLE" val="0"/>
   <p:tag name="KSO_WM_UNIT_DIAGRAM_ISNUMVISUAL" val="0"/>
@@ -21266,8 +20617,8 @@
 </p:tagLst>
 </file>
 
-<file path=ppt/tags/tag13.xml><?xml version="1.0" encoding="utf-8"?>
-<p:tagLst xmlns:p="http://schemas.openxmlformats.org/presentationml/2006/main">
+<file path=ppt/tags/tag19.xml><?xml version="1.0" encoding="utf-8"?>
+<p:tagLst xmlns:a="http://schemas.openxmlformats.org/drawingml/2006/main" xmlns:r="http://schemas.openxmlformats.org/officeDocument/2006/relationships" xmlns:p="http://schemas.openxmlformats.org/presentationml/2006/main">
   <p:tag name="KSO_WM_UNIT_HIGHLIGHT" val="0"/>
   <p:tag name="KSO_WM_UNIT_COMPATIBLE" val="0"/>
   <p:tag name="KSO_WM_UNIT_DIAGRAM_ISNUMVISUAL" val="0"/>
@@ -21279,619 +20630,8 @@
 </p:tagLst>
 </file>
 
-<file path=ppt/tags/tag14.xml><?xml version="1.0" encoding="utf-8"?>
-<p:tagLst xmlns:p="http://schemas.openxmlformats.org/presentationml/2006/main">
-  <p:tag name="KSO_WM_UNIT_HIGHLIGHT" val="0"/>
-  <p:tag name="KSO_WM_UNIT_COMPATIBLE" val="0"/>
-  <p:tag name="KSO_WM_UNIT_DIAGRAM_ISNUMVISUAL" val="0"/>
-  <p:tag name="KSO_WM_UNIT_DIAGRAM_ISREFERUNIT" val="0"/>
-  <p:tag name="KSO_WM_UNIT_ID" val="_3**"/>
-  <p:tag name="KSO_WM_UNIT_LAYERLEVEL" val="1"/>
-  <p:tag name="KSO_WM_TAG_VERSION" val="1.0"/>
-  <p:tag name="KSO_WM_BEAUTIFY_FLAG" val="#wm#"/>
-</p:tagLst>
-</file>
-
-<file path=ppt/tags/tag15.xml><?xml version="1.0" encoding="utf-8"?>
-<p:tagLst xmlns:p="http://schemas.openxmlformats.org/presentationml/2006/main">
-  <p:tag name="KSO_WM_UNIT_HIGHLIGHT" val="0"/>
-  <p:tag name="KSO_WM_UNIT_COMPATIBLE" val="0"/>
-  <p:tag name="KSO_WM_UNIT_DIAGRAM_ISNUMVISUAL" val="0"/>
-  <p:tag name="KSO_WM_UNIT_DIAGRAM_ISREFERUNIT" val="0"/>
-  <p:tag name="KSO_WM_UNIT_ID" val="_3**"/>
-  <p:tag name="KSO_WM_UNIT_LAYERLEVEL" val="1"/>
-  <p:tag name="KSO_WM_TAG_VERSION" val="1.0"/>
-  <p:tag name="KSO_WM_BEAUTIFY_FLAG" val="#wm#"/>
-</p:tagLst>
-</file>
-
-<file path=ppt/tags/tag16.xml><?xml version="1.0" encoding="utf-8"?>
-<p:tagLst xmlns:p="http://schemas.openxmlformats.org/presentationml/2006/main">
-  <p:tag name="KSO_WM_UNIT_HIGHLIGHT" val="0"/>
-  <p:tag name="KSO_WM_UNIT_COMPATIBLE" val="0"/>
-  <p:tag name="KSO_WM_UNIT_DIAGRAM_ISNUMVISUAL" val="0"/>
-  <p:tag name="KSO_WM_UNIT_DIAGRAM_ISREFERUNIT" val="0"/>
-  <p:tag name="KSO_WM_UNIT_ID" val="_4**"/>
-  <p:tag name="KSO_WM_UNIT_LAYERLEVEL" val="1"/>
-  <p:tag name="KSO_WM_TAG_VERSION" val="1.0"/>
-  <p:tag name="KSO_WM_BEAUTIFY_FLAG" val="#wm#"/>
-</p:tagLst>
-</file>
-
-<file path=ppt/tags/tag17.xml><?xml version="1.0" encoding="utf-8"?>
-<p:tagLst xmlns:p="http://schemas.openxmlformats.org/presentationml/2006/main">
-  <p:tag name="KSO_WM_UNIT_HIGHLIGHT" val="0"/>
-  <p:tag name="KSO_WM_UNIT_COMPATIBLE" val="0"/>
-  <p:tag name="KSO_WM_UNIT_DIAGRAM_ISNUMVISUAL" val="0"/>
-  <p:tag name="KSO_WM_UNIT_DIAGRAM_ISREFERUNIT" val="0"/>
-  <p:tag name="KSO_WM_UNIT_ID" val="_4**"/>
-  <p:tag name="KSO_WM_UNIT_LAYERLEVEL" val="1"/>
-  <p:tag name="KSO_WM_TAG_VERSION" val="1.0"/>
-  <p:tag name="KSO_WM_BEAUTIFY_FLAG" val="#wm#"/>
-</p:tagLst>
-</file>
-
-<file path=ppt/tags/tag18.xml><?xml version="1.0" encoding="utf-8"?>
-<p:tagLst xmlns:p="http://schemas.openxmlformats.org/presentationml/2006/main">
-  <p:tag name="KSO_WM_UNIT_HIGHLIGHT" val="0"/>
-  <p:tag name="KSO_WM_UNIT_COMPATIBLE" val="0"/>
-  <p:tag name="KSO_WM_UNIT_DIAGRAM_ISNUMVISUAL" val="0"/>
-  <p:tag name="KSO_WM_UNIT_DIAGRAM_ISREFERUNIT" val="0"/>
-  <p:tag name="KSO_WM_UNIT_ID" val="_4**"/>
-  <p:tag name="KSO_WM_UNIT_LAYERLEVEL" val="1"/>
-  <p:tag name="KSO_WM_TAG_VERSION" val="1.0"/>
-  <p:tag name="KSO_WM_BEAUTIFY_FLAG" val="#wm#"/>
-</p:tagLst>
-</file>
-
-<file path=ppt/tags/tag19.xml><?xml version="1.0" encoding="utf-8"?>
-<p:tagLst xmlns:p="http://schemas.openxmlformats.org/presentationml/2006/main">
-  <p:tag name="KSO_WM_UNIT_HIGHLIGHT" val="0"/>
-  <p:tag name="KSO_WM_UNIT_COMPATIBLE" val="0"/>
-  <p:tag name="KSO_WM_UNIT_DIAGRAM_ISNUMVISUAL" val="0"/>
-  <p:tag name="KSO_WM_UNIT_DIAGRAM_ISREFERUNIT" val="0"/>
-  <p:tag name="KSO_WM_UNIT_ID" val="_4**"/>
-  <p:tag name="KSO_WM_UNIT_LAYERLEVEL" val="1"/>
-  <p:tag name="KSO_WM_TAG_VERSION" val="1.0"/>
-  <p:tag name="KSO_WM_BEAUTIFY_FLAG" val="#wm#"/>
-</p:tagLst>
-</file>
-
 <file path=ppt/tags/tag2.xml><?xml version="1.0" encoding="utf-8"?>
-<p:tagLst xmlns:p="http://schemas.openxmlformats.org/presentationml/2006/main">
-  <p:tag name="KSO_WM_UNIT_HIGHLIGHT" val="0"/>
-  <p:tag name="KSO_WM_UNIT_COMPATIBLE" val="0"/>
-  <p:tag name="KSO_WM_UNIT_DIAGRAM_ISNUMVISUAL" val="0"/>
-  <p:tag name="KSO_WM_UNIT_DIAGRAM_ISREFERUNIT" val="0"/>
-  <p:tag name="KSO_WM_UNIT_ID" val="_1**"/>
-  <p:tag name="KSO_WM_UNIT_LAYERLEVEL" val="1"/>
-  <p:tag name="KSO_WM_TAG_VERSION" val="1.0"/>
-  <p:tag name="KSO_WM_BEAUTIFY_FLAG" val="#wm#"/>
-</p:tagLst>
-</file>
-
-<file path=ppt/tags/tag20.xml><?xml version="1.0" encoding="utf-8"?>
-<p:tagLst xmlns:p="http://schemas.openxmlformats.org/presentationml/2006/main">
-  <p:tag name="KSO_WM_UNIT_HIGHLIGHT" val="0"/>
-  <p:tag name="KSO_WM_UNIT_COMPATIBLE" val="0"/>
-  <p:tag name="KSO_WM_UNIT_DIAGRAM_ISNUMVISUAL" val="0"/>
-  <p:tag name="KSO_WM_UNIT_DIAGRAM_ISREFERUNIT" val="0"/>
-  <p:tag name="KSO_WM_UNIT_ID" val="_4**"/>
-  <p:tag name="KSO_WM_UNIT_LAYERLEVEL" val="1"/>
-  <p:tag name="KSO_WM_TAG_VERSION" val="1.0"/>
-  <p:tag name="KSO_WM_BEAUTIFY_FLAG" val="#wm#"/>
-</p:tagLst>
-</file>
-
-<file path=ppt/tags/tag21.xml><?xml version="1.0" encoding="utf-8"?>
-<p:tagLst xmlns:p="http://schemas.openxmlformats.org/presentationml/2006/main">
-  <p:tag name="KSO_WM_UNIT_HIGHLIGHT" val="0"/>
-  <p:tag name="KSO_WM_UNIT_COMPATIBLE" val="0"/>
-  <p:tag name="KSO_WM_UNIT_DIAGRAM_ISNUMVISUAL" val="0"/>
-  <p:tag name="KSO_WM_UNIT_DIAGRAM_ISREFERUNIT" val="0"/>
-  <p:tag name="KSO_WM_UNIT_ID" val="_4**"/>
-  <p:tag name="KSO_WM_UNIT_LAYERLEVEL" val="1"/>
-  <p:tag name="KSO_WM_TAG_VERSION" val="1.0"/>
-  <p:tag name="KSO_WM_BEAUTIFY_FLAG" val="#wm#"/>
-</p:tagLst>
-</file>
-
-<file path=ppt/tags/tag22.xml><?xml version="1.0" encoding="utf-8"?>
-<p:tagLst xmlns:p="http://schemas.openxmlformats.org/presentationml/2006/main">
-  <p:tag name="KSO_WM_UNIT_HIGHLIGHT" val="0"/>
-  <p:tag name="KSO_WM_UNIT_COMPATIBLE" val="0"/>
-  <p:tag name="KSO_WM_UNIT_DIAGRAM_ISNUMVISUAL" val="0"/>
-  <p:tag name="KSO_WM_UNIT_DIAGRAM_ISREFERUNIT" val="0"/>
-  <p:tag name="KSO_WM_UNIT_ID" val="_5**"/>
-  <p:tag name="KSO_WM_UNIT_LAYERLEVEL" val="1"/>
-  <p:tag name="KSO_WM_TAG_VERSION" val="1.0"/>
-  <p:tag name="KSO_WM_BEAUTIFY_FLAG" val="#wm#"/>
-</p:tagLst>
-</file>
-
-<file path=ppt/tags/tag23.xml><?xml version="1.0" encoding="utf-8"?>
-<p:tagLst xmlns:p="http://schemas.openxmlformats.org/presentationml/2006/main">
-  <p:tag name="KSO_WM_UNIT_HIGHLIGHT" val="0"/>
-  <p:tag name="KSO_WM_UNIT_COMPATIBLE" val="0"/>
-  <p:tag name="KSO_WM_UNIT_DIAGRAM_ISNUMVISUAL" val="0"/>
-  <p:tag name="KSO_WM_UNIT_DIAGRAM_ISREFERUNIT" val="0"/>
-  <p:tag name="KSO_WM_UNIT_ID" val="_5**"/>
-  <p:tag name="KSO_WM_UNIT_LAYERLEVEL" val="1"/>
-  <p:tag name="KSO_WM_TAG_VERSION" val="1.0"/>
-  <p:tag name="KSO_WM_BEAUTIFY_FLAG" val="#wm#"/>
-</p:tagLst>
-</file>
-
-<file path=ppt/tags/tag24.xml><?xml version="1.0" encoding="utf-8"?>
-<p:tagLst xmlns:p="http://schemas.openxmlformats.org/presentationml/2006/main">
-  <p:tag name="KSO_WM_UNIT_HIGHLIGHT" val="0"/>
-  <p:tag name="KSO_WM_UNIT_COMPATIBLE" val="0"/>
-  <p:tag name="KSO_WM_UNIT_DIAGRAM_ISNUMVISUAL" val="0"/>
-  <p:tag name="KSO_WM_UNIT_DIAGRAM_ISREFERUNIT" val="0"/>
-  <p:tag name="KSO_WM_UNIT_ID" val="_5**"/>
-  <p:tag name="KSO_WM_UNIT_LAYERLEVEL" val="1"/>
-  <p:tag name="KSO_WM_TAG_VERSION" val="1.0"/>
-  <p:tag name="KSO_WM_BEAUTIFY_FLAG" val="#wm#"/>
-</p:tagLst>
-</file>
-
-<file path=ppt/tags/tag25.xml><?xml version="1.0" encoding="utf-8"?>
-<p:tagLst xmlns:p="http://schemas.openxmlformats.org/presentationml/2006/main">
-  <p:tag name="KSO_WM_UNIT_HIGHLIGHT" val="0"/>
-  <p:tag name="KSO_WM_UNIT_COMPATIBLE" val="0"/>
-  <p:tag name="KSO_WM_UNIT_DIAGRAM_ISNUMVISUAL" val="0"/>
-  <p:tag name="KSO_WM_UNIT_DIAGRAM_ISREFERUNIT" val="0"/>
-  <p:tag name="KSO_WM_UNIT_ID" val="_5**"/>
-  <p:tag name="KSO_WM_UNIT_LAYERLEVEL" val="1"/>
-  <p:tag name="KSO_WM_TAG_VERSION" val="1.0"/>
-  <p:tag name="KSO_WM_BEAUTIFY_FLAG" val="#wm#"/>
-</p:tagLst>
-</file>
-
-<file path=ppt/tags/tag26.xml><?xml version="1.0" encoding="utf-8"?>
-<p:tagLst xmlns:p="http://schemas.openxmlformats.org/presentationml/2006/main">
-  <p:tag name="KSO_WM_UNIT_HIGHLIGHT" val="0"/>
-  <p:tag name="KSO_WM_UNIT_COMPATIBLE" val="0"/>
-  <p:tag name="KSO_WM_UNIT_DIAGRAM_ISNUMVISUAL" val="0"/>
-  <p:tag name="KSO_WM_UNIT_DIAGRAM_ISREFERUNIT" val="0"/>
-  <p:tag name="KSO_WM_UNIT_ID" val="_5**"/>
-  <p:tag name="KSO_WM_UNIT_LAYERLEVEL" val="1"/>
-  <p:tag name="KSO_WM_TAG_VERSION" val="1.0"/>
-  <p:tag name="KSO_WM_BEAUTIFY_FLAG" val="#wm#"/>
-</p:tagLst>
-</file>
-
-<file path=ppt/tags/tag27.xml><?xml version="1.0" encoding="utf-8"?>
-<p:tagLst xmlns:p="http://schemas.openxmlformats.org/presentationml/2006/main">
-  <p:tag name="KSO_WM_UNIT_HIGHLIGHT" val="0"/>
-  <p:tag name="KSO_WM_UNIT_COMPATIBLE" val="0"/>
-  <p:tag name="KSO_WM_UNIT_DIAGRAM_ISNUMVISUAL" val="0"/>
-  <p:tag name="KSO_WM_UNIT_DIAGRAM_ISREFERUNIT" val="0"/>
-  <p:tag name="KSO_WM_UNIT_ID" val="_5**"/>
-  <p:tag name="KSO_WM_UNIT_LAYERLEVEL" val="1"/>
-  <p:tag name="KSO_WM_TAG_VERSION" val="1.0"/>
-  <p:tag name="KSO_WM_BEAUTIFY_FLAG" val="#wm#"/>
-</p:tagLst>
-</file>
-
-<file path=ppt/tags/tag28.xml><?xml version="1.0" encoding="utf-8"?>
-<p:tagLst xmlns:p="http://schemas.openxmlformats.org/presentationml/2006/main">
-  <p:tag name="KSO_WM_UNIT_HIGHLIGHT" val="0"/>
-  <p:tag name="KSO_WM_UNIT_COMPATIBLE" val="0"/>
-  <p:tag name="KSO_WM_UNIT_DIAGRAM_ISNUMVISUAL" val="0"/>
-  <p:tag name="KSO_WM_UNIT_DIAGRAM_ISREFERUNIT" val="0"/>
-  <p:tag name="KSO_WM_UNIT_ID" val="_5**"/>
-  <p:tag name="KSO_WM_UNIT_LAYERLEVEL" val="1"/>
-  <p:tag name="KSO_WM_TAG_VERSION" val="1.0"/>
-  <p:tag name="KSO_WM_BEAUTIFY_FLAG" val="#wm#"/>
-</p:tagLst>
-</file>
-
-<file path=ppt/tags/tag29.xml><?xml version="1.0" encoding="utf-8"?>
-<p:tagLst xmlns:p="http://schemas.openxmlformats.org/presentationml/2006/main">
-  <p:tag name="KSO_WM_UNIT_HIGHLIGHT" val="0"/>
-  <p:tag name="KSO_WM_UNIT_COMPATIBLE" val="0"/>
-  <p:tag name="KSO_WM_UNIT_DIAGRAM_ISNUMVISUAL" val="0"/>
-  <p:tag name="KSO_WM_UNIT_DIAGRAM_ISREFERUNIT" val="0"/>
-  <p:tag name="KSO_WM_UNIT_ID" val="_5**"/>
-  <p:tag name="KSO_WM_UNIT_LAYERLEVEL" val="1"/>
-  <p:tag name="KSO_WM_TAG_VERSION" val="1.0"/>
-  <p:tag name="KSO_WM_BEAUTIFY_FLAG" val="#wm#"/>
-</p:tagLst>
-</file>
-
-<file path=ppt/tags/tag3.xml><?xml version="1.0" encoding="utf-8"?>
-<p:tagLst xmlns:p="http://schemas.openxmlformats.org/presentationml/2006/main">
-  <p:tag name="KSO_WM_UNIT_HIGHLIGHT" val="0"/>
-  <p:tag name="KSO_WM_UNIT_COMPATIBLE" val="0"/>
-  <p:tag name="KSO_WM_UNIT_DIAGRAM_ISNUMVISUAL" val="0"/>
-  <p:tag name="KSO_WM_UNIT_DIAGRAM_ISREFERUNIT" val="0"/>
-  <p:tag name="KSO_WM_UNIT_ID" val="_1**"/>
-  <p:tag name="KSO_WM_UNIT_LAYERLEVEL" val="1"/>
-  <p:tag name="KSO_WM_TAG_VERSION" val="1.0"/>
-  <p:tag name="KSO_WM_BEAUTIFY_FLAG" val="#wm#"/>
-</p:tagLst>
-</file>
-
-<file path=ppt/tags/tag30.xml><?xml version="1.0" encoding="utf-8"?>
-<p:tagLst xmlns:p="http://schemas.openxmlformats.org/presentationml/2006/main">
-  <p:tag name="KSO_WM_UNIT_HIGHLIGHT" val="0"/>
-  <p:tag name="KSO_WM_UNIT_COMPATIBLE" val="0"/>
-  <p:tag name="KSO_WM_UNIT_DIAGRAM_ISNUMVISUAL" val="0"/>
-  <p:tag name="KSO_WM_UNIT_DIAGRAM_ISREFERUNIT" val="0"/>
-  <p:tag name="KSO_WM_UNIT_ID" val="_6**"/>
-  <p:tag name="KSO_WM_UNIT_LAYERLEVEL" val="1"/>
-  <p:tag name="KSO_WM_TAG_VERSION" val="1.0"/>
-  <p:tag name="KSO_WM_BEAUTIFY_FLAG" val="#wm#"/>
-</p:tagLst>
-</file>
-
-<file path=ppt/tags/tag31.xml><?xml version="1.0" encoding="utf-8"?>
-<p:tagLst xmlns:p="http://schemas.openxmlformats.org/presentationml/2006/main">
-  <p:tag name="KSO_WM_UNIT_HIGHLIGHT" val="0"/>
-  <p:tag name="KSO_WM_UNIT_COMPATIBLE" val="0"/>
-  <p:tag name="KSO_WM_UNIT_DIAGRAM_ISNUMVISUAL" val="0"/>
-  <p:tag name="KSO_WM_UNIT_DIAGRAM_ISREFERUNIT" val="0"/>
-  <p:tag name="KSO_WM_UNIT_ID" val="_6**"/>
-  <p:tag name="KSO_WM_UNIT_LAYERLEVEL" val="1"/>
-  <p:tag name="KSO_WM_TAG_VERSION" val="1.0"/>
-  <p:tag name="KSO_WM_BEAUTIFY_FLAG" val="#wm#"/>
-</p:tagLst>
-</file>
-
-<file path=ppt/tags/tag32.xml><?xml version="1.0" encoding="utf-8"?>
-<p:tagLst xmlns:p="http://schemas.openxmlformats.org/presentationml/2006/main">
-  <p:tag name="KSO_WM_UNIT_HIGHLIGHT" val="0"/>
-  <p:tag name="KSO_WM_UNIT_COMPATIBLE" val="0"/>
-  <p:tag name="KSO_WM_UNIT_DIAGRAM_ISNUMVISUAL" val="0"/>
-  <p:tag name="KSO_WM_UNIT_DIAGRAM_ISREFERUNIT" val="0"/>
-  <p:tag name="KSO_WM_UNIT_ID" val="_6**"/>
-  <p:tag name="KSO_WM_UNIT_LAYERLEVEL" val="1"/>
-  <p:tag name="KSO_WM_TAG_VERSION" val="1.0"/>
-  <p:tag name="KSO_WM_BEAUTIFY_FLAG" val="#wm#"/>
-</p:tagLst>
-</file>
-
-<file path=ppt/tags/tag33.xml><?xml version="1.0" encoding="utf-8"?>
-<p:tagLst xmlns:p="http://schemas.openxmlformats.org/presentationml/2006/main">
-  <p:tag name="KSO_WM_UNIT_HIGHLIGHT" val="0"/>
-  <p:tag name="KSO_WM_UNIT_COMPATIBLE" val="0"/>
-  <p:tag name="KSO_WM_UNIT_DIAGRAM_ISNUMVISUAL" val="0"/>
-  <p:tag name="KSO_WM_UNIT_DIAGRAM_ISREFERUNIT" val="0"/>
-  <p:tag name="KSO_WM_UNIT_ID" val="_6**"/>
-  <p:tag name="KSO_WM_UNIT_LAYERLEVEL" val="1"/>
-  <p:tag name="KSO_WM_TAG_VERSION" val="1.0"/>
-  <p:tag name="KSO_WM_BEAUTIFY_FLAG" val="#wm#"/>
-</p:tagLst>
-</file>
-
-<file path=ppt/tags/tag34.xml><?xml version="1.0" encoding="utf-8"?>
-<p:tagLst xmlns:p="http://schemas.openxmlformats.org/presentationml/2006/main">
-  <p:tag name="KSO_WM_UNIT_HIGHLIGHT" val="0"/>
-  <p:tag name="KSO_WM_UNIT_COMPATIBLE" val="0"/>
-  <p:tag name="KSO_WM_UNIT_DIAGRAM_ISNUMVISUAL" val="0"/>
-  <p:tag name="KSO_WM_UNIT_DIAGRAM_ISREFERUNIT" val="0"/>
-  <p:tag name="KSO_WM_UNIT_ID" val="_7**"/>
-  <p:tag name="KSO_WM_UNIT_LAYERLEVEL" val="1"/>
-  <p:tag name="KSO_WM_TAG_VERSION" val="1.0"/>
-  <p:tag name="KSO_WM_BEAUTIFY_FLAG" val="#wm#"/>
-</p:tagLst>
-</file>
-
-<file path=ppt/tags/tag35.xml><?xml version="1.0" encoding="utf-8"?>
-<p:tagLst xmlns:p="http://schemas.openxmlformats.org/presentationml/2006/main">
-  <p:tag name="KSO_WM_UNIT_HIGHLIGHT" val="0"/>
-  <p:tag name="KSO_WM_UNIT_COMPATIBLE" val="0"/>
-  <p:tag name="KSO_WM_UNIT_DIAGRAM_ISNUMVISUAL" val="0"/>
-  <p:tag name="KSO_WM_UNIT_DIAGRAM_ISREFERUNIT" val="0"/>
-  <p:tag name="KSO_WM_UNIT_ID" val="_7**"/>
-  <p:tag name="KSO_WM_UNIT_LAYERLEVEL" val="1"/>
-  <p:tag name="KSO_WM_TAG_VERSION" val="1.0"/>
-  <p:tag name="KSO_WM_BEAUTIFY_FLAG" val="#wm#"/>
-</p:tagLst>
-</file>
-
-<file path=ppt/tags/tag36.xml><?xml version="1.0" encoding="utf-8"?>
-<p:tagLst xmlns:p="http://schemas.openxmlformats.org/presentationml/2006/main">
-  <p:tag name="KSO_WM_UNIT_HIGHLIGHT" val="0"/>
-  <p:tag name="KSO_WM_UNIT_COMPATIBLE" val="0"/>
-  <p:tag name="KSO_WM_UNIT_DIAGRAM_ISNUMVISUAL" val="0"/>
-  <p:tag name="KSO_WM_UNIT_DIAGRAM_ISREFERUNIT" val="0"/>
-  <p:tag name="KSO_WM_UNIT_ID" val="_7**"/>
-  <p:tag name="KSO_WM_UNIT_LAYERLEVEL" val="1"/>
-  <p:tag name="KSO_WM_TAG_VERSION" val="1.0"/>
-  <p:tag name="KSO_WM_BEAUTIFY_FLAG" val="#wm#"/>
-</p:tagLst>
-</file>
-
-<file path=ppt/tags/tag37.xml><?xml version="1.0" encoding="utf-8"?>
-<p:tagLst xmlns:p="http://schemas.openxmlformats.org/presentationml/2006/main">
-  <p:tag name="KSO_WM_UNIT_HIGHLIGHT" val="0"/>
-  <p:tag name="KSO_WM_UNIT_COMPATIBLE" val="0"/>
-  <p:tag name="KSO_WM_UNIT_DIAGRAM_ISNUMVISUAL" val="0"/>
-  <p:tag name="KSO_WM_UNIT_DIAGRAM_ISREFERUNIT" val="0"/>
-  <p:tag name="KSO_WM_UNIT_ID" val="_8**"/>
-  <p:tag name="KSO_WM_UNIT_LAYERLEVEL" val="1"/>
-  <p:tag name="KSO_WM_TAG_VERSION" val="1.0"/>
-  <p:tag name="KSO_WM_BEAUTIFY_FLAG" val="#wm#"/>
-</p:tagLst>
-</file>
-
-<file path=ppt/tags/tag38.xml><?xml version="1.0" encoding="utf-8"?>
-<p:tagLst xmlns:p="http://schemas.openxmlformats.org/presentationml/2006/main">
-  <p:tag name="KSO_WM_UNIT_HIGHLIGHT" val="0"/>
-  <p:tag name="KSO_WM_UNIT_COMPATIBLE" val="0"/>
-  <p:tag name="KSO_WM_UNIT_DIAGRAM_ISNUMVISUAL" val="0"/>
-  <p:tag name="KSO_WM_UNIT_DIAGRAM_ISREFERUNIT" val="0"/>
-  <p:tag name="KSO_WM_UNIT_ID" val="_8**"/>
-  <p:tag name="KSO_WM_UNIT_LAYERLEVEL" val="1"/>
-  <p:tag name="KSO_WM_TAG_VERSION" val="1.0"/>
-  <p:tag name="KSO_WM_BEAUTIFY_FLAG" val="#wm#"/>
-</p:tagLst>
-</file>
-
-<file path=ppt/tags/tag39.xml><?xml version="1.0" encoding="utf-8"?>
-<p:tagLst xmlns:p="http://schemas.openxmlformats.org/presentationml/2006/main">
-  <p:tag name="KSO_WM_UNIT_HIGHLIGHT" val="0"/>
-  <p:tag name="KSO_WM_UNIT_COMPATIBLE" val="0"/>
-  <p:tag name="KSO_WM_UNIT_DIAGRAM_ISNUMVISUAL" val="0"/>
-  <p:tag name="KSO_WM_UNIT_DIAGRAM_ISREFERUNIT" val="0"/>
-  <p:tag name="KSO_WM_UNIT_ID" val="_8**"/>
-  <p:tag name="KSO_WM_UNIT_LAYERLEVEL" val="1"/>
-  <p:tag name="KSO_WM_TAG_VERSION" val="1.0"/>
-  <p:tag name="KSO_WM_BEAUTIFY_FLAG" val="#wm#"/>
-</p:tagLst>
-</file>
-
-<file path=ppt/tags/tag4.xml><?xml version="1.0" encoding="utf-8"?>
-<p:tagLst xmlns:p="http://schemas.openxmlformats.org/presentationml/2006/main">
-  <p:tag name="KSO_WM_UNIT_HIGHLIGHT" val="0"/>
-  <p:tag name="KSO_WM_UNIT_COMPATIBLE" val="0"/>
-  <p:tag name="KSO_WM_UNIT_DIAGRAM_ISNUMVISUAL" val="0"/>
-  <p:tag name="KSO_WM_UNIT_DIAGRAM_ISREFERUNIT" val="0"/>
-  <p:tag name="KSO_WM_UNIT_ID" val="_1**"/>
-  <p:tag name="KSO_WM_UNIT_LAYERLEVEL" val="1"/>
-  <p:tag name="KSO_WM_TAG_VERSION" val="1.0"/>
-  <p:tag name="KSO_WM_BEAUTIFY_FLAG" val="#wm#"/>
-</p:tagLst>
-</file>
-
-<file path=ppt/tags/tag40.xml><?xml version="1.0" encoding="utf-8"?>
-<p:tagLst xmlns:p="http://schemas.openxmlformats.org/presentationml/2006/main">
-  <p:tag name="KSO_WM_UNIT_HIGHLIGHT" val="0"/>
-  <p:tag name="KSO_WM_UNIT_COMPATIBLE" val="0"/>
-  <p:tag name="KSO_WM_UNIT_DIAGRAM_ISNUMVISUAL" val="0"/>
-  <p:tag name="KSO_WM_UNIT_DIAGRAM_ISREFERUNIT" val="0"/>
-  <p:tag name="KSO_WM_UNIT_ID" val="_8**"/>
-  <p:tag name="KSO_WM_UNIT_LAYERLEVEL" val="1"/>
-  <p:tag name="KSO_WM_TAG_VERSION" val="1.0"/>
-  <p:tag name="KSO_WM_BEAUTIFY_FLAG" val="#wm#"/>
-</p:tagLst>
-</file>
-
-<file path=ppt/tags/tag41.xml><?xml version="1.0" encoding="utf-8"?>
-<p:tagLst xmlns:p="http://schemas.openxmlformats.org/presentationml/2006/main">
-  <p:tag name="KSO_WM_UNIT_HIGHLIGHT" val="0"/>
-  <p:tag name="KSO_WM_UNIT_COMPATIBLE" val="0"/>
-  <p:tag name="KSO_WM_UNIT_DIAGRAM_ISNUMVISUAL" val="0"/>
-  <p:tag name="KSO_WM_UNIT_DIAGRAM_ISREFERUNIT" val="0"/>
-  <p:tag name="KSO_WM_UNIT_ID" val="_8**"/>
-  <p:tag name="KSO_WM_UNIT_LAYERLEVEL" val="1"/>
-  <p:tag name="KSO_WM_TAG_VERSION" val="1.0"/>
-  <p:tag name="KSO_WM_BEAUTIFY_FLAG" val="#wm#"/>
-</p:tagLst>
-</file>
-
-<file path=ppt/tags/tag42.xml><?xml version="1.0" encoding="utf-8"?>
-<p:tagLst xmlns:p="http://schemas.openxmlformats.org/presentationml/2006/main">
-  <p:tag name="KSO_WM_UNIT_HIGHLIGHT" val="0"/>
-  <p:tag name="KSO_WM_UNIT_COMPATIBLE" val="0"/>
-  <p:tag name="KSO_WM_UNIT_DIAGRAM_ISNUMVISUAL" val="0"/>
-  <p:tag name="KSO_WM_UNIT_DIAGRAM_ISREFERUNIT" val="0"/>
-  <p:tag name="KSO_WM_UNIT_ID" val="_8**"/>
-  <p:tag name="KSO_WM_UNIT_LAYERLEVEL" val="1"/>
-  <p:tag name="KSO_WM_TAG_VERSION" val="1.0"/>
-  <p:tag name="KSO_WM_BEAUTIFY_FLAG" val="#wm#"/>
-</p:tagLst>
-</file>
-
-<file path=ppt/tags/tag43.xml><?xml version="1.0" encoding="utf-8"?>
-<p:tagLst xmlns:p="http://schemas.openxmlformats.org/presentationml/2006/main">
-  <p:tag name="KSO_WM_UNIT_HIGHLIGHT" val="0"/>
-  <p:tag name="KSO_WM_UNIT_COMPATIBLE" val="0"/>
-  <p:tag name="KSO_WM_UNIT_DIAGRAM_ISNUMVISUAL" val="0"/>
-  <p:tag name="KSO_WM_UNIT_DIAGRAM_ISREFERUNIT" val="0"/>
-  <p:tag name="KSO_WM_UNIT_ID" val="_9**"/>
-  <p:tag name="KSO_WM_UNIT_LAYERLEVEL" val="1"/>
-  <p:tag name="KSO_WM_TAG_VERSION" val="1.0"/>
-  <p:tag name="KSO_WM_BEAUTIFY_FLAG" val="#wm#"/>
-</p:tagLst>
-</file>
-
-<file path=ppt/tags/tag44.xml><?xml version="1.0" encoding="utf-8"?>
-<p:tagLst xmlns:p="http://schemas.openxmlformats.org/presentationml/2006/main">
-  <p:tag name="KSO_WM_UNIT_HIGHLIGHT" val="0"/>
-  <p:tag name="KSO_WM_UNIT_COMPATIBLE" val="0"/>
-  <p:tag name="KSO_WM_UNIT_DIAGRAM_ISNUMVISUAL" val="0"/>
-  <p:tag name="KSO_WM_UNIT_DIAGRAM_ISREFERUNIT" val="0"/>
-  <p:tag name="KSO_WM_UNIT_ID" val="_9**"/>
-  <p:tag name="KSO_WM_UNIT_LAYERLEVEL" val="1"/>
-  <p:tag name="KSO_WM_TAG_VERSION" val="1.0"/>
-  <p:tag name="KSO_WM_BEAUTIFY_FLAG" val="#wm#"/>
-</p:tagLst>
-</file>
-
-<file path=ppt/tags/tag45.xml><?xml version="1.0" encoding="utf-8"?>
-<p:tagLst xmlns:p="http://schemas.openxmlformats.org/presentationml/2006/main">
-  <p:tag name="KSO_WM_UNIT_HIGHLIGHT" val="0"/>
-  <p:tag name="KSO_WM_UNIT_COMPATIBLE" val="0"/>
-  <p:tag name="KSO_WM_UNIT_DIAGRAM_ISNUMVISUAL" val="0"/>
-  <p:tag name="KSO_WM_UNIT_DIAGRAM_ISREFERUNIT" val="0"/>
-  <p:tag name="KSO_WM_UNIT_ID" val="_9**"/>
-  <p:tag name="KSO_WM_UNIT_LAYERLEVEL" val="1"/>
-  <p:tag name="KSO_WM_TAG_VERSION" val="1.0"/>
-  <p:tag name="KSO_WM_BEAUTIFY_FLAG" val="#wm#"/>
-</p:tagLst>
-</file>
-
-<file path=ppt/tags/tag46.xml><?xml version="1.0" encoding="utf-8"?>
-<p:tagLst xmlns:p="http://schemas.openxmlformats.org/presentationml/2006/main">
-  <p:tag name="KSO_WM_UNIT_HIGHLIGHT" val="0"/>
-  <p:tag name="KSO_WM_UNIT_COMPATIBLE" val="0"/>
-  <p:tag name="KSO_WM_UNIT_DIAGRAM_ISNUMVISUAL" val="0"/>
-  <p:tag name="KSO_WM_UNIT_DIAGRAM_ISREFERUNIT" val="0"/>
-  <p:tag name="KSO_WM_UNIT_ID" val="_9**"/>
-  <p:tag name="KSO_WM_UNIT_LAYERLEVEL" val="1"/>
-  <p:tag name="KSO_WM_TAG_VERSION" val="1.0"/>
-  <p:tag name="KSO_WM_BEAUTIFY_FLAG" val="#wm#"/>
-</p:tagLst>
-</file>
-
-<file path=ppt/tags/tag47.xml><?xml version="1.0" encoding="utf-8"?>
-<p:tagLst xmlns:p="http://schemas.openxmlformats.org/presentationml/2006/main">
-  <p:tag name="KSO_WM_UNIT_HIGHLIGHT" val="0"/>
-  <p:tag name="KSO_WM_UNIT_COMPATIBLE" val="0"/>
-  <p:tag name="KSO_WM_UNIT_DIAGRAM_ISNUMVISUAL" val="0"/>
-  <p:tag name="KSO_WM_UNIT_DIAGRAM_ISREFERUNIT" val="0"/>
-  <p:tag name="KSO_WM_UNIT_ID" val="_9**"/>
-  <p:tag name="KSO_WM_UNIT_LAYERLEVEL" val="1"/>
-  <p:tag name="KSO_WM_TAG_VERSION" val="1.0"/>
-  <p:tag name="KSO_WM_BEAUTIFY_FLAG" val="#wm#"/>
-</p:tagLst>
-</file>
-
-<file path=ppt/tags/tag48.xml><?xml version="1.0" encoding="utf-8"?>
-<p:tagLst xmlns:p="http://schemas.openxmlformats.org/presentationml/2006/main">
-  <p:tag name="KSO_WM_UNIT_HIGHLIGHT" val="0"/>
-  <p:tag name="KSO_WM_UNIT_COMPATIBLE" val="0"/>
-  <p:tag name="KSO_WM_UNIT_DIAGRAM_ISNUMVISUAL" val="0"/>
-  <p:tag name="KSO_WM_UNIT_DIAGRAM_ISREFERUNIT" val="0"/>
-  <p:tag name="KSO_WM_UNIT_ID" val="_10**"/>
-  <p:tag name="KSO_WM_UNIT_LAYERLEVEL" val="1"/>
-  <p:tag name="KSO_WM_TAG_VERSION" val="1.0"/>
-  <p:tag name="KSO_WM_BEAUTIFY_FLAG" val="#wm#"/>
-</p:tagLst>
-</file>
-
-<file path=ppt/tags/tag49.xml><?xml version="1.0" encoding="utf-8"?>
-<p:tagLst xmlns:p="http://schemas.openxmlformats.org/presentationml/2006/main">
-  <p:tag name="KSO_WM_UNIT_HIGHLIGHT" val="0"/>
-  <p:tag name="KSO_WM_UNIT_COMPATIBLE" val="0"/>
-  <p:tag name="KSO_WM_UNIT_DIAGRAM_ISNUMVISUAL" val="0"/>
-  <p:tag name="KSO_WM_UNIT_DIAGRAM_ISREFERUNIT" val="0"/>
-  <p:tag name="KSO_WM_UNIT_ID" val="_10**"/>
-  <p:tag name="KSO_WM_UNIT_LAYERLEVEL" val="1"/>
-  <p:tag name="KSO_WM_TAG_VERSION" val="1.0"/>
-  <p:tag name="KSO_WM_BEAUTIFY_FLAG" val="#wm#"/>
-</p:tagLst>
-</file>
-
-<file path=ppt/tags/tag5.xml><?xml version="1.0" encoding="utf-8"?>
-<p:tagLst xmlns:p="http://schemas.openxmlformats.org/presentationml/2006/main">
-  <p:tag name="KSO_WM_UNIT_HIGHLIGHT" val="0"/>
-  <p:tag name="KSO_WM_UNIT_COMPATIBLE" val="0"/>
-  <p:tag name="KSO_WM_UNIT_DIAGRAM_ISNUMVISUAL" val="0"/>
-  <p:tag name="KSO_WM_UNIT_DIAGRAM_ISREFERUNIT" val="0"/>
-  <p:tag name="KSO_WM_UNIT_ID" val="_1**"/>
-  <p:tag name="KSO_WM_UNIT_LAYERLEVEL" val="1"/>
-  <p:tag name="KSO_WM_TAG_VERSION" val="1.0"/>
-  <p:tag name="KSO_WM_BEAUTIFY_FLAG" val="#wm#"/>
-</p:tagLst>
-</file>
-
-<file path=ppt/tags/tag50.xml><?xml version="1.0" encoding="utf-8"?>
-<p:tagLst xmlns:p="http://schemas.openxmlformats.org/presentationml/2006/main">
-  <p:tag name="KSO_WM_UNIT_HIGHLIGHT" val="0"/>
-  <p:tag name="KSO_WM_UNIT_COMPATIBLE" val="0"/>
-  <p:tag name="KSO_WM_UNIT_DIAGRAM_ISNUMVISUAL" val="0"/>
-  <p:tag name="KSO_WM_UNIT_DIAGRAM_ISREFERUNIT" val="0"/>
-  <p:tag name="KSO_WM_UNIT_ID" val="_10**"/>
-  <p:tag name="KSO_WM_UNIT_LAYERLEVEL" val="1"/>
-  <p:tag name="KSO_WM_TAG_VERSION" val="1.0"/>
-  <p:tag name="KSO_WM_BEAUTIFY_FLAG" val="#wm#"/>
-</p:tagLst>
-</file>
-
-<file path=ppt/tags/tag51.xml><?xml version="1.0" encoding="utf-8"?>
-<p:tagLst xmlns:p="http://schemas.openxmlformats.org/presentationml/2006/main">
-  <p:tag name="KSO_WM_UNIT_HIGHLIGHT" val="0"/>
-  <p:tag name="KSO_WM_UNIT_COMPATIBLE" val="0"/>
-  <p:tag name="KSO_WM_UNIT_DIAGRAM_ISNUMVISUAL" val="0"/>
-  <p:tag name="KSO_WM_UNIT_DIAGRAM_ISREFERUNIT" val="0"/>
-  <p:tag name="KSO_WM_UNIT_ID" val="_10**"/>
-  <p:tag name="KSO_WM_UNIT_LAYERLEVEL" val="1"/>
-  <p:tag name="KSO_WM_TAG_VERSION" val="1.0"/>
-  <p:tag name="KSO_WM_BEAUTIFY_FLAG" val="#wm#"/>
-</p:tagLst>
-</file>
-
-<file path=ppt/tags/tag52.xml><?xml version="1.0" encoding="utf-8"?>
-<p:tagLst xmlns:p="http://schemas.openxmlformats.org/presentationml/2006/main">
-  <p:tag name="KSO_WM_UNIT_HIGHLIGHT" val="0"/>
-  <p:tag name="KSO_WM_UNIT_COMPATIBLE" val="0"/>
-  <p:tag name="KSO_WM_UNIT_DIAGRAM_ISNUMVISUAL" val="0"/>
-  <p:tag name="KSO_WM_UNIT_DIAGRAM_ISREFERUNIT" val="0"/>
-  <p:tag name="KSO_WM_UNIT_ID" val="_11**"/>
-  <p:tag name="KSO_WM_UNIT_LAYERLEVEL" val="1"/>
-  <p:tag name="KSO_WM_TAG_VERSION" val="1.0"/>
-  <p:tag name="KSO_WM_BEAUTIFY_FLAG" val="#wm#"/>
-</p:tagLst>
-</file>
-
-<file path=ppt/tags/tag53.xml><?xml version="1.0" encoding="utf-8"?>
-<p:tagLst xmlns:p="http://schemas.openxmlformats.org/presentationml/2006/main">
-  <p:tag name="KSO_WM_UNIT_HIGHLIGHT" val="0"/>
-  <p:tag name="KSO_WM_UNIT_COMPATIBLE" val="0"/>
-  <p:tag name="KSO_WM_UNIT_DIAGRAM_ISNUMVISUAL" val="0"/>
-  <p:tag name="KSO_WM_UNIT_DIAGRAM_ISREFERUNIT" val="0"/>
-  <p:tag name="KSO_WM_UNIT_ID" val="_11**"/>
-  <p:tag name="KSO_WM_UNIT_LAYERLEVEL" val="1"/>
-  <p:tag name="KSO_WM_TAG_VERSION" val="1.0"/>
-  <p:tag name="KSO_WM_BEAUTIFY_FLAG" val="#wm#"/>
-</p:tagLst>
-</file>
-
-<file path=ppt/tags/tag54.xml><?xml version="1.0" encoding="utf-8"?>
-<p:tagLst xmlns:p="http://schemas.openxmlformats.org/presentationml/2006/main">
-  <p:tag name="KSO_WM_UNIT_HIGHLIGHT" val="0"/>
-  <p:tag name="KSO_WM_UNIT_COMPATIBLE" val="0"/>
-  <p:tag name="KSO_WM_UNIT_DIAGRAM_ISNUMVISUAL" val="0"/>
-  <p:tag name="KSO_WM_UNIT_DIAGRAM_ISREFERUNIT" val="0"/>
-  <p:tag name="KSO_WM_UNIT_ID" val="_11**"/>
-  <p:tag name="KSO_WM_UNIT_LAYERLEVEL" val="1"/>
-  <p:tag name="KSO_WM_TAG_VERSION" val="1.0"/>
-  <p:tag name="KSO_WM_BEAUTIFY_FLAG" val="#wm#"/>
-</p:tagLst>
-</file>
-
-<file path=ppt/tags/tag55.xml><?xml version="1.0" encoding="utf-8"?>
-<p:tagLst xmlns:p="http://schemas.openxmlformats.org/presentationml/2006/main">
-  <p:tag name="KSO_WM_UNIT_HIGHLIGHT" val="0"/>
-  <p:tag name="KSO_WM_UNIT_COMPATIBLE" val="0"/>
-  <p:tag name="KSO_WM_UNIT_DIAGRAM_ISNUMVISUAL" val="0"/>
-  <p:tag name="KSO_WM_UNIT_DIAGRAM_ISREFERUNIT" val="0"/>
-  <p:tag name="KSO_WM_UNIT_ID" val="_11**"/>
-  <p:tag name="KSO_WM_UNIT_LAYERLEVEL" val="1"/>
-  <p:tag name="KSO_WM_TAG_VERSION" val="1.0"/>
-  <p:tag name="KSO_WM_BEAUTIFY_FLAG" val="#wm#"/>
-</p:tagLst>
-</file>
-
-<file path=ppt/tags/tag56.xml><?xml version="1.0" encoding="utf-8"?>
-<p:tagLst xmlns:p="http://schemas.openxmlformats.org/presentationml/2006/main">
-  <p:tag name="KSO_WM_UNIT_HIGHLIGHT" val="0"/>
-  <p:tag name="KSO_WM_UNIT_COMPATIBLE" val="0"/>
-  <p:tag name="KSO_WM_UNIT_DIAGRAM_ISNUMVISUAL" val="0"/>
-  <p:tag name="KSO_WM_UNIT_DIAGRAM_ISREFERUNIT" val="0"/>
-  <p:tag name="KSO_WM_UNIT_ID" val="_11**"/>
-  <p:tag name="KSO_WM_UNIT_LAYERLEVEL" val="1"/>
-  <p:tag name="KSO_WM_TAG_VERSION" val="1.0"/>
-  <p:tag name="KSO_WM_BEAUTIFY_FLAG" val="#wm#"/>
-</p:tagLst>
-</file>
-
-<file path=ppt/tags/tag57.xml><?xml version="1.0" encoding="utf-8"?>
-<p:tagLst xmlns:p="http://schemas.openxmlformats.org/presentationml/2006/main">
+<p:tagLst xmlns:a="http://schemas.openxmlformats.org/drawingml/2006/main" xmlns:r="http://schemas.openxmlformats.org/officeDocument/2006/relationships" xmlns:p="http://schemas.openxmlformats.org/presentationml/2006/main">
   <p:tag name="KSO_WM_UNIT_HIGHLIGHT" val="0"/>
   <p:tag name="KSO_WM_UNIT_COMPATIBLE" val="0"/>
   <p:tag name="KSO_WM_UNIT_DIAGRAM_ISNUMVISUAL" val="0"/>
@@ -21905,8 +20645,138 @@
 </p:tagLst>
 </file>
 
-<file path=ppt/tags/tag58.xml><?xml version="1.0" encoding="utf-8"?>
-<p:tagLst xmlns:p="http://schemas.openxmlformats.org/presentationml/2006/main">
+<file path=ppt/tags/tag20.xml><?xml version="1.0" encoding="utf-8"?>
+<p:tagLst xmlns:a="http://schemas.openxmlformats.org/drawingml/2006/main" xmlns:r="http://schemas.openxmlformats.org/officeDocument/2006/relationships" xmlns:p="http://schemas.openxmlformats.org/presentationml/2006/main">
+  <p:tag name="KSO_WM_UNIT_HIGHLIGHT" val="0"/>
+  <p:tag name="KSO_WM_UNIT_COMPATIBLE" val="0"/>
+  <p:tag name="KSO_WM_UNIT_DIAGRAM_ISNUMVISUAL" val="0"/>
+  <p:tag name="KSO_WM_UNIT_DIAGRAM_ISREFERUNIT" val="0"/>
+  <p:tag name="KSO_WM_UNIT_ID" val="_3**"/>
+  <p:tag name="KSO_WM_UNIT_LAYERLEVEL" val="1"/>
+  <p:tag name="KSO_WM_TAG_VERSION" val="1.0"/>
+  <p:tag name="KSO_WM_BEAUTIFY_FLAG" val="#wm#"/>
+</p:tagLst>
+</file>
+
+<file path=ppt/tags/tag21.xml><?xml version="1.0" encoding="utf-8"?>
+<p:tagLst xmlns:a="http://schemas.openxmlformats.org/drawingml/2006/main" xmlns:r="http://schemas.openxmlformats.org/officeDocument/2006/relationships" xmlns:p="http://schemas.openxmlformats.org/presentationml/2006/main">
+  <p:tag name="KSO_WM_UNIT_HIGHLIGHT" val="0"/>
+  <p:tag name="KSO_WM_UNIT_COMPATIBLE" val="0"/>
+  <p:tag name="KSO_WM_UNIT_DIAGRAM_ISNUMVISUAL" val="0"/>
+  <p:tag name="KSO_WM_UNIT_DIAGRAM_ISREFERUNIT" val="0"/>
+  <p:tag name="KSO_WM_UNIT_ID" val="_3**"/>
+  <p:tag name="KSO_WM_UNIT_LAYERLEVEL" val="1"/>
+  <p:tag name="KSO_WM_TAG_VERSION" val="1.0"/>
+  <p:tag name="KSO_WM_BEAUTIFY_FLAG" val="#wm#"/>
+</p:tagLst>
+</file>
+
+<file path=ppt/tags/tag22.xml><?xml version="1.0" encoding="utf-8"?>
+<p:tagLst xmlns:a="http://schemas.openxmlformats.org/drawingml/2006/main" xmlns:r="http://schemas.openxmlformats.org/officeDocument/2006/relationships" xmlns:p="http://schemas.openxmlformats.org/presentationml/2006/main">
+  <p:tag name="KSO_WM_UNIT_HIGHLIGHT" val="0"/>
+  <p:tag name="KSO_WM_UNIT_COMPATIBLE" val="0"/>
+  <p:tag name="KSO_WM_UNIT_DIAGRAM_ISNUMVISUAL" val="0"/>
+  <p:tag name="KSO_WM_UNIT_DIAGRAM_ISREFERUNIT" val="0"/>
+  <p:tag name="KSO_WM_UNIT_ID" val="_4**"/>
+  <p:tag name="KSO_WM_UNIT_LAYERLEVEL" val="1"/>
+  <p:tag name="KSO_WM_TAG_VERSION" val="1.0"/>
+  <p:tag name="KSO_WM_BEAUTIFY_FLAG" val="#wm#"/>
+</p:tagLst>
+</file>
+
+<file path=ppt/tags/tag23.xml><?xml version="1.0" encoding="utf-8"?>
+<p:tagLst xmlns:a="http://schemas.openxmlformats.org/drawingml/2006/main" xmlns:r="http://schemas.openxmlformats.org/officeDocument/2006/relationships" xmlns:p="http://schemas.openxmlformats.org/presentationml/2006/main">
+  <p:tag name="KSO_WM_UNIT_HIGHLIGHT" val="0"/>
+  <p:tag name="KSO_WM_UNIT_COMPATIBLE" val="0"/>
+  <p:tag name="KSO_WM_UNIT_DIAGRAM_ISNUMVISUAL" val="0"/>
+  <p:tag name="KSO_WM_UNIT_DIAGRAM_ISREFERUNIT" val="0"/>
+  <p:tag name="KSO_WM_UNIT_ID" val="_4**"/>
+  <p:tag name="KSO_WM_UNIT_LAYERLEVEL" val="1"/>
+  <p:tag name="KSO_WM_TAG_VERSION" val="1.0"/>
+  <p:tag name="KSO_WM_BEAUTIFY_FLAG" val="#wm#"/>
+</p:tagLst>
+</file>
+
+<file path=ppt/tags/tag24.xml><?xml version="1.0" encoding="utf-8"?>
+<p:tagLst xmlns:a="http://schemas.openxmlformats.org/drawingml/2006/main" xmlns:r="http://schemas.openxmlformats.org/officeDocument/2006/relationships" xmlns:p="http://schemas.openxmlformats.org/presentationml/2006/main">
+  <p:tag name="KSO_WM_UNIT_HIGHLIGHT" val="0"/>
+  <p:tag name="KSO_WM_UNIT_COMPATIBLE" val="0"/>
+  <p:tag name="KSO_WM_UNIT_DIAGRAM_ISNUMVISUAL" val="0"/>
+  <p:tag name="KSO_WM_UNIT_DIAGRAM_ISREFERUNIT" val="0"/>
+  <p:tag name="KSO_WM_UNIT_ID" val="_4**"/>
+  <p:tag name="KSO_WM_UNIT_LAYERLEVEL" val="1"/>
+  <p:tag name="KSO_WM_TAG_VERSION" val="1.0"/>
+  <p:tag name="KSO_WM_BEAUTIFY_FLAG" val="#wm#"/>
+</p:tagLst>
+</file>
+
+<file path=ppt/tags/tag25.xml><?xml version="1.0" encoding="utf-8"?>
+<p:tagLst xmlns:a="http://schemas.openxmlformats.org/drawingml/2006/main" xmlns:r="http://schemas.openxmlformats.org/officeDocument/2006/relationships" xmlns:p="http://schemas.openxmlformats.org/presentationml/2006/main">
+  <p:tag name="KSO_WM_UNIT_HIGHLIGHT" val="0"/>
+  <p:tag name="KSO_WM_UNIT_COMPATIBLE" val="0"/>
+  <p:tag name="KSO_WM_UNIT_DIAGRAM_ISNUMVISUAL" val="0"/>
+  <p:tag name="KSO_WM_UNIT_DIAGRAM_ISREFERUNIT" val="0"/>
+  <p:tag name="KSO_WM_UNIT_ID" val="_4**"/>
+  <p:tag name="KSO_WM_UNIT_LAYERLEVEL" val="1"/>
+  <p:tag name="KSO_WM_TAG_VERSION" val="1.0"/>
+  <p:tag name="KSO_WM_BEAUTIFY_FLAG" val="#wm#"/>
+</p:tagLst>
+</file>
+
+<file path=ppt/tags/tag26.xml><?xml version="1.0" encoding="utf-8"?>
+<p:tagLst xmlns:a="http://schemas.openxmlformats.org/drawingml/2006/main" xmlns:r="http://schemas.openxmlformats.org/officeDocument/2006/relationships" xmlns:p="http://schemas.openxmlformats.org/presentationml/2006/main">
+  <p:tag name="KSO_WM_UNIT_HIGHLIGHT" val="0"/>
+  <p:tag name="KSO_WM_UNIT_COMPATIBLE" val="0"/>
+  <p:tag name="KSO_WM_UNIT_DIAGRAM_ISNUMVISUAL" val="0"/>
+  <p:tag name="KSO_WM_UNIT_DIAGRAM_ISREFERUNIT" val="0"/>
+  <p:tag name="KSO_WM_UNIT_ID" val="_4**"/>
+  <p:tag name="KSO_WM_UNIT_LAYERLEVEL" val="1"/>
+  <p:tag name="KSO_WM_TAG_VERSION" val="1.0"/>
+  <p:tag name="KSO_WM_BEAUTIFY_FLAG" val="#wm#"/>
+</p:tagLst>
+</file>
+
+<file path=ppt/tags/tag27.xml><?xml version="1.0" encoding="utf-8"?>
+<p:tagLst xmlns:a="http://schemas.openxmlformats.org/drawingml/2006/main" xmlns:r="http://schemas.openxmlformats.org/officeDocument/2006/relationships" xmlns:p="http://schemas.openxmlformats.org/presentationml/2006/main">
+  <p:tag name="KSO_WM_UNIT_HIGHLIGHT" val="0"/>
+  <p:tag name="KSO_WM_UNIT_COMPATIBLE" val="0"/>
+  <p:tag name="KSO_WM_UNIT_DIAGRAM_ISNUMVISUAL" val="0"/>
+  <p:tag name="KSO_WM_UNIT_DIAGRAM_ISREFERUNIT" val="0"/>
+  <p:tag name="KSO_WM_UNIT_ID" val="_4**"/>
+  <p:tag name="KSO_WM_UNIT_LAYERLEVEL" val="1"/>
+  <p:tag name="KSO_WM_TAG_VERSION" val="1.0"/>
+  <p:tag name="KSO_WM_BEAUTIFY_FLAG" val="#wm#"/>
+</p:tagLst>
+</file>
+
+<file path=ppt/tags/tag28.xml><?xml version="1.0" encoding="utf-8"?>
+<p:tagLst xmlns:a="http://schemas.openxmlformats.org/drawingml/2006/main" xmlns:r="http://schemas.openxmlformats.org/officeDocument/2006/relationships" xmlns:p="http://schemas.openxmlformats.org/presentationml/2006/main">
+  <p:tag name="KSO_WM_UNIT_HIGHLIGHT" val="0"/>
+  <p:tag name="KSO_WM_UNIT_COMPATIBLE" val="0"/>
+  <p:tag name="KSO_WM_UNIT_DIAGRAM_ISNUMVISUAL" val="0"/>
+  <p:tag name="KSO_WM_UNIT_DIAGRAM_ISREFERUNIT" val="0"/>
+  <p:tag name="KSO_WM_UNIT_ID" val="_5**"/>
+  <p:tag name="KSO_WM_UNIT_LAYERLEVEL" val="1"/>
+  <p:tag name="KSO_WM_TAG_VERSION" val="1.0"/>
+  <p:tag name="KSO_WM_BEAUTIFY_FLAG" val="#wm#"/>
+</p:tagLst>
+</file>
+
+<file path=ppt/tags/tag29.xml><?xml version="1.0" encoding="utf-8"?>
+<p:tagLst xmlns:a="http://schemas.openxmlformats.org/drawingml/2006/main" xmlns:r="http://schemas.openxmlformats.org/officeDocument/2006/relationships" xmlns:p="http://schemas.openxmlformats.org/presentationml/2006/main">
+  <p:tag name="KSO_WM_UNIT_HIGHLIGHT" val="0"/>
+  <p:tag name="KSO_WM_UNIT_COMPATIBLE" val="0"/>
+  <p:tag name="KSO_WM_UNIT_DIAGRAM_ISNUMVISUAL" val="0"/>
+  <p:tag name="KSO_WM_UNIT_DIAGRAM_ISREFERUNIT" val="0"/>
+  <p:tag name="KSO_WM_UNIT_ID" val="_5**"/>
+  <p:tag name="KSO_WM_UNIT_LAYERLEVEL" val="1"/>
+  <p:tag name="KSO_WM_TAG_VERSION" val="1.0"/>
+  <p:tag name="KSO_WM_BEAUTIFY_FLAG" val="#wm#"/>
+</p:tagLst>
+</file>
+
+<file path=ppt/tags/tag3.xml><?xml version="1.0" encoding="utf-8"?>
+<p:tagLst xmlns:a="http://schemas.openxmlformats.org/drawingml/2006/main" xmlns:r="http://schemas.openxmlformats.org/officeDocument/2006/relationships" xmlns:p="http://schemas.openxmlformats.org/presentationml/2006/main">
   <p:tag name="KSO_WM_UNIT_HIGHLIGHT" val="0"/>
   <p:tag name="KSO_WM_UNIT_COMPATIBLE" val="0"/>
   <p:tag name="KSO_WM_UNIT_DIAGRAM_ISNUMVISUAL" val="0"/>
@@ -21920,8 +20790,138 @@
 </p:tagLst>
 </file>
 
-<file path=ppt/tags/tag59.xml><?xml version="1.0" encoding="utf-8"?>
-<p:tagLst xmlns:p="http://schemas.openxmlformats.org/presentationml/2006/main">
+<file path=ppt/tags/tag30.xml><?xml version="1.0" encoding="utf-8"?>
+<p:tagLst xmlns:a="http://schemas.openxmlformats.org/drawingml/2006/main" xmlns:r="http://schemas.openxmlformats.org/officeDocument/2006/relationships" xmlns:p="http://schemas.openxmlformats.org/presentationml/2006/main">
+  <p:tag name="KSO_WM_UNIT_HIGHLIGHT" val="0"/>
+  <p:tag name="KSO_WM_UNIT_COMPATIBLE" val="0"/>
+  <p:tag name="KSO_WM_UNIT_DIAGRAM_ISNUMVISUAL" val="0"/>
+  <p:tag name="KSO_WM_UNIT_DIAGRAM_ISREFERUNIT" val="0"/>
+  <p:tag name="KSO_WM_UNIT_ID" val="_5**"/>
+  <p:tag name="KSO_WM_UNIT_LAYERLEVEL" val="1"/>
+  <p:tag name="KSO_WM_TAG_VERSION" val="1.0"/>
+  <p:tag name="KSO_WM_BEAUTIFY_FLAG" val="#wm#"/>
+</p:tagLst>
+</file>
+
+<file path=ppt/tags/tag31.xml><?xml version="1.0" encoding="utf-8"?>
+<p:tagLst xmlns:a="http://schemas.openxmlformats.org/drawingml/2006/main" xmlns:r="http://schemas.openxmlformats.org/officeDocument/2006/relationships" xmlns:p="http://schemas.openxmlformats.org/presentationml/2006/main">
+  <p:tag name="KSO_WM_UNIT_HIGHLIGHT" val="0"/>
+  <p:tag name="KSO_WM_UNIT_COMPATIBLE" val="0"/>
+  <p:tag name="KSO_WM_UNIT_DIAGRAM_ISNUMVISUAL" val="0"/>
+  <p:tag name="KSO_WM_UNIT_DIAGRAM_ISREFERUNIT" val="0"/>
+  <p:tag name="KSO_WM_UNIT_ID" val="_5**"/>
+  <p:tag name="KSO_WM_UNIT_LAYERLEVEL" val="1"/>
+  <p:tag name="KSO_WM_TAG_VERSION" val="1.0"/>
+  <p:tag name="KSO_WM_BEAUTIFY_FLAG" val="#wm#"/>
+</p:tagLst>
+</file>
+
+<file path=ppt/tags/tag32.xml><?xml version="1.0" encoding="utf-8"?>
+<p:tagLst xmlns:a="http://schemas.openxmlformats.org/drawingml/2006/main" xmlns:r="http://schemas.openxmlformats.org/officeDocument/2006/relationships" xmlns:p="http://schemas.openxmlformats.org/presentationml/2006/main">
+  <p:tag name="KSO_WM_UNIT_HIGHLIGHT" val="0"/>
+  <p:tag name="KSO_WM_UNIT_COMPATIBLE" val="0"/>
+  <p:tag name="KSO_WM_UNIT_DIAGRAM_ISNUMVISUAL" val="0"/>
+  <p:tag name="KSO_WM_UNIT_DIAGRAM_ISREFERUNIT" val="0"/>
+  <p:tag name="KSO_WM_UNIT_ID" val="_5**"/>
+  <p:tag name="KSO_WM_UNIT_LAYERLEVEL" val="1"/>
+  <p:tag name="KSO_WM_TAG_VERSION" val="1.0"/>
+  <p:tag name="KSO_WM_BEAUTIFY_FLAG" val="#wm#"/>
+</p:tagLst>
+</file>
+
+<file path=ppt/tags/tag33.xml><?xml version="1.0" encoding="utf-8"?>
+<p:tagLst xmlns:a="http://schemas.openxmlformats.org/drawingml/2006/main" xmlns:r="http://schemas.openxmlformats.org/officeDocument/2006/relationships" xmlns:p="http://schemas.openxmlformats.org/presentationml/2006/main">
+  <p:tag name="KSO_WM_UNIT_HIGHLIGHT" val="0"/>
+  <p:tag name="KSO_WM_UNIT_COMPATIBLE" val="0"/>
+  <p:tag name="KSO_WM_UNIT_DIAGRAM_ISNUMVISUAL" val="0"/>
+  <p:tag name="KSO_WM_UNIT_DIAGRAM_ISREFERUNIT" val="0"/>
+  <p:tag name="KSO_WM_UNIT_ID" val="_5**"/>
+  <p:tag name="KSO_WM_UNIT_LAYERLEVEL" val="1"/>
+  <p:tag name="KSO_WM_TAG_VERSION" val="1.0"/>
+  <p:tag name="KSO_WM_BEAUTIFY_FLAG" val="#wm#"/>
+</p:tagLst>
+</file>
+
+<file path=ppt/tags/tag34.xml><?xml version="1.0" encoding="utf-8"?>
+<p:tagLst xmlns:a="http://schemas.openxmlformats.org/drawingml/2006/main" xmlns:r="http://schemas.openxmlformats.org/officeDocument/2006/relationships" xmlns:p="http://schemas.openxmlformats.org/presentationml/2006/main">
+  <p:tag name="KSO_WM_UNIT_HIGHLIGHT" val="0"/>
+  <p:tag name="KSO_WM_UNIT_COMPATIBLE" val="0"/>
+  <p:tag name="KSO_WM_UNIT_DIAGRAM_ISNUMVISUAL" val="0"/>
+  <p:tag name="KSO_WM_UNIT_DIAGRAM_ISREFERUNIT" val="0"/>
+  <p:tag name="KSO_WM_UNIT_ID" val="_5**"/>
+  <p:tag name="KSO_WM_UNIT_LAYERLEVEL" val="1"/>
+  <p:tag name="KSO_WM_TAG_VERSION" val="1.0"/>
+  <p:tag name="KSO_WM_BEAUTIFY_FLAG" val="#wm#"/>
+</p:tagLst>
+</file>
+
+<file path=ppt/tags/tag35.xml><?xml version="1.0" encoding="utf-8"?>
+<p:tagLst xmlns:a="http://schemas.openxmlformats.org/drawingml/2006/main" xmlns:r="http://schemas.openxmlformats.org/officeDocument/2006/relationships" xmlns:p="http://schemas.openxmlformats.org/presentationml/2006/main">
+  <p:tag name="KSO_WM_UNIT_HIGHLIGHT" val="0"/>
+  <p:tag name="KSO_WM_UNIT_COMPATIBLE" val="0"/>
+  <p:tag name="KSO_WM_UNIT_DIAGRAM_ISNUMVISUAL" val="0"/>
+  <p:tag name="KSO_WM_UNIT_DIAGRAM_ISREFERUNIT" val="0"/>
+  <p:tag name="KSO_WM_UNIT_ID" val="_5**"/>
+  <p:tag name="KSO_WM_UNIT_LAYERLEVEL" val="1"/>
+  <p:tag name="KSO_WM_TAG_VERSION" val="1.0"/>
+  <p:tag name="KSO_WM_BEAUTIFY_FLAG" val="#wm#"/>
+</p:tagLst>
+</file>
+
+<file path=ppt/tags/tag36.xml><?xml version="1.0" encoding="utf-8"?>
+<p:tagLst xmlns:a="http://schemas.openxmlformats.org/drawingml/2006/main" xmlns:r="http://schemas.openxmlformats.org/officeDocument/2006/relationships" xmlns:p="http://schemas.openxmlformats.org/presentationml/2006/main">
+  <p:tag name="KSO_WM_UNIT_HIGHLIGHT" val="0"/>
+  <p:tag name="KSO_WM_UNIT_COMPATIBLE" val="0"/>
+  <p:tag name="KSO_WM_UNIT_DIAGRAM_ISNUMVISUAL" val="0"/>
+  <p:tag name="KSO_WM_UNIT_DIAGRAM_ISREFERUNIT" val="0"/>
+  <p:tag name="KSO_WM_UNIT_ID" val="_6**"/>
+  <p:tag name="KSO_WM_UNIT_LAYERLEVEL" val="1"/>
+  <p:tag name="KSO_WM_TAG_VERSION" val="1.0"/>
+  <p:tag name="KSO_WM_BEAUTIFY_FLAG" val="#wm#"/>
+</p:tagLst>
+</file>
+
+<file path=ppt/tags/tag37.xml><?xml version="1.0" encoding="utf-8"?>
+<p:tagLst xmlns:a="http://schemas.openxmlformats.org/drawingml/2006/main" xmlns:r="http://schemas.openxmlformats.org/officeDocument/2006/relationships" xmlns:p="http://schemas.openxmlformats.org/presentationml/2006/main">
+  <p:tag name="KSO_WM_UNIT_HIGHLIGHT" val="0"/>
+  <p:tag name="KSO_WM_UNIT_COMPATIBLE" val="0"/>
+  <p:tag name="KSO_WM_UNIT_DIAGRAM_ISNUMVISUAL" val="0"/>
+  <p:tag name="KSO_WM_UNIT_DIAGRAM_ISREFERUNIT" val="0"/>
+  <p:tag name="KSO_WM_UNIT_ID" val="_6**"/>
+  <p:tag name="KSO_WM_UNIT_LAYERLEVEL" val="1"/>
+  <p:tag name="KSO_WM_TAG_VERSION" val="1.0"/>
+  <p:tag name="KSO_WM_BEAUTIFY_FLAG" val="#wm#"/>
+</p:tagLst>
+</file>
+
+<file path=ppt/tags/tag38.xml><?xml version="1.0" encoding="utf-8"?>
+<p:tagLst xmlns:a="http://schemas.openxmlformats.org/drawingml/2006/main" xmlns:r="http://schemas.openxmlformats.org/officeDocument/2006/relationships" xmlns:p="http://schemas.openxmlformats.org/presentationml/2006/main">
+  <p:tag name="KSO_WM_UNIT_HIGHLIGHT" val="0"/>
+  <p:tag name="KSO_WM_UNIT_COMPATIBLE" val="0"/>
+  <p:tag name="KSO_WM_UNIT_DIAGRAM_ISNUMVISUAL" val="0"/>
+  <p:tag name="KSO_WM_UNIT_DIAGRAM_ISREFERUNIT" val="0"/>
+  <p:tag name="KSO_WM_UNIT_ID" val="_6**"/>
+  <p:tag name="KSO_WM_UNIT_LAYERLEVEL" val="1"/>
+  <p:tag name="KSO_WM_TAG_VERSION" val="1.0"/>
+  <p:tag name="KSO_WM_BEAUTIFY_FLAG" val="#wm#"/>
+</p:tagLst>
+</file>
+
+<file path=ppt/tags/tag39.xml><?xml version="1.0" encoding="utf-8"?>
+<p:tagLst xmlns:a="http://schemas.openxmlformats.org/drawingml/2006/main" xmlns:r="http://schemas.openxmlformats.org/officeDocument/2006/relationships" xmlns:p="http://schemas.openxmlformats.org/presentationml/2006/main">
+  <p:tag name="KSO_WM_UNIT_HIGHLIGHT" val="0"/>
+  <p:tag name="KSO_WM_UNIT_COMPATIBLE" val="0"/>
+  <p:tag name="KSO_WM_UNIT_DIAGRAM_ISNUMVISUAL" val="0"/>
+  <p:tag name="KSO_WM_UNIT_DIAGRAM_ISREFERUNIT" val="0"/>
+  <p:tag name="KSO_WM_UNIT_ID" val="_6**"/>
+  <p:tag name="KSO_WM_UNIT_LAYERLEVEL" val="1"/>
+  <p:tag name="KSO_WM_TAG_VERSION" val="1.0"/>
+  <p:tag name="KSO_WM_BEAUTIFY_FLAG" val="#wm#"/>
+</p:tagLst>
+</file>
+
+<file path=ppt/tags/tag4.xml><?xml version="1.0" encoding="utf-8"?>
+<p:tagLst xmlns:a="http://schemas.openxmlformats.org/drawingml/2006/main" xmlns:r="http://schemas.openxmlformats.org/officeDocument/2006/relationships" xmlns:p="http://schemas.openxmlformats.org/presentationml/2006/main">
   <p:tag name="KSO_WM_UNIT_HIGHLIGHT" val="0"/>
   <p:tag name="KSO_WM_UNIT_COMPATIBLE" val="0"/>
   <p:tag name="KSO_WM_UNIT_DIAGRAM_ISNUMVISUAL" val="0"/>
@@ -21933,21 +20933,138 @@
 </p:tagLst>
 </file>
 
-<file path=ppt/tags/tag6.xml><?xml version="1.0" encoding="utf-8"?>
-<p:tagLst xmlns:p="http://schemas.openxmlformats.org/presentationml/2006/main">
+<file path=ppt/tags/tag40.xml><?xml version="1.0" encoding="utf-8"?>
+<p:tagLst xmlns:a="http://schemas.openxmlformats.org/drawingml/2006/main" xmlns:r="http://schemas.openxmlformats.org/officeDocument/2006/relationships" xmlns:p="http://schemas.openxmlformats.org/presentationml/2006/main">
   <p:tag name="KSO_WM_UNIT_HIGHLIGHT" val="0"/>
   <p:tag name="KSO_WM_UNIT_COMPATIBLE" val="0"/>
   <p:tag name="KSO_WM_UNIT_DIAGRAM_ISNUMVISUAL" val="0"/>
   <p:tag name="KSO_WM_UNIT_DIAGRAM_ISREFERUNIT" val="0"/>
-  <p:tag name="KSO_WM_UNIT_ID" val="_2**"/>
+  <p:tag name="KSO_WM_UNIT_ID" val="_7**"/>
   <p:tag name="KSO_WM_UNIT_LAYERLEVEL" val="1"/>
   <p:tag name="KSO_WM_TAG_VERSION" val="1.0"/>
   <p:tag name="KSO_WM_BEAUTIFY_FLAG" val="#wm#"/>
 </p:tagLst>
 </file>
 
-<file path=ppt/tags/tag60.xml><?xml version="1.0" encoding="utf-8"?>
-<p:tagLst xmlns:p="http://schemas.openxmlformats.org/presentationml/2006/main">
+<file path=ppt/tags/tag41.xml><?xml version="1.0" encoding="utf-8"?>
+<p:tagLst xmlns:a="http://schemas.openxmlformats.org/drawingml/2006/main" xmlns:r="http://schemas.openxmlformats.org/officeDocument/2006/relationships" xmlns:p="http://schemas.openxmlformats.org/presentationml/2006/main">
+  <p:tag name="KSO_WM_UNIT_HIGHLIGHT" val="0"/>
+  <p:tag name="KSO_WM_UNIT_COMPATIBLE" val="0"/>
+  <p:tag name="KSO_WM_UNIT_DIAGRAM_ISNUMVISUAL" val="0"/>
+  <p:tag name="KSO_WM_UNIT_DIAGRAM_ISREFERUNIT" val="0"/>
+  <p:tag name="KSO_WM_UNIT_ID" val="_7**"/>
+  <p:tag name="KSO_WM_UNIT_LAYERLEVEL" val="1"/>
+  <p:tag name="KSO_WM_TAG_VERSION" val="1.0"/>
+  <p:tag name="KSO_WM_BEAUTIFY_FLAG" val="#wm#"/>
+</p:tagLst>
+</file>
+
+<file path=ppt/tags/tag42.xml><?xml version="1.0" encoding="utf-8"?>
+<p:tagLst xmlns:a="http://schemas.openxmlformats.org/drawingml/2006/main" xmlns:r="http://schemas.openxmlformats.org/officeDocument/2006/relationships" xmlns:p="http://schemas.openxmlformats.org/presentationml/2006/main">
+  <p:tag name="KSO_WM_UNIT_HIGHLIGHT" val="0"/>
+  <p:tag name="KSO_WM_UNIT_COMPATIBLE" val="0"/>
+  <p:tag name="KSO_WM_UNIT_DIAGRAM_ISNUMVISUAL" val="0"/>
+  <p:tag name="KSO_WM_UNIT_DIAGRAM_ISREFERUNIT" val="0"/>
+  <p:tag name="KSO_WM_UNIT_ID" val="_7**"/>
+  <p:tag name="KSO_WM_UNIT_LAYERLEVEL" val="1"/>
+  <p:tag name="KSO_WM_TAG_VERSION" val="1.0"/>
+  <p:tag name="KSO_WM_BEAUTIFY_FLAG" val="#wm#"/>
+</p:tagLst>
+</file>
+
+<file path=ppt/tags/tag43.xml><?xml version="1.0" encoding="utf-8"?>
+<p:tagLst xmlns:a="http://schemas.openxmlformats.org/drawingml/2006/main" xmlns:r="http://schemas.openxmlformats.org/officeDocument/2006/relationships" xmlns:p="http://schemas.openxmlformats.org/presentationml/2006/main">
+  <p:tag name="KSO_WM_UNIT_HIGHLIGHT" val="0"/>
+  <p:tag name="KSO_WM_UNIT_COMPATIBLE" val="0"/>
+  <p:tag name="KSO_WM_UNIT_DIAGRAM_ISNUMVISUAL" val="0"/>
+  <p:tag name="KSO_WM_UNIT_DIAGRAM_ISREFERUNIT" val="0"/>
+  <p:tag name="KSO_WM_UNIT_ID" val="_8**"/>
+  <p:tag name="KSO_WM_UNIT_LAYERLEVEL" val="1"/>
+  <p:tag name="KSO_WM_TAG_VERSION" val="1.0"/>
+  <p:tag name="KSO_WM_BEAUTIFY_FLAG" val="#wm#"/>
+</p:tagLst>
+</file>
+
+<file path=ppt/tags/tag44.xml><?xml version="1.0" encoding="utf-8"?>
+<p:tagLst xmlns:a="http://schemas.openxmlformats.org/drawingml/2006/main" xmlns:r="http://schemas.openxmlformats.org/officeDocument/2006/relationships" xmlns:p="http://schemas.openxmlformats.org/presentationml/2006/main">
+  <p:tag name="KSO_WM_UNIT_HIGHLIGHT" val="0"/>
+  <p:tag name="KSO_WM_UNIT_COMPATIBLE" val="0"/>
+  <p:tag name="KSO_WM_UNIT_DIAGRAM_ISNUMVISUAL" val="0"/>
+  <p:tag name="KSO_WM_UNIT_DIAGRAM_ISREFERUNIT" val="0"/>
+  <p:tag name="KSO_WM_UNIT_ID" val="_8**"/>
+  <p:tag name="KSO_WM_UNIT_LAYERLEVEL" val="1"/>
+  <p:tag name="KSO_WM_TAG_VERSION" val="1.0"/>
+  <p:tag name="KSO_WM_BEAUTIFY_FLAG" val="#wm#"/>
+</p:tagLst>
+</file>
+
+<file path=ppt/tags/tag45.xml><?xml version="1.0" encoding="utf-8"?>
+<p:tagLst xmlns:a="http://schemas.openxmlformats.org/drawingml/2006/main" xmlns:r="http://schemas.openxmlformats.org/officeDocument/2006/relationships" xmlns:p="http://schemas.openxmlformats.org/presentationml/2006/main">
+  <p:tag name="KSO_WM_UNIT_HIGHLIGHT" val="0"/>
+  <p:tag name="KSO_WM_UNIT_COMPATIBLE" val="0"/>
+  <p:tag name="KSO_WM_UNIT_DIAGRAM_ISNUMVISUAL" val="0"/>
+  <p:tag name="KSO_WM_UNIT_DIAGRAM_ISREFERUNIT" val="0"/>
+  <p:tag name="KSO_WM_UNIT_ID" val="_8**"/>
+  <p:tag name="KSO_WM_UNIT_LAYERLEVEL" val="1"/>
+  <p:tag name="KSO_WM_TAG_VERSION" val="1.0"/>
+  <p:tag name="KSO_WM_BEAUTIFY_FLAG" val="#wm#"/>
+</p:tagLst>
+</file>
+
+<file path=ppt/tags/tag46.xml><?xml version="1.0" encoding="utf-8"?>
+<p:tagLst xmlns:a="http://schemas.openxmlformats.org/drawingml/2006/main" xmlns:r="http://schemas.openxmlformats.org/officeDocument/2006/relationships" xmlns:p="http://schemas.openxmlformats.org/presentationml/2006/main">
+  <p:tag name="KSO_WM_UNIT_HIGHLIGHT" val="0"/>
+  <p:tag name="KSO_WM_UNIT_COMPATIBLE" val="0"/>
+  <p:tag name="KSO_WM_UNIT_DIAGRAM_ISNUMVISUAL" val="0"/>
+  <p:tag name="KSO_WM_UNIT_DIAGRAM_ISREFERUNIT" val="0"/>
+  <p:tag name="KSO_WM_UNIT_ID" val="_8**"/>
+  <p:tag name="KSO_WM_UNIT_LAYERLEVEL" val="1"/>
+  <p:tag name="KSO_WM_TAG_VERSION" val="1.0"/>
+  <p:tag name="KSO_WM_BEAUTIFY_FLAG" val="#wm#"/>
+</p:tagLst>
+</file>
+
+<file path=ppt/tags/tag47.xml><?xml version="1.0" encoding="utf-8"?>
+<p:tagLst xmlns:a="http://schemas.openxmlformats.org/drawingml/2006/main" xmlns:r="http://schemas.openxmlformats.org/officeDocument/2006/relationships" xmlns:p="http://schemas.openxmlformats.org/presentationml/2006/main">
+  <p:tag name="KSO_WM_UNIT_HIGHLIGHT" val="0"/>
+  <p:tag name="KSO_WM_UNIT_COMPATIBLE" val="0"/>
+  <p:tag name="KSO_WM_UNIT_DIAGRAM_ISNUMVISUAL" val="0"/>
+  <p:tag name="KSO_WM_UNIT_DIAGRAM_ISREFERUNIT" val="0"/>
+  <p:tag name="KSO_WM_UNIT_ID" val="_8**"/>
+  <p:tag name="KSO_WM_UNIT_LAYERLEVEL" val="1"/>
+  <p:tag name="KSO_WM_TAG_VERSION" val="1.0"/>
+  <p:tag name="KSO_WM_BEAUTIFY_FLAG" val="#wm#"/>
+</p:tagLst>
+</file>
+
+<file path=ppt/tags/tag48.xml><?xml version="1.0" encoding="utf-8"?>
+<p:tagLst xmlns:a="http://schemas.openxmlformats.org/drawingml/2006/main" xmlns:r="http://schemas.openxmlformats.org/officeDocument/2006/relationships" xmlns:p="http://schemas.openxmlformats.org/presentationml/2006/main">
+  <p:tag name="KSO_WM_UNIT_HIGHLIGHT" val="0"/>
+  <p:tag name="KSO_WM_UNIT_COMPATIBLE" val="0"/>
+  <p:tag name="KSO_WM_UNIT_DIAGRAM_ISNUMVISUAL" val="0"/>
+  <p:tag name="KSO_WM_UNIT_DIAGRAM_ISREFERUNIT" val="0"/>
+  <p:tag name="KSO_WM_UNIT_ID" val="_8**"/>
+  <p:tag name="KSO_WM_UNIT_LAYERLEVEL" val="1"/>
+  <p:tag name="KSO_WM_TAG_VERSION" val="1.0"/>
+  <p:tag name="KSO_WM_BEAUTIFY_FLAG" val="#wm#"/>
+</p:tagLst>
+</file>
+
+<file path=ppt/tags/tag49.xml><?xml version="1.0" encoding="utf-8"?>
+<p:tagLst xmlns:a="http://schemas.openxmlformats.org/drawingml/2006/main" xmlns:r="http://schemas.openxmlformats.org/officeDocument/2006/relationships" xmlns:p="http://schemas.openxmlformats.org/presentationml/2006/main">
+  <p:tag name="KSO_WM_UNIT_HIGHLIGHT" val="0"/>
+  <p:tag name="KSO_WM_UNIT_COMPATIBLE" val="0"/>
+  <p:tag name="KSO_WM_UNIT_DIAGRAM_ISNUMVISUAL" val="0"/>
+  <p:tag name="KSO_WM_UNIT_DIAGRAM_ISREFERUNIT" val="0"/>
+  <p:tag name="KSO_WM_UNIT_ID" val="_9**"/>
+  <p:tag name="KSO_WM_UNIT_LAYERLEVEL" val="1"/>
+  <p:tag name="KSO_WM_TAG_VERSION" val="1.0"/>
+  <p:tag name="KSO_WM_BEAUTIFY_FLAG" val="#wm#"/>
+</p:tagLst>
+</file>
+
+<file path=ppt/tags/tag5.xml><?xml version="1.0" encoding="utf-8"?>
+<p:tagLst xmlns:a="http://schemas.openxmlformats.org/drawingml/2006/main" xmlns:r="http://schemas.openxmlformats.org/officeDocument/2006/relationships" xmlns:p="http://schemas.openxmlformats.org/presentationml/2006/main">
   <p:tag name="KSO_WM_UNIT_HIGHLIGHT" val="0"/>
   <p:tag name="KSO_WM_UNIT_COMPATIBLE" val="0"/>
   <p:tag name="KSO_WM_UNIT_DIAGRAM_ISNUMVISUAL" val="0"/>
@@ -21959,8 +21076,138 @@
 </p:tagLst>
 </file>
 
-<file path=ppt/tags/tag61.xml><?xml version="1.0" encoding="utf-8"?>
-<p:tagLst xmlns:p="http://schemas.openxmlformats.org/presentationml/2006/main">
+<file path=ppt/tags/tag50.xml><?xml version="1.0" encoding="utf-8"?>
+<p:tagLst xmlns:a="http://schemas.openxmlformats.org/drawingml/2006/main" xmlns:r="http://schemas.openxmlformats.org/officeDocument/2006/relationships" xmlns:p="http://schemas.openxmlformats.org/presentationml/2006/main">
+  <p:tag name="KSO_WM_UNIT_HIGHLIGHT" val="0"/>
+  <p:tag name="KSO_WM_UNIT_COMPATIBLE" val="0"/>
+  <p:tag name="KSO_WM_UNIT_DIAGRAM_ISNUMVISUAL" val="0"/>
+  <p:tag name="KSO_WM_UNIT_DIAGRAM_ISREFERUNIT" val="0"/>
+  <p:tag name="KSO_WM_UNIT_ID" val="_9**"/>
+  <p:tag name="KSO_WM_UNIT_LAYERLEVEL" val="1"/>
+  <p:tag name="KSO_WM_TAG_VERSION" val="1.0"/>
+  <p:tag name="KSO_WM_BEAUTIFY_FLAG" val="#wm#"/>
+</p:tagLst>
+</file>
+
+<file path=ppt/tags/tag51.xml><?xml version="1.0" encoding="utf-8"?>
+<p:tagLst xmlns:a="http://schemas.openxmlformats.org/drawingml/2006/main" xmlns:r="http://schemas.openxmlformats.org/officeDocument/2006/relationships" xmlns:p="http://schemas.openxmlformats.org/presentationml/2006/main">
+  <p:tag name="KSO_WM_UNIT_HIGHLIGHT" val="0"/>
+  <p:tag name="KSO_WM_UNIT_COMPATIBLE" val="0"/>
+  <p:tag name="KSO_WM_UNIT_DIAGRAM_ISNUMVISUAL" val="0"/>
+  <p:tag name="KSO_WM_UNIT_DIAGRAM_ISREFERUNIT" val="0"/>
+  <p:tag name="KSO_WM_UNIT_ID" val="_9**"/>
+  <p:tag name="KSO_WM_UNIT_LAYERLEVEL" val="1"/>
+  <p:tag name="KSO_WM_TAG_VERSION" val="1.0"/>
+  <p:tag name="KSO_WM_BEAUTIFY_FLAG" val="#wm#"/>
+</p:tagLst>
+</file>
+
+<file path=ppt/tags/tag52.xml><?xml version="1.0" encoding="utf-8"?>
+<p:tagLst xmlns:a="http://schemas.openxmlformats.org/drawingml/2006/main" xmlns:r="http://schemas.openxmlformats.org/officeDocument/2006/relationships" xmlns:p="http://schemas.openxmlformats.org/presentationml/2006/main">
+  <p:tag name="KSO_WM_UNIT_HIGHLIGHT" val="0"/>
+  <p:tag name="KSO_WM_UNIT_COMPATIBLE" val="0"/>
+  <p:tag name="KSO_WM_UNIT_DIAGRAM_ISNUMVISUAL" val="0"/>
+  <p:tag name="KSO_WM_UNIT_DIAGRAM_ISREFERUNIT" val="0"/>
+  <p:tag name="KSO_WM_UNIT_ID" val="_9**"/>
+  <p:tag name="KSO_WM_UNIT_LAYERLEVEL" val="1"/>
+  <p:tag name="KSO_WM_TAG_VERSION" val="1.0"/>
+  <p:tag name="KSO_WM_BEAUTIFY_FLAG" val="#wm#"/>
+</p:tagLst>
+</file>
+
+<file path=ppt/tags/tag53.xml><?xml version="1.0" encoding="utf-8"?>
+<p:tagLst xmlns:a="http://schemas.openxmlformats.org/drawingml/2006/main" xmlns:r="http://schemas.openxmlformats.org/officeDocument/2006/relationships" xmlns:p="http://schemas.openxmlformats.org/presentationml/2006/main">
+  <p:tag name="KSO_WM_UNIT_HIGHLIGHT" val="0"/>
+  <p:tag name="KSO_WM_UNIT_COMPATIBLE" val="0"/>
+  <p:tag name="KSO_WM_UNIT_DIAGRAM_ISNUMVISUAL" val="0"/>
+  <p:tag name="KSO_WM_UNIT_DIAGRAM_ISREFERUNIT" val="0"/>
+  <p:tag name="KSO_WM_UNIT_ID" val="_9**"/>
+  <p:tag name="KSO_WM_UNIT_LAYERLEVEL" val="1"/>
+  <p:tag name="KSO_WM_TAG_VERSION" val="1.0"/>
+  <p:tag name="KSO_WM_BEAUTIFY_FLAG" val="#wm#"/>
+</p:tagLst>
+</file>
+
+<file path=ppt/tags/tag54.xml><?xml version="1.0" encoding="utf-8"?>
+<p:tagLst xmlns:a="http://schemas.openxmlformats.org/drawingml/2006/main" xmlns:r="http://schemas.openxmlformats.org/officeDocument/2006/relationships" xmlns:p="http://schemas.openxmlformats.org/presentationml/2006/main">
+  <p:tag name="KSO_WM_UNIT_HIGHLIGHT" val="0"/>
+  <p:tag name="KSO_WM_UNIT_COMPATIBLE" val="0"/>
+  <p:tag name="KSO_WM_UNIT_DIAGRAM_ISNUMVISUAL" val="0"/>
+  <p:tag name="KSO_WM_UNIT_DIAGRAM_ISREFERUNIT" val="0"/>
+  <p:tag name="KSO_WM_UNIT_ID" val="_10**"/>
+  <p:tag name="KSO_WM_UNIT_LAYERLEVEL" val="1"/>
+  <p:tag name="KSO_WM_TAG_VERSION" val="1.0"/>
+  <p:tag name="KSO_WM_BEAUTIFY_FLAG" val="#wm#"/>
+</p:tagLst>
+</file>
+
+<file path=ppt/tags/tag55.xml><?xml version="1.0" encoding="utf-8"?>
+<p:tagLst xmlns:a="http://schemas.openxmlformats.org/drawingml/2006/main" xmlns:r="http://schemas.openxmlformats.org/officeDocument/2006/relationships" xmlns:p="http://schemas.openxmlformats.org/presentationml/2006/main">
+  <p:tag name="KSO_WM_UNIT_HIGHLIGHT" val="0"/>
+  <p:tag name="KSO_WM_UNIT_COMPATIBLE" val="0"/>
+  <p:tag name="KSO_WM_UNIT_DIAGRAM_ISNUMVISUAL" val="0"/>
+  <p:tag name="KSO_WM_UNIT_DIAGRAM_ISREFERUNIT" val="0"/>
+  <p:tag name="KSO_WM_UNIT_ID" val="_10**"/>
+  <p:tag name="KSO_WM_UNIT_LAYERLEVEL" val="1"/>
+  <p:tag name="KSO_WM_TAG_VERSION" val="1.0"/>
+  <p:tag name="KSO_WM_BEAUTIFY_FLAG" val="#wm#"/>
+</p:tagLst>
+</file>
+
+<file path=ppt/tags/tag56.xml><?xml version="1.0" encoding="utf-8"?>
+<p:tagLst xmlns:a="http://schemas.openxmlformats.org/drawingml/2006/main" xmlns:r="http://schemas.openxmlformats.org/officeDocument/2006/relationships" xmlns:p="http://schemas.openxmlformats.org/presentationml/2006/main">
+  <p:tag name="KSO_WM_UNIT_HIGHLIGHT" val="0"/>
+  <p:tag name="KSO_WM_UNIT_COMPATIBLE" val="0"/>
+  <p:tag name="KSO_WM_UNIT_DIAGRAM_ISNUMVISUAL" val="0"/>
+  <p:tag name="KSO_WM_UNIT_DIAGRAM_ISREFERUNIT" val="0"/>
+  <p:tag name="KSO_WM_UNIT_ID" val="_10**"/>
+  <p:tag name="KSO_WM_UNIT_LAYERLEVEL" val="1"/>
+  <p:tag name="KSO_WM_TAG_VERSION" val="1.0"/>
+  <p:tag name="KSO_WM_BEAUTIFY_FLAG" val="#wm#"/>
+</p:tagLst>
+</file>
+
+<file path=ppt/tags/tag57.xml><?xml version="1.0" encoding="utf-8"?>
+<p:tagLst xmlns:a="http://schemas.openxmlformats.org/drawingml/2006/main" xmlns:r="http://schemas.openxmlformats.org/officeDocument/2006/relationships" xmlns:p="http://schemas.openxmlformats.org/presentationml/2006/main">
+  <p:tag name="KSO_WM_UNIT_HIGHLIGHT" val="0"/>
+  <p:tag name="KSO_WM_UNIT_COMPATIBLE" val="0"/>
+  <p:tag name="KSO_WM_UNIT_DIAGRAM_ISNUMVISUAL" val="0"/>
+  <p:tag name="KSO_WM_UNIT_DIAGRAM_ISREFERUNIT" val="0"/>
+  <p:tag name="KSO_WM_UNIT_ID" val="_10**"/>
+  <p:tag name="KSO_WM_UNIT_LAYERLEVEL" val="1"/>
+  <p:tag name="KSO_WM_TAG_VERSION" val="1.0"/>
+  <p:tag name="KSO_WM_BEAUTIFY_FLAG" val="#wm#"/>
+</p:tagLst>
+</file>
+
+<file path=ppt/tags/tag58.xml><?xml version="1.0" encoding="utf-8"?>
+<p:tagLst xmlns:a="http://schemas.openxmlformats.org/drawingml/2006/main" xmlns:r="http://schemas.openxmlformats.org/officeDocument/2006/relationships" xmlns:p="http://schemas.openxmlformats.org/presentationml/2006/main">
+  <p:tag name="KSO_WM_UNIT_HIGHLIGHT" val="0"/>
+  <p:tag name="KSO_WM_UNIT_COMPATIBLE" val="0"/>
+  <p:tag name="KSO_WM_UNIT_DIAGRAM_ISNUMVISUAL" val="0"/>
+  <p:tag name="KSO_WM_UNIT_DIAGRAM_ISREFERUNIT" val="0"/>
+  <p:tag name="KSO_WM_UNIT_ID" val="_11**"/>
+  <p:tag name="KSO_WM_UNIT_LAYERLEVEL" val="1"/>
+  <p:tag name="KSO_WM_TAG_VERSION" val="1.0"/>
+  <p:tag name="KSO_WM_BEAUTIFY_FLAG" val="#wm#"/>
+</p:tagLst>
+</file>
+
+<file path=ppt/tags/tag59.xml><?xml version="1.0" encoding="utf-8"?>
+<p:tagLst xmlns:a="http://schemas.openxmlformats.org/drawingml/2006/main" xmlns:r="http://schemas.openxmlformats.org/officeDocument/2006/relationships" xmlns:p="http://schemas.openxmlformats.org/presentationml/2006/main">
+  <p:tag name="KSO_WM_UNIT_HIGHLIGHT" val="0"/>
+  <p:tag name="KSO_WM_UNIT_COMPATIBLE" val="0"/>
+  <p:tag name="KSO_WM_UNIT_DIAGRAM_ISNUMVISUAL" val="0"/>
+  <p:tag name="KSO_WM_UNIT_DIAGRAM_ISREFERUNIT" val="0"/>
+  <p:tag name="KSO_WM_UNIT_ID" val="_11**"/>
+  <p:tag name="KSO_WM_UNIT_LAYERLEVEL" val="1"/>
+  <p:tag name="KSO_WM_TAG_VERSION" val="1.0"/>
+  <p:tag name="KSO_WM_BEAUTIFY_FLAG" val="#wm#"/>
+</p:tagLst>
+</file>
+
+<file path=ppt/tags/tag6.xml><?xml version="1.0" encoding="utf-8"?>
+<p:tagLst xmlns:a="http://schemas.openxmlformats.org/drawingml/2006/main" xmlns:r="http://schemas.openxmlformats.org/officeDocument/2006/relationships" xmlns:p="http://schemas.openxmlformats.org/presentationml/2006/main">
   <p:tag name="KSO_WM_UNIT_HIGHLIGHT" val="0"/>
   <p:tag name="KSO_WM_UNIT_COMPATIBLE" val="0"/>
   <p:tag name="KSO_WM_UNIT_DIAGRAM_ISNUMVISUAL" val="0"/>
@@ -21972,27 +21219,52 @@
 </p:tagLst>
 </file>
 
-<file path=ppt/tags/tag62.xml><?xml version="1.0" encoding="utf-8"?>
-<p:tagLst xmlns:p="http://schemas.openxmlformats.org/presentationml/2006/main">
-  <p:tag name="KSO_WM_TEMPLATE_THUMBS_INDEX" val="1、4、7、12、13、14、15、16、17、18、20、24、25、28、33、36、40、43、44"/>
-  <p:tag name="KSO_WM_TEMPLATE_SUBCATEGORY" val="19"/>
+<file path=ppt/tags/tag60.xml><?xml version="1.0" encoding="utf-8"?>
+<p:tagLst xmlns:a="http://schemas.openxmlformats.org/drawingml/2006/main" xmlns:r="http://schemas.openxmlformats.org/officeDocument/2006/relationships" xmlns:p="http://schemas.openxmlformats.org/presentationml/2006/main">
+  <p:tag name="KSO_WM_UNIT_HIGHLIGHT" val="0"/>
+  <p:tag name="KSO_WM_UNIT_COMPATIBLE" val="0"/>
+  <p:tag name="KSO_WM_UNIT_DIAGRAM_ISNUMVISUAL" val="0"/>
+  <p:tag name="KSO_WM_UNIT_DIAGRAM_ISREFERUNIT" val="0"/>
+  <p:tag name="KSO_WM_UNIT_ID" val="_11**"/>
+  <p:tag name="KSO_WM_UNIT_LAYERLEVEL" val="1"/>
   <p:tag name="KSO_WM_TAG_VERSION" val="1.0"/>
   <p:tag name="KSO_WM_BEAUTIFY_FLAG" val="#wm#"/>
-  <p:tag name="KSO_WM_TEMPLATE_CATEGORY" val="custom"/>
-  <p:tag name="KSO_WM_TEMPLATE_INDEX" val="20205081"/>
-  <p:tag name="KSO_WM_TEMPLATE_MASTER_TYPE" val="0"/>
-  <p:tag name="KSO_WM_TEMPLATE_COLOR_TYPE" val="1"/>
-  <p:tag name="KSO_WM_UNIT_SHOW_EDIT_AREA_INDICATION" val="1"/>
+</p:tagLst>
+</file>
+
+<file path=ppt/tags/tag61.xml><?xml version="1.0" encoding="utf-8"?>
+<p:tagLst xmlns:a="http://schemas.openxmlformats.org/drawingml/2006/main" xmlns:r="http://schemas.openxmlformats.org/officeDocument/2006/relationships" xmlns:p="http://schemas.openxmlformats.org/presentationml/2006/main">
+  <p:tag name="KSO_WM_UNIT_HIGHLIGHT" val="0"/>
+  <p:tag name="KSO_WM_UNIT_COMPATIBLE" val="0"/>
+  <p:tag name="KSO_WM_UNIT_DIAGRAM_ISNUMVISUAL" val="0"/>
+  <p:tag name="KSO_WM_UNIT_DIAGRAM_ISREFERUNIT" val="0"/>
+  <p:tag name="KSO_WM_UNIT_ID" val="_11**"/>
+  <p:tag name="KSO_WM_UNIT_LAYERLEVEL" val="1"/>
+  <p:tag name="KSO_WM_TAG_VERSION" val="1.0"/>
+  <p:tag name="KSO_WM_BEAUTIFY_FLAG" val="#wm#"/>
+</p:tagLst>
+</file>
+
+<file path=ppt/tags/tag62.xml><?xml version="1.0" encoding="utf-8"?>
+<p:tagLst xmlns:a="http://schemas.openxmlformats.org/drawingml/2006/main" xmlns:r="http://schemas.openxmlformats.org/officeDocument/2006/relationships" xmlns:p="http://schemas.openxmlformats.org/presentationml/2006/main">
+  <p:tag name="KSO_WM_UNIT_HIGHLIGHT" val="0"/>
+  <p:tag name="KSO_WM_UNIT_COMPATIBLE" val="0"/>
+  <p:tag name="KSO_WM_UNIT_DIAGRAM_ISNUMVISUAL" val="0"/>
+  <p:tag name="KSO_WM_UNIT_DIAGRAM_ISREFERUNIT" val="0"/>
+  <p:tag name="KSO_WM_UNIT_ID" val="_11**"/>
+  <p:tag name="KSO_WM_UNIT_LAYERLEVEL" val="1"/>
+  <p:tag name="KSO_WM_TAG_VERSION" val="1.0"/>
+  <p:tag name="KSO_WM_BEAUTIFY_FLAG" val="#wm#"/>
 </p:tagLst>
 </file>
 
 <file path=ppt/tags/tag7.xml><?xml version="1.0" encoding="utf-8"?>
-<p:tagLst xmlns:p="http://schemas.openxmlformats.org/presentationml/2006/main">
+<p:tagLst xmlns:a="http://schemas.openxmlformats.org/drawingml/2006/main" xmlns:r="http://schemas.openxmlformats.org/officeDocument/2006/relationships" xmlns:p="http://schemas.openxmlformats.org/presentationml/2006/main">
   <p:tag name="KSO_WM_UNIT_HIGHLIGHT" val="0"/>
   <p:tag name="KSO_WM_UNIT_COMPATIBLE" val="0"/>
   <p:tag name="KSO_WM_UNIT_DIAGRAM_ISNUMVISUAL" val="0"/>
   <p:tag name="KSO_WM_UNIT_DIAGRAM_ISREFERUNIT" val="0"/>
-  <p:tag name="KSO_WM_UNIT_ID" val="_2**"/>
+  <p:tag name="KSO_WM_UNIT_ID" val="_1**"/>
   <p:tag name="KSO_WM_UNIT_LAYERLEVEL" val="1"/>
   <p:tag name="KSO_WM_TAG_VERSION" val="1.0"/>
   <p:tag name="KSO_WM_BEAUTIFY_FLAG" val="#wm#"/>
@@ -22000,12 +21272,12 @@
 </file>
 
 <file path=ppt/tags/tag8.xml><?xml version="1.0" encoding="utf-8"?>
-<p:tagLst xmlns:p="http://schemas.openxmlformats.org/presentationml/2006/main">
+<p:tagLst xmlns:a="http://schemas.openxmlformats.org/drawingml/2006/main" xmlns:r="http://schemas.openxmlformats.org/officeDocument/2006/relationships" xmlns:p="http://schemas.openxmlformats.org/presentationml/2006/main">
   <p:tag name="KSO_WM_UNIT_HIGHLIGHT" val="0"/>
   <p:tag name="KSO_WM_UNIT_COMPATIBLE" val="0"/>
   <p:tag name="KSO_WM_UNIT_DIAGRAM_ISNUMVISUAL" val="0"/>
   <p:tag name="KSO_WM_UNIT_DIAGRAM_ISREFERUNIT" val="0"/>
-  <p:tag name="KSO_WM_UNIT_ID" val="_2**"/>
+  <p:tag name="KSO_WM_UNIT_ID" val="_1**"/>
   <p:tag name="KSO_WM_UNIT_LAYERLEVEL" val="1"/>
   <p:tag name="KSO_WM_TAG_VERSION" val="1.0"/>
   <p:tag name="KSO_WM_BEAUTIFY_FLAG" val="#wm#"/>
@@ -22013,12 +21285,12 @@
 </file>
 
 <file path=ppt/tags/tag9.xml><?xml version="1.0" encoding="utf-8"?>
-<p:tagLst xmlns:p="http://schemas.openxmlformats.org/presentationml/2006/main">
+<p:tagLst xmlns:a="http://schemas.openxmlformats.org/drawingml/2006/main" xmlns:r="http://schemas.openxmlformats.org/officeDocument/2006/relationships" xmlns:p="http://schemas.openxmlformats.org/presentationml/2006/main">
   <p:tag name="KSO_WM_UNIT_HIGHLIGHT" val="0"/>
   <p:tag name="KSO_WM_UNIT_COMPATIBLE" val="0"/>
   <p:tag name="KSO_WM_UNIT_DIAGRAM_ISNUMVISUAL" val="0"/>
   <p:tag name="KSO_WM_UNIT_DIAGRAM_ISREFERUNIT" val="0"/>
-  <p:tag name="KSO_WM_UNIT_ID" val="_2**"/>
+  <p:tag name="KSO_WM_UNIT_ID" val="_1**"/>
   <p:tag name="KSO_WM_UNIT_LAYERLEVEL" val="1"/>
   <p:tag name="KSO_WM_TAG_VERSION" val="1.0"/>
   <p:tag name="KSO_WM_BEAUTIFY_FLAG" val="#wm#"/>
@@ -22276,6 +21548,8 @@
       </a:bgFillStyleLst>
     </a:fmtScheme>
   </a:themeElements>
+  <a:objectDefaults/>
+  <a:extraClrSchemeLst/>
   <a:extLst>
     <a:ext uri="{05A4C25C-085E-4340-85A3-A5531E510DB2}">
       <thm15:themeFamily xmlns:thm15="http://schemas.microsoft.com/office/thememl/2012/main" name="Office Theme" id="{62F939B6-93AF-4DB8-9C6B-D6C7DFDC589F}" vid="{4A3C46E8-61CC-4603-A589-7422A47A8E4A}"/>
@@ -22475,6 +21749,8 @@
       </a:bgFillStyleLst>
     </a:fmtScheme>
   </a:themeElements>
+  <a:objectDefaults/>
+  <a:extraClrSchemeLst/>
   <a:extLst>
     <a:ext uri="{05A4C25C-085E-4340-85A3-A5531E510DB2}">
       <thm15:themeFamily xmlns:thm15="http://schemas.microsoft.com/office/thememl/2012/main" name="Office Theme" id="{62F939B6-93AF-4DB8-9C6B-D6C7DFDC589F}" vid="{4A3C46E8-61CC-4603-A589-7422A47A8E4A}"/>
@@ -22734,6 +22010,8 @@
       </a:bgFillStyleLst>
     </a:fmtScheme>
   </a:themeElements>
+  <a:objectDefaults/>
+  <a:extraClrSchemeLst/>
   <a:extLst>
     <a:ext uri="{05A4C25C-085E-4340-85A3-A5531E510DB2}">
       <thm15:themeFamily xmlns:thm15="http://schemas.microsoft.com/office/thememl/2012/main" name="Office Theme" id="{62F939B6-93AF-4DB8-9C6B-D6C7DFDC589F}" vid="{4A3C46E8-61CC-4603-A589-7422A47A8E4A}"/>
@@ -22993,6 +22271,8 @@
       </a:bgFillStyleLst>
     </a:fmtScheme>
   </a:themeElements>
+  <a:objectDefaults/>
+  <a:extraClrSchemeLst/>
   <a:extLst>
     <a:ext uri="{05A4C25C-085E-4340-85A3-A5531E510DB2}">
       <thm15:themeFamily xmlns:thm15="http://schemas.microsoft.com/office/thememl/2012/main" name="Office Theme" id="{62F939B6-93AF-4DB8-9C6B-D6C7DFDC589F}" vid="{4A3C46E8-61CC-4603-A589-7422A47A8E4A}"/>
